--- a/documents/posters/ONeil_Undergraduate_Research_Symposium_2017_poster.pptx
+++ b/documents/posters/ONeil_Undergraduate_Research_Symposium_2017_poster.pptx
@@ -109,7 +109,7 @@
   </p:defaultTextStyle>
   <p:extLst>
     <p:ext uri="{EFAFB233-063F-42B5-8137-9DF3F51BA10A}">
-      <p15:sldGuideLst xmlns:p15="http://schemas.microsoft.com/office/powerpoint/2012/main" xmlns="">
+      <p15:sldGuideLst xmlns="" xmlns:p15="http://schemas.microsoft.com/office/powerpoint/2012/main">
         <p15:guide id="1" orient="horz" pos="10368">
           <p15:clr>
             <a:srgbClr val="A4A3A4"/>
@@ -155,7 +155,15 @@
             </a:r>
             <a:r>
               <a:rPr lang="en-US" dirty="0"/>
-              <a:t>of each gene calculated for each network</a:t>
+              <a:t>of each </a:t>
+            </a:r>
+            <a:r>
+              <a:rPr lang="en-US" dirty="0" smtClean="0"/>
+              <a:t>gene </a:t>
+            </a:r>
+            <a:r>
+              <a:rPr lang="en-US" dirty="0"/>
+              <a:t>for each network</a:t>
             </a:r>
           </a:p>
         </c:rich>
@@ -1146,11 +1154,11 @@
           <c:showBubbleSize val="0"/>
         </c:dLbls>
         <c:gapWidth val="150"/>
-        <c:axId val="2125701144"/>
-        <c:axId val="2125097960"/>
+        <c:axId val="-2138532456"/>
+        <c:axId val="-2131454440"/>
       </c:barChart>
       <c:catAx>
-        <c:axId val="2125701144"/>
+        <c:axId val="-2138532456"/>
         <c:scaling>
           <c:orientation val="minMax"/>
         </c:scaling>
@@ -1159,7 +1167,7 @@
         <c:majorTickMark val="out"/>
         <c:minorTickMark val="none"/>
         <c:tickLblPos val="nextTo"/>
-        <c:crossAx val="2125097960"/>
+        <c:crossAx val="-2131454440"/>
         <c:crosses val="autoZero"/>
         <c:auto val="1"/>
         <c:lblAlgn val="ctr"/>
@@ -1167,7 +1175,7 @@
         <c:noMultiLvlLbl val="0"/>
       </c:catAx>
       <c:valAx>
-        <c:axId val="2125097960"/>
+        <c:axId val="-2131454440"/>
         <c:scaling>
           <c:orientation val="minMax"/>
         </c:scaling>
@@ -1177,7 +1185,7 @@
         <c:majorTickMark val="out"/>
         <c:minorTickMark val="none"/>
         <c:tickLblPos val="nextTo"/>
-        <c:crossAx val="2125701144"/>
+        <c:crossAx val="-2138532456"/>
         <c:crosses val="autoZero"/>
         <c:crossBetween val="between"/>
       </c:valAx>
@@ -1221,8 +1229,20 @@
               <a:defRPr/>
             </a:pPr>
             <a:r>
-              <a:rPr lang="en-US"/>
-              <a:t>Closeness centrality of each gene calculated for each network</a:t>
+              <a:rPr lang="en-US" dirty="0" smtClean="0"/>
+              <a:t>Closeness of </a:t>
+            </a:r>
+            <a:r>
+              <a:rPr lang="en-US" dirty="0"/>
+              <a:t>each gene </a:t>
+            </a:r>
+            <a:r>
+              <a:rPr lang="en-US" dirty="0" smtClean="0"/>
+              <a:t>for </a:t>
+            </a:r>
+            <a:r>
+              <a:rPr lang="en-US" dirty="0"/>
+              <a:t>each network</a:t>
             </a:r>
           </a:p>
         </c:rich>
@@ -2213,11 +2233,11 @@
           <c:showBubbleSize val="0"/>
         </c:dLbls>
         <c:gapWidth val="150"/>
-        <c:axId val="-2076958520"/>
-        <c:axId val="-2117450120"/>
+        <c:axId val="2123281688"/>
+        <c:axId val="-2131016104"/>
       </c:barChart>
       <c:catAx>
-        <c:axId val="-2076958520"/>
+        <c:axId val="2123281688"/>
         <c:scaling>
           <c:orientation val="minMax"/>
         </c:scaling>
@@ -2226,7 +2246,7 @@
         <c:majorTickMark val="out"/>
         <c:minorTickMark val="none"/>
         <c:tickLblPos val="nextTo"/>
-        <c:crossAx val="-2117450120"/>
+        <c:crossAx val="-2131016104"/>
         <c:crosses val="autoZero"/>
         <c:auto val="1"/>
         <c:lblAlgn val="ctr"/>
@@ -2234,7 +2254,7 @@
         <c:noMultiLvlLbl val="0"/>
       </c:catAx>
       <c:valAx>
-        <c:axId val="-2117450120"/>
+        <c:axId val="-2131016104"/>
         <c:scaling>
           <c:orientation val="minMax"/>
         </c:scaling>
@@ -2244,7 +2264,7 @@
         <c:majorTickMark val="out"/>
         <c:minorTickMark val="none"/>
         <c:tickLblPos val="nextTo"/>
-        <c:crossAx val="-2076958520"/>
+        <c:crossAx val="2123281688"/>
         <c:crosses val="autoZero"/>
         <c:crossBetween val="between"/>
       </c:valAx>
@@ -2288,8 +2308,28 @@
               <a:defRPr/>
             </a:pPr>
             <a:r>
-              <a:rPr lang="en-US"/>
-              <a:t>Betweenness centrality of each gene calculated for each network</a:t>
+              <a:rPr lang="en-US" dirty="0" err="1"/>
+              <a:t>Betweenness</a:t>
+            </a:r>
+            <a:r>
+              <a:rPr lang="en-US" dirty="0"/>
+              <a:t> </a:t>
+            </a:r>
+            <a:r>
+              <a:rPr lang="en-US" dirty="0" smtClean="0"/>
+              <a:t>of </a:t>
+            </a:r>
+            <a:r>
+              <a:rPr lang="en-US" dirty="0"/>
+              <a:t>each gene </a:t>
+            </a:r>
+            <a:r>
+              <a:rPr lang="en-US" dirty="0" smtClean="0"/>
+              <a:t>for </a:t>
+            </a:r>
+            <a:r>
+              <a:rPr lang="en-US" dirty="0"/>
+              <a:t>each network</a:t>
             </a:r>
           </a:p>
         </c:rich>
@@ -3280,11 +3320,11 @@
           <c:showBubbleSize val="0"/>
         </c:dLbls>
         <c:gapWidth val="150"/>
-        <c:axId val="-2117451240"/>
-        <c:axId val="-2100950808"/>
+        <c:axId val="-2131753912"/>
+        <c:axId val="-2131418392"/>
       </c:barChart>
       <c:catAx>
-        <c:axId val="-2117451240"/>
+        <c:axId val="-2131753912"/>
         <c:scaling>
           <c:orientation val="minMax"/>
         </c:scaling>
@@ -3293,7 +3333,7 @@
         <c:majorTickMark val="out"/>
         <c:minorTickMark val="none"/>
         <c:tickLblPos val="nextTo"/>
-        <c:crossAx val="-2100950808"/>
+        <c:crossAx val="-2131418392"/>
         <c:crosses val="autoZero"/>
         <c:auto val="1"/>
         <c:lblAlgn val="ctr"/>
@@ -3301,7 +3341,7 @@
         <c:noMultiLvlLbl val="0"/>
       </c:catAx>
       <c:valAx>
-        <c:axId val="-2100950808"/>
+        <c:axId val="-2131418392"/>
         <c:scaling>
           <c:orientation val="minMax"/>
         </c:scaling>
@@ -3311,7 +3351,7 @@
         <c:majorTickMark val="out"/>
         <c:minorTickMark val="none"/>
         <c:tickLblPos val="nextTo"/>
-        <c:crossAx val="-2117451240"/>
+        <c:crossAx val="-2131753912"/>
         <c:crosses val="autoZero"/>
         <c:crossBetween val="between"/>
       </c:valAx>
@@ -3641,48 +3681,48 @@
             <c:numRef>
               <c:f>'Compiled Stats'!$U$3:$U$29</c:f>
               <c:numCache>
-                <c:formatCode>0.0000</c:formatCode>
+                <c:formatCode>General</c:formatCode>
                 <c:ptCount val="27"/>
-                <c:pt idx="5">
+                <c:pt idx="5" formatCode="0.0000">
                   <c:v>-0.020893629994938</c:v>
                 </c:pt>
-                <c:pt idx="9">
+                <c:pt idx="9" formatCode="0.0000">
                   <c:v>-3.207275682548163</c:v>
                 </c:pt>
-                <c:pt idx="10">
+                <c:pt idx="10" formatCode="0.0000">
                   <c:v>0.0557952963095069</c:v>
                 </c:pt>
-                <c:pt idx="11">
+                <c:pt idx="11" formatCode="0.0000">
                   <c:v>0.0</c:v>
                 </c:pt>
-                <c:pt idx="12">
+                <c:pt idx="12" formatCode="0.0000">
                   <c:v>0.343508827636256</c:v>
                 </c:pt>
-                <c:pt idx="15">
+                <c:pt idx="15" formatCode="0.0000">
                   <c:v>0.0</c:v>
                 </c:pt>
-                <c:pt idx="16">
+                <c:pt idx="16" formatCode="0.0000">
                   <c:v>-0.482545083440325</c:v>
                 </c:pt>
-                <c:pt idx="18">
+                <c:pt idx="18" formatCode="0.0000">
                   <c:v>0.0</c:v>
                 </c:pt>
-                <c:pt idx="19">
+                <c:pt idx="19" formatCode="0.0000">
                   <c:v>-1.635382864957668</c:v>
                 </c:pt>
-                <c:pt idx="20">
+                <c:pt idx="20" formatCode="0.0000">
                   <c:v>-0.852341408882676</c:v>
                 </c:pt>
-                <c:pt idx="21">
+                <c:pt idx="21" formatCode="0.0000">
                   <c:v>-2.257079248970908</c:v>
                 </c:pt>
-                <c:pt idx="22">
+                <c:pt idx="22" formatCode="0.0000">
                   <c:v>0.0</c:v>
                 </c:pt>
-                <c:pt idx="24">
+                <c:pt idx="24" formatCode="0.0000">
                   <c:v>0.642530215994622</c:v>
                 </c:pt>
-                <c:pt idx="25">
+                <c:pt idx="25" formatCode="0.0000">
                   <c:v>0.0</c:v>
                 </c:pt>
               </c:numCache>
@@ -3962,48 +4002,48 @@
             <c:numRef>
               <c:f>'Compiled Stats'!$W$3:$W$29</c:f>
               <c:numCache>
-                <c:formatCode>0.0000</c:formatCode>
+                <c:formatCode>General</c:formatCode>
                 <c:ptCount val="27"/>
-                <c:pt idx="5">
+                <c:pt idx="5" formatCode="0.0000">
                   <c:v>0.240926161616668</c:v>
                 </c:pt>
-                <c:pt idx="7">
+                <c:pt idx="7" formatCode="0.0000">
                   <c:v>0.0</c:v>
                 </c:pt>
-                <c:pt idx="9">
+                <c:pt idx="9" formatCode="0.0000">
                   <c:v>1.478334549014274</c:v>
                 </c:pt>
-                <c:pt idx="10">
+                <c:pt idx="10" formatCode="0.0000">
                   <c:v>0.0</c:v>
                 </c:pt>
-                <c:pt idx="11">
+                <c:pt idx="11" formatCode="0.0000">
                   <c:v>0.0</c:v>
                 </c:pt>
-                <c:pt idx="12">
+                <c:pt idx="12" formatCode="0.0000">
                   <c:v>0.258148429576405</c:v>
                 </c:pt>
-                <c:pt idx="16">
+                <c:pt idx="16" formatCode="0.0000">
                   <c:v>-0.165794060448216</c:v>
                 </c:pt>
-                <c:pt idx="17">
+                <c:pt idx="17" formatCode="0.0000">
                   <c:v>0.0</c:v>
                 </c:pt>
-                <c:pt idx="19">
+                <c:pt idx="19" formatCode="0.0000">
                   <c:v>-3.445443252704194</c:v>
                 </c:pt>
-                <c:pt idx="21">
+                <c:pt idx="21" formatCode="0.0000">
                   <c:v>-1.534028257975628</c:v>
                 </c:pt>
-                <c:pt idx="22">
+                <c:pt idx="22" formatCode="0.0000">
                   <c:v>2.123171662283752</c:v>
                 </c:pt>
-                <c:pt idx="23">
+                <c:pt idx="23" formatCode="0.0000">
                   <c:v>0.0</c:v>
                 </c:pt>
-                <c:pt idx="24">
-                  <c:v>2.452854031261275</c:v>
-                </c:pt>
-                <c:pt idx="25">
+                <c:pt idx="24" formatCode="0.0000">
+                  <c:v>2.452854031261274</c:v>
+                </c:pt>
+                <c:pt idx="25" formatCode="0.0000">
                   <c:v>0.0</c:v>
                 </c:pt>
               </c:numCache>
@@ -4343,11 +4383,11 @@
           <c:showBubbleSize val="0"/>
         </c:dLbls>
         <c:gapWidth val="150"/>
-        <c:axId val="-2097987432"/>
-        <c:axId val="-2074546808"/>
+        <c:axId val="-2037428920"/>
+        <c:axId val="-2037450872"/>
       </c:barChart>
       <c:catAx>
-        <c:axId val="-2097987432"/>
+        <c:axId val="-2037428920"/>
         <c:scaling>
           <c:orientation val="minMax"/>
         </c:scaling>
@@ -4366,7 +4406,7 @@
             <a:endParaRPr lang="en-US"/>
           </a:p>
         </c:txPr>
-        <c:crossAx val="-2074546808"/>
+        <c:crossAx val="-2037450872"/>
         <c:crosses val="autoZero"/>
         <c:auto val="1"/>
         <c:lblAlgn val="ctr"/>
@@ -4374,7 +4414,7 @@
         <c:noMultiLvlLbl val="0"/>
       </c:catAx>
       <c:valAx>
-        <c:axId val="-2074546808"/>
+        <c:axId val="-2037450872"/>
         <c:scaling>
           <c:orientation val="minMax"/>
         </c:scaling>
@@ -4384,7 +4424,7 @@
         <c:majorTickMark val="out"/>
         <c:minorTickMark val="none"/>
         <c:tickLblPos val="nextTo"/>
-        <c:crossAx val="-2097987432"/>
+        <c:crossAx val="-2037428920"/>
         <c:crosses val="autoZero"/>
         <c:crossBetween val="between"/>
       </c:valAx>
@@ -4905,7 +4945,7 @@
                   <c:v>0.764678477</c:v>
                 </c:pt>
                 <c:pt idx="14">
-                  <c:v>3.156043937</c:v>
+                  <c:v>3.156043936999999</c:v>
                 </c:pt>
                 <c:pt idx="15">
                   <c:v>-0.013322622</c:v>
@@ -5061,7 +5101,7 @@
                   <c:v>0.0</c:v>
                 </c:pt>
                 <c:pt idx="10" formatCode="0.0000">
-                  <c:v>2.452854031261275</c:v>
+                  <c:v>2.452854031261274</c:v>
                 </c:pt>
                 <c:pt idx="11" formatCode="0.0000">
                   <c:v>-0.327365146979257</c:v>
@@ -5430,11 +5470,11 @@
           <c:showBubbleSize val="0"/>
         </c:dLbls>
         <c:gapWidth val="150"/>
-        <c:axId val="-2133518712"/>
-        <c:axId val="-2111550808"/>
+        <c:axId val="-2038013784"/>
+        <c:axId val="-2038129928"/>
       </c:barChart>
       <c:catAx>
-        <c:axId val="-2133518712"/>
+        <c:axId val="-2038013784"/>
         <c:scaling>
           <c:orientation val="minMax"/>
         </c:scaling>
@@ -5443,7 +5483,7 @@
         <c:majorTickMark val="out"/>
         <c:minorTickMark val="none"/>
         <c:tickLblPos val="nextTo"/>
-        <c:crossAx val="-2111550808"/>
+        <c:crossAx val="-2038129928"/>
         <c:crosses val="autoZero"/>
         <c:auto val="1"/>
         <c:lblAlgn val="ctr"/>
@@ -5451,7 +5491,7 @@
         <c:noMultiLvlLbl val="0"/>
       </c:catAx>
       <c:valAx>
-        <c:axId val="-2111550808"/>
+        <c:axId val="-2038129928"/>
         <c:scaling>
           <c:orientation val="minMax"/>
         </c:scaling>
@@ -5461,7 +5501,7 @@
         <c:majorTickMark val="out"/>
         <c:minorTickMark val="none"/>
         <c:tickLblPos val="nextTo"/>
-        <c:crossAx val="-2133518712"/>
+        <c:crossAx val="-2038013784"/>
         <c:crosses val="autoZero"/>
         <c:crossBetween val="between"/>
       </c:valAx>
@@ -5563,7 +5603,7 @@
           <a:p>
             <a:fld id="{524D955C-CF08-9B45-A7CD-E40881BBA60E}" type="datetimeFigureOut">
               <a:rPr lang="en-US" smtClean="0"/>
-              <a:t>3/16/17</a:t>
+              <a:t>3/21/17</a:t>
             </a:fld>
             <a:endParaRPr lang="en-US"/>
           </a:p>
@@ -6096,7 +6136,7 @@
           <a:p>
             <a:fld id="{7CF15565-EC65-794A-8BBD-C71D0CCFD15D}" type="datetimeFigureOut">
               <a:rPr lang="en-US" smtClean="0"/>
-              <a:t>3/16/17</a:t>
+              <a:t>3/21/17</a:t>
             </a:fld>
             <a:endParaRPr lang="en-US"/>
           </a:p>
@@ -6266,7 +6306,7 @@
           <a:p>
             <a:fld id="{7CF15565-EC65-794A-8BBD-C71D0CCFD15D}" type="datetimeFigureOut">
               <a:rPr lang="en-US" smtClean="0"/>
-              <a:t>3/16/17</a:t>
+              <a:t>3/21/17</a:t>
             </a:fld>
             <a:endParaRPr lang="en-US"/>
           </a:p>
@@ -6446,7 +6486,7 @@
           <a:p>
             <a:fld id="{7CF15565-EC65-794A-8BBD-C71D0CCFD15D}" type="datetimeFigureOut">
               <a:rPr lang="en-US" smtClean="0"/>
-              <a:t>3/16/17</a:t>
+              <a:t>3/21/17</a:t>
             </a:fld>
             <a:endParaRPr lang="en-US"/>
           </a:p>
@@ -6616,7 +6656,7 @@
           <a:p>
             <a:fld id="{7CF15565-EC65-794A-8BBD-C71D0CCFD15D}" type="datetimeFigureOut">
               <a:rPr lang="en-US" smtClean="0"/>
-              <a:t>3/16/17</a:t>
+              <a:t>3/21/17</a:t>
             </a:fld>
             <a:endParaRPr lang="en-US"/>
           </a:p>
@@ -6862,7 +6902,7 @@
           <a:p>
             <a:fld id="{7CF15565-EC65-794A-8BBD-C71D0CCFD15D}" type="datetimeFigureOut">
               <a:rPr lang="en-US" smtClean="0"/>
-              <a:t>3/16/17</a:t>
+              <a:t>3/21/17</a:t>
             </a:fld>
             <a:endParaRPr lang="en-US"/>
           </a:p>
@@ -7150,7 +7190,7 @@
           <a:p>
             <a:fld id="{7CF15565-EC65-794A-8BBD-C71D0CCFD15D}" type="datetimeFigureOut">
               <a:rPr lang="en-US" smtClean="0"/>
-              <a:t>3/16/17</a:t>
+              <a:t>3/21/17</a:t>
             </a:fld>
             <a:endParaRPr lang="en-US"/>
           </a:p>
@@ -7577,7 +7617,7 @@
           <a:p>
             <a:fld id="{7CF15565-EC65-794A-8BBD-C71D0CCFD15D}" type="datetimeFigureOut">
               <a:rPr lang="en-US" smtClean="0"/>
-              <a:t>3/16/17</a:t>
+              <a:t>3/21/17</a:t>
             </a:fld>
             <a:endParaRPr lang="en-US"/>
           </a:p>
@@ -7695,7 +7735,7 @@
           <a:p>
             <a:fld id="{7CF15565-EC65-794A-8BBD-C71D0CCFD15D}" type="datetimeFigureOut">
               <a:rPr lang="en-US" smtClean="0"/>
-              <a:t>3/16/17</a:t>
+              <a:t>3/21/17</a:t>
             </a:fld>
             <a:endParaRPr lang="en-US"/>
           </a:p>
@@ -7790,7 +7830,7 @@
           <a:p>
             <a:fld id="{7CF15565-EC65-794A-8BBD-C71D0CCFD15D}" type="datetimeFigureOut">
               <a:rPr lang="en-US" smtClean="0"/>
-              <a:t>3/16/17</a:t>
+              <a:t>3/21/17</a:t>
             </a:fld>
             <a:endParaRPr lang="en-US"/>
           </a:p>
@@ -8067,7 +8107,7 @@
           <a:p>
             <a:fld id="{7CF15565-EC65-794A-8BBD-C71D0CCFD15D}" type="datetimeFigureOut">
               <a:rPr lang="en-US" smtClean="0"/>
-              <a:t>3/16/17</a:t>
+              <a:t>3/21/17</a:t>
             </a:fld>
             <a:endParaRPr lang="en-US"/>
           </a:p>
@@ -8320,7 +8360,7 @@
           <a:p>
             <a:fld id="{7CF15565-EC65-794A-8BBD-C71D0CCFD15D}" type="datetimeFigureOut">
               <a:rPr lang="en-US" smtClean="0"/>
-              <a:t>3/16/17</a:t>
+              <a:t>3/21/17</a:t>
             </a:fld>
             <a:endParaRPr lang="en-US"/>
           </a:p>
@@ -8536,7 +8576,7 @@
           <a:p>
             <a:fld id="{7CF15565-EC65-794A-8BBD-C71D0CCFD15D}" type="datetimeFigureOut">
               <a:rPr lang="en-US" smtClean="0"/>
-              <a:t>3/16/17</a:t>
+              <a:t>3/21/17</a:t>
             </a:fld>
             <a:endParaRPr lang="en-US"/>
           </a:p>
@@ -9037,21 +9077,7 @@
                 <a:latin typeface="Arial" panose="020B0604020202020204" pitchFamily="34" charset="0"/>
                 <a:cs typeface="Arial" panose="020B0604020202020204" pitchFamily="34" charset="0"/>
               </a:rPr>
-              <a:t> </a:t>
-            </a:r>
-            <a:r>
-              <a:rPr lang="en-US" sz="4400" b="1" dirty="0" smtClean="0">
-                <a:latin typeface="Arial" panose="020B0604020202020204" pitchFamily="34" charset="0"/>
-                <a:cs typeface="Arial" panose="020B0604020202020204" pitchFamily="34" charset="0"/>
-              </a:rPr>
-              <a:t>Margaret J. </a:t>
-            </a:r>
-            <a:r>
-              <a:rPr lang="en-US" sz="4400" b="1" dirty="0" smtClean="0">
-                <a:latin typeface="Arial" panose="020B0604020202020204" pitchFamily="34" charset="0"/>
-                <a:cs typeface="Arial" panose="020B0604020202020204" pitchFamily="34" charset="0"/>
-              </a:rPr>
-              <a:t>O’Neil</a:t>
+              <a:t> Margaret J. O’Neil</a:t>
             </a:r>
             <a:r>
               <a:rPr lang="en-US" sz="4400" b="1" baseline="30000" dirty="0" smtClean="0">
@@ -9255,7 +9281,28 @@
                 <a:latin typeface="Arial" panose="020B0604020202020204" pitchFamily="34" charset="0"/>
                 <a:cs typeface="Arial" panose="020B0604020202020204" pitchFamily="34" charset="0"/>
               </a:rPr>
-              <a:t>xpression by binding to regulatory DNA sequences </a:t>
+              <a:t>xpression by binding </a:t>
+            </a:r>
+            <a:endParaRPr lang="en-US" sz="2600" b="1" dirty="0" smtClean="0">
+              <a:latin typeface="Arial" panose="020B0604020202020204" pitchFamily="34" charset="0"/>
+              <a:cs typeface="Arial" panose="020B0604020202020204" pitchFamily="34" charset="0"/>
+            </a:endParaRPr>
+          </a:p>
+          <a:p>
+            <a:pPr algn="ctr"/>
+            <a:r>
+              <a:rPr lang="en-US" sz="2600" b="1" dirty="0" smtClean="0">
+                <a:latin typeface="Arial" panose="020B0604020202020204" pitchFamily="34" charset="0"/>
+                <a:cs typeface="Arial" panose="020B0604020202020204" pitchFamily="34" charset="0"/>
+              </a:rPr>
+              <a:t>to </a:t>
+            </a:r>
+            <a:r>
+              <a:rPr lang="en-US" sz="2600" b="1" dirty="0" smtClean="0">
+                <a:latin typeface="Arial" panose="020B0604020202020204" pitchFamily="34" charset="0"/>
+                <a:cs typeface="Arial" panose="020B0604020202020204" pitchFamily="34" charset="0"/>
+              </a:rPr>
+              <a:t>regulatory DNA sequences </a:t>
             </a:r>
             <a:r>
               <a:rPr lang="en-US" sz="2600" b="1" dirty="0">
@@ -9607,25 +9654,11 @@
           <a:p>
             <a:pPr algn="ctr"/>
             <a:r>
-              <a:rPr lang="en-US" sz="2600" b="1" dirty="0" err="1" smtClean="0">
-                <a:latin typeface="Arial" panose="020B0604020202020204" pitchFamily="34" charset="0"/>
-                <a:cs typeface="Arial" panose="020B0604020202020204" pitchFamily="34" charset="0"/>
-              </a:rPr>
-              <a:t>GRNmap</a:t>
-            </a:r>
-            <a:r>
               <a:rPr lang="en-US" sz="2600" b="1" dirty="0" smtClean="0">
                 <a:latin typeface="Arial" panose="020B0604020202020204" pitchFamily="34" charset="0"/>
                 <a:cs typeface="Arial" panose="020B0604020202020204" pitchFamily="34" charset="0"/>
               </a:rPr>
-              <a:t> was used to determine </a:t>
-            </a:r>
-            <a:r>
-              <a:rPr lang="en-US" sz="2600" b="1" dirty="0" smtClean="0">
-                <a:latin typeface="Arial" panose="020B0604020202020204" pitchFamily="34" charset="0"/>
-                <a:cs typeface="Arial" panose="020B0604020202020204" pitchFamily="34" charset="0"/>
-              </a:rPr>
-              <a:t>the types of connections between nodes</a:t>
+              <a:t>Dynamical systems modeling was used to estimate                          weight parameters for each regulatory relationship</a:t>
             </a:r>
             <a:endParaRPr lang="en-US" sz="2600" b="1" dirty="0">
               <a:latin typeface="Arial" panose="020B0604020202020204" pitchFamily="34" charset="0"/>
@@ -9664,21 +9697,7 @@
                 <a:latin typeface="Arial" panose="020B0604020202020204" pitchFamily="34" charset="0"/>
                 <a:cs typeface="Arial" panose="020B0604020202020204" pitchFamily="34" charset="0"/>
               </a:rPr>
-              <a:t>Relationship d</a:t>
-            </a:r>
-            <a:r>
-              <a:rPr lang="en-US" sz="2800" b="1" dirty="0" smtClean="0">
-                <a:latin typeface="Arial" panose="020B0604020202020204" pitchFamily="34" charset="0"/>
-                <a:cs typeface="Arial" panose="020B0604020202020204" pitchFamily="34" charset="0"/>
-              </a:rPr>
-              <a:t>ata can </a:t>
-            </a:r>
-            <a:r>
-              <a:rPr lang="en-US" sz="2800" b="1" dirty="0" smtClean="0">
-                <a:latin typeface="Arial" panose="020B0604020202020204" pitchFamily="34" charset="0"/>
-                <a:cs typeface="Arial" panose="020B0604020202020204" pitchFamily="34" charset="0"/>
-              </a:rPr>
-              <a:t>be visualized </a:t>
+              <a:t>Relationship data can be visualized </a:t>
             </a:r>
             <a:r>
               <a:rPr lang="en-US" sz="2800" b="1" dirty="0">
@@ -9738,14 +9757,63 @@
                 <a:latin typeface="Arial" panose="020B0604020202020204" pitchFamily="34" charset="0"/>
                 <a:cs typeface="Arial" panose="020B0604020202020204" pitchFamily="34" charset="0"/>
               </a:rPr>
-              <a:t> code, </a:t>
+              <a:t> code, I</a:t>
+            </a:r>
+            <a:r>
+              <a:rPr lang="en-US" sz="1200" b="1" dirty="0" smtClean="0">
+                <a:latin typeface="Arial" panose="020B0604020202020204" pitchFamily="34" charset="0"/>
+                <a:cs typeface="Arial" panose="020B0604020202020204" pitchFamily="34" charset="0"/>
+              </a:rPr>
+              <a:t> </a:t>
             </a:r>
             <a:r>
               <a:rPr lang="en-US" sz="1200" b="1" dirty="0">
                 <a:latin typeface="Arial" panose="020B0604020202020204" pitchFamily="34" charset="0"/>
                 <a:cs typeface="Arial" panose="020B0604020202020204" pitchFamily="34" charset="0"/>
               </a:rPr>
-              <a:t>I</a:t>
+              <a:t>would like to thank Trixie Anne M. </a:t>
+            </a:r>
+            <a:r>
+              <a:rPr lang="en-US" sz="1200" b="1" dirty="0" err="1">
+                <a:latin typeface="Arial" panose="020B0604020202020204" pitchFamily="34" charset="0"/>
+                <a:cs typeface="Arial" panose="020B0604020202020204" pitchFamily="34" charset="0"/>
+              </a:rPr>
+              <a:t>Roque</a:t>
+            </a:r>
+            <a:r>
+              <a:rPr lang="en-US" sz="1200" b="1" dirty="0">
+                <a:latin typeface="Arial" panose="020B0604020202020204" pitchFamily="34" charset="0"/>
+                <a:cs typeface="Arial" panose="020B0604020202020204" pitchFamily="34" charset="0"/>
+              </a:rPr>
+              <a:t>, </a:t>
+            </a:r>
+            <a:r>
+              <a:rPr lang="en-US" sz="1200" b="1" dirty="0" err="1">
+                <a:latin typeface="Arial" panose="020B0604020202020204" pitchFamily="34" charset="0"/>
+                <a:cs typeface="Arial" panose="020B0604020202020204" pitchFamily="34" charset="0"/>
+              </a:rPr>
+              <a:t>Chukwuemeka</a:t>
+            </a:r>
+            <a:r>
+              <a:rPr lang="en-US" sz="1200" b="1" dirty="0">
+                <a:latin typeface="Arial" panose="020B0604020202020204" pitchFamily="34" charset="0"/>
+                <a:cs typeface="Arial" panose="020B0604020202020204" pitchFamily="34" charset="0"/>
+              </a:rPr>
+              <a:t> E. </a:t>
+            </a:r>
+            <a:r>
+              <a:rPr lang="en-US" sz="1200" b="1" dirty="0" err="1">
+                <a:latin typeface="Arial" panose="020B0604020202020204" pitchFamily="34" charset="0"/>
+                <a:cs typeface="Arial" panose="020B0604020202020204" pitchFamily="34" charset="0"/>
+              </a:rPr>
+              <a:t>Azinge</a:t>
+            </a:r>
+            <a:r>
+              <a:rPr lang="en-US" sz="1200" b="1" dirty="0">
+                <a:latin typeface="Arial" panose="020B0604020202020204" pitchFamily="34" charset="0"/>
+                <a:cs typeface="Arial" panose="020B0604020202020204" pitchFamily="34" charset="0"/>
+              </a:rPr>
+              <a:t>, and Justin K. Torres. I</a:t>
             </a:r>
             <a:r>
               <a:rPr lang="en-US" sz="1200" b="1" dirty="0" smtClean="0">
@@ -9759,20 +9827,48 @@
                 <a:latin typeface="Arial" panose="020B0604020202020204" pitchFamily="34" charset="0"/>
                 <a:cs typeface="Arial" panose="020B0604020202020204" pitchFamily="34" charset="0"/>
               </a:rPr>
-              <a:t>would like to thank Trixie Anne M. </a:t>
+              <a:t>thank Nicole A. </a:t>
             </a:r>
             <a:r>
               <a:rPr lang="en-US" sz="1200" b="1" dirty="0" err="1">
                 <a:latin typeface="Arial" panose="020B0604020202020204" pitchFamily="34" charset="0"/>
                 <a:cs typeface="Arial" panose="020B0604020202020204" pitchFamily="34" charset="0"/>
               </a:rPr>
-              <a:t>Roque</a:t>
+              <a:t>Anguiano</a:t>
             </a:r>
             <a:r>
               <a:rPr lang="en-US" sz="1200" b="1" dirty="0">
                 <a:latin typeface="Arial" panose="020B0604020202020204" pitchFamily="34" charset="0"/>
                 <a:cs typeface="Arial" panose="020B0604020202020204" pitchFamily="34" charset="0"/>
               </a:rPr>
+              <a:t>,  </a:t>
+            </a:r>
+            <a:r>
+              <a:rPr lang="en-US" sz="1200" b="1" dirty="0" err="1">
+                <a:latin typeface="Arial" panose="020B0604020202020204" pitchFamily="34" charset="0"/>
+                <a:cs typeface="Arial" panose="020B0604020202020204" pitchFamily="34" charset="0"/>
+              </a:rPr>
+              <a:t>Anindita</a:t>
+            </a:r>
+            <a:r>
+              <a:rPr lang="en-US" sz="1200" b="1" dirty="0">
+                <a:latin typeface="Arial" panose="020B0604020202020204" pitchFamily="34" charset="0"/>
+                <a:cs typeface="Arial" panose="020B0604020202020204" pitchFamily="34" charset="0"/>
+              </a:rPr>
+              <a:t> </a:t>
+            </a:r>
+            <a:r>
+              <a:rPr lang="en-US" sz="1200" b="1" dirty="0" err="1">
+                <a:latin typeface="Arial" panose="020B0604020202020204" pitchFamily="34" charset="0"/>
+                <a:cs typeface="Arial" panose="020B0604020202020204" pitchFamily="34" charset="0"/>
+              </a:rPr>
+              <a:t>Varshneya</a:t>
+            </a:r>
+            <a:r>
+              <a:rPr lang="en-US" sz="1200" b="1" dirty="0">
+                <a:latin typeface="Arial" panose="020B0604020202020204" pitchFamily="34" charset="0"/>
+                <a:cs typeface="Arial" panose="020B0604020202020204" pitchFamily="34" charset="0"/>
+              </a:rPr>
               <a:t>, </a:t>
             </a:r>
             <a:r>
@@ -9780,301 +9876,203 @@
                 <a:latin typeface="Arial" panose="020B0604020202020204" pitchFamily="34" charset="0"/>
                 <a:cs typeface="Arial" panose="020B0604020202020204" pitchFamily="34" charset="0"/>
               </a:rPr>
-              <a:t>Chukwuemeka</a:t>
+              <a:t>Mihir</a:t>
             </a:r>
             <a:r>
               <a:rPr lang="en-US" sz="1200" b="1" dirty="0">
                 <a:latin typeface="Arial" panose="020B0604020202020204" pitchFamily="34" charset="0"/>
                 <a:cs typeface="Arial" panose="020B0604020202020204" pitchFamily="34" charset="0"/>
               </a:rPr>
-              <a:t> E. </a:t>
+              <a:t> </a:t>
             </a:r>
             <a:r>
               <a:rPr lang="en-US" sz="1200" b="1" dirty="0" err="1">
                 <a:latin typeface="Arial" panose="020B0604020202020204" pitchFamily="34" charset="0"/>
                 <a:cs typeface="Arial" panose="020B0604020202020204" pitchFamily="34" charset="0"/>
               </a:rPr>
-              <a:t>Azinge</a:t>
+              <a:t>Samdarshi</a:t>
             </a:r>
             <a:r>
               <a:rPr lang="en-US" sz="1200" b="1" dirty="0">
                 <a:latin typeface="Arial" panose="020B0604020202020204" pitchFamily="34" charset="0"/>
                 <a:cs typeface="Arial" panose="020B0604020202020204" pitchFamily="34" charset="0"/>
               </a:rPr>
-              <a:t>, and Justin K. Torres. </a:t>
+              <a:t>, Edward </a:t>
+            </a:r>
+            <a:r>
+              <a:rPr lang="en-US" sz="1200" b="1" dirty="0" err="1">
+                <a:latin typeface="Arial" panose="020B0604020202020204" pitchFamily="34" charset="0"/>
+                <a:cs typeface="Arial" panose="020B0604020202020204" pitchFamily="34" charset="0"/>
+              </a:rPr>
+              <a:t>Bachuora</a:t>
             </a:r>
             <a:r>
               <a:rPr lang="en-US" sz="1200" b="1" dirty="0">
                 <a:latin typeface="Arial" panose="020B0604020202020204" pitchFamily="34" charset="0"/>
                 <a:cs typeface="Arial" panose="020B0604020202020204" pitchFamily="34" charset="0"/>
               </a:rPr>
-              <a:t>I</a:t>
+              <a:t>, Jen Shin, and Eileen </a:t>
+            </a:r>
+            <a:r>
+              <a:rPr lang="en-US" sz="1200" b="1" dirty="0" err="1">
+                <a:latin typeface="Arial" panose="020B0604020202020204" pitchFamily="34" charset="0"/>
+                <a:cs typeface="Arial" panose="020B0604020202020204" pitchFamily="34" charset="0"/>
+              </a:rPr>
+              <a:t>Choe</a:t>
+            </a:r>
+            <a:r>
+              <a:rPr lang="en-US" sz="1200" b="1" dirty="0">
+                <a:latin typeface="Arial" panose="020B0604020202020204" pitchFamily="34" charset="0"/>
+                <a:cs typeface="Arial" panose="020B0604020202020204" pitchFamily="34" charset="0"/>
+              </a:rPr>
+              <a:t> for their work on the </a:t>
+            </a:r>
+            <a:r>
+              <a:rPr lang="en-US" sz="1200" b="1" dirty="0" err="1">
+                <a:latin typeface="Arial" panose="020B0604020202020204" pitchFamily="34" charset="0"/>
+                <a:cs typeface="Arial" panose="020B0604020202020204" pitchFamily="34" charset="0"/>
+              </a:rPr>
+              <a:t>GRNsight</a:t>
+            </a:r>
+            <a:r>
+              <a:rPr lang="en-US" sz="1200" b="1" dirty="0">
+                <a:latin typeface="Arial" panose="020B0604020202020204" pitchFamily="34" charset="0"/>
+                <a:cs typeface="Arial" panose="020B0604020202020204" pitchFamily="34" charset="0"/>
+              </a:rPr>
+              <a:t> visualization software. Microarray data were collected by Cybele </a:t>
+            </a:r>
+            <a:r>
+              <a:rPr lang="en-US" sz="1200" b="1" dirty="0" err="1">
+                <a:latin typeface="Arial" panose="020B0604020202020204" pitchFamily="34" charset="0"/>
+                <a:cs typeface="Arial" panose="020B0604020202020204" pitchFamily="34" charset="0"/>
+              </a:rPr>
+              <a:t>Arsan</a:t>
+            </a:r>
+            <a:r>
+              <a:rPr lang="en-US" sz="1200" b="1" dirty="0">
+                <a:latin typeface="Arial" panose="020B0604020202020204" pitchFamily="34" charset="0"/>
+                <a:cs typeface="Arial" panose="020B0604020202020204" pitchFamily="34" charset="0"/>
+              </a:rPr>
+              <a:t>, Wesley </a:t>
+            </a:r>
+            <a:r>
+              <a:rPr lang="en-US" sz="1200" b="1" dirty="0" err="1">
+                <a:latin typeface="Arial" panose="020B0604020202020204" pitchFamily="34" charset="0"/>
+                <a:cs typeface="Arial" panose="020B0604020202020204" pitchFamily="34" charset="0"/>
+              </a:rPr>
+              <a:t>Citti</a:t>
+            </a:r>
+            <a:r>
+              <a:rPr lang="en-US" sz="1200" b="1" dirty="0">
+                <a:latin typeface="Arial" panose="020B0604020202020204" pitchFamily="34" charset="0"/>
+                <a:cs typeface="Arial" panose="020B0604020202020204" pitchFamily="34" charset="0"/>
+              </a:rPr>
+              <a:t>, Kevin </a:t>
+            </a:r>
+            <a:r>
+              <a:rPr lang="en-US" sz="1200" b="1" dirty="0" err="1">
+                <a:latin typeface="Arial" panose="020B0604020202020204" pitchFamily="34" charset="0"/>
+                <a:cs typeface="Arial" panose="020B0604020202020204" pitchFamily="34" charset="0"/>
+              </a:rPr>
+              <a:t>Entzminger</a:t>
+            </a:r>
+            <a:r>
+              <a:rPr lang="en-US" sz="1200" b="1" dirty="0">
+                <a:latin typeface="Arial" panose="020B0604020202020204" pitchFamily="34" charset="0"/>
+                <a:cs typeface="Arial" panose="020B0604020202020204" pitchFamily="34" charset="0"/>
+              </a:rPr>
+              <a:t>, Andrew Herman, Monica Hong, Heather King, Lauren </a:t>
+            </a:r>
+            <a:r>
+              <a:rPr lang="en-US" sz="1200" b="1" dirty="0" err="1">
+                <a:latin typeface="Arial" panose="020B0604020202020204" pitchFamily="34" charset="0"/>
+                <a:cs typeface="Arial" panose="020B0604020202020204" pitchFamily="34" charset="0"/>
+              </a:rPr>
+              <a:t>Kubeck</a:t>
+            </a:r>
+            <a:r>
+              <a:rPr lang="en-US" sz="1200" b="1" dirty="0">
+                <a:latin typeface="Arial" panose="020B0604020202020204" pitchFamily="34" charset="0"/>
+                <a:cs typeface="Arial" panose="020B0604020202020204" pitchFamily="34" charset="0"/>
+              </a:rPr>
+              <a:t>, Stephanie </a:t>
+            </a:r>
+            <a:r>
+              <a:rPr lang="en-US" sz="1200" b="1" dirty="0" err="1">
+                <a:latin typeface="Arial" panose="020B0604020202020204" pitchFamily="34" charset="0"/>
+                <a:cs typeface="Arial" panose="020B0604020202020204" pitchFamily="34" charset="0"/>
+              </a:rPr>
+              <a:t>Kuelbs</a:t>
+            </a:r>
+            <a:r>
+              <a:rPr lang="en-US" sz="1200" b="1" dirty="0">
+                <a:latin typeface="Arial" panose="020B0604020202020204" pitchFamily="34" charset="0"/>
+                <a:cs typeface="Arial" panose="020B0604020202020204" pitchFamily="34" charset="0"/>
+              </a:rPr>
+              <a:t>, Elizabeth Liu, Matthew Mejia, Kevin McGee, Kenny Rodriguez, Olivia </a:t>
+            </a:r>
+            <a:r>
+              <a:rPr lang="en-US" sz="1200" b="1" dirty="0" err="1">
+                <a:latin typeface="Arial" panose="020B0604020202020204" pitchFamily="34" charset="0"/>
+                <a:cs typeface="Arial" panose="020B0604020202020204" pitchFamily="34" charset="0"/>
+              </a:rPr>
+              <a:t>Sakhon</a:t>
+            </a:r>
+            <a:r>
+              <a:rPr lang="en-US" sz="1200" b="1" dirty="0">
+                <a:latin typeface="Arial" panose="020B0604020202020204" pitchFamily="34" charset="0"/>
+                <a:cs typeface="Arial" panose="020B0604020202020204" pitchFamily="34" charset="0"/>
+              </a:rPr>
+              <a:t>, </a:t>
+            </a:r>
+            <a:r>
+              <a:rPr lang="en-US" sz="1200" b="1" dirty="0" err="1">
+                <a:latin typeface="Arial" panose="020B0604020202020204" pitchFamily="34" charset="0"/>
+                <a:cs typeface="Arial" panose="020B0604020202020204" pitchFamily="34" charset="0"/>
+              </a:rPr>
+              <a:t>Alondra</a:t>
+            </a:r>
+            <a:r>
+              <a:rPr lang="en-US" sz="1200" b="1" dirty="0">
+                <a:latin typeface="Arial" panose="020B0604020202020204" pitchFamily="34" charset="0"/>
+                <a:cs typeface="Arial" panose="020B0604020202020204" pitchFamily="34" charset="0"/>
+              </a:rPr>
+              <a:t> Vega, and Kevin Wyllie. Further, </a:t>
             </a:r>
             <a:r>
               <a:rPr lang="en-US" sz="1200" b="1" dirty="0" smtClean="0">
                 <a:latin typeface="Arial" panose="020B0604020202020204" pitchFamily="34" charset="0"/>
                 <a:cs typeface="Arial" panose="020B0604020202020204" pitchFamily="34" charset="0"/>
               </a:rPr>
-              <a:t> </a:t>
+              <a:t>I </a:t>
             </a:r>
             <a:r>
               <a:rPr lang="en-US" sz="1200" b="1" dirty="0">
                 <a:latin typeface="Arial" panose="020B0604020202020204" pitchFamily="34" charset="0"/>
                 <a:cs typeface="Arial" panose="020B0604020202020204" pitchFamily="34" charset="0"/>
               </a:rPr>
-              <a:t>thank Nicole A. </a:t>
-            </a:r>
-            <a:r>
-              <a:rPr lang="en-US" sz="1200" b="1" dirty="0" err="1">
-                <a:latin typeface="Arial" panose="020B0604020202020204" pitchFamily="34" charset="0"/>
-                <a:cs typeface="Arial" panose="020B0604020202020204" pitchFamily="34" charset="0"/>
-              </a:rPr>
-              <a:t>Anguiano</a:t>
-            </a:r>
-            <a:r>
-              <a:rPr lang="en-US" sz="1200" b="1" dirty="0">
-                <a:latin typeface="Arial" panose="020B0604020202020204" pitchFamily="34" charset="0"/>
-                <a:cs typeface="Arial" panose="020B0604020202020204" pitchFamily="34" charset="0"/>
-              </a:rPr>
-              <a:t>,  </a:t>
-            </a:r>
-            <a:r>
-              <a:rPr lang="en-US" sz="1200" b="1" dirty="0" err="1">
-                <a:latin typeface="Arial" panose="020B0604020202020204" pitchFamily="34" charset="0"/>
-                <a:cs typeface="Arial" panose="020B0604020202020204" pitchFamily="34" charset="0"/>
-              </a:rPr>
-              <a:t>Anindita</a:t>
-            </a:r>
-            <a:r>
-              <a:rPr lang="en-US" sz="1200" b="1" dirty="0">
-                <a:latin typeface="Arial" panose="020B0604020202020204" pitchFamily="34" charset="0"/>
-                <a:cs typeface="Arial" panose="020B0604020202020204" pitchFamily="34" charset="0"/>
-              </a:rPr>
-              <a:t> </a:t>
-            </a:r>
-            <a:r>
-              <a:rPr lang="en-US" sz="1200" b="1" dirty="0" err="1">
-                <a:latin typeface="Arial" panose="020B0604020202020204" pitchFamily="34" charset="0"/>
-                <a:cs typeface="Arial" panose="020B0604020202020204" pitchFamily="34" charset="0"/>
-              </a:rPr>
-              <a:t>Varshneya</a:t>
-            </a:r>
-            <a:r>
-              <a:rPr lang="en-US" sz="1200" b="1" dirty="0">
-                <a:latin typeface="Arial" panose="020B0604020202020204" pitchFamily="34" charset="0"/>
-                <a:cs typeface="Arial" panose="020B0604020202020204" pitchFamily="34" charset="0"/>
-              </a:rPr>
-              <a:t>, </a:t>
-            </a:r>
-            <a:r>
-              <a:rPr lang="en-US" sz="1200" b="1" dirty="0" err="1">
-                <a:latin typeface="Arial" panose="020B0604020202020204" pitchFamily="34" charset="0"/>
-                <a:cs typeface="Arial" panose="020B0604020202020204" pitchFamily="34" charset="0"/>
-              </a:rPr>
-              <a:t>Mihir</a:t>
-            </a:r>
-            <a:r>
-              <a:rPr lang="en-US" sz="1200" b="1" dirty="0">
-                <a:latin typeface="Arial" panose="020B0604020202020204" pitchFamily="34" charset="0"/>
-                <a:cs typeface="Arial" panose="020B0604020202020204" pitchFamily="34" charset="0"/>
-              </a:rPr>
-              <a:t> </a:t>
-            </a:r>
-            <a:r>
-              <a:rPr lang="en-US" sz="1200" b="1" dirty="0" err="1">
-                <a:latin typeface="Arial" panose="020B0604020202020204" pitchFamily="34" charset="0"/>
-                <a:cs typeface="Arial" panose="020B0604020202020204" pitchFamily="34" charset="0"/>
-              </a:rPr>
-              <a:t>Samdarshi</a:t>
-            </a:r>
-            <a:r>
-              <a:rPr lang="en-US" sz="1200" b="1" dirty="0">
-                <a:latin typeface="Arial" panose="020B0604020202020204" pitchFamily="34" charset="0"/>
-                <a:cs typeface="Arial" panose="020B0604020202020204" pitchFamily="34" charset="0"/>
-              </a:rPr>
-              <a:t>, Edward </a:t>
-            </a:r>
-            <a:r>
-              <a:rPr lang="en-US" sz="1200" b="1" dirty="0" err="1">
-                <a:latin typeface="Arial" panose="020B0604020202020204" pitchFamily="34" charset="0"/>
-                <a:cs typeface="Arial" panose="020B0604020202020204" pitchFamily="34" charset="0"/>
-              </a:rPr>
-              <a:t>Bachuora</a:t>
-            </a:r>
-            <a:r>
-              <a:rPr lang="en-US" sz="1200" b="1" dirty="0">
-                <a:latin typeface="Arial" panose="020B0604020202020204" pitchFamily="34" charset="0"/>
-                <a:cs typeface="Arial" panose="020B0604020202020204" pitchFamily="34" charset="0"/>
-              </a:rPr>
-              <a:t>, Jen Shin, and Eileen </a:t>
-            </a:r>
-            <a:r>
-              <a:rPr lang="en-US" sz="1200" b="1" dirty="0" err="1">
-                <a:latin typeface="Arial" panose="020B0604020202020204" pitchFamily="34" charset="0"/>
-                <a:cs typeface="Arial" panose="020B0604020202020204" pitchFamily="34" charset="0"/>
-              </a:rPr>
-              <a:t>Choe</a:t>
-            </a:r>
-            <a:r>
-              <a:rPr lang="en-US" sz="1200" b="1" dirty="0">
-                <a:latin typeface="Arial" panose="020B0604020202020204" pitchFamily="34" charset="0"/>
-                <a:cs typeface="Arial" panose="020B0604020202020204" pitchFamily="34" charset="0"/>
-              </a:rPr>
-              <a:t> for their work on the </a:t>
-            </a:r>
-            <a:r>
-              <a:rPr lang="en-US" sz="1200" b="1" dirty="0" err="1">
-                <a:latin typeface="Arial" panose="020B0604020202020204" pitchFamily="34" charset="0"/>
-                <a:cs typeface="Arial" panose="020B0604020202020204" pitchFamily="34" charset="0"/>
-              </a:rPr>
-              <a:t>GRNsight</a:t>
-            </a:r>
-            <a:r>
-              <a:rPr lang="en-US" sz="1200" b="1" dirty="0">
-                <a:latin typeface="Arial" panose="020B0604020202020204" pitchFamily="34" charset="0"/>
-                <a:cs typeface="Arial" panose="020B0604020202020204" pitchFamily="34" charset="0"/>
-              </a:rPr>
-              <a:t> visualization software. Microarray data were collected by Cybele </a:t>
-            </a:r>
-            <a:r>
-              <a:rPr lang="en-US" sz="1200" b="1" dirty="0" err="1">
-                <a:latin typeface="Arial" panose="020B0604020202020204" pitchFamily="34" charset="0"/>
-                <a:cs typeface="Arial" panose="020B0604020202020204" pitchFamily="34" charset="0"/>
-              </a:rPr>
-              <a:t>Arsan</a:t>
-            </a:r>
-            <a:r>
-              <a:rPr lang="en-US" sz="1200" b="1" dirty="0">
-                <a:latin typeface="Arial" panose="020B0604020202020204" pitchFamily="34" charset="0"/>
-                <a:cs typeface="Arial" panose="020B0604020202020204" pitchFamily="34" charset="0"/>
-              </a:rPr>
-              <a:t>, Wesley </a:t>
-            </a:r>
-            <a:r>
-              <a:rPr lang="en-US" sz="1200" b="1" dirty="0" err="1">
-                <a:latin typeface="Arial" panose="020B0604020202020204" pitchFamily="34" charset="0"/>
-                <a:cs typeface="Arial" panose="020B0604020202020204" pitchFamily="34" charset="0"/>
-              </a:rPr>
-              <a:t>Citti</a:t>
-            </a:r>
-            <a:r>
-              <a:rPr lang="en-US" sz="1200" b="1" dirty="0">
-                <a:latin typeface="Arial" panose="020B0604020202020204" pitchFamily="34" charset="0"/>
-                <a:cs typeface="Arial" panose="020B0604020202020204" pitchFamily="34" charset="0"/>
-              </a:rPr>
-              <a:t>, Kevin </a:t>
-            </a:r>
-            <a:r>
-              <a:rPr lang="en-US" sz="1200" b="1" dirty="0" err="1">
-                <a:latin typeface="Arial" panose="020B0604020202020204" pitchFamily="34" charset="0"/>
-                <a:cs typeface="Arial" panose="020B0604020202020204" pitchFamily="34" charset="0"/>
-              </a:rPr>
-              <a:t>Entzminger</a:t>
-            </a:r>
-            <a:r>
-              <a:rPr lang="en-US" sz="1200" b="1" dirty="0">
-                <a:latin typeface="Arial" panose="020B0604020202020204" pitchFamily="34" charset="0"/>
-                <a:cs typeface="Arial" panose="020B0604020202020204" pitchFamily="34" charset="0"/>
-              </a:rPr>
-              <a:t>, Andrew Herman, Monica Hong, Heather King, Lauren </a:t>
-            </a:r>
-            <a:r>
-              <a:rPr lang="en-US" sz="1200" b="1" dirty="0" err="1">
-                <a:latin typeface="Arial" panose="020B0604020202020204" pitchFamily="34" charset="0"/>
-                <a:cs typeface="Arial" panose="020B0604020202020204" pitchFamily="34" charset="0"/>
-              </a:rPr>
-              <a:t>Kubeck</a:t>
-            </a:r>
-            <a:r>
-              <a:rPr lang="en-US" sz="1200" b="1" dirty="0">
-                <a:latin typeface="Arial" panose="020B0604020202020204" pitchFamily="34" charset="0"/>
-                <a:cs typeface="Arial" panose="020B0604020202020204" pitchFamily="34" charset="0"/>
-              </a:rPr>
-              <a:t>, Stephanie </a:t>
-            </a:r>
-            <a:r>
-              <a:rPr lang="en-US" sz="1200" b="1" dirty="0" err="1">
-                <a:latin typeface="Arial" panose="020B0604020202020204" pitchFamily="34" charset="0"/>
-                <a:cs typeface="Arial" panose="020B0604020202020204" pitchFamily="34" charset="0"/>
-              </a:rPr>
-              <a:t>Kuelbs</a:t>
-            </a:r>
-            <a:r>
-              <a:rPr lang="en-US" sz="1200" b="1" dirty="0">
-                <a:latin typeface="Arial" panose="020B0604020202020204" pitchFamily="34" charset="0"/>
-                <a:cs typeface="Arial" panose="020B0604020202020204" pitchFamily="34" charset="0"/>
-              </a:rPr>
-              <a:t>, Elizabeth Liu, Matthew Mejia, Kevin McGee, Kenny Rodriguez, Olivia </a:t>
-            </a:r>
-            <a:r>
-              <a:rPr lang="en-US" sz="1200" b="1" dirty="0" err="1">
-                <a:latin typeface="Arial" panose="020B0604020202020204" pitchFamily="34" charset="0"/>
-                <a:cs typeface="Arial" panose="020B0604020202020204" pitchFamily="34" charset="0"/>
-              </a:rPr>
-              <a:t>Sakhon</a:t>
-            </a:r>
-            <a:r>
-              <a:rPr lang="en-US" sz="1200" b="1" dirty="0">
-                <a:latin typeface="Arial" panose="020B0604020202020204" pitchFamily="34" charset="0"/>
-                <a:cs typeface="Arial" panose="020B0604020202020204" pitchFamily="34" charset="0"/>
-              </a:rPr>
-              <a:t>, </a:t>
-            </a:r>
-            <a:r>
-              <a:rPr lang="en-US" sz="1200" b="1" dirty="0" err="1">
-                <a:latin typeface="Arial" panose="020B0604020202020204" pitchFamily="34" charset="0"/>
-                <a:cs typeface="Arial" panose="020B0604020202020204" pitchFamily="34" charset="0"/>
-              </a:rPr>
-              <a:t>Alondra</a:t>
-            </a:r>
-            <a:r>
-              <a:rPr lang="en-US" sz="1200" b="1" dirty="0">
-                <a:latin typeface="Arial" panose="020B0604020202020204" pitchFamily="34" charset="0"/>
-                <a:cs typeface="Arial" panose="020B0604020202020204" pitchFamily="34" charset="0"/>
-              </a:rPr>
-              <a:t> Vega, and Kevin Wyllie. Further, </a:t>
+              <a:t>would like to </a:t>
             </a:r>
             <a:r>
               <a:rPr lang="en-US" sz="1200" b="1" dirty="0" smtClean="0">
                 <a:latin typeface="Arial" panose="020B0604020202020204" pitchFamily="34" charset="0"/>
                 <a:cs typeface="Arial" panose="020B0604020202020204" pitchFamily="34" charset="0"/>
               </a:rPr>
-              <a:t>I </a:t>
-            </a:r>
-            <a:r>
-              <a:rPr lang="en-US" sz="1200" b="1" dirty="0">
-                <a:latin typeface="Arial" panose="020B0604020202020204" pitchFamily="34" charset="0"/>
-                <a:cs typeface="Arial" panose="020B0604020202020204" pitchFamily="34" charset="0"/>
-              </a:rPr>
-              <a:t>would like to </a:t>
+              <a:t>thank Kristen </a:t>
+            </a:r>
+            <a:r>
+              <a:rPr lang="en-US" sz="1200" b="1" dirty="0" err="1" smtClean="0">
+                <a:latin typeface="Arial" panose="020B0604020202020204" pitchFamily="34" charset="0"/>
+                <a:cs typeface="Arial" panose="020B0604020202020204" pitchFamily="34" charset="0"/>
+              </a:rPr>
+              <a:t>Horstmann</a:t>
             </a:r>
             <a:r>
               <a:rPr lang="en-US" sz="1200" b="1" dirty="0" smtClean="0">
                 <a:latin typeface="Arial" panose="020B0604020202020204" pitchFamily="34" charset="0"/>
                 <a:cs typeface="Arial" panose="020B0604020202020204" pitchFamily="34" charset="0"/>
               </a:rPr>
-              <a:t>thank Kristen </a:t>
-            </a:r>
-            <a:r>
-              <a:rPr lang="en-US" sz="1200" b="1" dirty="0" err="1" smtClean="0">
-                <a:latin typeface="Arial" panose="020B0604020202020204" pitchFamily="34" charset="0"/>
-                <a:cs typeface="Arial" panose="020B0604020202020204" pitchFamily="34" charset="0"/>
-              </a:rPr>
-              <a:t>Horstmann</a:t>
-            </a:r>
-            <a:r>
-              <a:rPr lang="en-US" sz="1200" b="1" dirty="0" smtClean="0">
-                <a:latin typeface="Arial" panose="020B0604020202020204" pitchFamily="34" charset="0"/>
-                <a:cs typeface="Arial" panose="020B0604020202020204" pitchFamily="34" charset="0"/>
-              </a:rPr>
-              <a:t>, </a:t>
-            </a:r>
-            <a:r>
-              <a:rPr lang="en-US" sz="1200" b="1" dirty="0" smtClean="0">
-                <a:latin typeface="Arial" panose="020B0604020202020204" pitchFamily="34" charset="0"/>
-                <a:cs typeface="Arial" panose="020B0604020202020204" pitchFamily="34" charset="0"/>
-              </a:rPr>
-              <a:t>Natalie E. Williams and Brandon J. Klein </a:t>
+              <a:t>, Natalie E. Williams and Brandon J. Klein </a:t>
             </a:r>
             <a:r>
               <a:rPr lang="en-US" sz="1200" b="1" dirty="0">
@@ -10401,21 +10399,7 @@
                 <a:latin typeface="Arial"/>
                 <a:cs typeface="Arial"/>
               </a:rPr>
-              <a:t>Δcin5</a:t>
-            </a:r>
-            <a:r>
-              <a:rPr lang="en-US" sz="1700" b="1" i="1" dirty="0" smtClean="0">
-                <a:latin typeface="Arial"/>
-                <a:cs typeface="Arial"/>
-              </a:rPr>
-              <a:t>, </a:t>
-            </a:r>
-            <a:r>
-              <a:rPr lang="en-US" sz="1700" b="1" i="1" dirty="0" smtClean="0">
-                <a:latin typeface="Arial"/>
-                <a:cs typeface="Arial"/>
-              </a:rPr>
-              <a:t>Δgln3, Δhmo1, </a:t>
+              <a:t>Δcin5, Δgln3, Δhmo1, </a:t>
             </a:r>
             <a:r>
               <a:rPr lang="en-US" sz="1700" b="1" i="1" dirty="0">
@@ -10512,7 +10496,7 @@
         <p:spPr>
           <a:xfrm>
             <a:off x="31617840" y="29945748"/>
-            <a:ext cx="11605156" cy="2529923"/>
+            <a:ext cx="11605156" cy="2534540"/>
           </a:xfrm>
           <a:prstGeom prst="rect">
             <a:avLst/>
@@ -10531,6 +10515,16 @@
               </a:lnSpc>
             </a:pPr>
             <a:r>
+              <a:rPr lang="en-US" sz="900" b="1" dirty="0" smtClean="0">
+                <a:solidFill>
+                  <a:srgbClr val="000000"/>
+                </a:solidFill>
+                <a:latin typeface="Arial" panose="020B0604020202020204" pitchFamily="34" charset="0"/>
+                <a:cs typeface="Arial" panose="020B0604020202020204" pitchFamily="34" charset="0"/>
+              </a:rPr>
+              <a:t>Dahlquist</a:t>
+            </a:r>
+            <a:r>
               <a:rPr lang="en-US" sz="900" b="1" dirty="0">
                 <a:solidFill>
                   <a:srgbClr val="000000"/>
@@ -10538,7 +10532,7 @@
                 <a:latin typeface="Arial" panose="020B0604020202020204" pitchFamily="34" charset="0"/>
                 <a:cs typeface="Arial" panose="020B0604020202020204" pitchFamily="34" charset="0"/>
               </a:rPr>
-              <a:t>Belle, A., </a:t>
+              <a:t>, K., Fitzpatrick, B., Camacho, E., </a:t>
             </a:r>
             <a:r>
               <a:rPr lang="en-US" sz="900" b="1" dirty="0" err="1">
@@ -10548,7 +10542,7 @@
                 <a:latin typeface="Arial" panose="020B0604020202020204" pitchFamily="34" charset="0"/>
                 <a:cs typeface="Arial" panose="020B0604020202020204" pitchFamily="34" charset="0"/>
               </a:rPr>
-              <a:t>Tanay</a:t>
+              <a:t>Entzminger</a:t>
             </a:r>
             <a:r>
               <a:rPr lang="en-US" sz="900" b="1" dirty="0">
@@ -10558,7 +10552,7 @@
                 <a:latin typeface="Arial" panose="020B0604020202020204" pitchFamily="34" charset="0"/>
                 <a:cs typeface="Arial" panose="020B0604020202020204" pitchFamily="34" charset="0"/>
               </a:rPr>
-              <a:t>, A., </a:t>
+              <a:t>, S., &amp; </a:t>
             </a:r>
             <a:r>
               <a:rPr lang="en-US" sz="900" b="1" dirty="0" err="1">
@@ -10568,7 +10562,7 @@
                 <a:latin typeface="Arial" panose="020B0604020202020204" pitchFamily="34" charset="0"/>
                 <a:cs typeface="Arial" panose="020B0604020202020204" pitchFamily="34" charset="0"/>
               </a:rPr>
-              <a:t>Bitincka</a:t>
+              <a:t>Wanner</a:t>
             </a:r>
             <a:r>
               <a:rPr lang="en-US" sz="900" b="1" dirty="0">
@@ -10578,7 +10572,47 @@
                 <a:latin typeface="Arial" panose="020B0604020202020204" pitchFamily="34" charset="0"/>
                 <a:cs typeface="Arial" panose="020B0604020202020204" pitchFamily="34" charset="0"/>
               </a:rPr>
-              <a:t>, L., Shamir, R., &amp; O’Shea, E. K. (2006). Quantification of protein half-lives in the budding yeast proteome</a:t>
+              <a:t>, N. (2015). Parameter Estimation for Gene Regulatory Networks from Microarray Data: Cold Shock Response in Saccharomyces cerevisiae. </a:t>
+            </a:r>
+            <a:r>
+              <a:rPr lang="en-US" sz="900" b="1" i="1" dirty="0">
+                <a:solidFill>
+                  <a:srgbClr val="000000"/>
+                </a:solidFill>
+                <a:latin typeface="Arial" panose="020B0604020202020204" pitchFamily="34" charset="0"/>
+                <a:cs typeface="Arial" panose="020B0604020202020204" pitchFamily="34" charset="0"/>
+              </a:rPr>
+              <a:t>Bulletin Of Mathematical Biology</a:t>
+            </a:r>
+            <a:r>
+              <a:rPr lang="en-US" sz="900" b="1" dirty="0">
+                <a:solidFill>
+                  <a:srgbClr val="000000"/>
+                </a:solidFill>
+                <a:latin typeface="Arial" panose="020B0604020202020204" pitchFamily="34" charset="0"/>
+                <a:cs typeface="Arial" panose="020B0604020202020204" pitchFamily="34" charset="0"/>
+              </a:rPr>
+              <a:t>, </a:t>
+            </a:r>
+            <a:r>
+              <a:rPr lang="en-US" sz="900" b="1" i="1" dirty="0">
+                <a:solidFill>
+                  <a:srgbClr val="000000"/>
+                </a:solidFill>
+                <a:latin typeface="Arial" panose="020B0604020202020204" pitchFamily="34" charset="0"/>
+                <a:cs typeface="Arial" panose="020B0604020202020204" pitchFamily="34" charset="0"/>
+              </a:rPr>
+              <a:t>77</a:t>
+            </a:r>
+            <a:r>
+              <a:rPr lang="en-US" sz="900" b="1" dirty="0">
+                <a:solidFill>
+                  <a:srgbClr val="000000"/>
+                </a:solidFill>
+                <a:latin typeface="Arial" panose="020B0604020202020204" pitchFamily="34" charset="0"/>
+                <a:cs typeface="Arial" panose="020B0604020202020204" pitchFamily="34" charset="0"/>
+              </a:rPr>
+              <a:t>(8), 1457-1492. http://</a:t>
             </a:r>
             <a:r>
               <a:rPr lang="en-US" sz="900" b="1" dirty="0" smtClean="0">
@@ -10588,17 +10622,210 @@
                 <a:latin typeface="Arial" panose="020B0604020202020204" pitchFamily="34" charset="0"/>
                 <a:cs typeface="Arial" panose="020B0604020202020204" pitchFamily="34" charset="0"/>
               </a:rPr>
-              <a:t>. </a:t>
-            </a:r>
-            <a:r>
-              <a:rPr lang="en-US" sz="900" b="1" i="1" dirty="0" smtClean="0">
+              <a:t>dx.doi.org/10.1007/s11538-015-0092-6.</a:t>
+            </a:r>
+            <a:br>
+              <a:rPr lang="en-US" sz="900" b="1" dirty="0" smtClean="0">
                 <a:solidFill>
                   <a:srgbClr val="000000"/>
                 </a:solidFill>
                 <a:latin typeface="Arial" panose="020B0604020202020204" pitchFamily="34" charset="0"/>
                 <a:cs typeface="Arial" panose="020B0604020202020204" pitchFamily="34" charset="0"/>
               </a:rPr>
-              <a:t>Proceedings </a:t>
+            </a:br>
+            <a:endParaRPr lang="en-US" sz="900" b="1" dirty="0" smtClean="0">
+              <a:solidFill>
+                <a:srgbClr val="000000"/>
+              </a:solidFill>
+              <a:latin typeface="Arial" panose="020B0604020202020204" pitchFamily="34" charset="0"/>
+              <a:cs typeface="Arial" panose="020B0604020202020204" pitchFamily="34" charset="0"/>
+            </a:endParaRPr>
+          </a:p>
+          <a:p>
+            <a:pPr>
+              <a:lnSpc>
+                <a:spcPct val="80000"/>
+              </a:lnSpc>
+            </a:pPr>
+            <a:r>
+              <a:rPr lang="en-US" sz="900" b="1" dirty="0" err="1">
+                <a:solidFill>
+                  <a:srgbClr val="000000"/>
+                </a:solidFill>
+                <a:latin typeface="Arial" panose="020B0604020202020204" pitchFamily="34" charset="0"/>
+                <a:cs typeface="Arial" panose="020B0604020202020204" pitchFamily="34" charset="0"/>
+              </a:rPr>
+              <a:t>Dário</a:t>
+            </a:r>
+            <a:r>
+              <a:rPr lang="en-US" sz="900" b="1" dirty="0">
+                <a:solidFill>
+                  <a:srgbClr val="000000"/>
+                </a:solidFill>
+                <a:latin typeface="Arial" panose="020B0604020202020204" pitchFamily="34" charset="0"/>
+                <a:cs typeface="Arial" panose="020B0604020202020204" pitchFamily="34" charset="0"/>
+              </a:rPr>
+              <a:t> </a:t>
+            </a:r>
+            <a:r>
+              <a:rPr lang="en-US" sz="900" b="1" dirty="0" err="1">
+                <a:solidFill>
+                  <a:srgbClr val="000000"/>
+                </a:solidFill>
+                <a:latin typeface="Arial" panose="020B0604020202020204" pitchFamily="34" charset="0"/>
+                <a:cs typeface="Arial" panose="020B0604020202020204" pitchFamily="34" charset="0"/>
+              </a:rPr>
+              <a:t>Abdulrehman</a:t>
+            </a:r>
+            <a:r>
+              <a:rPr lang="en-US" sz="900" b="1" dirty="0">
+                <a:solidFill>
+                  <a:srgbClr val="000000"/>
+                </a:solidFill>
+                <a:latin typeface="Arial" panose="020B0604020202020204" pitchFamily="34" charset="0"/>
+                <a:cs typeface="Arial" panose="020B0604020202020204" pitchFamily="34" charset="0"/>
+              </a:rPr>
+              <a:t>, Pedro T. Monteiro, Miguel C. Teixeira, </a:t>
+            </a:r>
+            <a:r>
+              <a:rPr lang="en-US" sz="900" b="1" dirty="0" err="1">
+                <a:solidFill>
+                  <a:srgbClr val="000000"/>
+                </a:solidFill>
+                <a:latin typeface="Arial" panose="020B0604020202020204" pitchFamily="34" charset="0"/>
+                <a:cs typeface="Arial" panose="020B0604020202020204" pitchFamily="34" charset="0"/>
+              </a:rPr>
+              <a:t>Nuno</a:t>
+            </a:r>
+            <a:r>
+              <a:rPr lang="en-US" sz="900" b="1" dirty="0">
+                <a:solidFill>
+                  <a:srgbClr val="000000"/>
+                </a:solidFill>
+                <a:latin typeface="Arial" panose="020B0604020202020204" pitchFamily="34" charset="0"/>
+                <a:cs typeface="Arial" panose="020B0604020202020204" pitchFamily="34" charset="0"/>
+              </a:rPr>
+              <a:t> P. Mira, </a:t>
+            </a:r>
+            <a:r>
+              <a:rPr lang="en-US" sz="900" b="1" dirty="0" err="1">
+                <a:solidFill>
+                  <a:srgbClr val="000000"/>
+                </a:solidFill>
+                <a:latin typeface="Arial" panose="020B0604020202020204" pitchFamily="34" charset="0"/>
+                <a:cs typeface="Arial" panose="020B0604020202020204" pitchFamily="34" charset="0"/>
+              </a:rPr>
+              <a:t>Artur</a:t>
+            </a:r>
+            <a:r>
+              <a:rPr lang="en-US" sz="900" b="1" dirty="0">
+                <a:solidFill>
+                  <a:srgbClr val="000000"/>
+                </a:solidFill>
+                <a:latin typeface="Arial" panose="020B0604020202020204" pitchFamily="34" charset="0"/>
+                <a:cs typeface="Arial" panose="020B0604020202020204" pitchFamily="34" charset="0"/>
+              </a:rPr>
+              <a:t> B. </a:t>
+            </a:r>
+            <a:r>
+              <a:rPr lang="en-US" sz="900" b="1" dirty="0" err="1">
+                <a:solidFill>
+                  <a:srgbClr val="000000"/>
+                </a:solidFill>
+                <a:latin typeface="Arial" panose="020B0604020202020204" pitchFamily="34" charset="0"/>
+                <a:cs typeface="Arial" panose="020B0604020202020204" pitchFamily="34" charset="0"/>
+              </a:rPr>
+              <a:t>Lourenço</a:t>
+            </a:r>
+            <a:r>
+              <a:rPr lang="en-US" sz="900" b="1" dirty="0">
+                <a:solidFill>
+                  <a:srgbClr val="000000"/>
+                </a:solidFill>
+                <a:latin typeface="Arial" panose="020B0604020202020204" pitchFamily="34" charset="0"/>
+                <a:cs typeface="Arial" panose="020B0604020202020204" pitchFamily="34" charset="0"/>
+              </a:rPr>
+              <a:t>, Sandra C. dos Santos, </a:t>
+            </a:r>
+            <a:r>
+              <a:rPr lang="en-US" sz="900" b="1" dirty="0" err="1">
+                <a:solidFill>
+                  <a:srgbClr val="000000"/>
+                </a:solidFill>
+                <a:latin typeface="Arial" panose="020B0604020202020204" pitchFamily="34" charset="0"/>
+                <a:cs typeface="Arial" panose="020B0604020202020204" pitchFamily="34" charset="0"/>
+              </a:rPr>
+              <a:t>Tânia</a:t>
+            </a:r>
+            <a:r>
+              <a:rPr lang="en-US" sz="900" b="1" dirty="0">
+                <a:solidFill>
+                  <a:srgbClr val="000000"/>
+                </a:solidFill>
+                <a:latin typeface="Arial" panose="020B0604020202020204" pitchFamily="34" charset="0"/>
+                <a:cs typeface="Arial" panose="020B0604020202020204" pitchFamily="34" charset="0"/>
+              </a:rPr>
+              <a:t> R. </a:t>
+            </a:r>
+            <a:r>
+              <a:rPr lang="en-US" sz="900" b="1" dirty="0" err="1">
+                <a:solidFill>
+                  <a:srgbClr val="000000"/>
+                </a:solidFill>
+                <a:latin typeface="Arial" panose="020B0604020202020204" pitchFamily="34" charset="0"/>
+                <a:cs typeface="Arial" panose="020B0604020202020204" pitchFamily="34" charset="0"/>
+              </a:rPr>
+              <a:t>Cabrito</a:t>
+            </a:r>
+            <a:r>
+              <a:rPr lang="en-US" sz="900" b="1" dirty="0">
+                <a:solidFill>
+                  <a:srgbClr val="000000"/>
+                </a:solidFill>
+                <a:latin typeface="Arial" panose="020B0604020202020204" pitchFamily="34" charset="0"/>
+                <a:cs typeface="Arial" panose="020B0604020202020204" pitchFamily="34" charset="0"/>
+              </a:rPr>
+              <a:t>, Alexandre P. Francisco, Sara C. Madeira, Ricardo S. Aires, </a:t>
+            </a:r>
+            <a:r>
+              <a:rPr lang="en-US" sz="900" b="1" dirty="0" err="1">
+                <a:solidFill>
+                  <a:srgbClr val="000000"/>
+                </a:solidFill>
+                <a:latin typeface="Arial" panose="020B0604020202020204" pitchFamily="34" charset="0"/>
+                <a:cs typeface="Arial" panose="020B0604020202020204" pitchFamily="34" charset="0"/>
+              </a:rPr>
+              <a:t>Arlindo</a:t>
+            </a:r>
+            <a:r>
+              <a:rPr lang="en-US" sz="900" b="1" dirty="0">
+                <a:solidFill>
+                  <a:srgbClr val="000000"/>
+                </a:solidFill>
+                <a:latin typeface="Arial" panose="020B0604020202020204" pitchFamily="34" charset="0"/>
+                <a:cs typeface="Arial" panose="020B0604020202020204" pitchFamily="34" charset="0"/>
+              </a:rPr>
+              <a:t> L. Oliveira, Isabel </a:t>
+            </a:r>
+            <a:r>
+              <a:rPr lang="en-US" sz="900" b="1" dirty="0" err="1">
+                <a:solidFill>
+                  <a:srgbClr val="000000"/>
+                </a:solidFill>
+                <a:latin typeface="Arial" panose="020B0604020202020204" pitchFamily="34" charset="0"/>
+                <a:cs typeface="Arial" panose="020B0604020202020204" pitchFamily="34" charset="0"/>
+              </a:rPr>
+              <a:t>Sá-Correia</a:t>
+            </a:r>
+            <a:r>
+              <a:rPr lang="en-US" sz="900" b="1" dirty="0">
+                <a:solidFill>
+                  <a:srgbClr val="000000"/>
+                </a:solidFill>
+                <a:latin typeface="Arial" panose="020B0604020202020204" pitchFamily="34" charset="0"/>
+                <a:cs typeface="Arial" panose="020B0604020202020204" pitchFamily="34" charset="0"/>
+              </a:rPr>
+              <a:t>, Ana T. Freitas (2011). YEASTRACT: providing a programmatic access to curated transcriptional regulatory associations in </a:t>
             </a:r>
             <a:r>
               <a:rPr lang="en-US" sz="900" b="1" i="1" dirty="0">
@@ -10608,7 +10835,7 @@
                 <a:latin typeface="Arial" panose="020B0604020202020204" pitchFamily="34" charset="0"/>
                 <a:cs typeface="Arial" panose="020B0604020202020204" pitchFamily="34" charset="0"/>
               </a:rPr>
-              <a:t>of the National Academy of Sciences</a:t>
+              <a:t>Saccharomyces cerevisiae</a:t>
             </a:r>
             <a:r>
               <a:rPr lang="en-US" sz="900" b="1" dirty="0">
@@ -10618,17 +10845,17 @@
                 <a:latin typeface="Arial" panose="020B0604020202020204" pitchFamily="34" charset="0"/>
                 <a:cs typeface="Arial" panose="020B0604020202020204" pitchFamily="34" charset="0"/>
               </a:rPr>
-              <a:t>, </a:t>
-            </a:r>
-            <a:r>
-              <a:rPr lang="en-US" sz="900" b="1" i="1" dirty="0">
+              <a:t> through a web services interface </a:t>
+            </a:r>
+            <a:r>
+              <a:rPr lang="en-US" sz="900" b="1" dirty="0" err="1">
                 <a:solidFill>
                   <a:srgbClr val="000000"/>
                 </a:solidFill>
                 <a:latin typeface="Arial" panose="020B0604020202020204" pitchFamily="34" charset="0"/>
                 <a:cs typeface="Arial" panose="020B0604020202020204" pitchFamily="34" charset="0"/>
               </a:rPr>
-              <a:t>103</a:t>
+              <a:t>Nucl</a:t>
             </a:r>
             <a:r>
               <a:rPr lang="en-US" sz="900" b="1" dirty="0">
@@ -10638,7 +10865,7 @@
                 <a:latin typeface="Arial" panose="020B0604020202020204" pitchFamily="34" charset="0"/>
                 <a:cs typeface="Arial" panose="020B0604020202020204" pitchFamily="34" charset="0"/>
               </a:rPr>
-              <a:t>(35), 13004-13009</a:t>
+              <a:t>. Acids Res., 39: D136-D140, Oxford University Press</a:t>
             </a:r>
             <a:r>
               <a:rPr lang="en-US" sz="900" b="1" dirty="0" smtClean="0">
@@ -10672,390 +10899,6 @@
               </a:lnSpc>
             </a:pPr>
             <a:r>
-              <a:rPr lang="en-US" sz="900" b="1" dirty="0" err="1" smtClean="0">
-                <a:solidFill>
-                  <a:srgbClr val="000000"/>
-                </a:solidFill>
-                <a:latin typeface="Arial" panose="020B0604020202020204" pitchFamily="34" charset="0"/>
-                <a:cs typeface="Arial" panose="020B0604020202020204" pitchFamily="34" charset="0"/>
-              </a:rPr>
-              <a:t>Dahlquist</a:t>
-            </a:r>
-            <a:r>
-              <a:rPr lang="en-US" sz="900" b="1" dirty="0">
-                <a:solidFill>
-                  <a:srgbClr val="000000"/>
-                </a:solidFill>
-                <a:latin typeface="Arial" panose="020B0604020202020204" pitchFamily="34" charset="0"/>
-                <a:cs typeface="Arial" panose="020B0604020202020204" pitchFamily="34" charset="0"/>
-              </a:rPr>
-              <a:t>, K., Fitzpatrick, B., Camacho, E., </a:t>
-            </a:r>
-            <a:r>
-              <a:rPr lang="en-US" sz="900" b="1" dirty="0" err="1">
-                <a:solidFill>
-                  <a:srgbClr val="000000"/>
-                </a:solidFill>
-                <a:latin typeface="Arial" panose="020B0604020202020204" pitchFamily="34" charset="0"/>
-                <a:cs typeface="Arial" panose="020B0604020202020204" pitchFamily="34" charset="0"/>
-              </a:rPr>
-              <a:t>Entzminger</a:t>
-            </a:r>
-            <a:r>
-              <a:rPr lang="en-US" sz="900" b="1" dirty="0">
-                <a:solidFill>
-                  <a:srgbClr val="000000"/>
-                </a:solidFill>
-                <a:latin typeface="Arial" panose="020B0604020202020204" pitchFamily="34" charset="0"/>
-                <a:cs typeface="Arial" panose="020B0604020202020204" pitchFamily="34" charset="0"/>
-              </a:rPr>
-              <a:t>, S., &amp; </a:t>
-            </a:r>
-            <a:r>
-              <a:rPr lang="en-US" sz="900" b="1" dirty="0" err="1">
-                <a:solidFill>
-                  <a:srgbClr val="000000"/>
-                </a:solidFill>
-                <a:latin typeface="Arial" panose="020B0604020202020204" pitchFamily="34" charset="0"/>
-                <a:cs typeface="Arial" panose="020B0604020202020204" pitchFamily="34" charset="0"/>
-              </a:rPr>
-              <a:t>Wanner</a:t>
-            </a:r>
-            <a:r>
-              <a:rPr lang="en-US" sz="900" b="1" dirty="0">
-                <a:solidFill>
-                  <a:srgbClr val="000000"/>
-                </a:solidFill>
-                <a:latin typeface="Arial" panose="020B0604020202020204" pitchFamily="34" charset="0"/>
-                <a:cs typeface="Arial" panose="020B0604020202020204" pitchFamily="34" charset="0"/>
-              </a:rPr>
-              <a:t>, N. (2015). Parameter Estimation for Gene Regulatory Networks from Microarray Data: Cold Shock Response in Saccharomyces cerevisiae. </a:t>
-            </a:r>
-            <a:r>
-              <a:rPr lang="en-US" sz="900" b="1" i="1" dirty="0">
-                <a:solidFill>
-                  <a:srgbClr val="000000"/>
-                </a:solidFill>
-                <a:latin typeface="Arial" panose="020B0604020202020204" pitchFamily="34" charset="0"/>
-                <a:cs typeface="Arial" panose="020B0604020202020204" pitchFamily="34" charset="0"/>
-              </a:rPr>
-              <a:t>Bulletin Of Mathematical Biology</a:t>
-            </a:r>
-            <a:r>
-              <a:rPr lang="en-US" sz="900" b="1" dirty="0">
-                <a:solidFill>
-                  <a:srgbClr val="000000"/>
-                </a:solidFill>
-                <a:latin typeface="Arial" panose="020B0604020202020204" pitchFamily="34" charset="0"/>
-                <a:cs typeface="Arial" panose="020B0604020202020204" pitchFamily="34" charset="0"/>
-              </a:rPr>
-              <a:t>, </a:t>
-            </a:r>
-            <a:r>
-              <a:rPr lang="en-US" sz="900" b="1" i="1" dirty="0">
-                <a:solidFill>
-                  <a:srgbClr val="000000"/>
-                </a:solidFill>
-                <a:latin typeface="Arial" panose="020B0604020202020204" pitchFamily="34" charset="0"/>
-                <a:cs typeface="Arial" panose="020B0604020202020204" pitchFamily="34" charset="0"/>
-              </a:rPr>
-              <a:t>77</a:t>
-            </a:r>
-            <a:r>
-              <a:rPr lang="en-US" sz="900" b="1" dirty="0">
-                <a:solidFill>
-                  <a:srgbClr val="000000"/>
-                </a:solidFill>
-                <a:latin typeface="Arial" panose="020B0604020202020204" pitchFamily="34" charset="0"/>
-                <a:cs typeface="Arial" panose="020B0604020202020204" pitchFamily="34" charset="0"/>
-              </a:rPr>
-              <a:t>(8), 1457-1492. http://</a:t>
-            </a:r>
-            <a:r>
-              <a:rPr lang="en-US" sz="900" b="1" dirty="0" smtClean="0">
-                <a:solidFill>
-                  <a:srgbClr val="000000"/>
-                </a:solidFill>
-                <a:latin typeface="Arial" panose="020B0604020202020204" pitchFamily="34" charset="0"/>
-                <a:cs typeface="Arial" panose="020B0604020202020204" pitchFamily="34" charset="0"/>
-              </a:rPr>
-              <a:t>dx.doi.org/10.1007/s11538-015-0092-6.</a:t>
-            </a:r>
-            <a:br>
-              <a:rPr lang="en-US" sz="900" b="1" dirty="0" smtClean="0">
-                <a:solidFill>
-                  <a:srgbClr val="000000"/>
-                </a:solidFill>
-                <a:latin typeface="Arial" panose="020B0604020202020204" pitchFamily="34" charset="0"/>
-                <a:cs typeface="Arial" panose="020B0604020202020204" pitchFamily="34" charset="0"/>
-              </a:rPr>
-            </a:br>
-            <a:endParaRPr lang="en-US" sz="900" b="1" dirty="0" smtClean="0">
-              <a:solidFill>
-                <a:srgbClr val="000000"/>
-              </a:solidFill>
-              <a:latin typeface="Arial" panose="020B0604020202020204" pitchFamily="34" charset="0"/>
-              <a:cs typeface="Arial" panose="020B0604020202020204" pitchFamily="34" charset="0"/>
-            </a:endParaRPr>
-          </a:p>
-          <a:p>
-            <a:pPr>
-              <a:lnSpc>
-                <a:spcPct val="80000"/>
-              </a:lnSpc>
-            </a:pPr>
-            <a:r>
-              <a:rPr lang="en-US" sz="900" b="1" dirty="0" err="1">
-                <a:solidFill>
-                  <a:srgbClr val="000000"/>
-                </a:solidFill>
-                <a:latin typeface="Arial" panose="020B0604020202020204" pitchFamily="34" charset="0"/>
-                <a:cs typeface="Arial" panose="020B0604020202020204" pitchFamily="34" charset="0"/>
-              </a:rPr>
-              <a:t>Dário</a:t>
-            </a:r>
-            <a:r>
-              <a:rPr lang="en-US" sz="900" b="1" dirty="0">
-                <a:solidFill>
-                  <a:srgbClr val="000000"/>
-                </a:solidFill>
-                <a:latin typeface="Arial" panose="020B0604020202020204" pitchFamily="34" charset="0"/>
-                <a:cs typeface="Arial" panose="020B0604020202020204" pitchFamily="34" charset="0"/>
-              </a:rPr>
-              <a:t> </a:t>
-            </a:r>
-            <a:r>
-              <a:rPr lang="en-US" sz="900" b="1" dirty="0" err="1">
-                <a:solidFill>
-                  <a:srgbClr val="000000"/>
-                </a:solidFill>
-                <a:latin typeface="Arial" panose="020B0604020202020204" pitchFamily="34" charset="0"/>
-                <a:cs typeface="Arial" panose="020B0604020202020204" pitchFamily="34" charset="0"/>
-              </a:rPr>
-              <a:t>Abdulrehman</a:t>
-            </a:r>
-            <a:r>
-              <a:rPr lang="en-US" sz="900" b="1" dirty="0">
-                <a:solidFill>
-                  <a:srgbClr val="000000"/>
-                </a:solidFill>
-                <a:latin typeface="Arial" panose="020B0604020202020204" pitchFamily="34" charset="0"/>
-                <a:cs typeface="Arial" panose="020B0604020202020204" pitchFamily="34" charset="0"/>
-              </a:rPr>
-              <a:t>, Pedro T. Monteiro, Miguel C. Teixeira, </a:t>
-            </a:r>
-            <a:r>
-              <a:rPr lang="en-US" sz="900" b="1" dirty="0" err="1">
-                <a:solidFill>
-                  <a:srgbClr val="000000"/>
-                </a:solidFill>
-                <a:latin typeface="Arial" panose="020B0604020202020204" pitchFamily="34" charset="0"/>
-                <a:cs typeface="Arial" panose="020B0604020202020204" pitchFamily="34" charset="0"/>
-              </a:rPr>
-              <a:t>Nuno</a:t>
-            </a:r>
-            <a:r>
-              <a:rPr lang="en-US" sz="900" b="1" dirty="0">
-                <a:solidFill>
-                  <a:srgbClr val="000000"/>
-                </a:solidFill>
-                <a:latin typeface="Arial" panose="020B0604020202020204" pitchFamily="34" charset="0"/>
-                <a:cs typeface="Arial" panose="020B0604020202020204" pitchFamily="34" charset="0"/>
-              </a:rPr>
-              <a:t> P. Mira, </a:t>
-            </a:r>
-            <a:r>
-              <a:rPr lang="en-US" sz="900" b="1" dirty="0" err="1">
-                <a:solidFill>
-                  <a:srgbClr val="000000"/>
-                </a:solidFill>
-                <a:latin typeface="Arial" panose="020B0604020202020204" pitchFamily="34" charset="0"/>
-                <a:cs typeface="Arial" panose="020B0604020202020204" pitchFamily="34" charset="0"/>
-              </a:rPr>
-              <a:t>Artur</a:t>
-            </a:r>
-            <a:r>
-              <a:rPr lang="en-US" sz="900" b="1" dirty="0">
-                <a:solidFill>
-                  <a:srgbClr val="000000"/>
-                </a:solidFill>
-                <a:latin typeface="Arial" panose="020B0604020202020204" pitchFamily="34" charset="0"/>
-                <a:cs typeface="Arial" panose="020B0604020202020204" pitchFamily="34" charset="0"/>
-              </a:rPr>
-              <a:t> B. </a:t>
-            </a:r>
-            <a:r>
-              <a:rPr lang="en-US" sz="900" b="1" dirty="0" err="1">
-                <a:solidFill>
-                  <a:srgbClr val="000000"/>
-                </a:solidFill>
-                <a:latin typeface="Arial" panose="020B0604020202020204" pitchFamily="34" charset="0"/>
-                <a:cs typeface="Arial" panose="020B0604020202020204" pitchFamily="34" charset="0"/>
-              </a:rPr>
-              <a:t>Lourenço</a:t>
-            </a:r>
-            <a:r>
-              <a:rPr lang="en-US" sz="900" b="1" dirty="0">
-                <a:solidFill>
-                  <a:srgbClr val="000000"/>
-                </a:solidFill>
-                <a:latin typeface="Arial" panose="020B0604020202020204" pitchFamily="34" charset="0"/>
-                <a:cs typeface="Arial" panose="020B0604020202020204" pitchFamily="34" charset="0"/>
-              </a:rPr>
-              <a:t>, Sandra C. dos Santos, </a:t>
-            </a:r>
-            <a:r>
-              <a:rPr lang="en-US" sz="900" b="1" dirty="0" err="1">
-                <a:solidFill>
-                  <a:srgbClr val="000000"/>
-                </a:solidFill>
-                <a:latin typeface="Arial" panose="020B0604020202020204" pitchFamily="34" charset="0"/>
-                <a:cs typeface="Arial" panose="020B0604020202020204" pitchFamily="34" charset="0"/>
-              </a:rPr>
-              <a:t>Tânia</a:t>
-            </a:r>
-            <a:r>
-              <a:rPr lang="en-US" sz="900" b="1" dirty="0">
-                <a:solidFill>
-                  <a:srgbClr val="000000"/>
-                </a:solidFill>
-                <a:latin typeface="Arial" panose="020B0604020202020204" pitchFamily="34" charset="0"/>
-                <a:cs typeface="Arial" panose="020B0604020202020204" pitchFamily="34" charset="0"/>
-              </a:rPr>
-              <a:t> R. </a:t>
-            </a:r>
-            <a:r>
-              <a:rPr lang="en-US" sz="900" b="1" dirty="0" err="1">
-                <a:solidFill>
-                  <a:srgbClr val="000000"/>
-                </a:solidFill>
-                <a:latin typeface="Arial" panose="020B0604020202020204" pitchFamily="34" charset="0"/>
-                <a:cs typeface="Arial" panose="020B0604020202020204" pitchFamily="34" charset="0"/>
-              </a:rPr>
-              <a:t>Cabrito</a:t>
-            </a:r>
-            <a:r>
-              <a:rPr lang="en-US" sz="900" b="1" dirty="0">
-                <a:solidFill>
-                  <a:srgbClr val="000000"/>
-                </a:solidFill>
-                <a:latin typeface="Arial" panose="020B0604020202020204" pitchFamily="34" charset="0"/>
-                <a:cs typeface="Arial" panose="020B0604020202020204" pitchFamily="34" charset="0"/>
-              </a:rPr>
-              <a:t>, Alexandre P. Francisco, Sara C. Madeira, Ricardo S. Aires, </a:t>
-            </a:r>
-            <a:r>
-              <a:rPr lang="en-US" sz="900" b="1" dirty="0" err="1">
-                <a:solidFill>
-                  <a:srgbClr val="000000"/>
-                </a:solidFill>
-                <a:latin typeface="Arial" panose="020B0604020202020204" pitchFamily="34" charset="0"/>
-                <a:cs typeface="Arial" panose="020B0604020202020204" pitchFamily="34" charset="0"/>
-              </a:rPr>
-              <a:t>Arlindo</a:t>
-            </a:r>
-            <a:r>
-              <a:rPr lang="en-US" sz="900" b="1" dirty="0">
-                <a:solidFill>
-                  <a:srgbClr val="000000"/>
-                </a:solidFill>
-                <a:latin typeface="Arial" panose="020B0604020202020204" pitchFamily="34" charset="0"/>
-                <a:cs typeface="Arial" panose="020B0604020202020204" pitchFamily="34" charset="0"/>
-              </a:rPr>
-              <a:t> L. Oliveira, Isabel </a:t>
-            </a:r>
-            <a:r>
-              <a:rPr lang="en-US" sz="900" b="1" dirty="0" err="1">
-                <a:solidFill>
-                  <a:srgbClr val="000000"/>
-                </a:solidFill>
-                <a:latin typeface="Arial" panose="020B0604020202020204" pitchFamily="34" charset="0"/>
-                <a:cs typeface="Arial" panose="020B0604020202020204" pitchFamily="34" charset="0"/>
-              </a:rPr>
-              <a:t>Sá-Correia</a:t>
-            </a:r>
-            <a:r>
-              <a:rPr lang="en-US" sz="900" b="1" dirty="0">
-                <a:solidFill>
-                  <a:srgbClr val="000000"/>
-                </a:solidFill>
-                <a:latin typeface="Arial" panose="020B0604020202020204" pitchFamily="34" charset="0"/>
-                <a:cs typeface="Arial" panose="020B0604020202020204" pitchFamily="34" charset="0"/>
-              </a:rPr>
-              <a:t>, Ana T. Freitas (2011). YEASTRACT: providing a programmatic access to curated transcriptional regulatory associations in </a:t>
-            </a:r>
-            <a:r>
-              <a:rPr lang="en-US" sz="900" b="1" i="1" dirty="0">
-                <a:solidFill>
-                  <a:srgbClr val="000000"/>
-                </a:solidFill>
-                <a:latin typeface="Arial" panose="020B0604020202020204" pitchFamily="34" charset="0"/>
-                <a:cs typeface="Arial" panose="020B0604020202020204" pitchFamily="34" charset="0"/>
-              </a:rPr>
-              <a:t>Saccharomyces cerevisiae</a:t>
-            </a:r>
-            <a:r>
-              <a:rPr lang="en-US" sz="900" b="1" dirty="0">
-                <a:solidFill>
-                  <a:srgbClr val="000000"/>
-                </a:solidFill>
-                <a:latin typeface="Arial" panose="020B0604020202020204" pitchFamily="34" charset="0"/>
-                <a:cs typeface="Arial" panose="020B0604020202020204" pitchFamily="34" charset="0"/>
-              </a:rPr>
-              <a:t> through a web services interface </a:t>
-            </a:r>
-            <a:r>
-              <a:rPr lang="en-US" sz="900" b="1" dirty="0" err="1">
-                <a:solidFill>
-                  <a:srgbClr val="000000"/>
-                </a:solidFill>
-                <a:latin typeface="Arial" panose="020B0604020202020204" pitchFamily="34" charset="0"/>
-                <a:cs typeface="Arial" panose="020B0604020202020204" pitchFamily="34" charset="0"/>
-              </a:rPr>
-              <a:t>Nucl</a:t>
-            </a:r>
-            <a:r>
-              <a:rPr lang="en-US" sz="900" b="1" dirty="0">
-                <a:solidFill>
-                  <a:srgbClr val="000000"/>
-                </a:solidFill>
-                <a:latin typeface="Arial" panose="020B0604020202020204" pitchFamily="34" charset="0"/>
-                <a:cs typeface="Arial" panose="020B0604020202020204" pitchFamily="34" charset="0"/>
-              </a:rPr>
-              <a:t>. Acids Res., 39: D136-D140, Oxford University Press</a:t>
-            </a:r>
-            <a:r>
-              <a:rPr lang="en-US" sz="900" b="1" dirty="0" smtClean="0">
-                <a:solidFill>
-                  <a:srgbClr val="000000"/>
-                </a:solidFill>
-                <a:latin typeface="Arial" panose="020B0604020202020204" pitchFamily="34" charset="0"/>
-                <a:cs typeface="Arial" panose="020B0604020202020204" pitchFamily="34" charset="0"/>
-              </a:rPr>
-              <a:t>.</a:t>
-            </a:r>
-          </a:p>
-          <a:p>
-            <a:pPr>
-              <a:lnSpc>
-                <a:spcPct val="80000"/>
-              </a:lnSpc>
-            </a:pPr>
-            <a:endParaRPr lang="en-US" sz="900" b="1" dirty="0" smtClean="0">
-              <a:solidFill>
-                <a:srgbClr val="000000"/>
-              </a:solidFill>
-              <a:latin typeface="Arial" panose="020B0604020202020204" pitchFamily="34" charset="0"/>
-              <a:cs typeface="Arial" panose="020B0604020202020204" pitchFamily="34" charset="0"/>
-            </a:endParaRPr>
-          </a:p>
-          <a:p>
-            <a:pPr>
-              <a:lnSpc>
-                <a:spcPct val="80000"/>
-              </a:lnSpc>
-            </a:pPr>
-            <a:r>
               <a:rPr lang="en-US" sz="900" b="1" dirty="0">
                 <a:solidFill>
                   <a:srgbClr val="000000"/>
@@ -11500,7 +11343,29 @@
                 <a:latin typeface="Arial" panose="020B0604020202020204" pitchFamily="34" charset="0"/>
                 <a:cs typeface="Arial" panose="020B0604020202020204" pitchFamily="34" charset="0"/>
               </a:rPr>
-              <a:t>Project Proposal. http://web.ecs.syr.edu/~pjmcswee/gephi.pdf</a:t>
+              <a:t>Project Proposal. </a:t>
+            </a:r>
+            <a:r>
+              <a:rPr lang="en-US" sz="900" b="1" dirty="0">
+                <a:solidFill>
+                  <a:srgbClr val="000000"/>
+                </a:solidFill>
+                <a:latin typeface="Arial" panose="020B0604020202020204" pitchFamily="34" charset="0"/>
+                <a:cs typeface="Arial" panose="020B0604020202020204" pitchFamily="34" charset="0"/>
+                <a:hlinkClick r:id="rId8"/>
+              </a:rPr>
+              <a:t>http://web.ecs.syr.edu/~pjmcswee/</a:t>
+            </a:r>
+            <a:r>
+              <a:rPr lang="en-US" sz="900" b="1" dirty="0" smtClean="0">
+                <a:solidFill>
+                  <a:srgbClr val="000000"/>
+                </a:solidFill>
+                <a:latin typeface="Arial" panose="020B0604020202020204" pitchFamily="34" charset="0"/>
+                <a:cs typeface="Arial" panose="020B0604020202020204" pitchFamily="34" charset="0"/>
+                <a:hlinkClick r:id="rId8"/>
+              </a:rPr>
+              <a:t>gephi.pdf</a:t>
             </a:r>
             <a:endParaRPr lang="en-US" sz="900" b="1" dirty="0" smtClean="0">
               <a:solidFill>
@@ -11516,7 +11381,98 @@
                 <a:spcPct val="80000"/>
               </a:lnSpc>
             </a:pPr>
-            <a:endParaRPr lang="en-US" sz="900" b="1" dirty="0" smtClean="0">
+            <a:endParaRPr lang="en-US" sz="900" b="1" dirty="0">
+              <a:solidFill>
+                <a:srgbClr val="000000"/>
+              </a:solidFill>
+              <a:latin typeface="Arial" panose="020B0604020202020204" pitchFamily="34" charset="0"/>
+              <a:cs typeface="Arial" panose="020B0604020202020204" pitchFamily="34" charset="0"/>
+            </a:endParaRPr>
+          </a:p>
+          <a:p>
+            <a:pPr>
+              <a:lnSpc>
+                <a:spcPct val="80000"/>
+              </a:lnSpc>
+            </a:pPr>
+            <a:r>
+              <a:rPr lang="en-US" sz="900" b="1" dirty="0" err="1">
+                <a:solidFill>
+                  <a:srgbClr val="000000"/>
+                </a:solidFill>
+                <a:latin typeface="Arial" panose="020B0604020202020204" pitchFamily="34" charset="0"/>
+                <a:cs typeface="Arial" panose="020B0604020202020204" pitchFamily="34" charset="0"/>
+              </a:rPr>
+              <a:t>Neymotin</a:t>
+            </a:r>
+            <a:r>
+              <a:rPr lang="en-US" sz="900" b="1" dirty="0">
+                <a:solidFill>
+                  <a:srgbClr val="000000"/>
+                </a:solidFill>
+                <a:latin typeface="Arial" panose="020B0604020202020204" pitchFamily="34" charset="0"/>
+                <a:cs typeface="Arial" panose="020B0604020202020204" pitchFamily="34" charset="0"/>
+              </a:rPr>
+              <a:t>, B., </a:t>
+            </a:r>
+            <a:r>
+              <a:rPr lang="en-US" sz="900" b="1" dirty="0" err="1">
+                <a:solidFill>
+                  <a:srgbClr val="000000"/>
+                </a:solidFill>
+                <a:latin typeface="Arial" panose="020B0604020202020204" pitchFamily="34" charset="0"/>
+                <a:cs typeface="Arial" panose="020B0604020202020204" pitchFamily="34" charset="0"/>
+              </a:rPr>
+              <a:t>Athanasiadou</a:t>
+            </a:r>
+            <a:r>
+              <a:rPr lang="en-US" sz="900" b="1" dirty="0">
+                <a:solidFill>
+                  <a:srgbClr val="000000"/>
+                </a:solidFill>
+                <a:latin typeface="Arial" panose="020B0604020202020204" pitchFamily="34" charset="0"/>
+                <a:cs typeface="Arial" panose="020B0604020202020204" pitchFamily="34" charset="0"/>
+              </a:rPr>
+              <a:t>, R., &amp; Gresham, D. (2014). Determination of in vivo RNA kinetics using RATE-seq. </a:t>
+            </a:r>
+            <a:r>
+              <a:rPr lang="en-US" sz="900" b="1" dirty="0" err="1">
+                <a:solidFill>
+                  <a:srgbClr val="000000"/>
+                </a:solidFill>
+                <a:latin typeface="Arial" panose="020B0604020202020204" pitchFamily="34" charset="0"/>
+                <a:cs typeface="Arial" panose="020B0604020202020204" pitchFamily="34" charset="0"/>
+              </a:rPr>
+              <a:t>Rna</a:t>
+            </a:r>
+            <a:r>
+              <a:rPr lang="en-US" sz="900" b="1" dirty="0">
+                <a:solidFill>
+                  <a:srgbClr val="000000"/>
+                </a:solidFill>
+                <a:latin typeface="Arial" panose="020B0604020202020204" pitchFamily="34" charset="0"/>
+                <a:cs typeface="Arial" panose="020B0604020202020204" pitchFamily="34" charset="0"/>
+              </a:rPr>
+              <a:t>, 20(10), 1645-1652</a:t>
+            </a:r>
+            <a:r>
+              <a:rPr lang="en-US" sz="900" b="1" dirty="0" smtClean="0">
+                <a:solidFill>
+                  <a:srgbClr val="000000"/>
+                </a:solidFill>
+                <a:latin typeface="Arial" panose="020B0604020202020204" pitchFamily="34" charset="0"/>
+                <a:cs typeface="Arial" panose="020B0604020202020204" pitchFamily="34" charset="0"/>
+              </a:rPr>
+              <a:t>.</a:t>
+            </a:r>
+          </a:p>
+          <a:p>
+            <a:pPr>
+              <a:lnSpc>
+                <a:spcPct val="80000"/>
+              </a:lnSpc>
+            </a:pPr>
+            <a:endParaRPr lang="en-US" sz="900" b="1" dirty="0">
               <a:solidFill>
                 <a:srgbClr val="000000"/>
               </a:solidFill>
@@ -11754,7 +11710,28 @@
                 <a:latin typeface="Arial" panose="020B0604020202020204" pitchFamily="34" charset="0"/>
                 <a:cs typeface="Arial" panose="020B0604020202020204" pitchFamily="34" charset="0"/>
               </a:rPr>
-              <a:t>hock by changing </a:t>
+              <a:t>hock </a:t>
+            </a:r>
+            <a:endParaRPr lang="en-US" sz="2600" b="1" dirty="0" smtClean="0">
+              <a:latin typeface="Arial" panose="020B0604020202020204" pitchFamily="34" charset="0"/>
+              <a:cs typeface="Arial" panose="020B0604020202020204" pitchFamily="34" charset="0"/>
+            </a:endParaRPr>
+          </a:p>
+          <a:p>
+            <a:pPr algn="ctr"/>
+            <a:r>
+              <a:rPr lang="en-US" sz="2600" b="1" dirty="0" smtClean="0">
+                <a:latin typeface="Arial" panose="020B0604020202020204" pitchFamily="34" charset="0"/>
+                <a:cs typeface="Arial" panose="020B0604020202020204" pitchFamily="34" charset="0"/>
+              </a:rPr>
+              <a:t>by </a:t>
+            </a:r>
+            <a:r>
+              <a:rPr lang="en-US" sz="2600" b="1" dirty="0" smtClean="0">
+                <a:latin typeface="Arial" panose="020B0604020202020204" pitchFamily="34" charset="0"/>
+                <a:cs typeface="Arial" panose="020B0604020202020204" pitchFamily="34" charset="0"/>
+              </a:rPr>
+              <a:t>changing </a:t>
             </a:r>
             <a:r>
               <a:rPr lang="en-US" sz="2600" b="1" dirty="0">
@@ -11800,7 +11777,7 @@
           <p:nvPr/>
         </p:nvPicPr>
         <p:blipFill>
-          <a:blip r:embed="rId8">
+          <a:blip r:embed="rId9">
             <a:extLst>
               <a:ext uri="{28A0092B-C50C-407E-A947-70E740481C1C}">
                 <a14:useLocalDpi xmlns:a14="http://schemas.microsoft.com/office/drawing/2010/main" val="0"/>
@@ -11902,21 +11879,35 @@
                 <a:latin typeface="Arial" panose="020B0604020202020204" pitchFamily="34" charset="0"/>
                 <a:cs typeface="Arial" panose="020B0604020202020204" pitchFamily="34" charset="0"/>
               </a:rPr>
-              <a:t> &amp; Hochberg  (B&amp;H) </a:t>
-            </a:r>
-            <a:r>
-              <a:rPr lang="en-US" sz="1800" b="1" i="1" dirty="0">
+              <a:t> &amp; Hochberg  (B&amp;H</a:t>
+            </a:r>
+            <a:r>
+              <a:rPr lang="en-US" sz="1800" b="1" dirty="0" smtClean="0">
+                <a:latin typeface="Arial" panose="020B0604020202020204" pitchFamily="34" charset="0"/>
+                <a:cs typeface="Arial" panose="020B0604020202020204" pitchFamily="34" charset="0"/>
+              </a:rPr>
+              <a:t>) ANOVA </a:t>
+            </a:r>
+            <a:r>
+              <a:rPr lang="en-US" sz="1800" b="1" i="1" dirty="0" smtClean="0">
                 <a:latin typeface="Arial" panose="020B0604020202020204" pitchFamily="34" charset="0"/>
                 <a:cs typeface="Arial" panose="020B0604020202020204" pitchFamily="34" charset="0"/>
               </a:rPr>
               <a:t>p</a:t>
             </a:r>
             <a:r>
+              <a:rPr lang="en-US" sz="1800" b="1" dirty="0" smtClean="0">
+                <a:latin typeface="Arial" panose="020B0604020202020204" pitchFamily="34" charset="0"/>
+                <a:cs typeface="Arial" panose="020B0604020202020204" pitchFamily="34" charset="0"/>
+              </a:rPr>
+              <a:t> </a:t>
+            </a:r>
+            <a:r>
               <a:rPr lang="en-US" sz="1800" b="1" dirty="0">
                 <a:latin typeface="Arial" panose="020B0604020202020204" pitchFamily="34" charset="0"/>
                 <a:cs typeface="Arial" panose="020B0604020202020204" pitchFamily="34" charset="0"/>
               </a:rPr>
-              <a:t> value &lt; 0.05.</a:t>
+              <a:t>value &lt; 0.05.</a:t>
             </a:r>
           </a:p>
           <a:p>
@@ -12029,7 +12020,21 @@
                 <a:latin typeface="Arial" panose="020B0604020202020204" pitchFamily="34" charset="0"/>
                 <a:cs typeface="Arial" panose="020B0604020202020204" pitchFamily="34" charset="0"/>
               </a:rPr>
-              <a:t>Each of the pared-down GRNs, labeled db1-db6,  were input into the Dahlquist lab’s </a:t>
+              <a:t>Each of the pared-down GRNs, labeled db1-db6</a:t>
+            </a:r>
+            <a:r>
+              <a:rPr lang="en-US" sz="1800" b="1" dirty="0" smtClean="0">
+                <a:latin typeface="Arial" panose="020B0604020202020204" pitchFamily="34" charset="0"/>
+                <a:cs typeface="Arial" panose="020B0604020202020204" pitchFamily="34" charset="0"/>
+              </a:rPr>
+              <a:t>, were </a:t>
+            </a:r>
+            <a:r>
+              <a:rPr lang="en-US" sz="1800" b="1" dirty="0">
+                <a:latin typeface="Arial" panose="020B0604020202020204" pitchFamily="34" charset="0"/>
+                <a:cs typeface="Arial" panose="020B0604020202020204" pitchFamily="34" charset="0"/>
+              </a:rPr>
+              <a:t>input into the Dahlquist lab’s </a:t>
             </a:r>
             <a:r>
               <a:rPr lang="en-US" sz="1800" b="1" dirty="0" err="1">
@@ -12056,8 +12061,8 @@
         </p:nvSpPr>
         <p:spPr>
           <a:xfrm>
-            <a:off x="925846" y="28681657"/>
-            <a:ext cx="8359854" cy="3139321"/>
+            <a:off x="925846" y="28794549"/>
+            <a:ext cx="8359854" cy="2862323"/>
           </a:xfrm>
           <a:prstGeom prst="rect">
             <a:avLst/>
@@ -12099,18 +12104,53 @@
               <a:buChar char="•"/>
             </a:pPr>
             <a:r>
+              <a:rPr lang="en-US" sz="1800" b="1" dirty="0" smtClean="0">
+                <a:latin typeface="Arial"/>
+                <a:cs typeface="Arial"/>
+              </a:rPr>
+              <a:t>The GRN </a:t>
+            </a:r>
+            <a:r>
               <a:rPr lang="en-US" sz="1800" b="1" dirty="0">
                 <a:latin typeface="Arial"/>
                 <a:cs typeface="Arial"/>
               </a:rPr>
-              <a:t>The graphs are directed, and only go in one direction. The edges can either suppress or </a:t>
+              <a:t>graphs are directed, and </a:t>
             </a:r>
             <a:r>
               <a:rPr lang="en-US" sz="1800" b="1" dirty="0" smtClean="0">
                 <a:latin typeface="Arial"/>
                 <a:cs typeface="Arial"/>
               </a:rPr>
-              <a:t>activate other nodes, which go on to regulate other connections in the network.</a:t>
+              <a:t>only </a:t>
+            </a:r>
+            <a:r>
+              <a:rPr lang="en-US" sz="1800" b="1" dirty="0">
+                <a:latin typeface="Arial"/>
+                <a:cs typeface="Arial"/>
+              </a:rPr>
+              <a:t>go in one direction. The edges </a:t>
+            </a:r>
+            <a:r>
+              <a:rPr lang="en-US" sz="1800" b="1" dirty="0" smtClean="0">
+                <a:latin typeface="Arial"/>
+                <a:cs typeface="Arial"/>
+              </a:rPr>
+              <a:t>represent activation or repression of </a:t>
+            </a:r>
+            <a:r>
+              <a:rPr lang="en-US" sz="1800" b="1" dirty="0" smtClean="0">
+                <a:latin typeface="Arial"/>
+                <a:cs typeface="Arial"/>
+              </a:rPr>
+              <a:t>other genes in the network, which then go one to regulate other genes</a:t>
+            </a:r>
+            <a:r>
+              <a:rPr lang="en-US" sz="1800" b="1" dirty="0" smtClean="0">
+                <a:latin typeface="Arial"/>
+                <a:cs typeface="Arial"/>
+              </a:rPr>
+              <a:t>.</a:t>
             </a:r>
             <a:endParaRPr lang="en-US" sz="1800" b="1" dirty="0" smtClean="0">
               <a:latin typeface="Arial"/>
@@ -12127,22 +12167,19 @@
                 <a:latin typeface="Arial"/>
                 <a:cs typeface="Arial"/>
               </a:rPr>
-              <a:t>The outputs of the </a:t>
-            </a:r>
-            <a:r>
-              <a:rPr lang="en-US" sz="1800" b="1" dirty="0" err="1" smtClean="0">
+              <a:t>Positive weights to the edges represent activation, negative weights to edges represent repression. The blue edges represents repression, magenta represents activation and the thickness of the line represents the strength of </a:t>
+            </a:r>
+            <a:r>
+              <a:rPr lang="en-US" sz="1800" b="1" smtClean="0">
                 <a:latin typeface="Arial"/>
                 <a:cs typeface="Arial"/>
               </a:rPr>
-              <a:t>GRNmap</a:t>
-            </a:r>
-            <a:r>
-              <a:rPr lang="en-US" sz="1800" b="1" dirty="0" smtClean="0">
-                <a:latin typeface="Arial"/>
-                <a:cs typeface="Arial"/>
-              </a:rPr>
-              <a:t> model for all 6 networks were used to determine the relationships between nodes (genes). The output gave a weight to the edges of the network that represents the strength of the connection, and whether the node is being activated or repressed, or activating or repressing other nodes.</a:t>
-            </a:r>
+              <a:t>the weights</a:t>
+            </a:r>
+            <a:endParaRPr lang="en-US" sz="1800" b="1" dirty="0" smtClean="0">
+              <a:latin typeface="Arial"/>
+              <a:cs typeface="Arial"/>
+            </a:endParaRPr>
           </a:p>
           <a:p>
             <a:pPr marL="342900" indent="-342900">
@@ -12165,7 +12202,7 @@
           <p:nvPr/>
         </p:nvPicPr>
         <p:blipFill rotWithShape="1">
-          <a:blip r:embed="rId9">
+          <a:blip r:embed="rId10">
             <a:extLst>
               <a:ext uri="{28A0092B-C50C-407E-A947-70E740481C1C}">
                 <a14:useLocalDpi xmlns:a14="http://schemas.microsoft.com/office/drawing/2010/main" val="0"/>
@@ -12219,7 +12256,7 @@
                 <a:latin typeface="Arial"/>
                 <a:cs typeface="Arial"/>
               </a:rPr>
-              <a:t>DNA microarray data from </a:t>
+              <a:t>DNA microarray data from all six </a:t>
             </a:r>
             <a:r>
               <a:rPr lang="en-US" sz="1750" b="1" dirty="0" smtClean="0">
@@ -12229,7 +12266,7 @@
                 <a:latin typeface="Arial"/>
                 <a:cs typeface="Arial"/>
               </a:rPr>
-              <a:t>all six of our networks were </a:t>
+              <a:t>strains </a:t>
             </a:r>
             <a:r>
               <a:rPr lang="en-US" sz="1750" b="1" dirty="0" smtClean="0">
@@ -12239,7 +12276,7 @@
                 <a:latin typeface="Arial"/>
                 <a:cs typeface="Arial"/>
               </a:rPr>
-              <a:t>subjected </a:t>
+              <a:t>were </a:t>
             </a:r>
             <a:r>
               <a:rPr lang="en-US" sz="1750" b="1" dirty="0" smtClean="0">
@@ -12249,8 +12286,14 @@
                 <a:latin typeface="Arial"/>
                 <a:cs typeface="Arial"/>
               </a:rPr>
-              <a:t>to cold shock was analyzed using an ANOVA test, the YEASTRACT database, and an ordinary differential equations model called GRNmap that modeled the dynamics of each gene in candidate gene regulatory networks. </a:t>
-            </a:r>
+              <a:t>subjected to cold shock was analyzed using an ANOVA test, the YEASTRACT database, and an ordinary differential equations model called GRNmap that modeled the dynamics of each gene in candidate gene regulatory networks. The weighted output network was visualized using GRNsight.</a:t>
+            </a:r>
+          </a:p>
+          <a:p>
+            <a:pPr marL="342900" indent="-342900">
+              <a:buFont typeface="Arial"/>
+              <a:buChar char="•"/>
+            </a:pPr>
             <a:r>
               <a:rPr lang="en-US" sz="1750" b="1" dirty="0" smtClean="0">
                 <a:solidFill>
@@ -12262,6 +12305,16 @@
               <a:t>The </a:t>
             </a:r>
             <a:r>
+              <a:rPr lang="en-US" sz="1750" b="1" dirty="0" err="1" smtClean="0">
+                <a:solidFill>
+                  <a:srgbClr val="000000"/>
+                </a:solidFill>
+                <a:latin typeface="Arial"/>
+                <a:cs typeface="Arial"/>
+              </a:rPr>
+              <a:t>Gephi</a:t>
+            </a:r>
+            <a:r>
               <a:rPr lang="en-US" sz="1750" b="1" dirty="0" smtClean="0">
                 <a:solidFill>
                   <a:srgbClr val="000000"/>
@@ -12269,7 +12322,7 @@
                 <a:latin typeface="Arial"/>
                 <a:cs typeface="Arial"/>
               </a:rPr>
-              <a:t>weighted output network was visualized using GRNsight.</a:t>
+              <a:t> results showed that many of the graph statistics are consistent with the in-degree, out-degree statistics, where the genes with the highest degree and overall degree measures are also found to have the highest betweenness centrality measures, and those nodes with the lowest degree measures also have the lowest betweenness centrality. The statistics from Gephi provided useful information through which to view the graphs. While MSN2 has the highest betweenness centrality and the highest degree measure, it is tied for the highest eccentricity with SWI4, which shows that high accessibility might not be directly related to high centrality in the networks. </a:t>
             </a:r>
           </a:p>
           <a:p>
@@ -12285,7 +12338,23 @@
                 <a:latin typeface="Arial"/>
                 <a:cs typeface="Arial"/>
               </a:rPr>
-              <a:t>The </a:t>
+              <a:t>The average in and out degrees across all networks reveal trends across the board, such as YOX1 having very little activation, and was found to not be regulating any other gene across the board. This is similar to the graph statistics which show YOX1 as being least central on average to all networks. This might suggest that it should not be included in the networks moving forward, and might not play a significant role in regulation in response to cold shock. </a:t>
+            </a:r>
+          </a:p>
+          <a:p>
+            <a:pPr marL="342900" indent="-342900">
+              <a:buFont typeface="Arial"/>
+              <a:buChar char="•"/>
+            </a:pPr>
+            <a:r>
+              <a:rPr lang="en-US" sz="1750" b="1" dirty="0" smtClean="0">
+                <a:solidFill>
+                  <a:srgbClr val="000000"/>
+                </a:solidFill>
+                <a:latin typeface="Arial"/>
+                <a:cs typeface="Arial"/>
+              </a:rPr>
+              <a:t>In addition to the above, future directions include comparing the </a:t>
             </a:r>
             <a:r>
               <a:rPr lang="en-US" sz="1750" b="1" dirty="0" err="1" smtClean="0">
@@ -12305,7 +12374,7 @@
                 <a:latin typeface="Arial"/>
                 <a:cs typeface="Arial"/>
               </a:rPr>
-              <a:t> results </a:t>
+              <a:t> statistics to the statistics from </a:t>
             </a:r>
             <a:r>
               <a:rPr lang="en-US" sz="1750" b="1" dirty="0" smtClean="0">
@@ -12315,7 +12384,7 @@
                 <a:latin typeface="Arial"/>
                 <a:cs typeface="Arial"/>
               </a:rPr>
-              <a:t>showed tha</a:t>
+              <a:t>random </a:t>
             </a:r>
             <a:r>
               <a:rPr lang="en-US" sz="1750" b="1" dirty="0" smtClean="0">
@@ -12325,213 +12394,7 @@
                 <a:latin typeface="Arial"/>
                 <a:cs typeface="Arial"/>
               </a:rPr>
-              <a:t>t many of the graph statistics are consistent with </a:t>
-            </a:r>
-            <a:r>
-              <a:rPr lang="en-US" sz="1750" b="1" dirty="0" smtClean="0">
-                <a:solidFill>
-                  <a:srgbClr val="000000"/>
-                </a:solidFill>
-                <a:latin typeface="Arial"/>
-                <a:cs typeface="Arial"/>
-              </a:rPr>
-              <a:t>the </a:t>
-            </a:r>
-            <a:r>
-              <a:rPr lang="en-US" sz="1750" b="1" dirty="0" smtClean="0">
-                <a:solidFill>
-                  <a:srgbClr val="000000"/>
-                </a:solidFill>
-                <a:latin typeface="Arial"/>
-                <a:cs typeface="Arial"/>
-              </a:rPr>
-              <a:t>in-degree, out-degree statistics, where the genes with the highest degree and overall degree measures are also found to have the highest betweenness centrality measures, and those nodes with the lowest degree measures also have the lowest betweenness centrality. The statistics from Gephi provided useful information through which to view the </a:t>
-            </a:r>
-            <a:r>
-              <a:rPr lang="en-US" sz="1750" b="1" dirty="0" smtClean="0">
-                <a:solidFill>
-                  <a:srgbClr val="000000"/>
-                </a:solidFill>
-                <a:latin typeface="Arial"/>
-                <a:cs typeface="Arial"/>
-              </a:rPr>
-              <a:t>graphs. </a:t>
-            </a:r>
-            <a:r>
-              <a:rPr lang="en-US" sz="1750" b="1" dirty="0" smtClean="0">
-                <a:solidFill>
-                  <a:srgbClr val="000000"/>
-                </a:solidFill>
-                <a:latin typeface="Arial"/>
-                <a:cs typeface="Arial"/>
-              </a:rPr>
-              <a:t>While MSN2 has the highest betweenness centrality and the highest degree measure</a:t>
-            </a:r>
-            <a:r>
-              <a:rPr lang="en-US" sz="1750" b="1" dirty="0" smtClean="0">
-                <a:solidFill>
-                  <a:srgbClr val="000000"/>
-                </a:solidFill>
-                <a:latin typeface="Arial"/>
-                <a:cs typeface="Arial"/>
-              </a:rPr>
-              <a:t>, it is tied for the highest eccentricity with SWI4, which shows that high accessibility might not be directly related to high centrality in the networks. </a:t>
-            </a:r>
-            <a:endParaRPr lang="en-US" sz="1750" b="1" dirty="0" smtClean="0">
-              <a:solidFill>
-                <a:srgbClr val="000000"/>
-              </a:solidFill>
-              <a:latin typeface="Arial"/>
-              <a:cs typeface="Arial"/>
-            </a:endParaRPr>
-          </a:p>
-          <a:p>
-            <a:pPr marL="342900" indent="-342900">
-              <a:buFont typeface="Arial"/>
-              <a:buChar char="•"/>
-            </a:pPr>
-            <a:r>
-              <a:rPr lang="en-US" sz="1750" b="1" dirty="0" smtClean="0">
-                <a:solidFill>
-                  <a:srgbClr val="000000"/>
-                </a:solidFill>
-                <a:latin typeface="Arial"/>
-                <a:cs typeface="Arial"/>
-              </a:rPr>
-              <a:t>The average in and out degrees across all networks reveal trends across the board, such as YOX1 having very little activation, and was found to not be regulating any other gene across the board. This is similar to the graph statistics which show YOX1 as being least central on average to all networks. This might suggest that it </a:t>
-            </a:r>
-            <a:r>
-              <a:rPr lang="en-US" sz="1750" b="1" dirty="0" smtClean="0">
-                <a:solidFill>
-                  <a:srgbClr val="000000"/>
-                </a:solidFill>
-                <a:latin typeface="Arial"/>
-                <a:cs typeface="Arial"/>
-              </a:rPr>
-              <a:t>should not be included in the networks moving forward, and might not play a significant role in regulation in response to cold shock. </a:t>
-            </a:r>
-            <a:endParaRPr lang="en-US" sz="1750" b="1" dirty="0" smtClean="0">
-              <a:solidFill>
-                <a:srgbClr val="000000"/>
-              </a:solidFill>
-              <a:latin typeface="Arial"/>
-              <a:cs typeface="Arial"/>
-            </a:endParaRPr>
-          </a:p>
-          <a:p>
-            <a:pPr marL="342900" indent="-342900">
-              <a:buFont typeface="Arial"/>
-              <a:buChar char="•"/>
-            </a:pPr>
-            <a:r>
-              <a:rPr lang="en-US" sz="1750" b="1" dirty="0" smtClean="0">
-                <a:solidFill>
-                  <a:srgbClr val="000000"/>
-                </a:solidFill>
-                <a:latin typeface="Arial"/>
-                <a:cs typeface="Arial"/>
-              </a:rPr>
-              <a:t>In addition to the above, future directions include </a:t>
-            </a:r>
-            <a:r>
-              <a:rPr lang="en-US" sz="1750" b="1" dirty="0" smtClean="0">
-                <a:solidFill>
-                  <a:srgbClr val="000000"/>
-                </a:solidFill>
-                <a:latin typeface="Arial"/>
-                <a:cs typeface="Arial"/>
-              </a:rPr>
-              <a:t>comparing the </a:t>
-            </a:r>
-            <a:r>
-              <a:rPr lang="en-US" sz="1750" b="1" dirty="0" err="1" smtClean="0">
-                <a:solidFill>
-                  <a:srgbClr val="000000"/>
-                </a:solidFill>
-                <a:latin typeface="Arial"/>
-                <a:cs typeface="Arial"/>
-              </a:rPr>
-              <a:t>Gephi</a:t>
-            </a:r>
-            <a:r>
-              <a:rPr lang="en-US" sz="1750" b="1" dirty="0" smtClean="0">
-                <a:solidFill>
-                  <a:srgbClr val="000000"/>
-                </a:solidFill>
-                <a:latin typeface="Arial"/>
-                <a:cs typeface="Arial"/>
-              </a:rPr>
-              <a:t> statistics to the statistics from the random networks. Then</a:t>
-            </a:r>
-            <a:r>
-              <a:rPr lang="en-US" sz="1750" b="1" dirty="0" smtClean="0">
-                <a:solidFill>
-                  <a:srgbClr val="000000"/>
-                </a:solidFill>
-                <a:latin typeface="Arial"/>
-                <a:cs typeface="Arial"/>
-              </a:rPr>
-              <a:t>, comparisons of </a:t>
-            </a:r>
-            <a:r>
-              <a:rPr lang="en-US" sz="1750" b="1" dirty="0" smtClean="0">
-                <a:solidFill>
-                  <a:srgbClr val="000000"/>
-                </a:solidFill>
-                <a:latin typeface="Arial"/>
-                <a:cs typeface="Arial"/>
-              </a:rPr>
-              <a:t>the hypothesized network </a:t>
-            </a:r>
-            <a:r>
-              <a:rPr lang="en-US" sz="1750" b="1" dirty="0" smtClean="0">
-                <a:solidFill>
-                  <a:srgbClr val="000000"/>
-                </a:solidFill>
-                <a:latin typeface="Arial"/>
-                <a:cs typeface="Arial"/>
-              </a:rPr>
-              <a:t>statistics to </a:t>
-            </a:r>
-            <a:r>
-              <a:rPr lang="en-US" sz="1750" b="1" dirty="0" smtClean="0">
-                <a:solidFill>
-                  <a:srgbClr val="000000"/>
-                </a:solidFill>
-                <a:latin typeface="Arial"/>
-                <a:cs typeface="Arial"/>
-              </a:rPr>
-              <a:t>the random networks </a:t>
-            </a:r>
-            <a:r>
-              <a:rPr lang="en-US" sz="1750" b="1" dirty="0" smtClean="0">
-                <a:solidFill>
-                  <a:srgbClr val="000000"/>
-                </a:solidFill>
-                <a:latin typeface="Arial"/>
-                <a:cs typeface="Arial"/>
-              </a:rPr>
-              <a:t>could be </a:t>
-            </a:r>
-            <a:r>
-              <a:rPr lang="en-US" sz="1750" b="1" dirty="0" smtClean="0">
-                <a:solidFill>
-                  <a:srgbClr val="000000"/>
-                </a:solidFill>
-                <a:latin typeface="Arial"/>
-                <a:cs typeface="Arial"/>
-              </a:rPr>
-              <a:t>done to determine if genes such as MSN2 were deemed to be similarly central and important in those networks. </a:t>
-            </a:r>
-            <a:r>
-              <a:rPr lang="en-US" sz="1750" b="1" dirty="0" smtClean="0">
-                <a:solidFill>
-                  <a:srgbClr val="000000"/>
-                </a:solidFill>
-                <a:latin typeface="Arial"/>
-                <a:cs typeface="Arial"/>
-              </a:rPr>
-              <a:t>It would also be interesting to run Gephi analysis on networks of larger size in order to see how the centrality of nodes and connections change with the deletion of important nodes and edges</a:t>
+              <a:t>networks. Then, comparisons of the hypothesized network statistics to the random networks could be done to determine if genes such as MSN2 were deemed to be similarly central and important in those networks. It would also be interesting to run Gephi analysis on networks of larger size in order to see how the centrality of nodes and connections change with the deletion of important nodes and edges</a:t>
             </a:r>
             <a:r>
               <a:rPr lang="en-US" sz="1750" b="1" dirty="0" smtClean="0">
@@ -13455,553 +13318,317 @@
           </a:graphicData>
         </a:graphic>
       </p:graphicFrame>
-      <p:sp>
-        <p:nvSpPr>
-          <p:cNvPr id="85" name="TextBox 84"/>
-          <p:cNvSpPr txBox="1"/>
-          <p:nvPr/>
-        </p:nvSpPr>
-        <p:spPr>
-          <a:xfrm>
-            <a:off x="14111521" y="5962920"/>
-            <a:ext cx="3123602" cy="1138773"/>
-          </a:xfrm>
-          <a:prstGeom prst="rect">
-            <a:avLst/>
-          </a:prstGeom>
-          <a:noFill/>
-          <a:ln>
-            <a:noFill/>
-          </a:ln>
-        </p:spPr>
-        <p:txBody>
-          <a:bodyPr wrap="square" rtlCol="0">
-            <a:spAutoFit/>
-          </a:bodyPr>
-          <a:lstStyle/>
-          <a:p>
-            <a:pPr algn="ctr"/>
-            <a:r>
-              <a:rPr lang="en-US" sz="2400" b="1" u="sng" dirty="0" smtClean="0">
-                <a:latin typeface="Arial"/>
-                <a:cs typeface="Arial"/>
-              </a:rPr>
-              <a:t>1. Network derived from </a:t>
-            </a:r>
-            <a:r>
-              <a:rPr lang="en-US" sz="2400" b="1" u="sng" dirty="0" err="1" smtClean="0">
-                <a:latin typeface="Arial"/>
-                <a:cs typeface="Arial"/>
-              </a:rPr>
-              <a:t>wt</a:t>
-            </a:r>
-            <a:r>
-              <a:rPr lang="en-US" sz="2400" b="1" u="sng" dirty="0" smtClean="0">
-                <a:latin typeface="Arial"/>
-                <a:cs typeface="Arial"/>
-              </a:rPr>
-              <a:t> data</a:t>
-            </a:r>
-          </a:p>
-          <a:p>
-            <a:pPr algn="ctr"/>
-            <a:r>
-              <a:rPr lang="en-US" sz="2000" b="1" dirty="0" smtClean="0">
-                <a:latin typeface="Arial"/>
-                <a:cs typeface="Arial"/>
-              </a:rPr>
-              <a:t> 16 genes, 36 edges</a:t>
-            </a:r>
-          </a:p>
-        </p:txBody>
-      </p:sp>
-      <p:sp>
-        <p:nvSpPr>
-          <p:cNvPr id="86" name="TextBox 85"/>
-          <p:cNvSpPr txBox="1"/>
-          <p:nvPr/>
-        </p:nvSpPr>
-        <p:spPr>
-          <a:xfrm>
-            <a:off x="24291058" y="5962920"/>
-            <a:ext cx="3247565" cy="1138773"/>
-          </a:xfrm>
-          <a:prstGeom prst="rect">
-            <a:avLst/>
-          </a:prstGeom>
-          <a:noFill/>
-          <a:ln>
-            <a:noFill/>
-          </a:ln>
-        </p:spPr>
-        <p:txBody>
-          <a:bodyPr wrap="square" rtlCol="0">
-            <a:spAutoFit/>
-          </a:bodyPr>
-          <a:lstStyle/>
-          <a:p>
-            <a:pPr algn="ctr"/>
-            <a:r>
-              <a:rPr lang="en-US" sz="2400" b="1" u="sng" dirty="0" smtClean="0">
-                <a:latin typeface="Arial"/>
-                <a:cs typeface="Arial"/>
-              </a:rPr>
-              <a:t>3. Network derived from ∆cin5 data</a:t>
-            </a:r>
-          </a:p>
-          <a:p>
-            <a:pPr algn="ctr"/>
-            <a:r>
-              <a:rPr lang="en-US" sz="2000" b="1" dirty="0" smtClean="0">
-                <a:latin typeface="Arial"/>
-                <a:cs typeface="Arial"/>
-              </a:rPr>
-              <a:t> 17 genes, 32 edges </a:t>
-            </a:r>
-          </a:p>
-        </p:txBody>
-      </p:sp>
-      <p:sp>
-        <p:nvSpPr>
-          <p:cNvPr id="90" name="TextBox 89"/>
-          <p:cNvSpPr txBox="1"/>
-          <p:nvPr/>
-        </p:nvSpPr>
-        <p:spPr>
-          <a:xfrm>
-            <a:off x="19155201" y="5976568"/>
-            <a:ext cx="3102365" cy="1138773"/>
-          </a:xfrm>
-          <a:prstGeom prst="rect">
-            <a:avLst/>
-          </a:prstGeom>
-          <a:noFill/>
-          <a:ln>
-            <a:noFill/>
-          </a:ln>
-        </p:spPr>
-        <p:txBody>
-          <a:bodyPr wrap="square" rtlCol="0">
-            <a:spAutoFit/>
-          </a:bodyPr>
-          <a:lstStyle/>
-          <a:p>
-            <a:pPr algn="ctr"/>
-            <a:r>
-              <a:rPr lang="en-US" sz="2400" b="1" u="sng" dirty="0" smtClean="0">
-                <a:latin typeface="Arial"/>
-                <a:cs typeface="Arial"/>
-              </a:rPr>
-              <a:t>2. Network derived from ∆cin5 data</a:t>
-            </a:r>
-          </a:p>
-          <a:p>
-            <a:pPr algn="ctr"/>
-            <a:r>
-              <a:rPr lang="en-US" sz="2000" b="1" dirty="0" smtClean="0">
-                <a:latin typeface="Arial"/>
-                <a:cs typeface="Arial"/>
-              </a:rPr>
-              <a:t> 14 genes, 25 edges</a:t>
-            </a:r>
-          </a:p>
-        </p:txBody>
-      </p:sp>
-      <p:sp>
-        <p:nvSpPr>
-          <p:cNvPr id="91" name="TextBox 90"/>
-          <p:cNvSpPr txBox="1"/>
-          <p:nvPr/>
-        </p:nvSpPr>
-        <p:spPr>
-          <a:xfrm>
-            <a:off x="29263910" y="5955094"/>
-            <a:ext cx="3317341" cy="1138773"/>
-          </a:xfrm>
-          <a:prstGeom prst="rect">
-            <a:avLst/>
-          </a:prstGeom>
-          <a:noFill/>
-          <a:ln>
-            <a:noFill/>
-          </a:ln>
-        </p:spPr>
-        <p:txBody>
-          <a:bodyPr wrap="square" rtlCol="0">
-            <a:spAutoFit/>
-          </a:bodyPr>
-          <a:lstStyle/>
-          <a:p>
-            <a:pPr algn="ctr"/>
-            <a:r>
-              <a:rPr lang="en-US" sz="2400" b="1" u="sng" dirty="0" smtClean="0">
-                <a:latin typeface="Arial"/>
-                <a:cs typeface="Arial"/>
-              </a:rPr>
-              <a:t>4. Network derived from ∆gln3 data</a:t>
-            </a:r>
-            <a:endParaRPr lang="en-US" sz="2400" b="1" dirty="0" smtClean="0">
-              <a:latin typeface="Arial"/>
-              <a:cs typeface="Arial"/>
-            </a:endParaRPr>
-          </a:p>
-          <a:p>
-            <a:pPr algn="ctr"/>
-            <a:r>
-              <a:rPr lang="en-US" sz="2000" b="1" dirty="0" smtClean="0">
-                <a:latin typeface="Arial"/>
-                <a:cs typeface="Arial"/>
-              </a:rPr>
-              <a:t>14 genes, 35 edges</a:t>
-            </a:r>
-          </a:p>
-        </p:txBody>
-      </p:sp>
-      <p:sp>
-        <p:nvSpPr>
-          <p:cNvPr id="96" name="TextBox 95"/>
-          <p:cNvSpPr txBox="1"/>
-          <p:nvPr/>
-        </p:nvSpPr>
-        <p:spPr>
-          <a:xfrm>
-            <a:off x="34248035" y="5962920"/>
-            <a:ext cx="3237626" cy="1138773"/>
-          </a:xfrm>
-          <a:prstGeom prst="rect">
-            <a:avLst/>
-          </a:prstGeom>
-          <a:noFill/>
-          <a:ln>
-            <a:noFill/>
-          </a:ln>
-        </p:spPr>
-        <p:txBody>
-          <a:bodyPr wrap="square" rtlCol="0">
-            <a:spAutoFit/>
-          </a:bodyPr>
-          <a:lstStyle/>
-          <a:p>
-            <a:pPr algn="ctr"/>
-            <a:r>
-              <a:rPr lang="en-US" sz="2400" b="1" u="sng" dirty="0" smtClean="0">
-                <a:latin typeface="Arial"/>
-                <a:cs typeface="Arial"/>
-              </a:rPr>
-              <a:t>5. Network derived from ∆hap4 data</a:t>
-            </a:r>
-          </a:p>
-          <a:p>
-            <a:pPr algn="ctr"/>
-            <a:r>
-              <a:rPr lang="en-US" sz="2000" b="1" dirty="0" smtClean="0">
-                <a:latin typeface="Arial"/>
-                <a:cs typeface="Arial"/>
-              </a:rPr>
-              <a:t>15 genes, 28 edges</a:t>
-            </a:r>
-          </a:p>
-        </p:txBody>
-      </p:sp>
-      <p:sp>
-        <p:nvSpPr>
-          <p:cNvPr id="97" name="TextBox 96"/>
-          <p:cNvSpPr txBox="1"/>
-          <p:nvPr/>
-        </p:nvSpPr>
-        <p:spPr>
-          <a:xfrm>
-            <a:off x="39107417" y="5949272"/>
-            <a:ext cx="3254513" cy="1138773"/>
-          </a:xfrm>
-          <a:prstGeom prst="rect">
-            <a:avLst/>
-          </a:prstGeom>
-          <a:noFill/>
-          <a:ln>
-            <a:noFill/>
-          </a:ln>
-        </p:spPr>
-        <p:txBody>
-          <a:bodyPr wrap="square" rtlCol="0">
-            <a:spAutoFit/>
-          </a:bodyPr>
-          <a:lstStyle/>
-          <a:p>
-            <a:pPr algn="ctr"/>
-            <a:r>
-              <a:rPr lang="en-US" sz="2400" b="1" u="sng" dirty="0" smtClean="0">
-                <a:latin typeface="Arial"/>
-                <a:cs typeface="Arial"/>
-              </a:rPr>
-              <a:t>6. Network derived from ∆zap1 data</a:t>
-            </a:r>
-          </a:p>
-          <a:p>
-            <a:pPr algn="ctr"/>
-            <a:r>
-              <a:rPr lang="en-US" sz="2000" b="1" dirty="0" smtClean="0">
-                <a:latin typeface="Arial"/>
-                <a:cs typeface="Arial"/>
-              </a:rPr>
-              <a:t>16 genes, 27 edges</a:t>
-            </a:r>
-          </a:p>
-        </p:txBody>
-      </p:sp>
       <p:grpSp>
         <p:nvGrpSpPr>
-          <p:cNvPr id="98" name="Group 97"/>
+          <p:cNvPr id="8" name="Group 7"/>
           <p:cNvGrpSpPr/>
           <p:nvPr/>
         </p:nvGrpSpPr>
         <p:grpSpPr>
           <a:xfrm>
-            <a:off x="13165741" y="7209620"/>
-            <a:ext cx="5028412" cy="3308962"/>
-            <a:chOff x="13165741" y="6797564"/>
-            <a:chExt cx="5028412" cy="3308962"/>
+            <a:off x="13237641" y="6212765"/>
+            <a:ext cx="27572498" cy="4115570"/>
+            <a:chOff x="13165741" y="5949272"/>
+            <a:chExt cx="29892069" cy="4644091"/>
           </a:xfrm>
         </p:grpSpPr>
-        <p:pic>
-          <p:nvPicPr>
-            <p:cNvPr id="101" name="Picture 100"/>
-            <p:cNvPicPr>
-              <a:picLocks noChangeAspect="1"/>
-            </p:cNvPicPr>
+        <p:sp>
+          <p:nvSpPr>
+            <p:cNvPr id="85" name="TextBox 84"/>
+            <p:cNvSpPr txBox="1"/>
             <p:nvPr/>
-          </p:nvPicPr>
-          <p:blipFill rotWithShape="1">
-            <a:blip r:embed="rId10">
-              <a:extLst>
-                <a:ext uri="{28A0092B-C50C-407E-A947-70E740481C1C}">
-                  <a14:useLocalDpi xmlns:a14="http://schemas.microsoft.com/office/drawing/2010/main" val="0"/>
-                </a:ext>
-              </a:extLst>
-            </a:blip>
-            <a:srcRect l="5533" t="994" r="5297" b="5577"/>
-            <a:stretch/>
-          </p:blipFill>
+          </p:nvSpPr>
           <p:spPr>
             <a:xfrm>
-              <a:off x="13165741" y="6797564"/>
-              <a:ext cx="5028412" cy="3308962"/>
+              <a:off x="14111520" y="5949272"/>
+              <a:ext cx="3491679" cy="1285014"/>
             </a:xfrm>
             <a:prstGeom prst="rect">
               <a:avLst/>
             </a:prstGeom>
-          </p:spPr>
-        </p:pic>
-        <p:sp>
-          <p:nvSpPr>
-            <p:cNvPr id="103" name="Rectangle 102"/>
-            <p:cNvSpPr/>
-            <p:nvPr/>
-          </p:nvSpPr>
-          <p:spPr>
-            <a:xfrm>
-              <a:off x="14085871" y="9854059"/>
-              <a:ext cx="408558" cy="154789"/>
-            </a:xfrm>
-            <a:prstGeom prst="rect">
-              <a:avLst/>
-            </a:prstGeom>
-            <a:solidFill>
-              <a:srgbClr val="FFFF7F">
-                <a:alpha val="45098"/>
-              </a:srgbClr>
-            </a:solidFill>
+            <a:noFill/>
             <a:ln>
               <a:noFill/>
             </a:ln>
           </p:spPr>
-          <p:style>
-            <a:lnRef idx="2">
-              <a:schemeClr val="accent1">
-                <a:shade val="50000"/>
-              </a:schemeClr>
-            </a:lnRef>
-            <a:fillRef idx="1">
-              <a:schemeClr val="accent1"/>
-            </a:fillRef>
-            <a:effectRef idx="0">
-              <a:schemeClr val="accent1"/>
-            </a:effectRef>
-            <a:fontRef idx="minor">
-              <a:schemeClr val="lt1"/>
-            </a:fontRef>
-          </p:style>
           <p:txBody>
-            <a:bodyPr rtlCol="0" anchor="ctr"/>
+            <a:bodyPr wrap="square" rtlCol="0">
+              <a:spAutoFit/>
+            </a:bodyPr>
             <a:lstStyle/>
             <a:p>
               <a:pPr algn="ctr"/>
-              <a:endParaRPr lang="en-US"/>
+              <a:r>
+                <a:rPr lang="en-US" sz="2400" b="1" u="sng" dirty="0" smtClean="0">
+                  <a:latin typeface="Arial"/>
+                  <a:cs typeface="Arial"/>
+                </a:rPr>
+                <a:t>1. Network derived from </a:t>
+              </a:r>
+              <a:r>
+                <a:rPr lang="en-US" sz="2400" b="1" u="sng" dirty="0" err="1" smtClean="0">
+                  <a:latin typeface="Arial"/>
+                  <a:cs typeface="Arial"/>
+                </a:rPr>
+                <a:t>wt</a:t>
+              </a:r>
+              <a:r>
+                <a:rPr lang="en-US" sz="2400" b="1" u="sng" dirty="0" smtClean="0">
+                  <a:latin typeface="Arial"/>
+                  <a:cs typeface="Arial"/>
+                </a:rPr>
+                <a:t> data</a:t>
+              </a:r>
+            </a:p>
+            <a:p>
+              <a:pPr algn="ctr"/>
+              <a:r>
+                <a:rPr lang="en-US" sz="2000" b="1" dirty="0" smtClean="0">
+                  <a:latin typeface="Arial"/>
+                  <a:cs typeface="Arial"/>
+                </a:rPr>
+                <a:t> 16 genes, 36 edges</a:t>
+              </a:r>
             </a:p>
           </p:txBody>
         </p:sp>
         <p:sp>
           <p:nvSpPr>
-            <p:cNvPr id="104" name="Rectangle 103"/>
-            <p:cNvSpPr/>
+            <p:cNvPr id="86" name="TextBox 85"/>
+            <p:cNvSpPr txBox="1"/>
             <p:nvPr/>
           </p:nvSpPr>
           <p:spPr>
             <a:xfrm>
-              <a:off x="13238875" y="8497582"/>
-              <a:ext cx="408558" cy="154789"/>
+              <a:off x="24291058" y="5955094"/>
+              <a:ext cx="3247565" cy="1138773"/>
             </a:xfrm>
             <a:prstGeom prst="rect">
               <a:avLst/>
             </a:prstGeom>
-            <a:solidFill>
-              <a:srgbClr val="FFFF7F">
-                <a:alpha val="45098"/>
-              </a:srgbClr>
-            </a:solidFill>
+            <a:noFill/>
             <a:ln>
               <a:noFill/>
             </a:ln>
           </p:spPr>
-          <p:style>
-            <a:lnRef idx="2">
-              <a:schemeClr val="accent1">
-                <a:shade val="50000"/>
-              </a:schemeClr>
-            </a:lnRef>
-            <a:fillRef idx="1">
-              <a:schemeClr val="accent1"/>
-            </a:fillRef>
-            <a:effectRef idx="0">
-              <a:schemeClr val="accent1"/>
-            </a:effectRef>
-            <a:fontRef idx="minor">
-              <a:schemeClr val="lt1"/>
-            </a:fontRef>
-          </p:style>
           <p:txBody>
-            <a:bodyPr rtlCol="0" anchor="ctr"/>
+            <a:bodyPr wrap="square" rtlCol="0">
+              <a:spAutoFit/>
+            </a:bodyPr>
             <a:lstStyle/>
             <a:p>
               <a:pPr algn="ctr"/>
-              <a:endParaRPr lang="en-US"/>
+              <a:r>
+                <a:rPr lang="en-US" sz="2400" b="1" u="sng" dirty="0" smtClean="0">
+                  <a:latin typeface="Arial"/>
+                  <a:cs typeface="Arial"/>
+                </a:rPr>
+                <a:t>3. Network derived from ∆cin5 data</a:t>
+              </a:r>
+            </a:p>
+            <a:p>
+              <a:pPr algn="ctr"/>
+              <a:r>
+                <a:rPr lang="en-US" sz="2000" b="1" dirty="0" smtClean="0">
+                  <a:latin typeface="Arial"/>
+                  <a:cs typeface="Arial"/>
+                </a:rPr>
+                <a:t> 17 genes, 32 edges </a:t>
+              </a:r>
             </a:p>
           </p:txBody>
         </p:sp>
         <p:sp>
           <p:nvSpPr>
-            <p:cNvPr id="105" name="Rectangle 104"/>
-            <p:cNvSpPr/>
+            <p:cNvPr id="90" name="TextBox 89"/>
+            <p:cNvSpPr txBox="1"/>
             <p:nvPr/>
           </p:nvSpPr>
           <p:spPr>
             <a:xfrm>
-              <a:off x="16813783" y="7808166"/>
-              <a:ext cx="408558" cy="154789"/>
+              <a:off x="18657668" y="5957077"/>
+              <a:ext cx="4232986" cy="1285015"/>
             </a:xfrm>
             <a:prstGeom prst="rect">
               <a:avLst/>
             </a:prstGeom>
-            <a:solidFill>
-              <a:srgbClr val="FFFF7F">
-                <a:alpha val="45098"/>
-              </a:srgbClr>
-            </a:solidFill>
+            <a:noFill/>
             <a:ln>
               <a:noFill/>
             </a:ln>
           </p:spPr>
-          <p:style>
-            <a:lnRef idx="2">
-              <a:schemeClr val="accent1">
-                <a:shade val="50000"/>
-              </a:schemeClr>
-            </a:lnRef>
-            <a:fillRef idx="1">
-              <a:schemeClr val="accent1"/>
-            </a:fillRef>
-            <a:effectRef idx="0">
-              <a:schemeClr val="accent1"/>
-            </a:effectRef>
-            <a:fontRef idx="minor">
-              <a:schemeClr val="lt1"/>
-            </a:fontRef>
-          </p:style>
           <p:txBody>
-            <a:bodyPr rtlCol="0" anchor="ctr"/>
+            <a:bodyPr wrap="square" rtlCol="0">
+              <a:spAutoFit/>
+            </a:bodyPr>
             <a:lstStyle/>
             <a:p>
               <a:pPr algn="ctr"/>
-              <a:endParaRPr lang="en-US"/>
+              <a:r>
+                <a:rPr lang="en-US" sz="2400" b="1" u="sng" dirty="0" smtClean="0">
+                  <a:latin typeface="Arial"/>
+                  <a:cs typeface="Arial"/>
+                </a:rPr>
+                <a:t>2. Network derived from ∆cin5 data</a:t>
+              </a:r>
+            </a:p>
+            <a:p>
+              <a:pPr algn="ctr"/>
+              <a:r>
+                <a:rPr lang="en-US" sz="2000" b="1" dirty="0" smtClean="0">
+                  <a:latin typeface="Arial"/>
+                  <a:cs typeface="Arial"/>
+                </a:rPr>
+                <a:t> 14 genes, 25 edges</a:t>
+              </a:r>
             </a:p>
           </p:txBody>
         </p:sp>
         <p:sp>
           <p:nvSpPr>
-            <p:cNvPr id="106" name="Rectangle 105"/>
-            <p:cNvSpPr/>
+            <p:cNvPr id="91" name="TextBox 90"/>
+            <p:cNvSpPr txBox="1"/>
             <p:nvPr/>
           </p:nvSpPr>
           <p:spPr>
             <a:xfrm>
-              <a:off x="17720293" y="7103098"/>
-              <a:ext cx="408558" cy="154789"/>
+              <a:off x="29263910" y="5955093"/>
+              <a:ext cx="3317341" cy="1138773"/>
             </a:xfrm>
             <a:prstGeom prst="rect">
               <a:avLst/>
             </a:prstGeom>
-            <a:solidFill>
-              <a:srgbClr val="FFFF7F">
-                <a:alpha val="45098"/>
-              </a:srgbClr>
-            </a:solidFill>
+            <a:noFill/>
             <a:ln>
               <a:noFill/>
             </a:ln>
           </p:spPr>
-          <p:style>
-            <a:lnRef idx="2">
-              <a:schemeClr val="accent1">
-                <a:shade val="50000"/>
-              </a:schemeClr>
-            </a:lnRef>
-            <a:fillRef idx="1">
-              <a:schemeClr val="accent1"/>
-            </a:fillRef>
-            <a:effectRef idx="0">
-              <a:schemeClr val="accent1"/>
-            </a:effectRef>
-            <a:fontRef idx="minor">
-              <a:schemeClr val="lt1"/>
-            </a:fontRef>
-          </p:style>
           <p:txBody>
-            <a:bodyPr rtlCol="0" anchor="ctr"/>
+            <a:bodyPr wrap="square" rtlCol="0">
+              <a:spAutoFit/>
+            </a:bodyPr>
             <a:lstStyle/>
             <a:p>
               <a:pPr algn="ctr"/>
-              <a:endParaRPr lang="en-US"/>
+              <a:r>
+                <a:rPr lang="en-US" sz="2400" b="1" u="sng" dirty="0" smtClean="0">
+                  <a:latin typeface="Arial"/>
+                  <a:cs typeface="Arial"/>
+                </a:rPr>
+                <a:t>4. Network derived from ∆gln3 data</a:t>
+              </a:r>
+              <a:endParaRPr lang="en-US" sz="2400" b="1" dirty="0" smtClean="0">
+                <a:latin typeface="Arial"/>
+                <a:cs typeface="Arial"/>
+              </a:endParaRPr>
+            </a:p>
+            <a:p>
+              <a:pPr algn="ctr"/>
+              <a:r>
+                <a:rPr lang="en-US" sz="2000" b="1" dirty="0" smtClean="0">
+                  <a:latin typeface="Arial"/>
+                  <a:cs typeface="Arial"/>
+                </a:rPr>
+                <a:t>14 genes, 35 edges</a:t>
+              </a:r>
             </a:p>
           </p:txBody>
         </p:sp>
-      </p:grpSp>
-      <p:grpSp>
-        <p:nvGrpSpPr>
-          <p:cNvPr id="109" name="Group 108"/>
-          <p:cNvGrpSpPr/>
-          <p:nvPr/>
-        </p:nvGrpSpPr>
-        <p:grpSpPr>
-          <a:xfrm>
-            <a:off x="18168608" y="7488221"/>
-            <a:ext cx="4850747" cy="3027255"/>
-            <a:chOff x="8360875" y="1590760"/>
-            <a:chExt cx="3429000" cy="2125980"/>
-          </a:xfrm>
-        </p:grpSpPr>
+        <p:sp>
+          <p:nvSpPr>
+            <p:cNvPr id="96" name="TextBox 95"/>
+            <p:cNvSpPr txBox="1"/>
+            <p:nvPr/>
+          </p:nvSpPr>
+          <p:spPr>
+            <a:xfrm>
+              <a:off x="34248035" y="5949272"/>
+              <a:ext cx="3237626" cy="1138773"/>
+            </a:xfrm>
+            <a:prstGeom prst="rect">
+              <a:avLst/>
+            </a:prstGeom>
+            <a:noFill/>
+            <a:ln>
+              <a:noFill/>
+            </a:ln>
+          </p:spPr>
+          <p:txBody>
+            <a:bodyPr wrap="square" rtlCol="0">
+              <a:spAutoFit/>
+            </a:bodyPr>
+            <a:lstStyle/>
+            <a:p>
+              <a:pPr algn="ctr"/>
+              <a:r>
+                <a:rPr lang="en-US" sz="2400" b="1" u="sng" dirty="0" smtClean="0">
+                  <a:latin typeface="Arial"/>
+                  <a:cs typeface="Arial"/>
+                </a:rPr>
+                <a:t>5. Network derived from ∆hap4 data</a:t>
+              </a:r>
+            </a:p>
+            <a:p>
+              <a:pPr algn="ctr"/>
+              <a:r>
+                <a:rPr lang="en-US" sz="2000" b="1" dirty="0" smtClean="0">
+                  <a:latin typeface="Arial"/>
+                  <a:cs typeface="Arial"/>
+                </a:rPr>
+                <a:t>15 genes, 28 edges</a:t>
+              </a:r>
+            </a:p>
+          </p:txBody>
+        </p:sp>
+        <p:sp>
+          <p:nvSpPr>
+            <p:cNvPr id="97" name="TextBox 96"/>
+            <p:cNvSpPr txBox="1"/>
+            <p:nvPr/>
+          </p:nvSpPr>
+          <p:spPr>
+            <a:xfrm>
+              <a:off x="39107417" y="5949272"/>
+              <a:ext cx="3254513" cy="1138773"/>
+            </a:xfrm>
+            <a:prstGeom prst="rect">
+              <a:avLst/>
+            </a:prstGeom>
+            <a:noFill/>
+            <a:ln>
+              <a:noFill/>
+            </a:ln>
+          </p:spPr>
+          <p:txBody>
+            <a:bodyPr wrap="square" rtlCol="0">
+              <a:spAutoFit/>
+            </a:bodyPr>
+            <a:lstStyle/>
+            <a:p>
+              <a:pPr algn="ctr"/>
+              <a:r>
+                <a:rPr lang="en-US" sz="2400" b="1" u="sng" dirty="0" smtClean="0">
+                  <a:latin typeface="Arial"/>
+                  <a:cs typeface="Arial"/>
+                </a:rPr>
+                <a:t>6. Network derived from ∆zap1 data</a:t>
+              </a:r>
+            </a:p>
+            <a:p>
+              <a:pPr algn="ctr"/>
+              <a:r>
+                <a:rPr lang="en-US" sz="2000" b="1" dirty="0" smtClean="0">
+                  <a:latin typeface="Arial"/>
+                  <a:cs typeface="Arial"/>
+                </a:rPr>
+                <a:t>16 genes, 27 edges</a:t>
+              </a:r>
+            </a:p>
+          </p:txBody>
+        </p:sp>
         <p:pic>
           <p:nvPicPr>
-            <p:cNvPr id="110" name="Picture 109"/>
+            <p:cNvPr id="101" name="Picture 100"/>
             <p:cNvPicPr>
               <a:picLocks noChangeAspect="1"/>
             </p:cNvPicPr>
@@ -14015,229 +13642,22 @@
                 </a:ext>
               </a:extLst>
             </a:blip>
-            <a:srcRect l="8083" t="7184" r="6346" b="7604"/>
+            <a:srcRect l="5533" t="994" r="5297" b="5577"/>
             <a:stretch/>
           </p:blipFill>
           <p:spPr>
             <a:xfrm>
-              <a:off x="8360875" y="1590760"/>
-              <a:ext cx="3429000" cy="2125980"/>
+              <a:off x="13165741" y="7200100"/>
+              <a:ext cx="5028412" cy="3308962"/>
             </a:xfrm>
             <a:prstGeom prst="rect">
               <a:avLst/>
             </a:prstGeom>
           </p:spPr>
         </p:pic>
-        <p:sp>
-          <p:nvSpPr>
-            <p:cNvPr id="111" name="Rectangle 110"/>
-            <p:cNvSpPr/>
-            <p:nvPr/>
-          </p:nvSpPr>
-          <p:spPr>
-            <a:xfrm>
-              <a:off x="8401049" y="2560934"/>
-              <a:ext cx="278606" cy="107157"/>
-            </a:xfrm>
-            <a:prstGeom prst="rect">
-              <a:avLst/>
-            </a:prstGeom>
-            <a:solidFill>
-              <a:srgbClr val="FFFF7F">
-                <a:alpha val="45098"/>
-              </a:srgbClr>
-            </a:solidFill>
-            <a:ln>
-              <a:noFill/>
-            </a:ln>
-          </p:spPr>
-          <p:style>
-            <a:lnRef idx="2">
-              <a:schemeClr val="accent1">
-                <a:shade val="50000"/>
-              </a:schemeClr>
-            </a:lnRef>
-            <a:fillRef idx="1">
-              <a:schemeClr val="accent1"/>
-            </a:fillRef>
-            <a:effectRef idx="0">
-              <a:schemeClr val="accent1"/>
-            </a:effectRef>
-            <a:fontRef idx="minor">
-              <a:schemeClr val="lt1"/>
-            </a:fontRef>
-          </p:style>
-          <p:txBody>
-            <a:bodyPr rtlCol="0" anchor="ctr"/>
-            <a:lstStyle/>
-            <a:p>
-              <a:pPr algn="ctr"/>
-              <a:endParaRPr lang="en-US"/>
-            </a:p>
-          </p:txBody>
-        </p:sp>
-        <p:sp>
-          <p:nvSpPr>
-            <p:cNvPr id="113" name="Rectangle 112"/>
-            <p:cNvSpPr/>
-            <p:nvPr/>
-          </p:nvSpPr>
-          <p:spPr>
-            <a:xfrm>
-              <a:off x="11408567" y="1619903"/>
-              <a:ext cx="278606" cy="107157"/>
-            </a:xfrm>
-            <a:prstGeom prst="rect">
-              <a:avLst/>
-            </a:prstGeom>
-            <a:solidFill>
-              <a:srgbClr val="FFFF7F">
-                <a:alpha val="45098"/>
-              </a:srgbClr>
-            </a:solidFill>
-            <a:ln>
-              <a:noFill/>
-            </a:ln>
-          </p:spPr>
-          <p:style>
-            <a:lnRef idx="2">
-              <a:schemeClr val="accent1">
-                <a:shade val="50000"/>
-              </a:schemeClr>
-            </a:lnRef>
-            <a:fillRef idx="1">
-              <a:schemeClr val="accent1"/>
-            </a:fillRef>
-            <a:effectRef idx="0">
-              <a:schemeClr val="accent1"/>
-            </a:effectRef>
-            <a:fontRef idx="minor">
-              <a:schemeClr val="lt1"/>
-            </a:fontRef>
-          </p:style>
-          <p:txBody>
-            <a:bodyPr rtlCol="0" anchor="ctr"/>
-            <a:lstStyle/>
-            <a:p>
-              <a:pPr algn="ctr"/>
-              <a:endParaRPr lang="en-US"/>
-            </a:p>
-          </p:txBody>
-        </p:sp>
-        <p:sp>
-          <p:nvSpPr>
-            <p:cNvPr id="116" name="Rectangle 115"/>
-            <p:cNvSpPr/>
-            <p:nvPr/>
-          </p:nvSpPr>
-          <p:spPr>
-            <a:xfrm>
-              <a:off x="10700204" y="2114145"/>
-              <a:ext cx="278606" cy="107157"/>
-            </a:xfrm>
-            <a:prstGeom prst="rect">
-              <a:avLst/>
-            </a:prstGeom>
-            <a:solidFill>
-              <a:srgbClr val="FFFF7F">
-                <a:alpha val="45098"/>
-              </a:srgbClr>
-            </a:solidFill>
-            <a:ln>
-              <a:noFill/>
-            </a:ln>
-          </p:spPr>
-          <p:style>
-            <a:lnRef idx="2">
-              <a:schemeClr val="accent1">
-                <a:shade val="50000"/>
-              </a:schemeClr>
-            </a:lnRef>
-            <a:fillRef idx="1">
-              <a:schemeClr val="accent1"/>
-            </a:fillRef>
-            <a:effectRef idx="0">
-              <a:schemeClr val="accent1"/>
-            </a:effectRef>
-            <a:fontRef idx="minor">
-              <a:schemeClr val="lt1"/>
-            </a:fontRef>
-          </p:style>
-          <p:txBody>
-            <a:bodyPr rtlCol="0" anchor="ctr"/>
-            <a:lstStyle/>
-            <a:p>
-              <a:pPr algn="ctr"/>
-              <a:endParaRPr lang="en-US"/>
-            </a:p>
-          </p:txBody>
-        </p:sp>
-        <p:sp>
-          <p:nvSpPr>
-            <p:cNvPr id="117" name="Rectangle 116"/>
-            <p:cNvSpPr/>
-            <p:nvPr/>
-          </p:nvSpPr>
-          <p:spPr>
-            <a:xfrm>
-              <a:off x="8408192" y="3556244"/>
-              <a:ext cx="278606" cy="107157"/>
-            </a:xfrm>
-            <a:prstGeom prst="rect">
-              <a:avLst/>
-            </a:prstGeom>
-            <a:solidFill>
-              <a:srgbClr val="FFFF7F">
-                <a:alpha val="45098"/>
-              </a:srgbClr>
-            </a:solidFill>
-            <a:ln>
-              <a:noFill/>
-            </a:ln>
-          </p:spPr>
-          <p:style>
-            <a:lnRef idx="2">
-              <a:schemeClr val="accent1">
-                <a:shade val="50000"/>
-              </a:schemeClr>
-            </a:lnRef>
-            <a:fillRef idx="1">
-              <a:schemeClr val="accent1"/>
-            </a:fillRef>
-            <a:effectRef idx="0">
-              <a:schemeClr val="accent1"/>
-            </a:effectRef>
-            <a:fontRef idx="minor">
-              <a:schemeClr val="lt1"/>
-            </a:fontRef>
-          </p:style>
-          <p:txBody>
-            <a:bodyPr rtlCol="0" anchor="ctr"/>
-            <a:lstStyle/>
-            <a:p>
-              <a:pPr algn="ctr"/>
-              <a:endParaRPr lang="en-US"/>
-            </a:p>
-          </p:txBody>
-        </p:sp>
-      </p:grpSp>
-      <p:grpSp>
-        <p:nvGrpSpPr>
-          <p:cNvPr id="118" name="Group 117"/>
-          <p:cNvGrpSpPr/>
-          <p:nvPr/>
-        </p:nvGrpSpPr>
-        <p:grpSpPr>
-          <a:xfrm>
-            <a:off x="33380691" y="7166823"/>
-            <a:ext cx="4895038" cy="3249815"/>
-            <a:chOff x="4335805" y="4358744"/>
-            <a:chExt cx="3429000" cy="2299958"/>
-          </a:xfrm>
-        </p:grpSpPr>
         <p:pic>
           <p:nvPicPr>
-            <p:cNvPr id="119" name="Content Placeholder 4" descr="dHAP4 Network--Weighted.png"/>
+            <p:cNvPr id="110" name="Picture 109"/>
             <p:cNvPicPr>
               <a:picLocks noChangeAspect="1"/>
             </p:cNvPicPr>
@@ -14251,229 +13671,22 @@
                 </a:ext>
               </a:extLst>
             </a:blip>
-            <a:srcRect l="8629" t="1100" r="1512" b="3875"/>
+            <a:srcRect l="8083" t="7184" r="6346" b="7604"/>
             <a:stretch/>
           </p:blipFill>
           <p:spPr>
             <a:xfrm>
-              <a:off x="4335805" y="4358744"/>
-              <a:ext cx="3429000" cy="2299958"/>
+              <a:off x="18168607" y="7481904"/>
+              <a:ext cx="4850747" cy="3027255"/>
             </a:xfrm>
             <a:prstGeom prst="rect">
               <a:avLst/>
             </a:prstGeom>
           </p:spPr>
         </p:pic>
-        <p:sp>
-          <p:nvSpPr>
-            <p:cNvPr id="120" name="Rectangle 119"/>
-            <p:cNvSpPr/>
-            <p:nvPr/>
-          </p:nvSpPr>
-          <p:spPr>
-            <a:xfrm>
-              <a:off x="4378188" y="5541115"/>
-              <a:ext cx="278606" cy="107157"/>
-            </a:xfrm>
-            <a:prstGeom prst="rect">
-              <a:avLst/>
-            </a:prstGeom>
-            <a:solidFill>
-              <a:srgbClr val="FFFF7F">
-                <a:alpha val="45098"/>
-              </a:srgbClr>
-            </a:solidFill>
-            <a:ln>
-              <a:noFill/>
-            </a:ln>
-          </p:spPr>
-          <p:style>
-            <a:lnRef idx="2">
-              <a:schemeClr val="accent1">
-                <a:shade val="50000"/>
-              </a:schemeClr>
-            </a:lnRef>
-            <a:fillRef idx="1">
-              <a:schemeClr val="accent1"/>
-            </a:fillRef>
-            <a:effectRef idx="0">
-              <a:schemeClr val="accent1"/>
-            </a:effectRef>
-            <a:fontRef idx="minor">
-              <a:schemeClr val="lt1"/>
-            </a:fontRef>
-          </p:style>
-          <p:txBody>
-            <a:bodyPr rtlCol="0" anchor="ctr"/>
-            <a:lstStyle/>
-            <a:p>
-              <a:pPr algn="ctr"/>
-              <a:endParaRPr lang="en-US"/>
-            </a:p>
-          </p:txBody>
-        </p:sp>
-        <p:sp>
-          <p:nvSpPr>
-            <p:cNvPr id="121" name="Rectangle 120"/>
-            <p:cNvSpPr/>
-            <p:nvPr/>
-          </p:nvSpPr>
-          <p:spPr>
-            <a:xfrm>
-              <a:off x="4959211" y="6495280"/>
-              <a:ext cx="278606" cy="107157"/>
-            </a:xfrm>
-            <a:prstGeom prst="rect">
-              <a:avLst/>
-            </a:prstGeom>
-            <a:solidFill>
-              <a:srgbClr val="FFFF7F">
-                <a:alpha val="45098"/>
-              </a:srgbClr>
-            </a:solidFill>
-            <a:ln>
-              <a:noFill/>
-            </a:ln>
-          </p:spPr>
-          <p:style>
-            <a:lnRef idx="2">
-              <a:schemeClr val="accent1">
-                <a:shade val="50000"/>
-              </a:schemeClr>
-            </a:lnRef>
-            <a:fillRef idx="1">
-              <a:schemeClr val="accent1"/>
-            </a:fillRef>
-            <a:effectRef idx="0">
-              <a:schemeClr val="accent1"/>
-            </a:effectRef>
-            <a:fontRef idx="minor">
-              <a:schemeClr val="lt1"/>
-            </a:fontRef>
-          </p:style>
-          <p:txBody>
-            <a:bodyPr rtlCol="0" anchor="ctr"/>
-            <a:lstStyle/>
-            <a:p>
-              <a:pPr algn="ctr"/>
-              <a:endParaRPr lang="en-US"/>
-            </a:p>
-          </p:txBody>
-        </p:sp>
-        <p:sp>
-          <p:nvSpPr>
-            <p:cNvPr id="122" name="Rectangle 121"/>
-            <p:cNvSpPr/>
-            <p:nvPr/>
-          </p:nvSpPr>
-          <p:spPr>
-            <a:xfrm>
-              <a:off x="6817762" y="5075195"/>
-              <a:ext cx="278606" cy="107157"/>
-            </a:xfrm>
-            <a:prstGeom prst="rect">
-              <a:avLst/>
-            </a:prstGeom>
-            <a:solidFill>
-              <a:srgbClr val="FFFF7F">
-                <a:alpha val="45098"/>
-              </a:srgbClr>
-            </a:solidFill>
-            <a:ln>
-              <a:noFill/>
-            </a:ln>
-          </p:spPr>
-          <p:style>
-            <a:lnRef idx="2">
-              <a:schemeClr val="accent1">
-                <a:shade val="50000"/>
-              </a:schemeClr>
-            </a:lnRef>
-            <a:fillRef idx="1">
-              <a:schemeClr val="accent1"/>
-            </a:fillRef>
-            <a:effectRef idx="0">
-              <a:schemeClr val="accent1"/>
-            </a:effectRef>
-            <a:fontRef idx="minor">
-              <a:schemeClr val="lt1"/>
-            </a:fontRef>
-          </p:style>
-          <p:txBody>
-            <a:bodyPr rtlCol="0" anchor="ctr"/>
-            <a:lstStyle/>
-            <a:p>
-              <a:pPr algn="ctr"/>
-              <a:endParaRPr lang="en-US"/>
-            </a:p>
-          </p:txBody>
-        </p:sp>
-        <p:sp>
-          <p:nvSpPr>
-            <p:cNvPr id="123" name="Rectangle 122"/>
-            <p:cNvSpPr/>
-            <p:nvPr/>
-          </p:nvSpPr>
-          <p:spPr>
-            <a:xfrm>
-              <a:off x="7433330" y="4570814"/>
-              <a:ext cx="278606" cy="107157"/>
-            </a:xfrm>
-            <a:prstGeom prst="rect">
-              <a:avLst/>
-            </a:prstGeom>
-            <a:solidFill>
-              <a:srgbClr val="FFFF7F">
-                <a:alpha val="45098"/>
-              </a:srgbClr>
-            </a:solidFill>
-            <a:ln>
-              <a:noFill/>
-            </a:ln>
-          </p:spPr>
-          <p:style>
-            <a:lnRef idx="2">
-              <a:schemeClr val="accent1">
-                <a:shade val="50000"/>
-              </a:schemeClr>
-            </a:lnRef>
-            <a:fillRef idx="1">
-              <a:schemeClr val="accent1"/>
-            </a:fillRef>
-            <a:effectRef idx="0">
-              <a:schemeClr val="accent1"/>
-            </a:effectRef>
-            <a:fontRef idx="minor">
-              <a:schemeClr val="lt1"/>
-            </a:fontRef>
-          </p:style>
-          <p:txBody>
-            <a:bodyPr rtlCol="0" anchor="ctr"/>
-            <a:lstStyle/>
-            <a:p>
-              <a:pPr algn="ctr"/>
-              <a:endParaRPr lang="en-US"/>
-            </a:p>
-          </p:txBody>
-        </p:sp>
-      </p:grpSp>
-      <p:grpSp>
-        <p:nvGrpSpPr>
-          <p:cNvPr id="124" name="Group 123"/>
-          <p:cNvGrpSpPr/>
-          <p:nvPr/>
-        </p:nvGrpSpPr>
-        <p:grpSpPr>
-          <a:xfrm>
-            <a:off x="38376981" y="7341324"/>
-            <a:ext cx="4680829" cy="3084741"/>
-            <a:chOff x="8183192" y="4453602"/>
-            <a:chExt cx="3429000" cy="2160740"/>
-          </a:xfrm>
-        </p:grpSpPr>
         <p:pic>
           <p:nvPicPr>
-            <p:cNvPr id="125" name="Content Placeholder 6" descr="dZAP1 Network--Weighted.png"/>
+            <p:cNvPr id="119" name="Content Placeholder 4" descr="dHAP4 Network--Weighted.png"/>
             <p:cNvPicPr>
               <a:picLocks noChangeAspect="1"/>
             </p:cNvPicPr>
@@ -14487,181 +13700,22 @@
                 </a:ext>
               </a:extLst>
             </a:blip>
-            <a:srcRect l="6297" t="4866" r="3016" b="5321"/>
+            <a:srcRect l="8629" t="1100" r="1512" b="3875"/>
             <a:stretch/>
           </p:blipFill>
           <p:spPr>
             <a:xfrm>
-              <a:off x="8183192" y="4453602"/>
-              <a:ext cx="3429000" cy="2160740"/>
+              <a:off x="33380691" y="7259344"/>
+              <a:ext cx="4895038" cy="3249816"/>
             </a:xfrm>
             <a:prstGeom prst="rect">
               <a:avLst/>
             </a:prstGeom>
           </p:spPr>
         </p:pic>
-        <p:sp>
-          <p:nvSpPr>
-            <p:cNvPr id="126" name="Rectangle 125"/>
-            <p:cNvSpPr/>
-            <p:nvPr/>
-          </p:nvSpPr>
-          <p:spPr>
-            <a:xfrm>
-              <a:off x="8258257" y="5545879"/>
-              <a:ext cx="278606" cy="107157"/>
-            </a:xfrm>
-            <a:prstGeom prst="rect">
-              <a:avLst/>
-            </a:prstGeom>
-            <a:solidFill>
-              <a:srgbClr val="FFFF7F">
-                <a:alpha val="45098"/>
-              </a:srgbClr>
-            </a:solidFill>
-            <a:ln>
-              <a:noFill/>
-            </a:ln>
-          </p:spPr>
-          <p:style>
-            <a:lnRef idx="2">
-              <a:schemeClr val="accent1">
-                <a:shade val="50000"/>
-              </a:schemeClr>
-            </a:lnRef>
-            <a:fillRef idx="1">
-              <a:schemeClr val="accent1"/>
-            </a:fillRef>
-            <a:effectRef idx="0">
-              <a:schemeClr val="accent1"/>
-            </a:effectRef>
-            <a:fontRef idx="minor">
-              <a:schemeClr val="lt1"/>
-            </a:fontRef>
-          </p:style>
-          <p:txBody>
-            <a:bodyPr rtlCol="0" anchor="ctr"/>
-            <a:lstStyle/>
-            <a:p>
-              <a:pPr algn="ctr"/>
-              <a:endParaRPr lang="en-US"/>
-            </a:p>
-          </p:txBody>
-        </p:sp>
-        <p:sp>
-          <p:nvSpPr>
-            <p:cNvPr id="127" name="Rectangle 126"/>
-            <p:cNvSpPr/>
-            <p:nvPr/>
-          </p:nvSpPr>
-          <p:spPr>
-            <a:xfrm>
-              <a:off x="10654620" y="5059877"/>
-              <a:ext cx="278606" cy="107157"/>
-            </a:xfrm>
-            <a:prstGeom prst="rect">
-              <a:avLst/>
-            </a:prstGeom>
-            <a:solidFill>
-              <a:srgbClr val="FFFF7F">
-                <a:alpha val="45098"/>
-              </a:srgbClr>
-            </a:solidFill>
-            <a:ln>
-              <a:noFill/>
-            </a:ln>
-          </p:spPr>
-          <p:style>
-            <a:lnRef idx="2">
-              <a:schemeClr val="accent1">
-                <a:shade val="50000"/>
-              </a:schemeClr>
-            </a:lnRef>
-            <a:fillRef idx="1">
-              <a:schemeClr val="accent1"/>
-            </a:fillRef>
-            <a:effectRef idx="0">
-              <a:schemeClr val="accent1"/>
-            </a:effectRef>
-            <a:fontRef idx="minor">
-              <a:schemeClr val="lt1"/>
-            </a:fontRef>
-          </p:style>
-          <p:txBody>
-            <a:bodyPr rtlCol="0" anchor="ctr"/>
-            <a:lstStyle/>
-            <a:p>
-              <a:pPr algn="ctr"/>
-              <a:endParaRPr lang="en-US" dirty="0"/>
-            </a:p>
-          </p:txBody>
-        </p:sp>
-        <p:sp>
-          <p:nvSpPr>
-            <p:cNvPr id="128" name="Rectangle 127"/>
-            <p:cNvSpPr/>
-            <p:nvPr/>
-          </p:nvSpPr>
-          <p:spPr>
-            <a:xfrm>
-              <a:off x="11278788" y="4568432"/>
-              <a:ext cx="278606" cy="107157"/>
-            </a:xfrm>
-            <a:prstGeom prst="rect">
-              <a:avLst/>
-            </a:prstGeom>
-            <a:solidFill>
-              <a:srgbClr val="FFFF7F">
-                <a:alpha val="45098"/>
-              </a:srgbClr>
-            </a:solidFill>
-            <a:ln>
-              <a:noFill/>
-            </a:ln>
-          </p:spPr>
-          <p:style>
-            <a:lnRef idx="2">
-              <a:schemeClr val="accent1">
-                <a:shade val="50000"/>
-              </a:schemeClr>
-            </a:lnRef>
-            <a:fillRef idx="1">
-              <a:schemeClr val="accent1"/>
-            </a:fillRef>
-            <a:effectRef idx="0">
-              <a:schemeClr val="accent1"/>
-            </a:effectRef>
-            <a:fontRef idx="minor">
-              <a:schemeClr val="lt1"/>
-            </a:fontRef>
-          </p:style>
-          <p:txBody>
-            <a:bodyPr rtlCol="0" anchor="ctr"/>
-            <a:lstStyle/>
-            <a:p>
-              <a:pPr algn="ctr"/>
-              <a:endParaRPr lang="en-US" dirty="0"/>
-            </a:p>
-          </p:txBody>
-        </p:sp>
-      </p:grpSp>
-      <p:grpSp>
-        <p:nvGrpSpPr>
-          <p:cNvPr id="129" name="Group 128"/>
-          <p:cNvGrpSpPr/>
-          <p:nvPr/>
-        </p:nvGrpSpPr>
-        <p:grpSpPr>
-          <a:xfrm>
-            <a:off x="22998814" y="7436496"/>
-            <a:ext cx="5445061" cy="3072566"/>
-            <a:chOff x="3925601" y="1582215"/>
-            <a:chExt cx="3428996" cy="1933891"/>
-          </a:xfrm>
-        </p:grpSpPr>
         <p:pic>
           <p:nvPicPr>
-            <p:cNvPr id="130" name="Picture 129"/>
+            <p:cNvPr id="125" name="Content Placeholder 6" descr="dZAP1 Network--Weighted.png"/>
             <p:cNvPicPr>
               <a:picLocks noChangeAspect="1"/>
             </p:cNvPicPr>
@@ -14675,229 +13729,22 @@
                 </a:ext>
               </a:extLst>
             </a:blip>
-            <a:srcRect l="2719" t="6636" r="6209" b="11588"/>
+            <a:srcRect l="6297" t="4866" r="3016" b="5321"/>
             <a:stretch/>
           </p:blipFill>
           <p:spPr>
             <a:xfrm>
-              <a:off x="3925601" y="1582215"/>
-              <a:ext cx="3428996" cy="1933891"/>
+              <a:off x="38376981" y="7508622"/>
+              <a:ext cx="4680829" cy="3084741"/>
             </a:xfrm>
             <a:prstGeom prst="rect">
               <a:avLst/>
             </a:prstGeom>
           </p:spPr>
         </p:pic>
-        <p:sp>
-          <p:nvSpPr>
-            <p:cNvPr id="131" name="Rectangle 130"/>
-            <p:cNvSpPr/>
-            <p:nvPr/>
-          </p:nvSpPr>
-          <p:spPr>
-            <a:xfrm>
-              <a:off x="6321543" y="2024618"/>
-              <a:ext cx="278606" cy="107157"/>
-            </a:xfrm>
-            <a:prstGeom prst="rect">
-              <a:avLst/>
-            </a:prstGeom>
-            <a:solidFill>
-              <a:srgbClr val="FFFF7F">
-                <a:alpha val="45098"/>
-              </a:srgbClr>
-            </a:solidFill>
-            <a:ln>
-              <a:noFill/>
-            </a:ln>
-          </p:spPr>
-          <p:style>
-            <a:lnRef idx="2">
-              <a:schemeClr val="accent1">
-                <a:shade val="50000"/>
-              </a:schemeClr>
-            </a:lnRef>
-            <a:fillRef idx="1">
-              <a:schemeClr val="accent1"/>
-            </a:fillRef>
-            <a:effectRef idx="0">
-              <a:schemeClr val="accent1"/>
-            </a:effectRef>
-            <a:fontRef idx="minor">
-              <a:schemeClr val="lt1"/>
-            </a:fontRef>
-          </p:style>
-          <p:txBody>
-            <a:bodyPr rtlCol="0" anchor="ctr"/>
-            <a:lstStyle/>
-            <a:p>
-              <a:pPr algn="ctr"/>
-              <a:endParaRPr lang="en-US"/>
-            </a:p>
-          </p:txBody>
-        </p:sp>
-        <p:sp>
-          <p:nvSpPr>
-            <p:cNvPr id="132" name="Rectangle 131"/>
-            <p:cNvSpPr/>
-            <p:nvPr/>
-          </p:nvSpPr>
-          <p:spPr>
-            <a:xfrm>
-              <a:off x="7005630" y="1622285"/>
-              <a:ext cx="278606" cy="107157"/>
-            </a:xfrm>
-            <a:prstGeom prst="rect">
-              <a:avLst/>
-            </a:prstGeom>
-            <a:solidFill>
-              <a:srgbClr val="FFFF7F">
-                <a:alpha val="45098"/>
-              </a:srgbClr>
-            </a:solidFill>
-            <a:ln>
-              <a:noFill/>
-            </a:ln>
-          </p:spPr>
-          <p:style>
-            <a:lnRef idx="2">
-              <a:schemeClr val="accent1">
-                <a:shade val="50000"/>
-              </a:schemeClr>
-            </a:lnRef>
-            <a:fillRef idx="1">
-              <a:schemeClr val="accent1"/>
-            </a:fillRef>
-            <a:effectRef idx="0">
-              <a:schemeClr val="accent1"/>
-            </a:effectRef>
-            <a:fontRef idx="minor">
-              <a:schemeClr val="lt1"/>
-            </a:fontRef>
-          </p:style>
-          <p:txBody>
-            <a:bodyPr rtlCol="0" anchor="ctr"/>
-            <a:lstStyle/>
-            <a:p>
-              <a:pPr algn="ctr"/>
-              <a:endParaRPr lang="en-US"/>
-            </a:p>
-          </p:txBody>
-        </p:sp>
-        <p:sp>
-          <p:nvSpPr>
-            <p:cNvPr id="133" name="Rectangle 132"/>
-            <p:cNvSpPr/>
-            <p:nvPr/>
-          </p:nvSpPr>
-          <p:spPr>
-            <a:xfrm>
-              <a:off x="3993354" y="2442004"/>
-              <a:ext cx="278606" cy="107157"/>
-            </a:xfrm>
-            <a:prstGeom prst="rect">
-              <a:avLst/>
-            </a:prstGeom>
-            <a:solidFill>
-              <a:srgbClr val="FFFF7F">
-                <a:alpha val="45098"/>
-              </a:srgbClr>
-            </a:solidFill>
-            <a:ln>
-              <a:noFill/>
-            </a:ln>
-          </p:spPr>
-          <p:style>
-            <a:lnRef idx="2">
-              <a:schemeClr val="accent1">
-                <a:shade val="50000"/>
-              </a:schemeClr>
-            </a:lnRef>
-            <a:fillRef idx="1">
-              <a:schemeClr val="accent1"/>
-            </a:fillRef>
-            <a:effectRef idx="0">
-              <a:schemeClr val="accent1"/>
-            </a:effectRef>
-            <a:fontRef idx="minor">
-              <a:schemeClr val="lt1"/>
-            </a:fontRef>
-          </p:style>
-          <p:txBody>
-            <a:bodyPr rtlCol="0" anchor="ctr"/>
-            <a:lstStyle/>
-            <a:p>
-              <a:pPr algn="ctr"/>
-              <a:endParaRPr lang="en-US"/>
-            </a:p>
-          </p:txBody>
-        </p:sp>
-        <p:sp>
-          <p:nvSpPr>
-            <p:cNvPr id="134" name="Rectangle 133"/>
-            <p:cNvSpPr/>
-            <p:nvPr/>
-          </p:nvSpPr>
-          <p:spPr>
-            <a:xfrm>
-              <a:off x="3990975" y="3374419"/>
-              <a:ext cx="278606" cy="107157"/>
-            </a:xfrm>
-            <a:prstGeom prst="rect">
-              <a:avLst/>
-            </a:prstGeom>
-            <a:solidFill>
-              <a:srgbClr val="FFFF7F">
-                <a:alpha val="45098"/>
-              </a:srgbClr>
-            </a:solidFill>
-            <a:ln>
-              <a:noFill/>
-            </a:ln>
-          </p:spPr>
-          <p:style>
-            <a:lnRef idx="2">
-              <a:schemeClr val="accent1">
-                <a:shade val="50000"/>
-              </a:schemeClr>
-            </a:lnRef>
-            <a:fillRef idx="1">
-              <a:schemeClr val="accent1"/>
-            </a:fillRef>
-            <a:effectRef idx="0">
-              <a:schemeClr val="accent1"/>
-            </a:effectRef>
-            <a:fontRef idx="minor">
-              <a:schemeClr val="lt1"/>
-            </a:fontRef>
-          </p:style>
-          <p:txBody>
-            <a:bodyPr rtlCol="0" anchor="ctr"/>
-            <a:lstStyle/>
-            <a:p>
-              <a:pPr algn="ctr"/>
-              <a:endParaRPr lang="en-US"/>
-            </a:p>
-          </p:txBody>
-        </p:sp>
-      </p:grpSp>
-      <p:grpSp>
-        <p:nvGrpSpPr>
-          <p:cNvPr id="135" name="Group 134"/>
-          <p:cNvGrpSpPr/>
-          <p:nvPr/>
-        </p:nvGrpSpPr>
-        <p:grpSpPr>
-          <a:xfrm>
-            <a:off x="28355782" y="7211050"/>
-            <a:ext cx="4991028" cy="3298110"/>
-            <a:chOff x="105638" y="4436510"/>
-            <a:chExt cx="3429000" cy="2265062"/>
-          </a:xfrm>
-        </p:grpSpPr>
         <p:pic>
           <p:nvPicPr>
-            <p:cNvPr id="136" name="Content Placeholder 6" descr="dGLN3 Network--Weighted.png"/>
+            <p:cNvPr id="130" name="Picture 129"/>
             <p:cNvPicPr>
               <a:picLocks noChangeAspect="1"/>
             </p:cNvPicPr>
@@ -14911,211 +13758,48 @@
                 </a:ext>
               </a:extLst>
             </a:blip>
-            <a:srcRect l="8945" t="4033" b="1060"/>
+            <a:srcRect l="2719" t="6636" r="6209" b="11588"/>
             <a:stretch/>
           </p:blipFill>
           <p:spPr>
             <a:xfrm>
-              <a:off x="105638" y="4436510"/>
-              <a:ext cx="3429000" cy="2265062"/>
+              <a:off x="23029409" y="7436496"/>
+              <a:ext cx="5445061" cy="3072566"/>
             </a:xfrm>
             <a:prstGeom prst="rect">
               <a:avLst/>
             </a:prstGeom>
           </p:spPr>
         </p:pic>
-        <p:sp>
-          <p:nvSpPr>
-            <p:cNvPr id="137" name="Rectangle 136"/>
-            <p:cNvSpPr/>
+        <p:pic>
+          <p:nvPicPr>
+            <p:cNvPr id="136" name="Content Placeholder 6" descr="dGLN3 Network--Weighted.png"/>
+            <p:cNvPicPr>
+              <a:picLocks noChangeAspect="1"/>
+            </p:cNvPicPr>
             <p:nvPr/>
-          </p:nvSpPr>
+          </p:nvPicPr>
+          <p:blipFill rotWithShape="1">
+            <a:blip r:embed="rId16">
+              <a:extLst>
+                <a:ext uri="{28A0092B-C50C-407E-A947-70E740481C1C}">
+                  <a14:useLocalDpi xmlns:a14="http://schemas.microsoft.com/office/drawing/2010/main" val="0"/>
+                </a:ext>
+              </a:extLst>
+            </a:blip>
+            <a:srcRect l="8945" t="4033" b="1060"/>
+            <a:stretch/>
+          </p:blipFill>
           <p:spPr>
             <a:xfrm>
-              <a:off x="3189493" y="4587482"/>
-              <a:ext cx="278606" cy="107157"/>
+              <a:off x="28355782" y="7210952"/>
+              <a:ext cx="4991028" cy="3298110"/>
             </a:xfrm>
             <a:prstGeom prst="rect">
               <a:avLst/>
             </a:prstGeom>
-            <a:solidFill>
-              <a:srgbClr val="FFFF7F">
-                <a:alpha val="45098"/>
-              </a:srgbClr>
-            </a:solidFill>
-            <a:ln>
-              <a:noFill/>
-            </a:ln>
           </p:spPr>
-          <p:style>
-            <a:lnRef idx="2">
-              <a:schemeClr val="accent1">
-                <a:shade val="50000"/>
-              </a:schemeClr>
-            </a:lnRef>
-            <a:fillRef idx="1">
-              <a:schemeClr val="accent1"/>
-            </a:fillRef>
-            <a:effectRef idx="0">
-              <a:schemeClr val="accent1"/>
-            </a:effectRef>
-            <a:fontRef idx="minor">
-              <a:schemeClr val="lt1"/>
-            </a:fontRef>
-          </p:style>
-          <p:txBody>
-            <a:bodyPr rtlCol="0" anchor="ctr"/>
-            <a:lstStyle/>
-            <a:p>
-              <a:pPr algn="ctr"/>
-              <a:endParaRPr lang="en-US"/>
-            </a:p>
-          </p:txBody>
-        </p:sp>
-        <p:sp>
-          <p:nvSpPr>
-            <p:cNvPr id="138" name="Rectangle 137"/>
-            <p:cNvSpPr/>
-            <p:nvPr/>
-          </p:nvSpPr>
-          <p:spPr>
-            <a:xfrm>
-              <a:off x="2577512" y="5067800"/>
-              <a:ext cx="278606" cy="107157"/>
-            </a:xfrm>
-            <a:prstGeom prst="rect">
-              <a:avLst/>
-            </a:prstGeom>
-            <a:solidFill>
-              <a:srgbClr val="FFFF7F">
-                <a:alpha val="45098"/>
-              </a:srgbClr>
-            </a:solidFill>
-            <a:ln>
-              <a:noFill/>
-            </a:ln>
-          </p:spPr>
-          <p:style>
-            <a:lnRef idx="2">
-              <a:schemeClr val="accent1">
-                <a:shade val="50000"/>
-              </a:schemeClr>
-            </a:lnRef>
-            <a:fillRef idx="1">
-              <a:schemeClr val="accent1"/>
-            </a:fillRef>
-            <a:effectRef idx="0">
-              <a:schemeClr val="accent1"/>
-            </a:effectRef>
-            <a:fontRef idx="minor">
-              <a:schemeClr val="lt1"/>
-            </a:fontRef>
-          </p:style>
-          <p:txBody>
-            <a:bodyPr rtlCol="0" anchor="ctr"/>
-            <a:lstStyle/>
-            <a:p>
-              <a:pPr algn="ctr"/>
-              <a:endParaRPr lang="en-US"/>
-            </a:p>
-          </p:txBody>
-        </p:sp>
-        <p:sp>
-          <p:nvSpPr>
-            <p:cNvPr id="139" name="Rectangle 138"/>
-            <p:cNvSpPr/>
-            <p:nvPr/>
-          </p:nvSpPr>
-          <p:spPr>
-            <a:xfrm>
-              <a:off x="172155" y="5553023"/>
-              <a:ext cx="278606" cy="107157"/>
-            </a:xfrm>
-            <a:prstGeom prst="rect">
-              <a:avLst/>
-            </a:prstGeom>
-            <a:solidFill>
-              <a:srgbClr val="FFFF7F">
-                <a:alpha val="45098"/>
-              </a:srgbClr>
-            </a:solidFill>
-            <a:ln>
-              <a:noFill/>
-            </a:ln>
-          </p:spPr>
-          <p:style>
-            <a:lnRef idx="2">
-              <a:schemeClr val="accent1">
-                <a:shade val="50000"/>
-              </a:schemeClr>
-            </a:lnRef>
-            <a:fillRef idx="1">
-              <a:schemeClr val="accent1"/>
-            </a:fillRef>
-            <a:effectRef idx="0">
-              <a:schemeClr val="accent1"/>
-            </a:effectRef>
-            <a:fontRef idx="minor">
-              <a:schemeClr val="lt1"/>
-            </a:fontRef>
-          </p:style>
-          <p:txBody>
-            <a:bodyPr rtlCol="0" anchor="ctr"/>
-            <a:lstStyle/>
-            <a:p>
-              <a:pPr algn="ctr"/>
-              <a:endParaRPr lang="en-US"/>
-            </a:p>
-          </p:txBody>
-        </p:sp>
-        <p:sp>
-          <p:nvSpPr>
-            <p:cNvPr id="140" name="Rectangle 139"/>
-            <p:cNvSpPr/>
-            <p:nvPr/>
-          </p:nvSpPr>
-          <p:spPr>
-            <a:xfrm>
-              <a:off x="741275" y="6467424"/>
-              <a:ext cx="278606" cy="107157"/>
-            </a:xfrm>
-            <a:prstGeom prst="rect">
-              <a:avLst/>
-            </a:prstGeom>
-            <a:solidFill>
-              <a:srgbClr val="FFFF7F">
-                <a:alpha val="45098"/>
-              </a:srgbClr>
-            </a:solidFill>
-            <a:ln>
-              <a:noFill/>
-            </a:ln>
-          </p:spPr>
-          <p:style>
-            <a:lnRef idx="2">
-              <a:schemeClr val="accent1">
-                <a:shade val="50000"/>
-              </a:schemeClr>
-            </a:lnRef>
-            <a:fillRef idx="1">
-              <a:schemeClr val="accent1"/>
-            </a:fillRef>
-            <a:effectRef idx="0">
-              <a:schemeClr val="accent1"/>
-            </a:effectRef>
-            <a:fontRef idx="minor">
-              <a:schemeClr val="lt1"/>
-            </a:fontRef>
-          </p:style>
-          <p:txBody>
-            <a:bodyPr rtlCol="0" anchor="ctr"/>
-            <a:lstStyle/>
-            <a:p>
-              <a:pPr algn="ctr"/>
-              <a:endParaRPr lang="en-US"/>
-            </a:p>
-          </p:txBody>
-        </p:sp>
+        </p:pic>
       </p:grpSp>
       <p:grpSp>
         <p:nvGrpSpPr>
@@ -15140,7 +13824,7 @@
             <p:nvPr/>
           </p:nvPicPr>
           <p:blipFill rotWithShape="1">
-            <a:blip r:embed="rId16">
+            <a:blip r:embed="rId17">
               <a:extLst>
                 <a:ext uri="{28A0092B-C50C-407E-A947-70E740481C1C}">
                   <a14:useLocalDpi xmlns:a14="http://schemas.microsoft.com/office/drawing/2010/main" val="0"/>
@@ -15179,7 +13863,7 @@
             <p:nvPr/>
           </p:nvPicPr>
           <p:blipFill>
-            <a:blip r:embed="rId17">
+            <a:blip r:embed="rId18">
               <a:extLst>
                 <a:ext uri="{28A0092B-C50C-407E-A947-70E740481C1C}">
                   <a14:useLocalDpi xmlns:a14="http://schemas.microsoft.com/office/drawing/2010/main" val="0"/>
@@ -15282,10 +13966,6 @@
               </a:rPr>
               <a:t>Average in and out degrees show activation and suppression trends across networks </a:t>
             </a:r>
-            <a:endParaRPr lang="en-US" sz="2800" b="1" dirty="0" smtClean="0">
-              <a:latin typeface="Arial" panose="020B0604020202020204" pitchFamily="34" charset="0"/>
-              <a:cs typeface="Arial" panose="020B0604020202020204" pitchFamily="34" charset="0"/>
-            </a:endParaRPr>
           </a:p>
         </p:txBody>
       </p:sp>
@@ -15297,8 +13977,8 @@
         </p:nvSpPr>
         <p:spPr>
           <a:xfrm>
-            <a:off x="13646358" y="27111996"/>
-            <a:ext cx="16451290" cy="3416320"/>
+            <a:off x="13646358" y="26876811"/>
+            <a:ext cx="16451290" cy="3693319"/>
           </a:xfrm>
           <a:prstGeom prst="rect">
             <a:avLst/>
@@ -15320,8 +14000,19 @@
                 <a:latin typeface="Arial"/>
                 <a:cs typeface="Arial"/>
               </a:rPr>
-              <a:t>Average weight of in and out degrees was found each network. (see figures above)</a:t>
-            </a:r>
+              <a:t>Average weight of </a:t>
+            </a:r>
+            <a:r>
+              <a:rPr lang="en-US" sz="1800" b="1" dirty="0" smtClean="0">
+                <a:latin typeface="Arial"/>
+                <a:cs typeface="Arial"/>
+              </a:rPr>
+              <a:t>incoming and outgoing edges for each gene were computed.</a:t>
+            </a:r>
+            <a:endParaRPr lang="en-US" sz="1800" b="1" dirty="0" smtClean="0">
+              <a:latin typeface="Arial"/>
+              <a:cs typeface="Arial"/>
+            </a:endParaRPr>
           </a:p>
           <a:p>
             <a:pPr marL="342900" indent="-342900">
@@ -15333,7 +14024,21 @@
                 <a:latin typeface="Arial"/>
                 <a:cs typeface="Arial"/>
               </a:rPr>
-              <a:t>Average weights of the in an out degrees across all six networks was also found for each gene, in order to identify trends across networks.</a:t>
+              <a:t>Average weights of the </a:t>
+            </a:r>
+            <a:r>
+              <a:rPr lang="en-US" sz="1800" b="1" dirty="0" smtClean="0">
+                <a:latin typeface="Arial"/>
+                <a:cs typeface="Arial"/>
+              </a:rPr>
+              <a:t>incoming an outgoing edges across </a:t>
+            </a:r>
+            <a:r>
+              <a:rPr lang="en-US" sz="1800" b="1" dirty="0" smtClean="0">
+                <a:latin typeface="Arial"/>
+                <a:cs typeface="Arial"/>
+              </a:rPr>
+              <a:t>all six networks was also found for each gene, in order to identify trends across networks.</a:t>
             </a:r>
           </a:p>
           <a:p>
@@ -15346,7 +14051,21 @@
                 <a:latin typeface="Arial"/>
                 <a:cs typeface="Arial"/>
               </a:rPr>
-              <a:t>If the average in degree is positive, then across networks or for that specific network, our </a:t>
+              <a:t>If the </a:t>
+            </a:r>
+            <a:r>
+              <a:rPr lang="en-US" sz="1800" b="1" dirty="0" smtClean="0">
+                <a:latin typeface="Arial"/>
+                <a:cs typeface="Arial"/>
+              </a:rPr>
+              <a:t>average incoming edge weight is </a:t>
+            </a:r>
+            <a:r>
+              <a:rPr lang="en-US" sz="1800" b="1" dirty="0" smtClean="0">
+                <a:latin typeface="Arial"/>
+                <a:cs typeface="Arial"/>
+              </a:rPr>
+              <a:t>positive, then across networks or for that specific network, our </a:t>
             </a:r>
             <a:r>
               <a:rPr lang="en-US" sz="1800" b="1" dirty="0" err="1" smtClean="0">
@@ -15360,81 +14079,165 @@
                 <a:latin typeface="Arial"/>
                 <a:cs typeface="Arial"/>
               </a:rPr>
-              <a:t> model suggests that that gene is mostly being activated in our networks. If a gene has a negative average in degree, then that means the model is suggesting that gene is mostly being suppressed in the network. An average in degree of zero means that </a:t>
+              <a:t> model suggests that that gene is mostly being activated in our networks. If a gene has a negative average </a:t>
             </a:r>
             <a:r>
               <a:rPr lang="en-US" sz="1800" b="1" dirty="0" smtClean="0">
                 <a:latin typeface="Arial"/>
                 <a:cs typeface="Arial"/>
               </a:rPr>
-              <a:t>no other genes in the network are regulating that gene.</a:t>
-            </a:r>
+              <a:t>incoming edge weight, </a:t>
+            </a:r>
+            <a:r>
+              <a:rPr lang="en-US" sz="1800" b="1" dirty="0" smtClean="0">
+                <a:latin typeface="Arial"/>
+                <a:cs typeface="Arial"/>
+              </a:rPr>
+              <a:t>then that means the model is suggesting that gene is mostly being suppressed in the network. An average </a:t>
+            </a:r>
+            <a:r>
+              <a:rPr lang="en-US" sz="1800" b="1" dirty="0" smtClean="0">
+                <a:latin typeface="Arial"/>
+                <a:cs typeface="Arial"/>
+              </a:rPr>
+              <a:t>incoming </a:t>
+            </a:r>
+            <a:r>
+              <a:rPr lang="en-US" sz="1800" b="1" dirty="0" smtClean="0">
+                <a:latin typeface="Arial"/>
+                <a:cs typeface="Arial"/>
+              </a:rPr>
+              <a:t>edge weight </a:t>
+            </a:r>
+            <a:r>
+              <a:rPr lang="en-US" sz="1800" b="1" dirty="0" smtClean="0">
+                <a:latin typeface="Arial"/>
+                <a:cs typeface="Arial"/>
+              </a:rPr>
+              <a:t>of </a:t>
+            </a:r>
+            <a:r>
+              <a:rPr lang="en-US" sz="1800" b="1" dirty="0" smtClean="0">
+                <a:latin typeface="Arial"/>
+                <a:cs typeface="Arial"/>
+              </a:rPr>
+              <a:t>zero means that no other genes in the network are regulating that gene.</a:t>
+            </a:r>
+          </a:p>
+          <a:p>
+            <a:endParaRPr lang="en-US" sz="1800" b="1" dirty="0" smtClean="0">
+              <a:latin typeface="Arial"/>
+              <a:cs typeface="Arial"/>
+            </a:endParaRPr>
           </a:p>
           <a:p>
             <a:pPr marL="342900" indent="-342900">
               <a:buFont typeface="Arial"/>
               <a:buChar char="•"/>
             </a:pPr>
-            <a:endParaRPr lang="en-US" sz="1800" b="1" dirty="0" smtClean="0">
-              <a:latin typeface="Arial"/>
-              <a:cs typeface="Arial"/>
-            </a:endParaRPr>
+            <a:r>
+              <a:rPr lang="en-US" sz="1800" b="1" dirty="0" smtClean="0">
+                <a:latin typeface="Arial"/>
+                <a:cs typeface="Arial"/>
+              </a:rPr>
+              <a:t>If the average </a:t>
+            </a:r>
+            <a:r>
+              <a:rPr lang="en-US" sz="1800" b="1" dirty="0" smtClean="0">
+                <a:latin typeface="Arial"/>
+                <a:cs typeface="Arial"/>
+              </a:rPr>
+              <a:t>outgoing edge weight is </a:t>
+            </a:r>
+            <a:r>
+              <a:rPr lang="en-US" sz="1800" b="1" dirty="0" smtClean="0">
+                <a:latin typeface="Arial"/>
+                <a:cs typeface="Arial"/>
+              </a:rPr>
+              <a:t>positive, then across all networks or for that specific network, our </a:t>
+            </a:r>
+            <a:r>
+              <a:rPr lang="en-US" sz="1800" b="1" dirty="0" err="1" smtClean="0">
+                <a:latin typeface="Arial"/>
+                <a:cs typeface="Arial"/>
+              </a:rPr>
+              <a:t>GRNmap</a:t>
+            </a:r>
+            <a:r>
+              <a:rPr lang="en-US" sz="1800" b="1" dirty="0" smtClean="0">
+                <a:latin typeface="Arial"/>
+                <a:cs typeface="Arial"/>
+              </a:rPr>
+              <a:t> model suggests that the gene is mostly activating other genes in the network. If a gene has a negative </a:t>
+            </a:r>
+            <a:r>
+              <a:rPr lang="en-US" sz="1800" b="1" dirty="0" smtClean="0">
+                <a:latin typeface="Arial"/>
+                <a:cs typeface="Arial"/>
+              </a:rPr>
+              <a:t>average outgoing edge weight, </a:t>
+            </a:r>
+            <a:r>
+              <a:rPr lang="en-US" sz="1800" b="1" dirty="0" smtClean="0">
+                <a:latin typeface="Arial"/>
+                <a:cs typeface="Arial"/>
+              </a:rPr>
+              <a:t>then that gene is mostly suppressing other genes in the network. If a gene has an </a:t>
+            </a:r>
+            <a:r>
+              <a:rPr lang="en-US" sz="1800" b="1" dirty="0" smtClean="0">
+                <a:latin typeface="Arial"/>
+                <a:cs typeface="Arial"/>
+              </a:rPr>
+              <a:t>average outgoing edge weight of </a:t>
+            </a:r>
+            <a:r>
+              <a:rPr lang="en-US" sz="1800" b="1" dirty="0" smtClean="0">
+                <a:latin typeface="Arial"/>
+                <a:cs typeface="Arial"/>
+              </a:rPr>
+              <a:t>zero, then that gene is not regulating the production of other genes in any of our networks.</a:t>
+            </a:r>
           </a:p>
           <a:p>
             <a:pPr marL="342900" indent="-342900">
               <a:buFont typeface="Arial"/>
               <a:buChar char="•"/>
             </a:pPr>
-            <a:endParaRPr lang="en-US" sz="1800" b="1" dirty="0" smtClean="0">
-              <a:latin typeface="Arial"/>
-              <a:cs typeface="Arial"/>
-            </a:endParaRPr>
-          </a:p>
-          <a:p>
-            <a:pPr marL="342900" indent="-342900">
-              <a:buFont typeface="Arial"/>
-              <a:buChar char="•"/>
-            </a:pPr>
             <a:r>
               <a:rPr lang="en-US" sz="1800" b="1" dirty="0" smtClean="0">
                 <a:latin typeface="Arial"/>
                 <a:cs typeface="Arial"/>
               </a:rPr>
-              <a:t>If the average out degree is positive, then across all networks or for that specific network, our </a:t>
-            </a:r>
-            <a:r>
-              <a:rPr lang="en-US" sz="1800" b="1" dirty="0" err="1" smtClean="0">
-                <a:latin typeface="Arial"/>
-                <a:cs typeface="Arial"/>
-              </a:rPr>
-              <a:t>GRNmap</a:t>
+              <a:t>For the table below, the average </a:t>
             </a:r>
             <a:r>
               <a:rPr lang="en-US" sz="1800" b="1" dirty="0" smtClean="0">
                 <a:latin typeface="Arial"/>
                 <a:cs typeface="Arial"/>
               </a:rPr>
-              <a:t> model suggests that the gene is mostly activating other genes in the network. If a gene has a negative average out degree, then that gene is mostly suppressing other genes in the network. If a gene has an out degree of zero, then </a:t>
+              <a:t>in going and </a:t>
             </a:r>
             <a:r>
               <a:rPr lang="en-US" sz="1800" b="1" dirty="0" smtClean="0">
                 <a:latin typeface="Arial"/>
                 <a:cs typeface="Arial"/>
               </a:rPr>
-              <a:t>that gene is not regulating the production of other genes in any of our networks.</a:t>
-            </a:r>
-          </a:p>
-          <a:p>
-            <a:pPr marL="342900" indent="-342900">
-              <a:buFont typeface="Arial"/>
-              <a:buChar char="•"/>
-            </a:pPr>
+              <a:t>out </a:t>
+            </a:r>
             <a:r>
               <a:rPr lang="en-US" sz="1800" b="1" dirty="0" smtClean="0">
                 <a:latin typeface="Arial"/>
                 <a:cs typeface="Arial"/>
               </a:rPr>
-              <a:t>For the table below, the average in and out degrees across all networks for genes found in four or more (the majority) of our networks. This table shows the overall trends in genes that are central to all networks.</a:t>
+              <a:t>going edge weights across </a:t>
+            </a:r>
+            <a:r>
+              <a:rPr lang="en-US" sz="1800" b="1" dirty="0" smtClean="0">
+                <a:latin typeface="Arial"/>
+                <a:cs typeface="Arial"/>
+              </a:rPr>
+              <a:t>all networks for genes found in four or more (the majority) of our networks. This table shows the overall trends in genes that are central to all networks.</a:t>
             </a:r>
           </a:p>
           <a:p>
@@ -15496,19 +14299,22 @@
                 <a:latin typeface="Arial" panose="020B0604020202020204" pitchFamily="34" charset="0"/>
                 <a:cs typeface="Arial" panose="020B0604020202020204" pitchFamily="34" charset="0"/>
               </a:rPr>
-              <a:t> was used to compute the graph properties of </a:t>
+              <a:t> was used to compute the </a:t>
             </a:r>
             <a:r>
               <a:rPr lang="en-US" sz="2800" b="1" dirty="0" smtClean="0">
                 <a:latin typeface="Arial" panose="020B0604020202020204" pitchFamily="34" charset="0"/>
                 <a:cs typeface="Arial" panose="020B0604020202020204" pitchFamily="34" charset="0"/>
               </a:rPr>
+              <a:t>centrality measures of </a:t>
+            </a:r>
+            <a:r>
+              <a:rPr lang="en-US" sz="2800" b="1" dirty="0" smtClean="0">
+                <a:latin typeface="Arial" panose="020B0604020202020204" pitchFamily="34" charset="0"/>
+                <a:cs typeface="Arial" panose="020B0604020202020204" pitchFamily="34" charset="0"/>
+              </a:rPr>
               <a:t>the six networks</a:t>
             </a:r>
-            <a:endParaRPr lang="en-US" sz="2800" b="1" dirty="0" smtClean="0">
-              <a:latin typeface="Arial" panose="020B0604020202020204" pitchFamily="34" charset="0"/>
-              <a:cs typeface="Arial" panose="020B0604020202020204" pitchFamily="34" charset="0"/>
-            </a:endParaRPr>
           </a:p>
         </p:txBody>
       </p:sp>
@@ -15520,8 +14326,8 @@
         </p:nvSpPr>
         <p:spPr>
           <a:xfrm>
-            <a:off x="710866" y="27901356"/>
-            <a:ext cx="11607036" cy="492443"/>
+            <a:off x="710867" y="27901356"/>
+            <a:ext cx="11570459" cy="492443"/>
           </a:xfrm>
           <a:prstGeom prst="rect">
             <a:avLst/>
@@ -15573,12 +14379,12 @@
           <a:graphicData uri="http://schemas.openxmlformats.org/presentationml/2006/ole">
             <mc:AlternateContent xmlns:mc="http://schemas.openxmlformats.org/markup-compatibility/2006">
               <mc:Choice xmlns:v="urn:schemas-microsoft-com:vml" Requires="v">
-                <p:oleObj spid="_x0000_s6791" name="Equation" r:id="rId18" imgW="2108160" imgH="444240" progId="Equation.3">
+                <p:oleObj spid="_x0000_s6830" name="Equation" r:id="rId19" imgW="2108160" imgH="444240" progId="Equation.3">
                   <p:embed/>
                 </p:oleObj>
               </mc:Choice>
               <mc:Fallback>
-                <p:oleObj name="Equation" r:id="rId18" imgW="2108160" imgH="444240" progId="Equation.3">
+                <p:oleObj name="Equation" r:id="rId19" imgW="2108160" imgH="444240" progId="Equation.3">
                   <p:embed/>
                   <p:pic>
                     <p:nvPicPr>
@@ -15589,7 +14395,7 @@
                       <p:nvPr/>
                     </p:nvPicPr>
                     <p:blipFill>
-                      <a:blip r:embed="rId19">
+                      <a:blip r:embed="rId20">
                         <a:extLst>
                           <a:ext uri="{28A0092B-C50C-407E-A947-70E740481C1C}">
                             <a14:useLocalDpi xmlns:a14="http://schemas.microsoft.com/office/drawing/2010/main" val="0"/>
@@ -15641,12 +14447,12 @@
           <a:graphicData uri="http://schemas.openxmlformats.org/presentationml/2006/ole">
             <mc:AlternateContent xmlns:mc="http://schemas.openxmlformats.org/markup-compatibility/2006">
               <mc:Choice xmlns:v="urn:schemas-microsoft-com:vml" Requires="v">
-                <p:oleObj spid="_x0000_s6792" name="Equation" r:id="rId20" imgW="2743200" imgH="685800" progId="Equation.3">
+                <p:oleObj spid="_x0000_s6831" name="Equation" r:id="rId21" imgW="2743200" imgH="685800" progId="Equation.3">
                   <p:embed/>
                 </p:oleObj>
               </mc:Choice>
               <mc:Fallback>
-                <p:oleObj name="Equation" r:id="rId20" imgW="2743200" imgH="685800" progId="Equation.3">
+                <p:oleObj name="Equation" r:id="rId21" imgW="2743200" imgH="685800" progId="Equation.3">
                   <p:embed/>
                   <p:pic>
                     <p:nvPicPr>
@@ -15657,7 +14463,7 @@
                       <p:nvPr/>
                     </p:nvPicPr>
                     <p:blipFill>
-                      <a:blip r:embed="rId21">
+                      <a:blip r:embed="rId22">
                         <a:extLst>
                           <a:ext uri="{28A0092B-C50C-407E-A947-70E740481C1C}">
                             <a14:useLocalDpi xmlns:a14="http://schemas.microsoft.com/office/drawing/2010/main" val="0"/>
@@ -15699,7 +14505,7 @@
           <p:nvPr/>
         </p:nvPicPr>
         <p:blipFill>
-          <a:blip r:embed="rId22">
+          <a:blip r:embed="rId23">
             <a:extLst>
               <a:ext uri="{28A0092B-C50C-407E-A947-70E740481C1C}">
                 <a14:useLocalDpi xmlns:a14="http://schemas.microsoft.com/office/drawing/2010/main" val="0"/>
@@ -15745,7 +14551,7 @@
             <p:nvPr/>
           </p:nvPicPr>
           <p:blipFill>
-            <a:blip r:embed="rId23" cstate="email">
+            <a:blip r:embed="rId24" cstate="email">
               <a:extLst>
                 <a:ext uri="{28A0092B-C50C-407E-A947-70E740481C1C}">
                   <a14:useLocalDpi xmlns:a14="http://schemas.microsoft.com/office/drawing/2010/main" val="0"/>
@@ -16005,8 +14811,54 @@
                 <a:latin typeface="Arial"/>
                 <a:cs typeface="Arial"/>
               </a:rPr>
-              <a:t>Degradation rates for each gene were taken from protein half life data from Belle et al. (2006)</a:t>
-            </a:r>
+              <a:t>Degradation rates for each gene were taken from </a:t>
+            </a:r>
+            <a:r>
+              <a:rPr lang="en-US" sz="1700" b="1" dirty="0" smtClean="0">
+                <a:latin typeface="Arial"/>
+                <a:cs typeface="Arial"/>
+              </a:rPr>
+              <a:t>mRNA </a:t>
+            </a:r>
+            <a:r>
+              <a:rPr lang="en-US" sz="1700" b="1" dirty="0" smtClean="0">
+                <a:latin typeface="Arial"/>
+                <a:cs typeface="Arial"/>
+              </a:rPr>
+              <a:t>half life data from </a:t>
+            </a:r>
+            <a:r>
+              <a:rPr lang="en-US" sz="1700" b="1" dirty="0" err="1" smtClean="0">
+                <a:latin typeface="Arial"/>
+                <a:cs typeface="Arial"/>
+              </a:rPr>
+              <a:t>Neymotin</a:t>
+            </a:r>
+            <a:r>
+              <a:rPr lang="en-US" sz="1700" b="1" dirty="0" smtClean="0">
+                <a:latin typeface="Arial"/>
+                <a:cs typeface="Arial"/>
+              </a:rPr>
+              <a:t> et </a:t>
+            </a:r>
+            <a:r>
+              <a:rPr lang="en-US" sz="1700" b="1" dirty="0" smtClean="0">
+                <a:latin typeface="Arial"/>
+                <a:cs typeface="Arial"/>
+              </a:rPr>
+              <a:t>al. (</a:t>
+            </a:r>
+            <a:r>
+              <a:rPr lang="en-US" sz="1700" b="1" dirty="0" smtClean="0">
+                <a:latin typeface="Arial"/>
+                <a:cs typeface="Arial"/>
+              </a:rPr>
+              <a:t>2014)</a:t>
+            </a:r>
+            <a:endParaRPr lang="en-US" sz="1700" b="1" dirty="0" smtClean="0">
+              <a:latin typeface="Arial"/>
+              <a:cs typeface="Arial"/>
+            </a:endParaRPr>
           </a:p>
           <a:p>
             <a:pPr marL="285750" indent="-285750">
@@ -16576,7 +15428,7 @@
           <p:nvPr/>
         </p:nvPicPr>
         <p:blipFill>
-          <a:blip r:embed="rId24"/>
+          <a:blip r:embed="rId25"/>
           <a:stretch>
             <a:fillRect/>
           </a:stretch>
@@ -16650,38 +15502,6 @@
       </p:sp>
       <p:sp>
         <p:nvSpPr>
-          <p:cNvPr id="164" name="TextBox 163"/>
-          <p:cNvSpPr txBox="1"/>
-          <p:nvPr/>
-        </p:nvSpPr>
-        <p:spPr>
-          <a:xfrm>
-            <a:off x="10731934" y="27641926"/>
-            <a:ext cx="1742909" cy="276999"/>
-          </a:xfrm>
-          <a:prstGeom prst="rect">
-            <a:avLst/>
-          </a:prstGeom>
-          <a:noFill/>
-        </p:spPr>
-        <p:txBody>
-          <a:bodyPr wrap="square" rtlCol="0">
-            <a:spAutoFit/>
-          </a:bodyPr>
-          <a:lstStyle/>
-          <a:p>
-            <a:r>
-              <a:rPr lang="en-US" sz="1200" dirty="0" smtClean="0">
-                <a:latin typeface="Arial"/>
-                <a:cs typeface="Arial"/>
-              </a:rPr>
-              <a:t>(Freeman, 2002)</a:t>
-            </a:r>
-          </a:p>
-        </p:txBody>
-      </p:sp>
-      <p:sp>
-        <p:nvSpPr>
           <p:cNvPr id="29" name="TextBox 28"/>
           <p:cNvSpPr txBox="1"/>
           <p:nvPr/>
@@ -16797,18 +15617,18 @@
           <p:nvPr>
             <p:extLst>
               <p:ext uri="{D42A27DB-BD31-4B8C-83A1-F6EECF244321}">
-                <p14:modId xmlns:p14="http://schemas.microsoft.com/office/powerpoint/2010/main" val="370215381"/>
+                <p14:modId xmlns:p14="http://schemas.microsoft.com/office/powerpoint/2010/main" val="248995818"/>
               </p:ext>
             </p:extLst>
           </p:nvPr>
         </p:nvGraphicFramePr>
         <p:xfrm>
-          <a:off x="14085871" y="12378148"/>
+          <a:off x="14085871" y="12228732"/>
           <a:ext cx="5835650" cy="2916158"/>
         </p:xfrm>
         <a:graphic>
           <a:graphicData uri="http://schemas.openxmlformats.org/drawingml/2006/chart">
-            <c:chart xmlns:c="http://schemas.openxmlformats.org/drawingml/2006/chart" xmlns:r="http://schemas.openxmlformats.org/officeDocument/2006/relationships" r:id="rId25"/>
+            <c:chart xmlns:c="http://schemas.openxmlformats.org/drawingml/2006/chart" xmlns:r="http://schemas.openxmlformats.org/officeDocument/2006/relationships" r:id="rId26"/>
           </a:graphicData>
         </a:graphic>
       </p:graphicFrame>
@@ -16821,7 +15641,7 @@
           <p:nvPr/>
         </p:nvPicPr>
         <p:blipFill>
-          <a:blip r:embed="rId26"/>
+          <a:blip r:embed="rId27"/>
           <a:stretch>
             <a:fillRect/>
           </a:stretch>
@@ -16845,18 +15665,18 @@
           <p:nvPr>
             <p:extLst>
               <p:ext uri="{D42A27DB-BD31-4B8C-83A1-F6EECF244321}">
-                <p14:modId xmlns:p14="http://schemas.microsoft.com/office/powerpoint/2010/main" val="1537234795"/>
+                <p14:modId xmlns:p14="http://schemas.microsoft.com/office/powerpoint/2010/main" val="3687803739"/>
               </p:ext>
             </p:extLst>
           </p:nvPr>
         </p:nvGraphicFramePr>
         <p:xfrm>
-          <a:off x="21477880" y="12378148"/>
+          <a:off x="21477880" y="12228732"/>
           <a:ext cx="5835650" cy="2743200"/>
         </p:xfrm>
         <a:graphic>
           <a:graphicData uri="http://schemas.openxmlformats.org/drawingml/2006/chart">
-            <c:chart xmlns:c="http://schemas.openxmlformats.org/drawingml/2006/chart" xmlns:r="http://schemas.openxmlformats.org/officeDocument/2006/relationships" r:id="rId27"/>
+            <c:chart xmlns:c="http://schemas.openxmlformats.org/drawingml/2006/chart" xmlns:r="http://schemas.openxmlformats.org/officeDocument/2006/relationships" r:id="rId28"/>
           </a:graphicData>
         </a:graphic>
       </p:graphicFrame>
@@ -16869,18 +15689,18 @@
           <p:nvPr>
             <p:extLst>
               <p:ext uri="{D42A27DB-BD31-4B8C-83A1-F6EECF244321}">
-                <p14:modId xmlns:p14="http://schemas.microsoft.com/office/powerpoint/2010/main" val="1410360228"/>
+                <p14:modId xmlns:p14="http://schemas.microsoft.com/office/powerpoint/2010/main" val="4281804774"/>
               </p:ext>
             </p:extLst>
           </p:nvPr>
         </p:nvGraphicFramePr>
         <p:xfrm>
-          <a:off x="29263910" y="12473969"/>
+          <a:off x="29263910" y="12324553"/>
           <a:ext cx="5822950" cy="2743200"/>
         </p:xfrm>
         <a:graphic>
           <a:graphicData uri="http://schemas.openxmlformats.org/drawingml/2006/chart">
-            <c:chart xmlns:c="http://schemas.openxmlformats.org/drawingml/2006/chart" xmlns:r="http://schemas.openxmlformats.org/officeDocument/2006/relationships" r:id="rId28"/>
+            <c:chart xmlns:c="http://schemas.openxmlformats.org/drawingml/2006/chart" xmlns:r="http://schemas.openxmlformats.org/officeDocument/2006/relationships" r:id="rId29"/>
           </a:graphicData>
         </a:graphic>
       </p:graphicFrame>
@@ -16892,7 +15712,7 @@
         </p:nvSpPr>
         <p:spPr>
           <a:xfrm>
-            <a:off x="13572327" y="15444894"/>
+            <a:off x="13572327" y="15669018"/>
             <a:ext cx="6482911" cy="3970318"/>
           </a:xfrm>
           <a:prstGeom prst="rect">
@@ -17029,14 +15849,7 @@
                 <a:latin typeface="Arial"/>
                 <a:cs typeface="Arial"/>
               </a:rPr>
-              <a:t>is any other node in the network</a:t>
-            </a:r>
-            <a:r>
-              <a:rPr lang="en-US" sz="1800" b="1" dirty="0" smtClean="0">
-                <a:latin typeface="Arial"/>
-                <a:cs typeface="Arial"/>
-              </a:rPr>
-              <a:t>.</a:t>
+              <a:t>is any other node in the network.</a:t>
             </a:r>
           </a:p>
           <a:p>
@@ -17071,10 +15884,6 @@
               </a:rPr>
               <a:t>.</a:t>
             </a:r>
-            <a:endParaRPr lang="en-US" sz="1800" b="1" dirty="0" smtClean="0">
-              <a:latin typeface="Arial"/>
-              <a:cs typeface="Arial"/>
-            </a:endParaRPr>
           </a:p>
           <a:p>
             <a:pPr marL="342900" indent="-342900" algn="just" fontAlgn="base">
@@ -17191,41 +16000,27 @@
             </a:endParaRPr>
           </a:p>
           <a:p>
-            <a:pPr fontAlgn="base"/>
+            <a:pPr marL="320040" lvl="1" fontAlgn="base"/>
             <a:r>
               <a:rPr lang="en-US" sz="1700" b="1" dirty="0" smtClean="0">
                 <a:latin typeface="Arial" panose="020B0604020202020204" pitchFamily="34" charset="0"/>
                 <a:cs typeface="Arial" panose="020B0604020202020204" pitchFamily="34" charset="0"/>
               </a:rPr>
-              <a:t>which </a:t>
+              <a:t>which is looking at the average shortest path from </a:t>
+            </a:r>
+            <a:r>
+              <a:rPr lang="en-US" sz="1700" b="1" i="1" dirty="0" smtClean="0">
+                <a:latin typeface="Arial" panose="020B0604020202020204" pitchFamily="34" charset="0"/>
+                <a:cs typeface="Arial" panose="020B0604020202020204" pitchFamily="34" charset="0"/>
+              </a:rPr>
+              <a:t>x</a:t>
             </a:r>
             <a:r>
               <a:rPr lang="en-US" sz="1700" b="1" dirty="0" smtClean="0">
                 <a:latin typeface="Arial" panose="020B0604020202020204" pitchFamily="34" charset="0"/>
                 <a:cs typeface="Arial" panose="020B0604020202020204" pitchFamily="34" charset="0"/>
               </a:rPr>
-              <a:t>is looking at the average shortest path from </a:t>
-            </a:r>
-            <a:r>
-              <a:rPr lang="en-US" sz="1700" b="1" i="1" dirty="0" smtClean="0">
-                <a:latin typeface="Arial" panose="020B0604020202020204" pitchFamily="34" charset="0"/>
-                <a:cs typeface="Arial" panose="020B0604020202020204" pitchFamily="34" charset="0"/>
-              </a:rPr>
-              <a:t>x</a:t>
-            </a:r>
-            <a:r>
-              <a:rPr lang="en-US" sz="1700" b="1" dirty="0" smtClean="0">
-                <a:latin typeface="Arial" panose="020B0604020202020204" pitchFamily="34" charset="0"/>
-                <a:cs typeface="Arial" panose="020B0604020202020204" pitchFamily="34" charset="0"/>
-              </a:rPr>
-              <a:t> to all </a:t>
-            </a:r>
-            <a:r>
-              <a:rPr lang="en-US" sz="1700" b="1" dirty="0" smtClean="0">
-                <a:latin typeface="Arial" panose="020B0604020202020204" pitchFamily="34" charset="0"/>
-                <a:cs typeface="Arial" panose="020B0604020202020204" pitchFamily="34" charset="0"/>
-              </a:rPr>
-              <a:t>     other nodes</a:t>
+              <a:t> to all         other nodes</a:t>
             </a:r>
           </a:p>
           <a:p>
@@ -17234,11 +16029,18 @@
               <a:buChar char="•"/>
             </a:pPr>
             <a:r>
+              <a:rPr lang="en-US" sz="1800" b="1" dirty="0" smtClean="0">
+                <a:latin typeface="Arial"/>
+                <a:cs typeface="Arial"/>
+              </a:rPr>
+              <a:t>Closeness </a:t>
+            </a:r>
+            <a:r>
               <a:rPr lang="en-US" sz="1800" b="1" dirty="0">
                 <a:latin typeface="Arial"/>
                 <a:cs typeface="Arial"/>
               </a:rPr>
-              <a:t>Closeness centrality, like eccentricity centrality is a directional statistic, which only takes a node’s out degrees into account.</a:t>
+              <a:t>centrality, like eccentricity centrality is a directional statistic, which only takes a node’s out degrees into account.</a:t>
             </a:r>
           </a:p>
           <a:p>
@@ -17474,7 +16276,7 @@
           <p:nvPr/>
         </p:nvPicPr>
         <p:blipFill>
-          <a:blip r:embed="rId29"/>
+          <a:blip r:embed="rId30"/>
           <a:stretch>
             <a:fillRect/>
           </a:stretch>
@@ -17509,7 +16311,7 @@
         </p:xfrm>
         <a:graphic>
           <a:graphicData uri="http://schemas.openxmlformats.org/drawingml/2006/chart">
-            <c:chart xmlns:c="http://schemas.openxmlformats.org/drawingml/2006/chart" xmlns:r="http://schemas.openxmlformats.org/officeDocument/2006/relationships" r:id="rId30"/>
+            <c:chart xmlns:c="http://schemas.openxmlformats.org/drawingml/2006/chart" xmlns:r="http://schemas.openxmlformats.org/officeDocument/2006/relationships" r:id="rId31"/>
           </a:graphicData>
         </a:graphic>
       </p:graphicFrame>
@@ -17533,7 +16335,7 @@
         </p:xfrm>
         <a:graphic>
           <a:graphicData uri="http://schemas.openxmlformats.org/drawingml/2006/chart">
-            <c:chart xmlns:c="http://schemas.openxmlformats.org/drawingml/2006/chart" xmlns:r="http://schemas.openxmlformats.org/officeDocument/2006/relationships" r:id="rId31"/>
+            <c:chart xmlns:c="http://schemas.openxmlformats.org/drawingml/2006/chart" xmlns:r="http://schemas.openxmlformats.org/officeDocument/2006/relationships" r:id="rId32"/>
           </a:graphicData>
         </a:graphic>
       </p:graphicFrame>
@@ -17545,8 +16347,8 @@
         </p:nvSpPr>
         <p:spPr>
           <a:xfrm>
-            <a:off x="35882123" y="12298666"/>
-            <a:ext cx="7087428" cy="2970044"/>
+            <a:off x="35670379" y="12323061"/>
+            <a:ext cx="7299172" cy="3231654"/>
           </a:xfrm>
           <a:prstGeom prst="rect">
             <a:avLst/>
@@ -17582,7 +16384,14 @@
                 <a:latin typeface="Arial" panose="020B0604020202020204" pitchFamily="34" charset="0"/>
                 <a:cs typeface="Arial" panose="020B0604020202020204" pitchFamily="34" charset="0"/>
               </a:rPr>
-              <a:t> centrality were found for all genes.</a:t>
+              <a:t> centrality was calculated for each gene appeared in 4 or more </a:t>
+            </a:r>
+            <a:r>
+              <a:rPr lang="en-US" sz="1700" b="1" dirty="0" smtClean="0">
+                <a:latin typeface="Arial" panose="020B0604020202020204" pitchFamily="34" charset="0"/>
+                <a:cs typeface="Arial" panose="020B0604020202020204" pitchFamily="34" charset="0"/>
+              </a:rPr>
+              <a:t>of the six networks </a:t>
             </a:r>
           </a:p>
           <a:p>
@@ -17595,21 +16404,42 @@
                 <a:latin typeface="Arial" panose="020B0604020202020204" pitchFamily="34" charset="0"/>
                 <a:cs typeface="Arial" panose="020B0604020202020204" pitchFamily="34" charset="0"/>
               </a:rPr>
-              <a:t>The averages graph statistics for the genes that showed up in 4 or more of the 6 derived networks were then compiled to be compared to </a:t>
+              <a:t>Genes </a:t>
+            </a:r>
+            <a:r>
+              <a:rPr lang="en-US" sz="1700" b="1" dirty="0" smtClean="0">
+                <a:latin typeface="Arial" panose="020B0604020202020204" pitchFamily="34" charset="0"/>
+                <a:cs typeface="Arial" panose="020B0604020202020204" pitchFamily="34" charset="0"/>
+              </a:rPr>
+              <a:t>that have high </a:t>
+            </a:r>
+            <a:r>
+              <a:rPr lang="en-US" sz="1700" b="1" dirty="0" smtClean="0">
+                <a:latin typeface="Arial" panose="020B0604020202020204" pitchFamily="34" charset="0"/>
+                <a:cs typeface="Arial" panose="020B0604020202020204" pitchFamily="34" charset="0"/>
+              </a:rPr>
+              <a:t>average eccentricity</a:t>
+            </a:r>
+            <a:r>
+              <a:rPr lang="en-US" sz="1700" b="1" dirty="0" smtClean="0">
+                <a:latin typeface="Arial" panose="020B0604020202020204" pitchFamily="34" charset="0"/>
+                <a:cs typeface="Arial" panose="020B0604020202020204" pitchFamily="34" charset="0"/>
+              </a:rPr>
+              <a:t>, closeness centrality, and </a:t>
             </a:r>
             <a:r>
               <a:rPr lang="en-US" sz="1700" b="1" dirty="0" err="1" smtClean="0">
                 <a:latin typeface="Arial" panose="020B0604020202020204" pitchFamily="34" charset="0"/>
                 <a:cs typeface="Arial" panose="020B0604020202020204" pitchFamily="34" charset="0"/>
               </a:rPr>
-              <a:t>eachother</a:t>
+              <a:t>betweenness</a:t>
             </a:r>
             <a:r>
               <a:rPr lang="en-US" sz="1700" b="1" dirty="0" smtClean="0">
                 <a:latin typeface="Arial" panose="020B0604020202020204" pitchFamily="34" charset="0"/>
                 <a:cs typeface="Arial" panose="020B0604020202020204" pitchFamily="34" charset="0"/>
               </a:rPr>
-              <a:t>.</a:t>
+              <a:t> centrality are genes that are central in all 6 networks. </a:t>
             </a:r>
           </a:p>
           <a:p>
@@ -17622,35 +16452,14 @@
                 <a:latin typeface="Arial" panose="020B0604020202020204" pitchFamily="34" charset="0"/>
                 <a:cs typeface="Arial" panose="020B0604020202020204" pitchFamily="34" charset="0"/>
               </a:rPr>
-              <a:t>Genes that have high </a:t>
-            </a:r>
-            <a:r>
-              <a:rPr lang="en-US" sz="1700" b="1" dirty="0" err="1" smtClean="0">
-                <a:latin typeface="Arial" panose="020B0604020202020204" pitchFamily="34" charset="0"/>
-                <a:cs typeface="Arial" panose="020B0604020202020204" pitchFamily="34" charset="0"/>
-              </a:rPr>
-              <a:t>averageeccentricity</a:t>
+              <a:t>Genes that have low statistic values are likely more central in some networks than others, or are not central to the networks across all six networks</a:t>
             </a:r>
             <a:r>
               <a:rPr lang="en-US" sz="1700" b="1" dirty="0" smtClean="0">
                 <a:latin typeface="Arial" panose="020B0604020202020204" pitchFamily="34" charset="0"/>
                 <a:cs typeface="Arial" panose="020B0604020202020204" pitchFamily="34" charset="0"/>
               </a:rPr>
-              <a:t>, closeness centrality, and </a:t>
-            </a:r>
-            <a:r>
-              <a:rPr lang="en-US" sz="1700" b="1" dirty="0" err="1" smtClean="0">
-                <a:latin typeface="Arial" panose="020B0604020202020204" pitchFamily="34" charset="0"/>
-                <a:cs typeface="Arial" panose="020B0604020202020204" pitchFamily="34" charset="0"/>
-              </a:rPr>
-              <a:t>betweenness</a:t>
-            </a:r>
-            <a:r>
-              <a:rPr lang="en-US" sz="1700" b="1" dirty="0" smtClean="0">
-                <a:latin typeface="Arial" panose="020B0604020202020204" pitchFamily="34" charset="0"/>
-                <a:cs typeface="Arial" panose="020B0604020202020204" pitchFamily="34" charset="0"/>
-              </a:rPr>
-              <a:t> centrality are genes that are central in all 6 networks. </a:t>
+              <a:t>.</a:t>
             </a:r>
           </a:p>
           <a:p>
@@ -17663,7 +16472,7 @@
                 <a:latin typeface="Arial" panose="020B0604020202020204" pitchFamily="34" charset="0"/>
                 <a:cs typeface="Arial" panose="020B0604020202020204" pitchFamily="34" charset="0"/>
               </a:rPr>
-              <a:t>Genes that have low statistic values are likely more central in some networks than others, or are not central to the networks across all six networks.</a:t>
+              <a:t>Based on the graph statistics, MSN2 and HMO1 appear to be genes of particular importance due to their appearance in all six networks and their high averages for all centrality measures  </a:t>
             </a:r>
             <a:endParaRPr lang="en-US" sz="1700" b="1" dirty="0" smtClean="0">
               <a:latin typeface="Arial" panose="020B0604020202020204" pitchFamily="34" charset="0"/>
@@ -17681,26 +16490,27 @@
           <p:nvPr>
             <p:extLst>
               <p:ext uri="{D42A27DB-BD31-4B8C-83A1-F6EECF244321}">
-                <p14:modId xmlns:p14="http://schemas.microsoft.com/office/powerpoint/2010/main" val="3333105729"/>
+                <p14:modId xmlns:p14="http://schemas.microsoft.com/office/powerpoint/2010/main" val="3160911338"/>
               </p:ext>
             </p:extLst>
           </p:nvPr>
         </p:nvGraphicFramePr>
         <p:xfrm>
-          <a:off x="35882123" y="15294306"/>
-          <a:ext cx="7087428" cy="4698086"/>
+          <a:off x="35871993" y="15672738"/>
+          <a:ext cx="7087430" cy="4557098"/>
         </p:xfrm>
         <a:graphic>
           <a:graphicData uri="http://schemas.openxmlformats.org/drawingml/2006/table">
             <a:tbl>
               <a:tblPr/>
               <a:tblGrid>
-                <a:gridCol w="1771857"/>
-                <a:gridCol w="1771857"/>
-                <a:gridCol w="1771857"/>
-                <a:gridCol w="1771857"/>
+                <a:gridCol w="1417486"/>
+                <a:gridCol w="1417486"/>
+                <a:gridCol w="1417486"/>
+                <a:gridCol w="1417486"/>
+                <a:gridCol w="1417486"/>
               </a:tblGrid>
-              <a:tr h="373631">
+              <a:tr h="232643">
                 <a:tc>
                   <a:txBody>
                     <a:bodyPr/>
@@ -17721,9 +16531,7 @@
                       <a:noFill/>
                     </a:lnL>
                     <a:lnR w="12700" cap="flat" cmpd="sng" algn="ctr">
-                      <a:solidFill>
-                        <a:scrgbClr r="0" g="0" b="0"/>
-                      </a:solidFill>
+                      <a:noFill/>
                       <a:prstDash val="solid"/>
                       <a:round/>
                       <a:headEnd type="none" w="med" len="med"/>
@@ -17741,6 +16549,68 @@
                       <a:headEnd type="none" w="med" len="med"/>
                       <a:tailEnd type="none" w="med" len="med"/>
                     </a:lnB>
+                    <a:lnTlToBr w="12700" cmpd="sng">
+                      <a:noFill/>
+                      <a:prstDash val="solid"/>
+                    </a:lnTlToBr>
+                    <a:lnBlToTr w="12700" cmpd="sng">
+                      <a:noFill/>
+                      <a:prstDash val="solid"/>
+                    </a:lnBlToTr>
+                  </a:tcPr>
+                </a:tc>
+                <a:tc>
+                  <a:txBody>
+                    <a:bodyPr/>
+                    <a:lstStyle/>
+                    <a:p>
+                      <a:pPr algn="l" fontAlgn="b"/>
+                      <a:endParaRPr lang="en-US" sz="1200" b="0" i="0" u="none" strike="noStrike" dirty="0">
+                        <a:solidFill>
+                          <a:srgbClr val="000000"/>
+                        </a:solidFill>
+                        <a:effectLst/>
+                        <a:latin typeface="Calibri"/>
+                      </a:endParaRPr>
+                    </a:p>
+                  </a:txBody>
+                  <a:tcPr marL="12700" marR="12700" marT="12700" marB="0" anchor="b">
+                    <a:lnL w="12700" cap="flat" cmpd="sng" algn="ctr">
+                      <a:noFill/>
+                      <a:prstDash val="solid"/>
+                      <a:round/>
+                      <a:headEnd type="none" w="med" len="med"/>
+                      <a:tailEnd type="none" w="med" len="med"/>
+                    </a:lnL>
+                    <a:lnR w="12700" cap="flat" cmpd="sng" algn="ctr">
+                      <a:solidFill>
+                        <a:scrgbClr r="0" g="0" b="0"/>
+                      </a:solidFill>
+                      <a:prstDash val="solid"/>
+                      <a:round/>
+                      <a:headEnd type="none" w="med" len="med"/>
+                      <a:tailEnd type="none" w="med" len="med"/>
+                    </a:lnR>
+                    <a:lnT>
+                      <a:noFill/>
+                    </a:lnT>
+                    <a:lnB w="12700" cap="flat" cmpd="sng" algn="ctr">
+                      <a:solidFill>
+                        <a:scrgbClr r="0" g="0" b="0"/>
+                      </a:solidFill>
+                      <a:prstDash val="solid"/>
+                      <a:round/>
+                      <a:headEnd type="none" w="med" len="med"/>
+                      <a:tailEnd type="none" w="med" len="med"/>
+                    </a:lnB>
+                    <a:lnTlToBr w="12700" cmpd="sng">
+                      <a:noFill/>
+                      <a:prstDash val="solid"/>
+                    </a:lnTlToBr>
+                    <a:lnBlToTr w="12700" cmpd="sng">
+                      <a:noFill/>
+                      <a:prstDash val="solid"/>
+                    </a:lnBlToTr>
                   </a:tcPr>
                 </a:tc>
                 <a:tc gridSpan="3">
@@ -17894,6 +16764,97 @@
                     <a:p>
                       <a:pPr algn="ctr" fontAlgn="b"/>
                       <a:r>
+                        <a:rPr lang="en-US" sz="1400" b="1" i="0" u="none" strike="noStrike" dirty="0" smtClean="0">
+                          <a:solidFill>
+                            <a:schemeClr val="bg1"/>
+                          </a:solidFill>
+                          <a:effectLst/>
+                          <a:latin typeface="Arial"/>
+                          <a:cs typeface="Arial"/>
+                        </a:rPr>
+                        <a:t>In How</a:t>
+                      </a:r>
+                      <a:r>
+                        <a:rPr lang="en-US" sz="1400" b="1" i="0" u="none" strike="noStrike" baseline="0" dirty="0" smtClean="0">
+                          <a:solidFill>
+                            <a:schemeClr val="bg1"/>
+                          </a:solidFill>
+                          <a:effectLst/>
+                          <a:latin typeface="Arial"/>
+                          <a:cs typeface="Arial"/>
+                        </a:rPr>
+                        <a:t> Many </a:t>
+                      </a:r>
+                      <a:r>
+                        <a:rPr lang="en-US" sz="1400" b="1" i="0" u="none" strike="noStrike" dirty="0" smtClean="0">
+                          <a:solidFill>
+                            <a:schemeClr val="bg1"/>
+                          </a:solidFill>
+                          <a:effectLst/>
+                          <a:latin typeface="Arial"/>
+                          <a:cs typeface="Arial"/>
+                        </a:rPr>
+                        <a:t>Networks ?</a:t>
+                      </a:r>
+                      <a:endParaRPr lang="en-US" sz="1400" b="1" i="0" u="none" strike="noStrike" dirty="0">
+                        <a:solidFill>
+                          <a:schemeClr val="bg1"/>
+                        </a:solidFill>
+                        <a:effectLst/>
+                        <a:latin typeface="Arial"/>
+                        <a:cs typeface="Arial"/>
+                      </a:endParaRPr>
+                    </a:p>
+                  </a:txBody>
+                  <a:tcPr marL="12700" marR="12700" marT="12700" marB="0" anchor="ctr">
+                    <a:lnL w="12700" cap="flat" cmpd="sng" algn="ctr">
+                      <a:solidFill>
+                        <a:scrgbClr r="0" g="0" b="0"/>
+                      </a:solidFill>
+                      <a:prstDash val="solid"/>
+                      <a:round/>
+                      <a:headEnd type="none" w="med" len="med"/>
+                      <a:tailEnd type="none" w="med" len="med"/>
+                    </a:lnL>
+                    <a:lnR w="12700" cap="flat" cmpd="sng" algn="ctr">
+                      <a:solidFill>
+                        <a:scrgbClr r="0" g="0" b="0"/>
+                      </a:solidFill>
+                      <a:prstDash val="solid"/>
+                      <a:round/>
+                      <a:headEnd type="none" w="med" len="med"/>
+                      <a:tailEnd type="none" w="med" len="med"/>
+                    </a:lnR>
+                    <a:lnT w="12700" cap="flat" cmpd="sng" algn="ctr">
+                      <a:solidFill>
+                        <a:scrgbClr r="0" g="0" b="0"/>
+                      </a:solidFill>
+                      <a:prstDash val="solid"/>
+                      <a:round/>
+                      <a:headEnd type="none" w="med" len="med"/>
+                      <a:tailEnd type="none" w="med" len="med"/>
+                    </a:lnT>
+                    <a:lnB w="12700" cap="flat" cmpd="sng" algn="ctr">
+                      <a:solidFill>
+                        <a:scrgbClr r="0" g="0" b="0"/>
+                      </a:solidFill>
+                      <a:prstDash val="solid"/>
+                      <a:round/>
+                      <a:headEnd type="none" w="med" len="med"/>
+                      <a:tailEnd type="none" w="med" len="med"/>
+                    </a:lnB>
+                    <a:solidFill>
+                      <a:schemeClr val="accent2"/>
+                    </a:solidFill>
+                  </a:tcPr>
+                </a:tc>
+                <a:tc>
+                  <a:txBody>
+                    <a:bodyPr/>
+                    <a:lstStyle/>
+                    <a:p>
+                      <a:pPr algn="ctr" fontAlgn="b"/>
+                      <a:r>
                         <a:rPr lang="en-US" sz="1400" b="1" i="0" u="none" strike="noStrike" dirty="0">
                           <a:solidFill>
                             <a:schemeClr val="bg1"/>
@@ -18148,6 +17109,69 @@
                     <a:p>
                       <a:pPr algn="ctr" fontAlgn="b"/>
                       <a:r>
+                        <a:rPr lang="en-US" sz="1400" b="1" i="0" u="none" strike="noStrike" dirty="0" smtClean="0">
+                          <a:solidFill>
+                            <a:srgbClr val="000000"/>
+                          </a:solidFill>
+                          <a:effectLst/>
+                          <a:latin typeface="Arial"/>
+                          <a:cs typeface="Arial"/>
+                        </a:rPr>
+                        <a:t>4</a:t>
+                      </a:r>
+                      <a:endParaRPr lang="en-US" sz="1400" b="1" i="0" u="none" strike="noStrike" dirty="0">
+                        <a:solidFill>
+                          <a:srgbClr val="000000"/>
+                        </a:solidFill>
+                        <a:effectLst/>
+                        <a:latin typeface="Arial"/>
+                        <a:cs typeface="Arial"/>
+                      </a:endParaRPr>
+                    </a:p>
+                  </a:txBody>
+                  <a:tcPr marL="12700" marR="12700" marT="12700" marB="0" anchor="ctr">
+                    <a:lnL w="12700" cap="flat" cmpd="sng" algn="ctr">
+                      <a:solidFill>
+                        <a:scrgbClr r="0" g="0" b="0"/>
+                      </a:solidFill>
+                      <a:prstDash val="solid"/>
+                      <a:round/>
+                      <a:headEnd type="none" w="med" len="med"/>
+                      <a:tailEnd type="none" w="med" len="med"/>
+                    </a:lnL>
+                    <a:lnR w="12700" cap="flat" cmpd="sng" algn="ctr">
+                      <a:solidFill>
+                        <a:scrgbClr r="0" g="0" b="0"/>
+                      </a:solidFill>
+                      <a:prstDash val="solid"/>
+                      <a:round/>
+                      <a:headEnd type="none" w="med" len="med"/>
+                      <a:tailEnd type="none" w="med" len="med"/>
+                    </a:lnR>
+                    <a:lnT w="12700" cap="flat" cmpd="sng" algn="ctr">
+                      <a:solidFill>
+                        <a:scrgbClr r="0" g="0" b="0"/>
+                      </a:solidFill>
+                      <a:prstDash val="solid"/>
+                      <a:round/>
+                      <a:headEnd type="none" w="med" len="med"/>
+                      <a:tailEnd type="none" w="med" len="med"/>
+                    </a:lnT>
+                    <a:lnB>
+                      <a:noFill/>
+                    </a:lnB>
+                    <a:solidFill>
+                      <a:schemeClr val="bg1"/>
+                    </a:solidFill>
+                  </a:tcPr>
+                </a:tc>
+                <a:tc>
+                  <a:txBody>
+                    <a:bodyPr/>
+                    <a:lstStyle/>
+                    <a:p>
+                      <a:pPr algn="ctr" fontAlgn="b"/>
+                      <a:r>
                         <a:rPr lang="en-US" sz="1400" b="1" i="0" u="none" strike="noStrike" dirty="0">
                           <a:solidFill>
                             <a:srgbClr val="000000"/>
@@ -18358,6 +17382,63 @@
                     <a:p>
                       <a:pPr algn="ctr" fontAlgn="b"/>
                       <a:r>
+                        <a:rPr lang="en-US" sz="1400" b="1" i="0" u="none" strike="noStrike" dirty="0" smtClean="0">
+                          <a:solidFill>
+                            <a:srgbClr val="000000"/>
+                          </a:solidFill>
+                          <a:effectLst/>
+                          <a:latin typeface="Arial"/>
+                          <a:cs typeface="Arial"/>
+                        </a:rPr>
+                        <a:t>6</a:t>
+                      </a:r>
+                      <a:endParaRPr lang="en-US" sz="1400" b="1" i="0" u="none" strike="noStrike" dirty="0">
+                        <a:solidFill>
+                          <a:srgbClr val="000000"/>
+                        </a:solidFill>
+                        <a:effectLst/>
+                        <a:latin typeface="Arial"/>
+                        <a:cs typeface="Arial"/>
+                      </a:endParaRPr>
+                    </a:p>
+                  </a:txBody>
+                  <a:tcPr marL="12700" marR="12700" marT="12700" marB="0" anchor="ctr">
+                    <a:lnL w="12700" cap="flat" cmpd="sng" algn="ctr">
+                      <a:solidFill>
+                        <a:scrgbClr r="0" g="0" b="0"/>
+                      </a:solidFill>
+                      <a:prstDash val="solid"/>
+                      <a:round/>
+                      <a:headEnd type="none" w="med" len="med"/>
+                      <a:tailEnd type="none" w="med" len="med"/>
+                    </a:lnL>
+                    <a:lnR w="12700" cap="flat" cmpd="sng" algn="ctr">
+                      <a:solidFill>
+                        <a:scrgbClr r="0" g="0" b="0"/>
+                      </a:solidFill>
+                      <a:prstDash val="solid"/>
+                      <a:round/>
+                      <a:headEnd type="none" w="med" len="med"/>
+                      <a:tailEnd type="none" w="med" len="med"/>
+                    </a:lnR>
+                    <a:lnT>
+                      <a:noFill/>
+                    </a:lnT>
+                    <a:lnB>
+                      <a:noFill/>
+                    </a:lnB>
+                    <a:solidFill>
+                      <a:schemeClr val="bg1"/>
+                    </a:solidFill>
+                  </a:tcPr>
+                </a:tc>
+                <a:tc>
+                  <a:txBody>
+                    <a:bodyPr/>
+                    <a:lstStyle/>
+                    <a:p>
+                      <a:pPr algn="ctr" fontAlgn="b"/>
+                      <a:r>
                         <a:rPr lang="en-US" sz="1400" b="1" i="0" u="none" strike="noStrike" dirty="0">
                           <a:solidFill>
                             <a:srgbClr val="000000"/>
@@ -18550,6 +17631,63 @@
                     <a:p>
                       <a:pPr algn="ctr" fontAlgn="b"/>
                       <a:r>
+                        <a:rPr lang="en-US" sz="1400" b="1" i="0" u="none" strike="noStrike" dirty="0" smtClean="0">
+                          <a:solidFill>
+                            <a:srgbClr val="000000"/>
+                          </a:solidFill>
+                          <a:effectLst/>
+                          <a:latin typeface="Arial"/>
+                          <a:cs typeface="Arial"/>
+                        </a:rPr>
+                        <a:t>5</a:t>
+                      </a:r>
+                      <a:endParaRPr lang="en-US" sz="1400" b="1" i="0" u="none" strike="noStrike" dirty="0">
+                        <a:solidFill>
+                          <a:srgbClr val="000000"/>
+                        </a:solidFill>
+                        <a:effectLst/>
+                        <a:latin typeface="Arial"/>
+                        <a:cs typeface="Arial"/>
+                      </a:endParaRPr>
+                    </a:p>
+                  </a:txBody>
+                  <a:tcPr marL="12700" marR="12700" marT="12700" marB="0" anchor="ctr">
+                    <a:lnL w="12700" cap="flat" cmpd="sng" algn="ctr">
+                      <a:solidFill>
+                        <a:scrgbClr r="0" g="0" b="0"/>
+                      </a:solidFill>
+                      <a:prstDash val="solid"/>
+                      <a:round/>
+                      <a:headEnd type="none" w="med" len="med"/>
+                      <a:tailEnd type="none" w="med" len="med"/>
+                    </a:lnL>
+                    <a:lnR w="12700" cap="flat" cmpd="sng" algn="ctr">
+                      <a:solidFill>
+                        <a:scrgbClr r="0" g="0" b="0"/>
+                      </a:solidFill>
+                      <a:prstDash val="solid"/>
+                      <a:round/>
+                      <a:headEnd type="none" w="med" len="med"/>
+                      <a:tailEnd type="none" w="med" len="med"/>
+                    </a:lnR>
+                    <a:lnT>
+                      <a:noFill/>
+                    </a:lnT>
+                    <a:lnB>
+                      <a:noFill/>
+                    </a:lnB>
+                    <a:solidFill>
+                      <a:schemeClr val="bg1"/>
+                    </a:solidFill>
+                  </a:tcPr>
+                </a:tc>
+                <a:tc>
+                  <a:txBody>
+                    <a:bodyPr/>
+                    <a:lstStyle/>
+                    <a:p>
+                      <a:pPr algn="ctr" fontAlgn="b"/>
+                      <a:r>
                         <a:rPr lang="en-US" sz="1400" b="1" i="0" u="none" strike="noStrike" dirty="0">
                           <a:solidFill>
                             <a:srgbClr val="000000"/>
@@ -18642,7 +17780,7 @@
                     <a:p>
                       <a:pPr algn="ctr" fontAlgn="b"/>
                       <a:r>
-                        <a:rPr lang="en-US" sz="1400" b="1" i="0" u="none" strike="noStrike">
+                        <a:rPr lang="en-US" sz="1400" b="1" i="0" u="none" strike="noStrike" dirty="0">
                           <a:solidFill>
                             <a:srgbClr val="000000"/>
                           </a:solidFill>
@@ -18690,7 +17828,7 @@
                     <a:p>
                       <a:pPr algn="ctr" fontAlgn="b"/>
                       <a:r>
-                        <a:rPr lang="en-US" sz="1400" b="1" i="0" u="none" strike="noStrike">
+                        <a:rPr lang="en-US" sz="1400" b="1" i="0" u="none" strike="noStrike" dirty="0">
                           <a:solidFill>
                             <a:srgbClr val="000000"/>
                           </a:solidFill>
@@ -18732,6 +17870,63 @@
                         <a:lumMod val="40000"/>
                         <a:lumOff val="60000"/>
                       </a:schemeClr>
+                    </a:solidFill>
+                  </a:tcPr>
+                </a:tc>
+                <a:tc>
+                  <a:txBody>
+                    <a:bodyPr/>
+                    <a:lstStyle/>
+                    <a:p>
+                      <a:pPr algn="ctr" fontAlgn="b"/>
+                      <a:r>
+                        <a:rPr lang="en-US" sz="1400" b="1" i="0" u="none" strike="noStrike" dirty="0" smtClean="0">
+                          <a:solidFill>
+                            <a:srgbClr val="000000"/>
+                          </a:solidFill>
+                          <a:effectLst/>
+                          <a:latin typeface="Arial"/>
+                          <a:cs typeface="Arial"/>
+                        </a:rPr>
+                        <a:t>6</a:t>
+                      </a:r>
+                      <a:endParaRPr lang="en-US" sz="1400" b="1" i="0" u="none" strike="noStrike" dirty="0">
+                        <a:solidFill>
+                          <a:srgbClr val="000000"/>
+                        </a:solidFill>
+                        <a:effectLst/>
+                        <a:latin typeface="Arial"/>
+                        <a:cs typeface="Arial"/>
+                      </a:endParaRPr>
+                    </a:p>
+                  </a:txBody>
+                  <a:tcPr marL="12700" marR="12700" marT="12700" marB="0" anchor="ctr">
+                    <a:lnL w="12700" cap="flat" cmpd="sng" algn="ctr">
+                      <a:solidFill>
+                        <a:scrgbClr r="0" g="0" b="0"/>
+                      </a:solidFill>
+                      <a:prstDash val="solid"/>
+                      <a:round/>
+                      <a:headEnd type="none" w="med" len="med"/>
+                      <a:tailEnd type="none" w="med" len="med"/>
+                    </a:lnL>
+                    <a:lnR w="12700" cap="flat" cmpd="sng" algn="ctr">
+                      <a:solidFill>
+                        <a:scrgbClr r="0" g="0" b="0"/>
+                      </a:solidFill>
+                      <a:prstDash val="solid"/>
+                      <a:round/>
+                      <a:headEnd type="none" w="med" len="med"/>
+                      <a:tailEnd type="none" w="med" len="med"/>
+                    </a:lnR>
+                    <a:lnT>
+                      <a:noFill/>
+                    </a:lnT>
+                    <a:lnB>
+                      <a:noFill/>
+                    </a:lnB>
+                    <a:solidFill>
+                      <a:schemeClr val="bg1"/>
                     </a:solidFill>
                   </a:tcPr>
                 </a:tc>
@@ -18934,6 +18129,63 @@
                     <a:p>
                       <a:pPr algn="ctr" fontAlgn="b"/>
                       <a:r>
+                        <a:rPr lang="en-US" sz="1400" b="1" i="0" u="none" strike="noStrike" dirty="0" smtClean="0">
+                          <a:solidFill>
+                            <a:srgbClr val="000000"/>
+                          </a:solidFill>
+                          <a:effectLst/>
+                          <a:latin typeface="Arial"/>
+                          <a:cs typeface="Arial"/>
+                        </a:rPr>
+                        <a:t>6</a:t>
+                      </a:r>
+                      <a:endParaRPr lang="en-US" sz="1400" b="1" i="0" u="none" strike="noStrike" dirty="0">
+                        <a:solidFill>
+                          <a:srgbClr val="000000"/>
+                        </a:solidFill>
+                        <a:effectLst/>
+                        <a:latin typeface="Arial"/>
+                        <a:cs typeface="Arial"/>
+                      </a:endParaRPr>
+                    </a:p>
+                  </a:txBody>
+                  <a:tcPr marL="12700" marR="12700" marT="12700" marB="0" anchor="ctr">
+                    <a:lnL w="12700" cap="flat" cmpd="sng" algn="ctr">
+                      <a:solidFill>
+                        <a:scrgbClr r="0" g="0" b="0"/>
+                      </a:solidFill>
+                      <a:prstDash val="solid"/>
+                      <a:round/>
+                      <a:headEnd type="none" w="med" len="med"/>
+                      <a:tailEnd type="none" w="med" len="med"/>
+                    </a:lnL>
+                    <a:lnR w="12700" cap="flat" cmpd="sng" algn="ctr">
+                      <a:solidFill>
+                        <a:scrgbClr r="0" g="0" b="0"/>
+                      </a:solidFill>
+                      <a:prstDash val="solid"/>
+                      <a:round/>
+                      <a:headEnd type="none" w="med" len="med"/>
+                      <a:tailEnd type="none" w="med" len="med"/>
+                    </a:lnR>
+                    <a:lnT>
+                      <a:noFill/>
+                    </a:lnT>
+                    <a:lnB>
+                      <a:noFill/>
+                    </a:lnB>
+                    <a:solidFill>
+                      <a:schemeClr val="bg1"/>
+                    </a:solidFill>
+                  </a:tcPr>
+                </a:tc>
+                <a:tc>
+                  <a:txBody>
+                    <a:bodyPr/>
+                    <a:lstStyle/>
+                    <a:p>
+                      <a:pPr algn="ctr" fontAlgn="b"/>
+                      <a:r>
                         <a:rPr lang="en-US" sz="1400" b="1" i="0" u="none" strike="noStrike" dirty="0">
                           <a:solidFill>
                             <a:srgbClr val="000000"/>
@@ -19126,6 +18378,63 @@
                     <a:p>
                       <a:pPr algn="ctr" fontAlgn="b"/>
                       <a:r>
+                        <a:rPr lang="en-US" sz="1400" b="1" i="0" u="none" strike="noStrike" dirty="0" smtClean="0">
+                          <a:solidFill>
+                            <a:srgbClr val="000000"/>
+                          </a:solidFill>
+                          <a:effectLst/>
+                          <a:latin typeface="Arial"/>
+                          <a:cs typeface="Arial"/>
+                        </a:rPr>
+                        <a:t>6</a:t>
+                      </a:r>
+                      <a:endParaRPr lang="en-US" sz="1400" b="1" i="0" u="none" strike="noStrike" dirty="0">
+                        <a:solidFill>
+                          <a:srgbClr val="000000"/>
+                        </a:solidFill>
+                        <a:effectLst/>
+                        <a:latin typeface="Arial"/>
+                        <a:cs typeface="Arial"/>
+                      </a:endParaRPr>
+                    </a:p>
+                  </a:txBody>
+                  <a:tcPr marL="12700" marR="12700" marT="12700" marB="0" anchor="ctr">
+                    <a:lnL w="12700" cap="flat" cmpd="sng" algn="ctr">
+                      <a:solidFill>
+                        <a:scrgbClr r="0" g="0" b="0"/>
+                      </a:solidFill>
+                      <a:prstDash val="solid"/>
+                      <a:round/>
+                      <a:headEnd type="none" w="med" len="med"/>
+                      <a:tailEnd type="none" w="med" len="med"/>
+                    </a:lnL>
+                    <a:lnR w="12700" cap="flat" cmpd="sng" algn="ctr">
+                      <a:solidFill>
+                        <a:scrgbClr r="0" g="0" b="0"/>
+                      </a:solidFill>
+                      <a:prstDash val="solid"/>
+                      <a:round/>
+                      <a:headEnd type="none" w="med" len="med"/>
+                      <a:tailEnd type="none" w="med" len="med"/>
+                    </a:lnR>
+                    <a:lnT>
+                      <a:noFill/>
+                    </a:lnT>
+                    <a:lnB>
+                      <a:noFill/>
+                    </a:lnB>
+                    <a:solidFill>
+                      <a:schemeClr val="bg1"/>
+                    </a:solidFill>
+                  </a:tcPr>
+                </a:tc>
+                <a:tc>
+                  <a:txBody>
+                    <a:bodyPr/>
+                    <a:lstStyle/>
+                    <a:p>
+                      <a:pPr algn="ctr" fontAlgn="b"/>
+                      <a:r>
                         <a:rPr lang="en-US" sz="1400" b="1" i="0" u="none" strike="noStrike" dirty="0">
                           <a:solidFill>
                             <a:srgbClr val="000000"/>
@@ -19318,6 +18627,63 @@
                     <a:p>
                       <a:pPr algn="ctr" fontAlgn="b"/>
                       <a:r>
+                        <a:rPr lang="en-US" sz="1400" b="1" i="0" u="none" strike="noStrike" dirty="0" smtClean="0">
+                          <a:solidFill>
+                            <a:srgbClr val="000000"/>
+                          </a:solidFill>
+                          <a:effectLst/>
+                          <a:latin typeface="Arial"/>
+                          <a:cs typeface="Arial"/>
+                        </a:rPr>
+                        <a:t>6</a:t>
+                      </a:r>
+                      <a:endParaRPr lang="en-US" sz="1400" b="1" i="0" u="none" strike="noStrike" dirty="0">
+                        <a:solidFill>
+                          <a:srgbClr val="000000"/>
+                        </a:solidFill>
+                        <a:effectLst/>
+                        <a:latin typeface="Arial"/>
+                        <a:cs typeface="Arial"/>
+                      </a:endParaRPr>
+                    </a:p>
+                  </a:txBody>
+                  <a:tcPr marL="12700" marR="12700" marT="12700" marB="0" anchor="ctr">
+                    <a:lnL w="12700" cap="flat" cmpd="sng" algn="ctr">
+                      <a:solidFill>
+                        <a:scrgbClr r="0" g="0" b="0"/>
+                      </a:solidFill>
+                      <a:prstDash val="solid"/>
+                      <a:round/>
+                      <a:headEnd type="none" w="med" len="med"/>
+                      <a:tailEnd type="none" w="med" len="med"/>
+                    </a:lnL>
+                    <a:lnR w="12700" cap="flat" cmpd="sng" algn="ctr">
+                      <a:solidFill>
+                        <a:scrgbClr r="0" g="0" b="0"/>
+                      </a:solidFill>
+                      <a:prstDash val="solid"/>
+                      <a:round/>
+                      <a:headEnd type="none" w="med" len="med"/>
+                      <a:tailEnd type="none" w="med" len="med"/>
+                    </a:lnR>
+                    <a:lnT>
+                      <a:noFill/>
+                    </a:lnT>
+                    <a:lnB>
+                      <a:noFill/>
+                    </a:lnB>
+                    <a:solidFill>
+                      <a:schemeClr val="bg1"/>
+                    </a:solidFill>
+                  </a:tcPr>
+                </a:tc>
+                <a:tc>
+                  <a:txBody>
+                    <a:bodyPr/>
+                    <a:lstStyle/>
+                    <a:p>
+                      <a:pPr algn="ctr" fontAlgn="b"/>
+                      <a:r>
                         <a:rPr lang="en-US" sz="1400" b="1" i="0" u="none" strike="noStrike" dirty="0">
                           <a:solidFill>
                             <a:srgbClr val="000000"/>
@@ -19510,6 +18876,63 @@
                     <a:p>
                       <a:pPr algn="ctr" fontAlgn="b"/>
                       <a:r>
+                        <a:rPr lang="en-US" sz="1400" b="1" i="0" u="none" strike="noStrike" dirty="0" smtClean="0">
+                          <a:solidFill>
+                            <a:srgbClr val="000000"/>
+                          </a:solidFill>
+                          <a:effectLst/>
+                          <a:latin typeface="Arial"/>
+                          <a:cs typeface="Arial"/>
+                        </a:rPr>
+                        <a:t>5</a:t>
+                      </a:r>
+                      <a:endParaRPr lang="en-US" sz="1400" b="1" i="0" u="none" strike="noStrike" dirty="0">
+                        <a:solidFill>
+                          <a:srgbClr val="000000"/>
+                        </a:solidFill>
+                        <a:effectLst/>
+                        <a:latin typeface="Arial"/>
+                        <a:cs typeface="Arial"/>
+                      </a:endParaRPr>
+                    </a:p>
+                  </a:txBody>
+                  <a:tcPr marL="12700" marR="12700" marT="12700" marB="0" anchor="ctr">
+                    <a:lnL w="12700" cap="flat" cmpd="sng" algn="ctr">
+                      <a:solidFill>
+                        <a:scrgbClr r="0" g="0" b="0"/>
+                      </a:solidFill>
+                      <a:prstDash val="solid"/>
+                      <a:round/>
+                      <a:headEnd type="none" w="med" len="med"/>
+                      <a:tailEnd type="none" w="med" len="med"/>
+                    </a:lnL>
+                    <a:lnR w="12700" cap="flat" cmpd="sng" algn="ctr">
+                      <a:solidFill>
+                        <a:scrgbClr r="0" g="0" b="0"/>
+                      </a:solidFill>
+                      <a:prstDash val="solid"/>
+                      <a:round/>
+                      <a:headEnd type="none" w="med" len="med"/>
+                      <a:tailEnd type="none" w="med" len="med"/>
+                    </a:lnR>
+                    <a:lnT>
+                      <a:noFill/>
+                    </a:lnT>
+                    <a:lnB>
+                      <a:noFill/>
+                    </a:lnB>
+                    <a:solidFill>
+                      <a:schemeClr val="bg1"/>
+                    </a:solidFill>
+                  </a:tcPr>
+                </a:tc>
+                <a:tc>
+                  <a:txBody>
+                    <a:bodyPr/>
+                    <a:lstStyle/>
+                    <a:p>
+                      <a:pPr algn="ctr" fontAlgn="b"/>
+                      <a:r>
                         <a:rPr lang="en-US" sz="1400" b="1" i="0" u="none" strike="noStrike" dirty="0">
                           <a:solidFill>
                             <a:srgbClr val="000000"/>
@@ -19702,6 +19125,63 @@
                     <a:p>
                       <a:pPr algn="ctr" fontAlgn="b"/>
                       <a:r>
+                        <a:rPr lang="en-US" sz="1400" b="1" i="0" u="none" strike="noStrike" dirty="0" smtClean="0">
+                          <a:solidFill>
+                            <a:srgbClr val="000000"/>
+                          </a:solidFill>
+                          <a:effectLst/>
+                          <a:latin typeface="Arial"/>
+                          <a:cs typeface="Arial"/>
+                        </a:rPr>
+                        <a:t>6</a:t>
+                      </a:r>
+                      <a:endParaRPr lang="en-US" sz="1400" b="1" i="0" u="none" strike="noStrike" dirty="0">
+                        <a:solidFill>
+                          <a:srgbClr val="000000"/>
+                        </a:solidFill>
+                        <a:effectLst/>
+                        <a:latin typeface="Arial"/>
+                        <a:cs typeface="Arial"/>
+                      </a:endParaRPr>
+                    </a:p>
+                  </a:txBody>
+                  <a:tcPr marL="12700" marR="12700" marT="12700" marB="0" anchor="ctr">
+                    <a:lnL w="12700" cap="flat" cmpd="sng" algn="ctr">
+                      <a:solidFill>
+                        <a:scrgbClr r="0" g="0" b="0"/>
+                      </a:solidFill>
+                      <a:prstDash val="solid"/>
+                      <a:round/>
+                      <a:headEnd type="none" w="med" len="med"/>
+                      <a:tailEnd type="none" w="med" len="med"/>
+                    </a:lnL>
+                    <a:lnR w="12700" cap="flat" cmpd="sng" algn="ctr">
+                      <a:solidFill>
+                        <a:scrgbClr r="0" g="0" b="0"/>
+                      </a:solidFill>
+                      <a:prstDash val="solid"/>
+                      <a:round/>
+                      <a:headEnd type="none" w="med" len="med"/>
+                      <a:tailEnd type="none" w="med" len="med"/>
+                    </a:lnR>
+                    <a:lnT>
+                      <a:noFill/>
+                    </a:lnT>
+                    <a:lnB>
+                      <a:noFill/>
+                    </a:lnB>
+                    <a:solidFill>
+                      <a:schemeClr val="bg1"/>
+                    </a:solidFill>
+                  </a:tcPr>
+                </a:tc>
+                <a:tc>
+                  <a:txBody>
+                    <a:bodyPr/>
+                    <a:lstStyle/>
+                    <a:p>
+                      <a:pPr algn="ctr" fontAlgn="b"/>
+                      <a:r>
                         <a:rPr lang="en-US" sz="1400" b="1" i="0" u="none" strike="noStrike" dirty="0">
                           <a:solidFill>
                             <a:srgbClr val="000000"/>
@@ -19894,6 +19374,63 @@
                     <a:p>
                       <a:pPr algn="ctr" fontAlgn="b"/>
                       <a:r>
+                        <a:rPr lang="en-US" sz="1400" b="1" i="0" u="none" strike="noStrike" dirty="0" smtClean="0">
+                          <a:solidFill>
+                            <a:srgbClr val="000000"/>
+                          </a:solidFill>
+                          <a:effectLst/>
+                          <a:latin typeface="Arial"/>
+                          <a:cs typeface="Arial"/>
+                        </a:rPr>
+                        <a:t>5</a:t>
+                      </a:r>
+                      <a:endParaRPr lang="en-US" sz="1400" b="1" i="0" u="none" strike="noStrike" dirty="0">
+                        <a:solidFill>
+                          <a:srgbClr val="000000"/>
+                        </a:solidFill>
+                        <a:effectLst/>
+                        <a:latin typeface="Arial"/>
+                        <a:cs typeface="Arial"/>
+                      </a:endParaRPr>
+                    </a:p>
+                  </a:txBody>
+                  <a:tcPr marL="12700" marR="12700" marT="12700" marB="0" anchor="ctr">
+                    <a:lnL w="12700" cap="flat" cmpd="sng" algn="ctr">
+                      <a:solidFill>
+                        <a:scrgbClr r="0" g="0" b="0"/>
+                      </a:solidFill>
+                      <a:prstDash val="solid"/>
+                      <a:round/>
+                      <a:headEnd type="none" w="med" len="med"/>
+                      <a:tailEnd type="none" w="med" len="med"/>
+                    </a:lnL>
+                    <a:lnR w="12700" cap="flat" cmpd="sng" algn="ctr">
+                      <a:solidFill>
+                        <a:scrgbClr r="0" g="0" b="0"/>
+                      </a:solidFill>
+                      <a:prstDash val="solid"/>
+                      <a:round/>
+                      <a:headEnd type="none" w="med" len="med"/>
+                      <a:tailEnd type="none" w="med" len="med"/>
+                    </a:lnR>
+                    <a:lnT>
+                      <a:noFill/>
+                    </a:lnT>
+                    <a:lnB>
+                      <a:noFill/>
+                    </a:lnB>
+                    <a:solidFill>
+                      <a:schemeClr val="bg1"/>
+                    </a:solidFill>
+                  </a:tcPr>
+                </a:tc>
+                <a:tc>
+                  <a:txBody>
+                    <a:bodyPr/>
+                    <a:lstStyle/>
+                    <a:p>
+                      <a:pPr algn="ctr" fontAlgn="b"/>
+                      <a:r>
                         <a:rPr lang="en-US" sz="1400" b="1" i="0" u="none" strike="noStrike" dirty="0">
                           <a:solidFill>
                             <a:srgbClr val="000000"/>
@@ -20086,6 +19623,63 @@
                     <a:p>
                       <a:pPr algn="ctr" fontAlgn="b"/>
                       <a:r>
+                        <a:rPr lang="en-US" sz="1400" b="1" i="0" u="none" strike="noStrike" dirty="0" smtClean="0">
+                          <a:solidFill>
+                            <a:srgbClr val="000000"/>
+                          </a:solidFill>
+                          <a:effectLst/>
+                          <a:latin typeface="Arial"/>
+                          <a:cs typeface="Arial"/>
+                        </a:rPr>
+                        <a:t>5</a:t>
+                      </a:r>
+                      <a:endParaRPr lang="en-US" sz="1400" b="1" i="0" u="none" strike="noStrike" dirty="0">
+                        <a:solidFill>
+                          <a:srgbClr val="000000"/>
+                        </a:solidFill>
+                        <a:effectLst/>
+                        <a:latin typeface="Arial"/>
+                        <a:cs typeface="Arial"/>
+                      </a:endParaRPr>
+                    </a:p>
+                  </a:txBody>
+                  <a:tcPr marL="12700" marR="12700" marT="12700" marB="0" anchor="ctr">
+                    <a:lnL w="12700" cap="flat" cmpd="sng" algn="ctr">
+                      <a:solidFill>
+                        <a:scrgbClr r="0" g="0" b="0"/>
+                      </a:solidFill>
+                      <a:prstDash val="solid"/>
+                      <a:round/>
+                      <a:headEnd type="none" w="med" len="med"/>
+                      <a:tailEnd type="none" w="med" len="med"/>
+                    </a:lnL>
+                    <a:lnR w="12700" cap="flat" cmpd="sng" algn="ctr">
+                      <a:solidFill>
+                        <a:scrgbClr r="0" g="0" b="0"/>
+                      </a:solidFill>
+                      <a:prstDash val="solid"/>
+                      <a:round/>
+                      <a:headEnd type="none" w="med" len="med"/>
+                      <a:tailEnd type="none" w="med" len="med"/>
+                    </a:lnR>
+                    <a:lnT>
+                      <a:noFill/>
+                    </a:lnT>
+                    <a:lnB>
+                      <a:noFill/>
+                    </a:lnB>
+                    <a:solidFill>
+                      <a:schemeClr val="bg1"/>
+                    </a:solidFill>
+                  </a:tcPr>
+                </a:tc>
+                <a:tc>
+                  <a:txBody>
+                    <a:bodyPr/>
+                    <a:lstStyle/>
+                    <a:p>
+                      <a:pPr algn="ctr" fontAlgn="b"/>
+                      <a:r>
                         <a:rPr lang="en-US" sz="1400" b="1" i="0" u="none" strike="noStrike" dirty="0">
                           <a:solidFill>
                             <a:srgbClr val="000000"/>
@@ -20274,6 +19868,69 @@
                         <a:lumMod val="40000"/>
                         <a:lumOff val="60000"/>
                       </a:schemeClr>
+                    </a:solidFill>
+                  </a:tcPr>
+                </a:tc>
+                <a:tc>
+                  <a:txBody>
+                    <a:bodyPr/>
+                    <a:lstStyle/>
+                    <a:p>
+                      <a:pPr algn="ctr" fontAlgn="b"/>
+                      <a:r>
+                        <a:rPr lang="en-US" sz="1400" b="1" i="0" u="none" strike="noStrike" dirty="0" smtClean="0">
+                          <a:solidFill>
+                            <a:srgbClr val="000000"/>
+                          </a:solidFill>
+                          <a:effectLst/>
+                          <a:latin typeface="Arial"/>
+                          <a:cs typeface="Arial"/>
+                        </a:rPr>
+                        <a:t>4</a:t>
+                      </a:r>
+                      <a:endParaRPr lang="en-US" sz="1400" b="1" i="0" u="none" strike="noStrike" dirty="0">
+                        <a:solidFill>
+                          <a:srgbClr val="000000"/>
+                        </a:solidFill>
+                        <a:effectLst/>
+                        <a:latin typeface="Arial"/>
+                        <a:cs typeface="Arial"/>
+                      </a:endParaRPr>
+                    </a:p>
+                  </a:txBody>
+                  <a:tcPr marL="12700" marR="12700" marT="12700" marB="0" anchor="ctr">
+                    <a:lnL w="12700" cap="flat" cmpd="sng" algn="ctr">
+                      <a:solidFill>
+                        <a:scrgbClr r="0" g="0" b="0"/>
+                      </a:solidFill>
+                      <a:prstDash val="solid"/>
+                      <a:round/>
+                      <a:headEnd type="none" w="med" len="med"/>
+                      <a:tailEnd type="none" w="med" len="med"/>
+                    </a:lnL>
+                    <a:lnR w="12700" cap="flat" cmpd="sng" algn="ctr">
+                      <a:solidFill>
+                        <a:scrgbClr r="0" g="0" b="0"/>
+                      </a:solidFill>
+                      <a:prstDash val="solid"/>
+                      <a:round/>
+                      <a:headEnd type="none" w="med" len="med"/>
+                      <a:tailEnd type="none" w="med" len="med"/>
+                    </a:lnR>
+                    <a:lnT>
+                      <a:noFill/>
+                    </a:lnT>
+                    <a:lnB w="12700" cap="flat" cmpd="sng" algn="ctr">
+                      <a:solidFill>
+                        <a:scrgbClr r="0" g="0" b="0"/>
+                      </a:solidFill>
+                      <a:prstDash val="solid"/>
+                      <a:round/>
+                      <a:headEnd type="none" w="med" len="med"/>
+                      <a:tailEnd type="none" w="med" len="med"/>
+                    </a:lnB>
+                    <a:solidFill>
+                      <a:schemeClr val="bg1"/>
                     </a:solidFill>
                   </a:tcPr>
                 </a:tc>
@@ -22748,6 +22405,378 @@
           </a:graphicData>
         </a:graphic>
       </p:graphicFrame>
+      <p:grpSp>
+        <p:nvGrpSpPr>
+          <p:cNvPr id="20" name="Group 19"/>
+          <p:cNvGrpSpPr/>
+          <p:nvPr/>
+        </p:nvGrpSpPr>
+        <p:grpSpPr>
+          <a:xfrm>
+            <a:off x="41286830" y="7854472"/>
+            <a:ext cx="1915605" cy="1660350"/>
+            <a:chOff x="41394777" y="7105168"/>
+            <a:chExt cx="1915605" cy="1660350"/>
+          </a:xfrm>
+        </p:grpSpPr>
+        <p:sp>
+          <p:nvSpPr>
+            <p:cNvPr id="9" name="TextBox 8"/>
+            <p:cNvSpPr txBox="1"/>
+            <p:nvPr/>
+          </p:nvSpPr>
+          <p:spPr>
+            <a:xfrm>
+              <a:off x="41394777" y="7105168"/>
+              <a:ext cx="1807658" cy="338554"/>
+            </a:xfrm>
+            <a:prstGeom prst="rect">
+              <a:avLst/>
+            </a:prstGeom>
+            <a:noFill/>
+          </p:spPr>
+          <p:txBody>
+            <a:bodyPr wrap="square" rtlCol="0">
+              <a:spAutoFit/>
+            </a:bodyPr>
+            <a:lstStyle/>
+            <a:p>
+              <a:r>
+                <a:rPr lang="en-US" sz="1600" b="1" dirty="0" smtClean="0">
+                  <a:solidFill>
+                    <a:srgbClr val="000000"/>
+                  </a:solidFill>
+                  <a:latin typeface="Arial"/>
+                  <a:cs typeface="Arial"/>
+                </a:rPr>
+                <a:t>Network Legend </a:t>
+              </a:r>
+              <a:endParaRPr lang="en-US" sz="1600" b="1" dirty="0">
+                <a:solidFill>
+                  <a:srgbClr val="000000"/>
+                </a:solidFill>
+                <a:latin typeface="Arial"/>
+                <a:cs typeface="Arial"/>
+              </a:endParaRPr>
+            </a:p>
+          </p:txBody>
+        </p:sp>
+        <p:cxnSp>
+          <p:nvCxnSpPr>
+            <p:cNvPr id="16" name="Straight Arrow Connector 15"/>
+            <p:cNvCxnSpPr/>
+            <p:nvPr/>
+          </p:nvCxnSpPr>
+          <p:spPr>
+            <a:xfrm>
+              <a:off x="41456431" y="7615471"/>
+              <a:ext cx="552861" cy="0"/>
+            </a:xfrm>
+            <a:prstGeom prst="straightConnector1">
+              <a:avLst/>
+            </a:prstGeom>
+            <a:ln>
+              <a:solidFill>
+                <a:srgbClr val="B70071"/>
+              </a:solidFill>
+              <a:tailEnd type="arrow"/>
+            </a:ln>
+          </p:spPr>
+          <p:style>
+            <a:lnRef idx="2">
+              <a:schemeClr val="accent1"/>
+            </a:lnRef>
+            <a:fillRef idx="0">
+              <a:schemeClr val="accent1"/>
+            </a:fillRef>
+            <a:effectRef idx="1">
+              <a:schemeClr val="accent1"/>
+            </a:effectRef>
+            <a:fontRef idx="minor">
+              <a:schemeClr val="tx1"/>
+            </a:fontRef>
+          </p:style>
+        </p:cxnSp>
+        <p:sp>
+          <p:nvSpPr>
+            <p:cNvPr id="112" name="TextBox 111"/>
+            <p:cNvSpPr txBox="1"/>
+            <p:nvPr/>
+          </p:nvSpPr>
+          <p:spPr>
+            <a:xfrm>
+              <a:off x="42025527" y="7443722"/>
+              <a:ext cx="1214260" cy="338554"/>
+            </a:xfrm>
+            <a:prstGeom prst="rect">
+              <a:avLst/>
+            </a:prstGeom>
+            <a:noFill/>
+          </p:spPr>
+          <p:txBody>
+            <a:bodyPr wrap="square" rtlCol="0">
+              <a:spAutoFit/>
+            </a:bodyPr>
+            <a:lstStyle/>
+            <a:p>
+              <a:r>
+                <a:rPr lang="en-US" sz="1600" b="1" dirty="0" smtClean="0">
+                  <a:solidFill>
+                    <a:srgbClr val="000000"/>
+                  </a:solidFill>
+                  <a:latin typeface="Arial"/>
+                  <a:cs typeface="Arial"/>
+                </a:rPr>
+                <a:t>Activation</a:t>
+              </a:r>
+              <a:endParaRPr lang="en-US" sz="1600" b="1" dirty="0">
+                <a:solidFill>
+                  <a:srgbClr val="000000"/>
+                </a:solidFill>
+                <a:latin typeface="Arial"/>
+                <a:cs typeface="Arial"/>
+              </a:endParaRPr>
+            </a:p>
+          </p:txBody>
+        </p:sp>
+        <p:sp>
+          <p:nvSpPr>
+            <p:cNvPr id="114" name="TextBox 113"/>
+            <p:cNvSpPr txBox="1"/>
+            <p:nvPr/>
+          </p:nvSpPr>
+          <p:spPr>
+            <a:xfrm>
+              <a:off x="42025526" y="7766962"/>
+              <a:ext cx="1284855" cy="338554"/>
+            </a:xfrm>
+            <a:prstGeom prst="rect">
+              <a:avLst/>
+            </a:prstGeom>
+            <a:noFill/>
+          </p:spPr>
+          <p:txBody>
+            <a:bodyPr wrap="square" rtlCol="0">
+              <a:spAutoFit/>
+            </a:bodyPr>
+            <a:lstStyle/>
+            <a:p>
+              <a:r>
+                <a:rPr lang="en-US" sz="1600" b="1" dirty="0" smtClean="0">
+                  <a:solidFill>
+                    <a:srgbClr val="000000"/>
+                  </a:solidFill>
+                  <a:latin typeface="Arial"/>
+                  <a:cs typeface="Arial"/>
+                </a:rPr>
+                <a:t>Repression</a:t>
+              </a:r>
+              <a:endParaRPr lang="en-US" sz="1600" b="1" dirty="0">
+                <a:solidFill>
+                  <a:srgbClr val="000000"/>
+                </a:solidFill>
+                <a:latin typeface="Arial"/>
+                <a:cs typeface="Arial"/>
+              </a:endParaRPr>
+            </a:p>
+          </p:txBody>
+        </p:sp>
+        <p:cxnSp>
+          <p:nvCxnSpPr>
+            <p:cNvPr id="145" name="Straight Arrow Connector 144"/>
+            <p:cNvCxnSpPr/>
+            <p:nvPr/>
+          </p:nvCxnSpPr>
+          <p:spPr>
+            <a:xfrm>
+              <a:off x="41456431" y="7952823"/>
+              <a:ext cx="552861" cy="0"/>
+            </a:xfrm>
+            <a:prstGeom prst="straightConnector1">
+              <a:avLst/>
+            </a:prstGeom>
+            <a:ln w="28575">
+              <a:solidFill>
+                <a:srgbClr val="27CACC"/>
+              </a:solidFill>
+              <a:headEnd type="none"/>
+              <a:tailEnd type="diamond" w="lg" len="sm"/>
+            </a:ln>
+          </p:spPr>
+          <p:style>
+            <a:lnRef idx="2">
+              <a:schemeClr val="accent1"/>
+            </a:lnRef>
+            <a:fillRef idx="0">
+              <a:schemeClr val="accent1"/>
+            </a:fillRef>
+            <a:effectRef idx="1">
+              <a:schemeClr val="accent1"/>
+            </a:effectRef>
+            <a:fontRef idx="minor">
+              <a:schemeClr val="tx1"/>
+            </a:fontRef>
+          </p:style>
+        </p:cxnSp>
+        <p:cxnSp>
+          <p:nvCxnSpPr>
+            <p:cNvPr id="148" name="Straight Arrow Connector 147"/>
+            <p:cNvCxnSpPr/>
+            <p:nvPr/>
+          </p:nvCxnSpPr>
+          <p:spPr>
+            <a:xfrm>
+              <a:off x="41456431" y="8290174"/>
+              <a:ext cx="552861" cy="0"/>
+            </a:xfrm>
+            <a:prstGeom prst="straightConnector1">
+              <a:avLst/>
+            </a:prstGeom>
+            <a:ln w="76200" cmpd="sng">
+              <a:solidFill>
+                <a:schemeClr val="tx1"/>
+              </a:solidFill>
+              <a:headEnd type="none"/>
+              <a:tailEnd type="none" w="lg" len="sm"/>
+            </a:ln>
+          </p:spPr>
+          <p:style>
+            <a:lnRef idx="2">
+              <a:schemeClr val="accent1"/>
+            </a:lnRef>
+            <a:fillRef idx="0">
+              <a:schemeClr val="accent1"/>
+            </a:fillRef>
+            <a:effectRef idx="1">
+              <a:schemeClr val="accent1"/>
+            </a:effectRef>
+            <a:fontRef idx="minor">
+              <a:schemeClr val="tx1"/>
+            </a:fontRef>
+          </p:style>
+        </p:cxnSp>
+        <p:sp>
+          <p:nvSpPr>
+            <p:cNvPr id="149" name="TextBox 148"/>
+            <p:cNvSpPr txBox="1"/>
+            <p:nvPr/>
+          </p:nvSpPr>
+          <p:spPr>
+            <a:xfrm>
+              <a:off x="42025527" y="8088639"/>
+              <a:ext cx="1284855" cy="338554"/>
+            </a:xfrm>
+            <a:prstGeom prst="rect">
+              <a:avLst/>
+            </a:prstGeom>
+            <a:noFill/>
+          </p:spPr>
+          <p:txBody>
+            <a:bodyPr wrap="square" rtlCol="0">
+              <a:spAutoFit/>
+            </a:bodyPr>
+            <a:lstStyle/>
+            <a:p>
+              <a:r>
+                <a:rPr lang="en-US" sz="1600" b="1" dirty="0" smtClean="0">
+                  <a:solidFill>
+                    <a:srgbClr val="000000"/>
+                  </a:solidFill>
+                  <a:latin typeface="Arial"/>
+                  <a:cs typeface="Arial"/>
+                </a:rPr>
+                <a:t>Strong</a:t>
+              </a:r>
+              <a:endParaRPr lang="en-US" sz="1600" b="1" dirty="0">
+                <a:solidFill>
+                  <a:srgbClr val="000000"/>
+                </a:solidFill>
+                <a:latin typeface="Arial"/>
+                <a:cs typeface="Arial"/>
+              </a:endParaRPr>
+            </a:p>
+          </p:txBody>
+        </p:sp>
+        <p:cxnSp>
+          <p:nvCxnSpPr>
+            <p:cNvPr id="150" name="Straight Arrow Connector 149"/>
+            <p:cNvCxnSpPr/>
+            <p:nvPr/>
+          </p:nvCxnSpPr>
+          <p:spPr>
+            <a:xfrm>
+              <a:off x="41472666" y="8602866"/>
+              <a:ext cx="552861" cy="0"/>
+            </a:xfrm>
+            <a:prstGeom prst="straightConnector1">
+              <a:avLst/>
+            </a:prstGeom>
+            <a:ln w="19050" cmpd="sng">
+              <a:solidFill>
+                <a:schemeClr val="tx1"/>
+              </a:solidFill>
+              <a:headEnd type="none"/>
+              <a:tailEnd type="none" w="lg" len="sm"/>
+            </a:ln>
+          </p:spPr>
+          <p:style>
+            <a:lnRef idx="2">
+              <a:schemeClr val="accent1"/>
+            </a:lnRef>
+            <a:fillRef idx="0">
+              <a:schemeClr val="accent1"/>
+            </a:fillRef>
+            <a:effectRef idx="1">
+              <a:schemeClr val="accent1"/>
+            </a:effectRef>
+            <a:fontRef idx="minor">
+              <a:schemeClr val="tx1"/>
+            </a:fontRef>
+          </p:style>
+        </p:cxnSp>
+        <p:sp>
+          <p:nvSpPr>
+            <p:cNvPr id="169" name="TextBox 168"/>
+            <p:cNvSpPr txBox="1"/>
+            <p:nvPr/>
+          </p:nvSpPr>
+          <p:spPr>
+            <a:xfrm>
+              <a:off x="42004010" y="8426964"/>
+              <a:ext cx="879232" cy="338554"/>
+            </a:xfrm>
+            <a:prstGeom prst="rect">
+              <a:avLst/>
+            </a:prstGeom>
+            <a:noFill/>
+          </p:spPr>
+          <p:txBody>
+            <a:bodyPr wrap="square" rtlCol="0">
+              <a:spAutoFit/>
+            </a:bodyPr>
+            <a:lstStyle/>
+            <a:p>
+              <a:r>
+                <a:rPr lang="en-US" sz="1600" b="1" dirty="0" smtClean="0">
+                  <a:solidFill>
+                    <a:srgbClr val="000000"/>
+                  </a:solidFill>
+                  <a:latin typeface="Arial"/>
+                  <a:cs typeface="Arial"/>
+                </a:rPr>
+                <a:t>Weak</a:t>
+              </a:r>
+              <a:endParaRPr lang="en-US" sz="1600" b="1" dirty="0">
+                <a:solidFill>
+                  <a:srgbClr val="000000"/>
+                </a:solidFill>
+                <a:latin typeface="Arial"/>
+                <a:cs typeface="Arial"/>
+              </a:endParaRPr>
+            </a:p>
+          </p:txBody>
+        </p:sp>
+      </p:grpSp>
     </p:spTree>
     <p:extLst>
       <p:ext uri="{BB962C8B-B14F-4D97-AF65-F5344CB8AC3E}">

--- a/documents/posters/ONeil_Undergraduate_Research_Symposium_2017_poster.pptx
+++ b/documents/posters/ONeil_Undergraduate_Research_Symposium_2017_poster.pptx
@@ -109,7 +109,7 @@
   </p:defaultTextStyle>
   <p:extLst>
     <p:ext uri="{EFAFB233-063F-42B5-8137-9DF3F51BA10A}">
-      <p15:sldGuideLst xmlns="" xmlns:p15="http://schemas.microsoft.com/office/powerpoint/2012/main">
+      <p15:sldGuideLst xmlns:p15="http://schemas.microsoft.com/office/powerpoint/2012/main">
         <p15:guide id="1" orient="horz" pos="10368">
           <p15:clr>
             <a:srgbClr val="A4A3A4"/>
@@ -172,8 +172,8 @@
         <c:manualLayout>
           <c:xMode val="edge"/>
           <c:yMode val="edge"/>
-          <c:x val="0.105776905743148"/>
-          <c:y val="0.00347222222222222"/>
+          <c:x val="0.10577690574314801"/>
+          <c:y val="3.4722222222222199E-3"/>
         </c:manualLayout>
       </c:layout>
       <c:overlay val="0"/>
@@ -296,52 +296,52 @@
                 <c:formatCode>General</c:formatCode>
                 <c:ptCount val="27"/>
                 <c:pt idx="0">
-                  <c:v>3.0</c:v>
+                  <c:v>3</c:v>
                 </c:pt>
                 <c:pt idx="1">
-                  <c:v>4.0</c:v>
+                  <c:v>4</c:v>
                 </c:pt>
                 <c:pt idx="2">
-                  <c:v>0.0</c:v>
+                  <c:v>0</c:v>
                 </c:pt>
                 <c:pt idx="3">
-                  <c:v>0.0</c:v>
+                  <c:v>0</c:v>
                 </c:pt>
                 <c:pt idx="4">
-                  <c:v>3.0</c:v>
+                  <c:v>3</c:v>
                 </c:pt>
                 <c:pt idx="5">
-                  <c:v>2.0</c:v>
+                  <c:v>2</c:v>
                 </c:pt>
                 <c:pt idx="8">
-                  <c:v>1.0</c:v>
+                  <c:v>1</c:v>
                 </c:pt>
                 <c:pt idx="10">
-                  <c:v>1.0</c:v>
+                  <c:v>1</c:v>
                 </c:pt>
                 <c:pt idx="11">
-                  <c:v>2.0</c:v>
+                  <c:v>2</c:v>
                 </c:pt>
                 <c:pt idx="12">
-                  <c:v>2.0</c:v>
+                  <c:v>2</c:v>
                 </c:pt>
                 <c:pt idx="16">
-                  <c:v>2.0</c:v>
+                  <c:v>2</c:v>
                 </c:pt>
                 <c:pt idx="19">
-                  <c:v>0.0</c:v>
+                  <c:v>0</c:v>
                 </c:pt>
                 <c:pt idx="21">
-                  <c:v>2.0</c:v>
+                  <c:v>2</c:v>
                 </c:pt>
                 <c:pt idx="24">
-                  <c:v>2.0</c:v>
+                  <c:v>2</c:v>
                 </c:pt>
                 <c:pt idx="25">
-                  <c:v>0.0</c:v>
+                  <c:v>0</c:v>
                 </c:pt>
                 <c:pt idx="26">
-                  <c:v>5.0</c:v>
+                  <c:v>5</c:v>
                 </c:pt>
               </c:numCache>
             </c:numRef>
@@ -458,46 +458,46 @@
                 <c:formatCode>General</c:formatCode>
                 <c:ptCount val="27"/>
                 <c:pt idx="5">
-                  <c:v>3.0</c:v>
+                  <c:v>3</c:v>
                 </c:pt>
                 <c:pt idx="9">
-                  <c:v>4.0</c:v>
+                  <c:v>4</c:v>
                 </c:pt>
                 <c:pt idx="10">
-                  <c:v>1.0</c:v>
+                  <c:v>1</c:v>
                 </c:pt>
                 <c:pt idx="11">
-                  <c:v>0.0</c:v>
+                  <c:v>0</c:v>
                 </c:pt>
                 <c:pt idx="12">
-                  <c:v>4.0</c:v>
+                  <c:v>4</c:v>
                 </c:pt>
                 <c:pt idx="15">
-                  <c:v>0.0</c:v>
+                  <c:v>0</c:v>
                 </c:pt>
                 <c:pt idx="16">
-                  <c:v>3.0</c:v>
+                  <c:v>3</c:v>
                 </c:pt>
                 <c:pt idx="18">
-                  <c:v>0.0</c:v>
+                  <c:v>0</c:v>
                 </c:pt>
                 <c:pt idx="19">
-                  <c:v>1.0</c:v>
+                  <c:v>1</c:v>
                 </c:pt>
                 <c:pt idx="20">
-                  <c:v>2.0</c:v>
+                  <c:v>2</c:v>
                 </c:pt>
                 <c:pt idx="21">
-                  <c:v>3.0</c:v>
+                  <c:v>3</c:v>
                 </c:pt>
                 <c:pt idx="22">
-                  <c:v>0.0</c:v>
+                  <c:v>0</c:v>
                 </c:pt>
                 <c:pt idx="24">
-                  <c:v>2.0</c:v>
+                  <c:v>2</c:v>
                 </c:pt>
                 <c:pt idx="25">
-                  <c:v>0.0</c:v>
+                  <c:v>0</c:v>
                 </c:pt>
               </c:numCache>
             </c:numRef>
@@ -614,55 +614,55 @@
                 <c:formatCode>General</c:formatCode>
                 <c:ptCount val="27"/>
                 <c:pt idx="1">
-                  <c:v>0.0</c:v>
+                  <c:v>0</c:v>
                 </c:pt>
                 <c:pt idx="5">
-                  <c:v>3.0</c:v>
+                  <c:v>3</c:v>
                 </c:pt>
                 <c:pt idx="9">
-                  <c:v>4.0</c:v>
+                  <c:v>4</c:v>
                 </c:pt>
                 <c:pt idx="10">
-                  <c:v>1.0</c:v>
+                  <c:v>1</c:v>
                 </c:pt>
                 <c:pt idx="11">
-                  <c:v>0.0</c:v>
+                  <c:v>0</c:v>
                 </c:pt>
                 <c:pt idx="12">
-                  <c:v>4.0</c:v>
+                  <c:v>4</c:v>
                 </c:pt>
                 <c:pt idx="14">
-                  <c:v>3.0</c:v>
+                  <c:v>3</c:v>
                 </c:pt>
                 <c:pt idx="15">
-                  <c:v>0.0</c:v>
+                  <c:v>0</c:v>
                 </c:pt>
                 <c:pt idx="16">
-                  <c:v>3.0</c:v>
+                  <c:v>3</c:v>
                 </c:pt>
                 <c:pt idx="18">
-                  <c:v>0.0</c:v>
+                  <c:v>0</c:v>
                 </c:pt>
                 <c:pt idx="19">
-                  <c:v>1.0</c:v>
+                  <c:v>1</c:v>
                 </c:pt>
                 <c:pt idx="20">
-                  <c:v>2.0</c:v>
+                  <c:v>2</c:v>
                 </c:pt>
                 <c:pt idx="21">
-                  <c:v>3.0</c:v>
+                  <c:v>3</c:v>
                 </c:pt>
                 <c:pt idx="22">
-                  <c:v>0.0</c:v>
+                  <c:v>0</c:v>
                 </c:pt>
                 <c:pt idx="24">
-                  <c:v>2.0</c:v>
+                  <c:v>2</c:v>
                 </c:pt>
                 <c:pt idx="25">
-                  <c:v>0.0</c:v>
+                  <c:v>0</c:v>
                 </c:pt>
                 <c:pt idx="26">
-                  <c:v>1.0</c:v>
+                  <c:v>1</c:v>
                 </c:pt>
               </c:numCache>
             </c:numRef>
@@ -779,46 +779,46 @@
                 <c:formatCode>General</c:formatCode>
                 <c:ptCount val="27"/>
                 <c:pt idx="5">
-                  <c:v>3.0</c:v>
+                  <c:v>3</c:v>
                 </c:pt>
                 <c:pt idx="7">
-                  <c:v>0.0</c:v>
+                  <c:v>0</c:v>
                 </c:pt>
                 <c:pt idx="9">
-                  <c:v>3.0</c:v>
+                  <c:v>3</c:v>
                 </c:pt>
                 <c:pt idx="10">
-                  <c:v>0.0</c:v>
+                  <c:v>0</c:v>
                 </c:pt>
                 <c:pt idx="11">
-                  <c:v>0.0</c:v>
+                  <c:v>0</c:v>
                 </c:pt>
                 <c:pt idx="12">
-                  <c:v>3.0</c:v>
+                  <c:v>3</c:v>
                 </c:pt>
                 <c:pt idx="16">
-                  <c:v>2.0</c:v>
+                  <c:v>2</c:v>
                 </c:pt>
                 <c:pt idx="17">
-                  <c:v>0.0</c:v>
+                  <c:v>0</c:v>
                 </c:pt>
                 <c:pt idx="19">
-                  <c:v>4.0</c:v>
+                  <c:v>4</c:v>
                 </c:pt>
                 <c:pt idx="21">
-                  <c:v>2.0</c:v>
+                  <c:v>2</c:v>
                 </c:pt>
                 <c:pt idx="22">
-                  <c:v>3.0</c:v>
+                  <c:v>3</c:v>
                 </c:pt>
                 <c:pt idx="23">
-                  <c:v>2.0</c:v>
+                  <c:v>2</c:v>
                 </c:pt>
                 <c:pt idx="24">
-                  <c:v>1.0</c:v>
+                  <c:v>1</c:v>
                 </c:pt>
                 <c:pt idx="25">
-                  <c:v>0.0</c:v>
+                  <c:v>0</c:v>
                 </c:pt>
               </c:numCache>
             </c:numRef>
@@ -935,49 +935,49 @@
                 <c:formatCode>General</c:formatCode>
                 <c:ptCount val="27"/>
                 <c:pt idx="1">
-                  <c:v>3.0</c:v>
+                  <c:v>3</c:v>
                 </c:pt>
                 <c:pt idx="4">
-                  <c:v>2.0</c:v>
+                  <c:v>2</c:v>
                 </c:pt>
                 <c:pt idx="5">
-                  <c:v>3.0</c:v>
+                  <c:v>3</c:v>
                 </c:pt>
                 <c:pt idx="9">
-                  <c:v>3.0</c:v>
+                  <c:v>3</c:v>
                 </c:pt>
                 <c:pt idx="10">
-                  <c:v>0.0</c:v>
+                  <c:v>0</c:v>
                 </c:pt>
                 <c:pt idx="11">
-                  <c:v>0.0</c:v>
+                  <c:v>0</c:v>
                 </c:pt>
                 <c:pt idx="12">
-                  <c:v>3.0</c:v>
+                  <c:v>3</c:v>
                 </c:pt>
                 <c:pt idx="16">
-                  <c:v>2.0</c:v>
+                  <c:v>2</c:v>
                 </c:pt>
                 <c:pt idx="19">
-                  <c:v>4.0</c:v>
+                  <c:v>4</c:v>
                 </c:pt>
                 <c:pt idx="20">
-                  <c:v>5.0</c:v>
+                  <c:v>5</c:v>
                 </c:pt>
                 <c:pt idx="21">
-                  <c:v>2.0</c:v>
+                  <c:v>2</c:v>
                 </c:pt>
                 <c:pt idx="22">
-                  <c:v>3.0</c:v>
+                  <c:v>3</c:v>
                 </c:pt>
                 <c:pt idx="24">
-                  <c:v>1.0</c:v>
+                  <c:v>1</c:v>
                 </c:pt>
                 <c:pt idx="25">
-                  <c:v>0.0</c:v>
+                  <c:v>0</c:v>
                 </c:pt>
                 <c:pt idx="26">
-                  <c:v>4.0</c:v>
+                  <c:v>4</c:v>
                 </c:pt>
               </c:numCache>
             </c:numRef>
@@ -1094,52 +1094,52 @@
                 <c:formatCode>General</c:formatCode>
                 <c:ptCount val="27"/>
                 <c:pt idx="0">
-                  <c:v>3.0</c:v>
+                  <c:v>3</c:v>
                 </c:pt>
                 <c:pt idx="1">
-                  <c:v>0.0</c:v>
+                  <c:v>0</c:v>
                 </c:pt>
                 <c:pt idx="5">
-                  <c:v>4.0</c:v>
+                  <c:v>4</c:v>
                 </c:pt>
                 <c:pt idx="6">
-                  <c:v>0.0</c:v>
+                  <c:v>0</c:v>
                 </c:pt>
                 <c:pt idx="8">
-                  <c:v>2.0</c:v>
+                  <c:v>2</c:v>
                 </c:pt>
                 <c:pt idx="9">
-                  <c:v>5.0</c:v>
+                  <c:v>5</c:v>
                 </c:pt>
                 <c:pt idx="10">
-                  <c:v>1.0</c:v>
+                  <c:v>1</c:v>
                 </c:pt>
                 <c:pt idx="11">
-                  <c:v>3.0</c:v>
+                  <c:v>3</c:v>
                 </c:pt>
                 <c:pt idx="12">
-                  <c:v>3.0</c:v>
+                  <c:v>3</c:v>
                 </c:pt>
                 <c:pt idx="13">
-                  <c:v>0.0</c:v>
+                  <c:v>0</c:v>
                 </c:pt>
                 <c:pt idx="14">
-                  <c:v>5.0</c:v>
+                  <c:v>5</c:v>
                 </c:pt>
                 <c:pt idx="15">
-                  <c:v>0.0</c:v>
+                  <c:v>0</c:v>
                 </c:pt>
                 <c:pt idx="16">
-                  <c:v>4.0</c:v>
+                  <c:v>4</c:v>
                 </c:pt>
                 <c:pt idx="17">
-                  <c:v>0.0</c:v>
+                  <c:v>0</c:v>
                 </c:pt>
                 <c:pt idx="21">
-                  <c:v>4.0</c:v>
+                  <c:v>4</c:v>
                 </c:pt>
                 <c:pt idx="26">
-                  <c:v>1.0</c:v>
+                  <c:v>1</c:v>
                 </c:pt>
               </c:numCache>
             </c:numRef>
@@ -1154,20 +1154,21 @@
           <c:showBubbleSize val="0"/>
         </c:dLbls>
         <c:gapWidth val="150"/>
-        <c:axId val="-2138532456"/>
-        <c:axId val="-2131454440"/>
+        <c:axId val="226321296"/>
+        <c:axId val="226162624"/>
       </c:barChart>
       <c:catAx>
-        <c:axId val="-2138532456"/>
+        <c:axId val="226321296"/>
         <c:scaling>
           <c:orientation val="minMax"/>
         </c:scaling>
         <c:delete val="0"/>
         <c:axPos val="b"/>
+        <c:numFmt formatCode="General" sourceLinked="0"/>
         <c:majorTickMark val="out"/>
         <c:minorTickMark val="none"/>
         <c:tickLblPos val="nextTo"/>
-        <c:crossAx val="-2131454440"/>
+        <c:crossAx val="226162624"/>
         <c:crosses val="autoZero"/>
         <c:auto val="1"/>
         <c:lblAlgn val="ctr"/>
@@ -1175,7 +1176,7 @@
         <c:noMultiLvlLbl val="0"/>
       </c:catAx>
       <c:valAx>
-        <c:axId val="-2131454440"/>
+        <c:axId val="226162624"/>
         <c:scaling>
           <c:orientation val="minMax"/>
         </c:scaling>
@@ -1185,7 +1186,7 @@
         <c:majorTickMark val="out"/>
         <c:minorTickMark val="none"/>
         <c:tickLblPos val="nextTo"/>
-        <c:crossAx val="-2138532456"/>
+        <c:crossAx val="226321296"/>
         <c:crosses val="autoZero"/>
         <c:crossBetween val="between"/>
       </c:valAx>
@@ -1251,8 +1252,8 @@
         <c:manualLayout>
           <c:xMode val="edge"/>
           <c:yMode val="edge"/>
-          <c:x val="0.105776905743148"/>
-          <c:y val="0.00347222222222222"/>
+          <c:x val="0.10577690574314801"/>
+          <c:y val="3.4722222222222199E-3"/>
         </c:manualLayout>
       </c:layout>
       <c:overlay val="0"/>
@@ -1375,16 +1376,16 @@
                 <c:formatCode>General</c:formatCode>
                 <c:ptCount val="27"/>
                 <c:pt idx="0">
-                  <c:v>0.5652</c:v>
+                  <c:v>0.56520000000000004</c:v>
                 </c:pt>
                 <c:pt idx="1">
                   <c:v>0.3846</c:v>
                 </c:pt>
                 <c:pt idx="2">
-                  <c:v>0.0</c:v>
+                  <c:v>0</c:v>
                 </c:pt>
                 <c:pt idx="3">
-                  <c:v>0.0</c:v>
+                  <c:v>0</c:v>
                 </c:pt>
                 <c:pt idx="4">
                   <c:v>0.5</c:v>
@@ -1393,34 +1394,34 @@
                   <c:v>0.75</c:v>
                 </c:pt>
                 <c:pt idx="8">
-                  <c:v>1.0</c:v>
+                  <c:v>1</c:v>
                 </c:pt>
                 <c:pt idx="10">
-                  <c:v>1.0</c:v>
+                  <c:v>1</c:v>
                 </c:pt>
                 <c:pt idx="11">
-                  <c:v>0.667</c:v>
+                  <c:v>0.66700000000000004</c:v>
                 </c:pt>
                 <c:pt idx="12">
-                  <c:v>0.667</c:v>
+                  <c:v>0.66700000000000004</c:v>
                 </c:pt>
                 <c:pt idx="16">
-                  <c:v>0.8461</c:v>
+                  <c:v>0.84609999999999996</c:v>
                 </c:pt>
                 <c:pt idx="19">
-                  <c:v>0.0</c:v>
+                  <c:v>0</c:v>
                 </c:pt>
                 <c:pt idx="21">
-                  <c:v>0.6667</c:v>
+                  <c:v>0.66669999999999996</c:v>
                 </c:pt>
                 <c:pt idx="24">
                   <c:v>0.75</c:v>
                 </c:pt>
                 <c:pt idx="25">
-                  <c:v>0.0</c:v>
+                  <c:v>0</c:v>
                 </c:pt>
                 <c:pt idx="26">
-                  <c:v>0.3158</c:v>
+                  <c:v>0.31580000000000003</c:v>
                 </c:pt>
               </c:numCache>
             </c:numRef>
@@ -1537,31 +1538,31 @@
                 <c:formatCode>General</c:formatCode>
                 <c:ptCount val="27"/>
                 <c:pt idx="5">
-                  <c:v>0.6154</c:v>
+                  <c:v>0.61539999999999995</c:v>
                 </c:pt>
                 <c:pt idx="9">
                   <c:v>0.4138</c:v>
                 </c:pt>
                 <c:pt idx="10">
-                  <c:v>1.0</c:v>
+                  <c:v>1</c:v>
                 </c:pt>
                 <c:pt idx="11">
-                  <c:v>0.0</c:v>
+                  <c:v>0</c:v>
                 </c:pt>
                 <c:pt idx="12">
                   <c:v>0.48</c:v>
                 </c:pt>
                 <c:pt idx="15">
-                  <c:v>0.0</c:v>
+                  <c:v>0</c:v>
                 </c:pt>
                 <c:pt idx="16">
-                  <c:v>0.6471</c:v>
+                  <c:v>0.64710000000000001</c:v>
                 </c:pt>
                 <c:pt idx="18">
-                  <c:v>0.0</c:v>
+                  <c:v>0</c:v>
                 </c:pt>
                 <c:pt idx="19">
-                  <c:v>1.0</c:v>
+                  <c:v>1</c:v>
                 </c:pt>
                 <c:pt idx="20">
                   <c:v>0.75</c:v>
@@ -1570,13 +1571,13 @@
                   <c:v>0.6</c:v>
                 </c:pt>
                 <c:pt idx="22">
-                  <c:v>0.0</c:v>
+                  <c:v>0</c:v>
                 </c:pt>
                 <c:pt idx="24">
                   <c:v>0.75</c:v>
                 </c:pt>
                 <c:pt idx="25">
-                  <c:v>0.0</c:v>
+                  <c:v>0</c:v>
                 </c:pt>
               </c:numCache>
             </c:numRef>
@@ -1693,37 +1694,37 @@
                 <c:formatCode>General</c:formatCode>
                 <c:ptCount val="27"/>
                 <c:pt idx="1">
-                  <c:v>0.0</c:v>
+                  <c:v>0</c:v>
                 </c:pt>
                 <c:pt idx="5">
-                  <c:v>0.6154</c:v>
+                  <c:v>0.61539999999999995</c:v>
                 </c:pt>
                 <c:pt idx="9">
                   <c:v>0.4138</c:v>
                 </c:pt>
                 <c:pt idx="10">
-                  <c:v>1.0</c:v>
+                  <c:v>1</c:v>
                 </c:pt>
                 <c:pt idx="11">
-                  <c:v>0.0</c:v>
+                  <c:v>0</c:v>
                 </c:pt>
                 <c:pt idx="12">
-                  <c:v>0.5185</c:v>
+                  <c:v>0.51849999999999996</c:v>
                 </c:pt>
                 <c:pt idx="14">
-                  <c:v>0.6429</c:v>
+                  <c:v>0.64290000000000003</c:v>
                 </c:pt>
                 <c:pt idx="15">
-                  <c:v>0.0</c:v>
+                  <c:v>0</c:v>
                 </c:pt>
                 <c:pt idx="16">
-                  <c:v>0.6471</c:v>
+                  <c:v>0.64710000000000001</c:v>
                 </c:pt>
                 <c:pt idx="18">
-                  <c:v>0.0</c:v>
+                  <c:v>0</c:v>
                 </c:pt>
                 <c:pt idx="19">
-                  <c:v>1.0</c:v>
+                  <c:v>1</c:v>
                 </c:pt>
                 <c:pt idx="20">
                   <c:v>0.75</c:v>
@@ -1732,16 +1733,16 @@
                   <c:v>0.6</c:v>
                 </c:pt>
                 <c:pt idx="22">
-                  <c:v>0.0</c:v>
+                  <c:v>0</c:v>
                 </c:pt>
                 <c:pt idx="24">
                   <c:v>0.75</c:v>
                 </c:pt>
                 <c:pt idx="25">
-                  <c:v>1.0</c:v>
+                  <c:v>1</c:v>
                 </c:pt>
                 <c:pt idx="26">
-                  <c:v>0.0</c:v>
+                  <c:v>0</c:v>
                 </c:pt>
               </c:numCache>
             </c:numRef>
@@ -1858,46 +1859,46 @@
                 <c:formatCode>General</c:formatCode>
                 <c:ptCount val="27"/>
                 <c:pt idx="5">
-                  <c:v>0.55</c:v>
+                  <c:v>0.55000000000000004</c:v>
                 </c:pt>
                 <c:pt idx="7">
-                  <c:v>0.0</c:v>
+                  <c:v>0</c:v>
                 </c:pt>
                 <c:pt idx="9">
                   <c:v>0.48</c:v>
                 </c:pt>
                 <c:pt idx="10">
-                  <c:v>0.0</c:v>
+                  <c:v>0</c:v>
                 </c:pt>
                 <c:pt idx="11">
-                  <c:v>0.0</c:v>
+                  <c:v>0</c:v>
                 </c:pt>
                 <c:pt idx="12">
-                  <c:v>0.6316</c:v>
+                  <c:v>0.63160000000000005</c:v>
                 </c:pt>
                 <c:pt idx="16">
-                  <c:v>0.8462</c:v>
+                  <c:v>0.84619999999999995</c:v>
                 </c:pt>
                 <c:pt idx="17">
-                  <c:v>0.0</c:v>
+                  <c:v>0</c:v>
                 </c:pt>
                 <c:pt idx="19">
-                  <c:v>0.3143</c:v>
+                  <c:v>0.31430000000000002</c:v>
                 </c:pt>
                 <c:pt idx="21">
-                  <c:v>0.8333</c:v>
+                  <c:v>0.83330000000000004</c:v>
                 </c:pt>
                 <c:pt idx="22">
-                  <c:v>0.4231</c:v>
+                  <c:v>0.42309999999999998</c:v>
                 </c:pt>
                 <c:pt idx="23">
-                  <c:v>0.647</c:v>
+                  <c:v>0.64700000000000002</c:v>
                 </c:pt>
                 <c:pt idx="24">
-                  <c:v>1.0</c:v>
+                  <c:v>1</c:v>
                 </c:pt>
                 <c:pt idx="25">
-                  <c:v>0.0</c:v>
+                  <c:v>0</c:v>
                 </c:pt>
               </c:numCache>
             </c:numRef>
@@ -2017,25 +2018,25 @@
                   <c:v>0.5</c:v>
                 </c:pt>
                 <c:pt idx="4">
-                  <c:v>0.6667</c:v>
+                  <c:v>0.66669999999999996</c:v>
                 </c:pt>
                 <c:pt idx="5">
-                  <c:v>0.6364</c:v>
+                  <c:v>0.63639999999999997</c:v>
                 </c:pt>
                 <c:pt idx="9">
-                  <c:v>0.4583</c:v>
+                  <c:v>0.45829999999999999</c:v>
                 </c:pt>
                 <c:pt idx="10">
-                  <c:v>0.0</c:v>
+                  <c:v>0</c:v>
                 </c:pt>
                 <c:pt idx="11">
-                  <c:v>0.0</c:v>
+                  <c:v>0</c:v>
                 </c:pt>
                 <c:pt idx="12">
-                  <c:v>0.55</c:v>
+                  <c:v>0.55000000000000004</c:v>
                 </c:pt>
                 <c:pt idx="16">
-                  <c:v>0.7692</c:v>
+                  <c:v>0.76919999999999999</c:v>
                 </c:pt>
                 <c:pt idx="19">
                   <c:v>0.4</c:v>
@@ -2050,10 +2051,10 @@
                   <c:v>0.5</c:v>
                 </c:pt>
                 <c:pt idx="24">
-                  <c:v>1.0</c:v>
+                  <c:v>1</c:v>
                 </c:pt>
                 <c:pt idx="25">
-                  <c:v>0.0</c:v>
+                  <c:v>0</c:v>
                 </c:pt>
                 <c:pt idx="26">
                   <c:v>0.4</c:v>
@@ -2173,25 +2174,25 @@
                 <c:formatCode>General</c:formatCode>
                 <c:ptCount val="27"/>
                 <c:pt idx="0">
-                  <c:v>0.5652</c:v>
+                  <c:v>0.56520000000000004</c:v>
                 </c:pt>
                 <c:pt idx="1">
-                  <c:v>0.0</c:v>
+                  <c:v>0</c:v>
                 </c:pt>
                 <c:pt idx="5">
                   <c:v>0.4</c:v>
                 </c:pt>
                 <c:pt idx="6">
-                  <c:v>0.0</c:v>
+                  <c:v>0</c:v>
                 </c:pt>
                 <c:pt idx="8">
-                  <c:v>0.6667</c:v>
+                  <c:v>0.66669999999999996</c:v>
                 </c:pt>
                 <c:pt idx="9">
-                  <c:v>0.3809</c:v>
+                  <c:v>0.38090000000000002</c:v>
                 </c:pt>
                 <c:pt idx="10">
-                  <c:v>1.0</c:v>
+                  <c:v>1</c:v>
                 </c:pt>
                 <c:pt idx="11">
                   <c:v>0.5</c:v>
@@ -2200,25 +2201,25 @@
                   <c:v>0.6875</c:v>
                 </c:pt>
                 <c:pt idx="13">
-                  <c:v>0.0</c:v>
+                  <c:v>0</c:v>
                 </c:pt>
                 <c:pt idx="14">
                   <c:v>0.375</c:v>
                 </c:pt>
                 <c:pt idx="15">
-                  <c:v>0.0</c:v>
+                  <c:v>0</c:v>
                 </c:pt>
                 <c:pt idx="16">
-                  <c:v>0.5385</c:v>
+                  <c:v>0.53849999999999998</c:v>
                 </c:pt>
                 <c:pt idx="17">
-                  <c:v>0.0</c:v>
+                  <c:v>0</c:v>
                 </c:pt>
                 <c:pt idx="21">
                   <c:v>0.4</c:v>
                 </c:pt>
                 <c:pt idx="26">
-                  <c:v>1.0</c:v>
+                  <c:v>1</c:v>
                 </c:pt>
               </c:numCache>
             </c:numRef>
@@ -2233,20 +2234,21 @@
           <c:showBubbleSize val="0"/>
         </c:dLbls>
         <c:gapWidth val="150"/>
-        <c:axId val="2123281688"/>
-        <c:axId val="-2131016104"/>
+        <c:axId val="226233296"/>
+        <c:axId val="226233856"/>
       </c:barChart>
       <c:catAx>
-        <c:axId val="2123281688"/>
+        <c:axId val="226233296"/>
         <c:scaling>
           <c:orientation val="minMax"/>
         </c:scaling>
         <c:delete val="0"/>
         <c:axPos val="b"/>
+        <c:numFmt formatCode="General" sourceLinked="0"/>
         <c:majorTickMark val="out"/>
         <c:minorTickMark val="none"/>
         <c:tickLblPos val="nextTo"/>
-        <c:crossAx val="-2131016104"/>
+        <c:crossAx val="226233856"/>
         <c:crosses val="autoZero"/>
         <c:auto val="1"/>
         <c:lblAlgn val="ctr"/>
@@ -2254,7 +2256,7 @@
         <c:noMultiLvlLbl val="0"/>
       </c:catAx>
       <c:valAx>
-        <c:axId val="-2131016104"/>
+        <c:axId val="226233856"/>
         <c:scaling>
           <c:orientation val="minMax"/>
         </c:scaling>
@@ -2264,7 +2266,7 @@
         <c:majorTickMark val="out"/>
         <c:minorTickMark val="none"/>
         <c:tickLblPos val="nextTo"/>
-        <c:crossAx val="2123281688"/>
+        <c:crossAx val="226233296"/>
         <c:crosses val="autoZero"/>
         <c:crossBetween val="between"/>
       </c:valAx>
@@ -2339,7 +2341,7 @@
           <c:xMode val="edge"/>
           <c:yMode val="edge"/>
           <c:x val="0.10684361019758"/>
-          <c:y val="0.0"/>
+          <c:y val="0"/>
         </c:manualLayout>
       </c:layout>
       <c:overlay val="0"/>
@@ -2462,52 +2464,52 @@
                 <c:formatCode>General</c:formatCode>
                 <c:ptCount val="27"/>
                 <c:pt idx="0">
-                  <c:v>0.0</c:v>
+                  <c:v>0</c:v>
                 </c:pt>
                 <c:pt idx="1">
-                  <c:v>5.0</c:v>
+                  <c:v>5</c:v>
                 </c:pt>
                 <c:pt idx="2">
-                  <c:v>0.0</c:v>
+                  <c:v>0</c:v>
                 </c:pt>
                 <c:pt idx="3">
-                  <c:v>0.0</c:v>
+                  <c:v>0</c:v>
                 </c:pt>
                 <c:pt idx="4">
-                  <c:v>8.8333</c:v>
+                  <c:v>8.8332999999999995</c:v>
                 </c:pt>
                 <c:pt idx="5">
-                  <c:v>1.0</c:v>
+                  <c:v>1</c:v>
                 </c:pt>
                 <c:pt idx="8">
-                  <c:v>2.3333</c:v>
+                  <c:v>2.3332999999999999</c:v>
                 </c:pt>
                 <c:pt idx="10">
-                  <c:v>4.0</c:v>
+                  <c:v>4</c:v>
                 </c:pt>
                 <c:pt idx="11">
-                  <c:v>3.0</c:v>
+                  <c:v>3</c:v>
                 </c:pt>
                 <c:pt idx="12">
-                  <c:v>5.3333</c:v>
+                  <c:v>5.3333000000000004</c:v>
                 </c:pt>
                 <c:pt idx="16">
-                  <c:v>5.0</c:v>
+                  <c:v>5</c:v>
                 </c:pt>
                 <c:pt idx="19">
-                  <c:v>0.0</c:v>
+                  <c:v>0</c:v>
                 </c:pt>
                 <c:pt idx="21">
-                  <c:v>1.8333</c:v>
+                  <c:v>1.8332999999999999</c:v>
                 </c:pt>
                 <c:pt idx="24">
-                  <c:v>13.6667</c:v>
+                  <c:v>13.666700000000001</c:v>
                 </c:pt>
                 <c:pt idx="25">
-                  <c:v>0.0</c:v>
+                  <c:v>0</c:v>
                 </c:pt>
                 <c:pt idx="26">
-                  <c:v>0.0</c:v>
+                  <c:v>0</c:v>
                 </c:pt>
               </c:numCache>
             </c:numRef>
@@ -2624,46 +2626,46 @@
                 <c:formatCode>General</c:formatCode>
                 <c:ptCount val="27"/>
                 <c:pt idx="5">
-                  <c:v>6.0</c:v>
+                  <c:v>6</c:v>
                 </c:pt>
                 <c:pt idx="9">
-                  <c:v>0.0</c:v>
+                  <c:v>0</c:v>
                 </c:pt>
                 <c:pt idx="10">
-                  <c:v>6.0</c:v>
+                  <c:v>6</c:v>
                 </c:pt>
                 <c:pt idx="11">
-                  <c:v>0.0</c:v>
+                  <c:v>0</c:v>
                 </c:pt>
                 <c:pt idx="12">
-                  <c:v>0.0</c:v>
+                  <c:v>0</c:v>
                 </c:pt>
                 <c:pt idx="15">
-                  <c:v>0.0</c:v>
+                  <c:v>0</c:v>
                 </c:pt>
                 <c:pt idx="16">
-                  <c:v>15.0</c:v>
+                  <c:v>15</c:v>
                 </c:pt>
                 <c:pt idx="18">
-                  <c:v>0.0</c:v>
+                  <c:v>0</c:v>
                 </c:pt>
                 <c:pt idx="19">
-                  <c:v>5.0</c:v>
+                  <c:v>5</c:v>
                 </c:pt>
                 <c:pt idx="20">
-                  <c:v>0.0</c:v>
+                  <c:v>0</c:v>
                 </c:pt>
                 <c:pt idx="21">
-                  <c:v>0.0</c:v>
+                  <c:v>0</c:v>
                 </c:pt>
                 <c:pt idx="22">
-                  <c:v>0.0</c:v>
+                  <c:v>0</c:v>
                 </c:pt>
                 <c:pt idx="24">
-                  <c:v>15.0</c:v>
+                  <c:v>15</c:v>
                 </c:pt>
                 <c:pt idx="25">
-                  <c:v>0.0</c:v>
+                  <c:v>0</c:v>
                 </c:pt>
               </c:numCache>
             </c:numRef>
@@ -2780,55 +2782,55 @@
                 <c:formatCode>General</c:formatCode>
                 <c:ptCount val="27"/>
                 <c:pt idx="1">
-                  <c:v>0.0</c:v>
+                  <c:v>0</c:v>
                 </c:pt>
                 <c:pt idx="5">
-                  <c:v>4.8333</c:v>
+                  <c:v>4.8333000000000004</c:v>
                 </c:pt>
                 <c:pt idx="9">
-                  <c:v>0.0</c:v>
+                  <c:v>0</c:v>
                 </c:pt>
                 <c:pt idx="10">
-                  <c:v>7.0</c:v>
+                  <c:v>7</c:v>
                 </c:pt>
                 <c:pt idx="11">
-                  <c:v>0.0</c:v>
+                  <c:v>0</c:v>
                 </c:pt>
                 <c:pt idx="12">
-                  <c:v>0.0</c:v>
+                  <c:v>0</c:v>
                 </c:pt>
                 <c:pt idx="14">
-                  <c:v>3.8333</c:v>
+                  <c:v>3.8332999999999999</c:v>
                 </c:pt>
                 <c:pt idx="15">
-                  <c:v>0.0</c:v>
+                  <c:v>0</c:v>
                 </c:pt>
                 <c:pt idx="16">
-                  <c:v>13.3333</c:v>
+                  <c:v>13.333299999999999</c:v>
                 </c:pt>
                 <c:pt idx="18">
-                  <c:v>0.0</c:v>
+                  <c:v>0</c:v>
                 </c:pt>
                 <c:pt idx="19">
-                  <c:v>4.0</c:v>
+                  <c:v>4</c:v>
                 </c:pt>
                 <c:pt idx="20">
-                  <c:v>0.0</c:v>
+                  <c:v>0</c:v>
                 </c:pt>
                 <c:pt idx="21">
-                  <c:v>1.0</c:v>
+                  <c:v>1</c:v>
                 </c:pt>
                 <c:pt idx="22">
-                  <c:v>0.0</c:v>
+                  <c:v>0</c:v>
                 </c:pt>
                 <c:pt idx="24">
-                  <c:v>18.0</c:v>
+                  <c:v>18</c:v>
                 </c:pt>
                 <c:pt idx="25">
-                  <c:v>0.0</c:v>
+                  <c:v>0</c:v>
                 </c:pt>
                 <c:pt idx="26">
-                  <c:v>0.0</c:v>
+                  <c:v>0</c:v>
                 </c:pt>
               </c:numCache>
             </c:numRef>
@@ -2945,46 +2947,46 @@
                 <c:formatCode>General</c:formatCode>
                 <c:ptCount val="27"/>
                 <c:pt idx="5">
-                  <c:v>2.8333</c:v>
+                  <c:v>2.8332999999999999</c:v>
                 </c:pt>
                 <c:pt idx="7">
-                  <c:v>0.0</c:v>
+                  <c:v>0</c:v>
                 </c:pt>
                 <c:pt idx="9">
-                  <c:v>0.0</c:v>
+                  <c:v>0</c:v>
                 </c:pt>
                 <c:pt idx="10">
-                  <c:v>0.0</c:v>
+                  <c:v>0</c:v>
                 </c:pt>
                 <c:pt idx="11">
-                  <c:v>0.0</c:v>
+                  <c:v>0</c:v>
                 </c:pt>
                 <c:pt idx="12">
-                  <c:v>0.0</c:v>
+                  <c:v>0</c:v>
                 </c:pt>
                 <c:pt idx="16">
-                  <c:v>26.8333</c:v>
+                  <c:v>26.833300000000001</c:v>
                 </c:pt>
                 <c:pt idx="17">
-                  <c:v>0.0</c:v>
+                  <c:v>0</c:v>
                 </c:pt>
                 <c:pt idx="19">
-                  <c:v>5.0</c:v>
+                  <c:v>5</c:v>
                 </c:pt>
                 <c:pt idx="21">
-                  <c:v>0.0</c:v>
+                  <c:v>0</c:v>
                 </c:pt>
                 <c:pt idx="22">
-                  <c:v>10.0</c:v>
+                  <c:v>10</c:v>
                 </c:pt>
                 <c:pt idx="23">
-                  <c:v>24.3333</c:v>
+                  <c:v>24.333300000000001</c:v>
                 </c:pt>
                 <c:pt idx="24">
-                  <c:v>8.0</c:v>
+                  <c:v>8</c:v>
                 </c:pt>
                 <c:pt idx="25">
-                  <c:v>0.0</c:v>
+                  <c:v>0</c:v>
                 </c:pt>
               </c:numCache>
             </c:numRef>
@@ -3101,49 +3103,49 @@
                 <c:formatCode>General</c:formatCode>
                 <c:ptCount val="27"/>
                 <c:pt idx="1">
-                  <c:v>3.0</c:v>
+                  <c:v>3</c:v>
                 </c:pt>
                 <c:pt idx="4">
-                  <c:v>10.0</c:v>
+                  <c:v>10</c:v>
                 </c:pt>
                 <c:pt idx="5">
-                  <c:v>5.0</c:v>
+                  <c:v>5</c:v>
                 </c:pt>
                 <c:pt idx="9">
-                  <c:v>0.0</c:v>
+                  <c:v>0</c:v>
                 </c:pt>
                 <c:pt idx="10">
-                  <c:v>0.0</c:v>
+                  <c:v>0</c:v>
                 </c:pt>
                 <c:pt idx="11">
-                  <c:v>0.0</c:v>
+                  <c:v>0</c:v>
                 </c:pt>
                 <c:pt idx="12">
-                  <c:v>0.0</c:v>
+                  <c:v>0</c:v>
                 </c:pt>
                 <c:pt idx="16">
-                  <c:v>14.0</c:v>
+                  <c:v>14</c:v>
                 </c:pt>
                 <c:pt idx="19">
-                  <c:v>9.0</c:v>
+                  <c:v>9</c:v>
                 </c:pt>
                 <c:pt idx="20">
-                  <c:v>0.0</c:v>
+                  <c:v>0</c:v>
                 </c:pt>
                 <c:pt idx="21">
-                  <c:v>0.0</c:v>
+                  <c:v>0</c:v>
                 </c:pt>
                 <c:pt idx="22">
-                  <c:v>7.0</c:v>
+                  <c:v>7</c:v>
                 </c:pt>
                 <c:pt idx="24">
-                  <c:v>11.0</c:v>
+                  <c:v>11</c:v>
                 </c:pt>
                 <c:pt idx="25">
-                  <c:v>0.0</c:v>
+                  <c:v>0</c:v>
                 </c:pt>
                 <c:pt idx="26">
-                  <c:v>0.0</c:v>
+                  <c:v>0</c:v>
                 </c:pt>
               </c:numCache>
             </c:numRef>
@@ -3260,52 +3262,52 @@
                 <c:formatCode>General</c:formatCode>
                 <c:ptCount val="27"/>
                 <c:pt idx="0">
-                  <c:v>0.0</c:v>
+                  <c:v>0</c:v>
                 </c:pt>
                 <c:pt idx="1">
-                  <c:v>0.0</c:v>
+                  <c:v>0</c:v>
                 </c:pt>
                 <c:pt idx="5">
-                  <c:v>0.0</c:v>
+                  <c:v>0</c:v>
                 </c:pt>
                 <c:pt idx="6">
-                  <c:v>0.0</c:v>
+                  <c:v>0</c:v>
                 </c:pt>
                 <c:pt idx="8">
-                  <c:v>15.0</c:v>
+                  <c:v>15</c:v>
                 </c:pt>
                 <c:pt idx="9">
-                  <c:v>0.0</c:v>
+                  <c:v>0</c:v>
                 </c:pt>
                 <c:pt idx="10">
-                  <c:v>8.0</c:v>
+                  <c:v>8</c:v>
                 </c:pt>
                 <c:pt idx="11">
-                  <c:v>15.0</c:v>
+                  <c:v>15</c:v>
                 </c:pt>
                 <c:pt idx="12">
                   <c:v>7.5</c:v>
                 </c:pt>
                 <c:pt idx="13">
-                  <c:v>0.0</c:v>
+                  <c:v>0</c:v>
                 </c:pt>
                 <c:pt idx="14">
                   <c:v>2.5</c:v>
                 </c:pt>
                 <c:pt idx="15">
-                  <c:v>0.0</c:v>
+                  <c:v>0</c:v>
                 </c:pt>
                 <c:pt idx="16">
                   <c:v>7.5</c:v>
                 </c:pt>
                 <c:pt idx="17">
-                  <c:v>0.0</c:v>
+                  <c:v>0</c:v>
                 </c:pt>
                 <c:pt idx="21">
                   <c:v>4.5</c:v>
                 </c:pt>
                 <c:pt idx="26">
-                  <c:v>0.0</c:v>
+                  <c:v>0</c:v>
                 </c:pt>
               </c:numCache>
             </c:numRef>
@@ -3320,20 +3322,21 @@
           <c:showBubbleSize val="0"/>
         </c:dLbls>
         <c:gapWidth val="150"/>
-        <c:axId val="-2131753912"/>
-        <c:axId val="-2131418392"/>
+        <c:axId val="226370992"/>
+        <c:axId val="226371552"/>
       </c:barChart>
       <c:catAx>
-        <c:axId val="-2131753912"/>
+        <c:axId val="226370992"/>
         <c:scaling>
           <c:orientation val="minMax"/>
         </c:scaling>
         <c:delete val="0"/>
         <c:axPos val="b"/>
+        <c:numFmt formatCode="General" sourceLinked="0"/>
         <c:majorTickMark val="out"/>
         <c:minorTickMark val="none"/>
         <c:tickLblPos val="nextTo"/>
-        <c:crossAx val="-2131418392"/>
+        <c:crossAx val="226371552"/>
         <c:crosses val="autoZero"/>
         <c:auto val="1"/>
         <c:lblAlgn val="ctr"/>
@@ -3341,7 +3344,7 @@
         <c:noMultiLvlLbl val="0"/>
       </c:catAx>
       <c:valAx>
-        <c:axId val="-2131418392"/>
+        <c:axId val="226371552"/>
         <c:scaling>
           <c:orientation val="minMax"/>
         </c:scaling>
@@ -3351,7 +3354,7 @@
         <c:majorTickMark val="out"/>
         <c:minorTickMark val="none"/>
         <c:tickLblPos val="nextTo"/>
-        <c:crossAx val="-2131753912"/>
+        <c:crossAx val="226370992"/>
         <c:crosses val="autoZero"/>
         <c:crossBetween val="between"/>
       </c:valAx>
@@ -3525,49 +3528,49 @@
                   <c:v>0.29512567322395</c:v>
                 </c:pt>
                 <c:pt idx="1">
-                  <c:v>-1.319637031170345</c:v>
+                  <c:v>-1.3196370311703449</c:v>
                 </c:pt>
                 <c:pt idx="2">
-                  <c:v>0.0</c:v>
+                  <c:v>0</c:v>
                 </c:pt>
                 <c:pt idx="3">
-                  <c:v>0.0</c:v>
+                  <c:v>0</c:v>
                 </c:pt>
                 <c:pt idx="4">
-                  <c:v>-2.66818992163483</c:v>
+                  <c:v>-2.6681899216348302</c:v>
                 </c:pt>
                 <c:pt idx="5">
                   <c:v>0.111940205718532</c:v>
                 </c:pt>
                 <c:pt idx="8">
-                  <c:v>0.438210491106976</c:v>
+                  <c:v>0.43821049110697602</c:v>
                 </c:pt>
                 <c:pt idx="10">
-                  <c:v>0.787701808122131</c:v>
+                  <c:v>0.78770180812213098</c:v>
                 </c:pt>
                 <c:pt idx="11">
-                  <c:v>0.33058851158932</c:v>
+                  <c:v>0.33058851158932001</c:v>
                 </c:pt>
                 <c:pt idx="12">
-                  <c:v>0.33276004499762</c:v>
+                  <c:v>0.33276004499762002</c:v>
                 </c:pt>
                 <c:pt idx="16">
                   <c:v>0.43245759443157</c:v>
                 </c:pt>
                 <c:pt idx="19">
-                  <c:v>0.0</c:v>
+                  <c:v>0</c:v>
                 </c:pt>
                 <c:pt idx="21">
-                  <c:v>0.0649016370605047</c:v>
+                  <c:v>6.4901637060504697E-2</c:v>
                 </c:pt>
                 <c:pt idx="24">
-                  <c:v>0.506240049662197</c:v>
+                  <c:v>0.50624004966219704</c:v>
                 </c:pt>
                 <c:pt idx="25">
-                  <c:v>0.0</c:v>
+                  <c:v>0</c:v>
                 </c:pt>
                 <c:pt idx="26">
-                  <c:v>1.222541152058766</c:v>
+                  <c:v>1.2225411520587659</c:v>
                 </c:pt>
               </c:numCache>
             </c:numRef>
@@ -3684,46 +3687,46 @@
                 <c:formatCode>General</c:formatCode>
                 <c:ptCount val="27"/>
                 <c:pt idx="5" formatCode="0.0000">
-                  <c:v>-0.020893629994938</c:v>
+                  <c:v>-2.0893629994938E-2</c:v>
                 </c:pt>
                 <c:pt idx="9" formatCode="0.0000">
                   <c:v>-3.207275682548163</c:v>
                 </c:pt>
                 <c:pt idx="10" formatCode="0.0000">
-                  <c:v>0.0557952963095069</c:v>
+                  <c:v>5.57952963095069E-2</c:v>
                 </c:pt>
                 <c:pt idx="11" formatCode="0.0000">
-                  <c:v>0.0</c:v>
+                  <c:v>0</c:v>
                 </c:pt>
                 <c:pt idx="12" formatCode="0.0000">
-                  <c:v>0.343508827636256</c:v>
+                  <c:v>0.34350882763625601</c:v>
                 </c:pt>
                 <c:pt idx="15" formatCode="0.0000">
-                  <c:v>0.0</c:v>
+                  <c:v>0</c:v>
                 </c:pt>
                 <c:pt idx="16" formatCode="0.0000">
-                  <c:v>-0.482545083440325</c:v>
+                  <c:v>-0.48254508344032498</c:v>
                 </c:pt>
                 <c:pt idx="18" formatCode="0.0000">
-                  <c:v>0.0</c:v>
+                  <c:v>0</c:v>
                 </c:pt>
                 <c:pt idx="19" formatCode="0.0000">
                   <c:v>-1.635382864957668</c:v>
                 </c:pt>
                 <c:pt idx="20" formatCode="0.0000">
-                  <c:v>-0.852341408882676</c:v>
+                  <c:v>-0.85234140888267595</c:v>
                 </c:pt>
                 <c:pt idx="21" formatCode="0.0000">
-                  <c:v>-2.257079248970908</c:v>
+                  <c:v>-2.2570792489709079</c:v>
                 </c:pt>
                 <c:pt idx="22" formatCode="0.0000">
-                  <c:v>0.0</c:v>
+                  <c:v>0</c:v>
                 </c:pt>
                 <c:pt idx="24" formatCode="0.0000">
-                  <c:v>0.642530215994622</c:v>
+                  <c:v>0.64253021599462201</c:v>
                 </c:pt>
                 <c:pt idx="25" formatCode="0.0000">
-                  <c:v>0.0</c:v>
+                  <c:v>0</c:v>
                 </c:pt>
               </c:numCache>
             </c:numRef>
@@ -3840,55 +3843,55 @@
                 <c:formatCode>0.0000</c:formatCode>
                 <c:ptCount val="27"/>
                 <c:pt idx="1">
-                  <c:v>0.0</c:v>
+                  <c:v>0</c:v>
                 </c:pt>
                 <c:pt idx="5">
-                  <c:v>0.0770494205</c:v>
+                  <c:v>7.7049420499999993E-2</c:v>
                 </c:pt>
                 <c:pt idx="9">
                   <c:v>-3.670683607</c:v>
                 </c:pt>
                 <c:pt idx="10">
-                  <c:v>-0.013322622</c:v>
+                  <c:v>-1.3322621999999999E-2</c:v>
                 </c:pt>
                 <c:pt idx="11">
-                  <c:v>0.0</c:v>
+                  <c:v>0</c:v>
                 </c:pt>
                 <c:pt idx="12">
-                  <c:v>0.8050180735</c:v>
+                  <c:v>0.80501807349999999</c:v>
                 </c:pt>
                 <c:pt idx="14">
                   <c:v>0.8013362342</c:v>
                 </c:pt>
                 <c:pt idx="15">
-                  <c:v>0.0</c:v>
+                  <c:v>0</c:v>
                 </c:pt>
                 <c:pt idx="16">
-                  <c:v>-0.395258146833333</c:v>
+                  <c:v>-0.39525814683333299</c:v>
                 </c:pt>
                 <c:pt idx="18">
-                  <c:v>0.0</c:v>
+                  <c:v>0</c:v>
                 </c:pt>
                 <c:pt idx="19">
-                  <c:v>-1.779338932</c:v>
+                  <c:v>-1.7793389319999999</c:v>
                 </c:pt>
                 <c:pt idx="20">
-                  <c:v>-0.4207815765</c:v>
+                  <c:v>-0.42078157649999998</c:v>
                 </c:pt>
                 <c:pt idx="21">
-                  <c:v>-0.782457225666667</c:v>
+                  <c:v>-0.78245722566666698</c:v>
                 </c:pt>
                 <c:pt idx="22">
-                  <c:v>0.0</c:v>
+                  <c:v>0</c:v>
                 </c:pt>
                 <c:pt idx="24">
-                  <c:v>1.345185902</c:v>
+                  <c:v>1.3451859020000001</c:v>
                 </c:pt>
                 <c:pt idx="25">
-                  <c:v>0.0</c:v>
+                  <c:v>0</c:v>
                 </c:pt>
                 <c:pt idx="26">
-                  <c:v>0.757317915</c:v>
+                  <c:v>0.75731791500000001</c:v>
                 </c:pt>
               </c:numCache>
             </c:numRef>
@@ -4005,46 +4008,46 @@
                 <c:formatCode>General</c:formatCode>
                 <c:ptCount val="27"/>
                 <c:pt idx="5" formatCode="0.0000">
-                  <c:v>0.240926161616668</c:v>
+                  <c:v>0.24092616161666799</c:v>
                 </c:pt>
                 <c:pt idx="7" formatCode="0.0000">
-                  <c:v>0.0</c:v>
+                  <c:v>0</c:v>
                 </c:pt>
                 <c:pt idx="9" formatCode="0.0000">
-                  <c:v>1.478334549014274</c:v>
+                  <c:v>1.4783345490142741</c:v>
                 </c:pt>
                 <c:pt idx="10" formatCode="0.0000">
-                  <c:v>0.0</c:v>
+                  <c:v>0</c:v>
                 </c:pt>
                 <c:pt idx="11" formatCode="0.0000">
-                  <c:v>0.0</c:v>
+                  <c:v>0</c:v>
                 </c:pt>
                 <c:pt idx="12" formatCode="0.0000">
-                  <c:v>0.258148429576405</c:v>
+                  <c:v>0.25814842957640499</c:v>
                 </c:pt>
                 <c:pt idx="16" formatCode="0.0000">
-                  <c:v>-0.165794060448216</c:v>
+                  <c:v>-0.16579406044821601</c:v>
                 </c:pt>
                 <c:pt idx="17" formatCode="0.0000">
-                  <c:v>0.0</c:v>
+                  <c:v>0</c:v>
                 </c:pt>
                 <c:pt idx="19" formatCode="0.0000">
                   <c:v>-3.445443252704194</c:v>
                 </c:pt>
                 <c:pt idx="21" formatCode="0.0000">
-                  <c:v>-1.534028257975628</c:v>
+                  <c:v>-1.5340282579756279</c:v>
                 </c:pt>
                 <c:pt idx="22" formatCode="0.0000">
                   <c:v>2.123171662283752</c:v>
                 </c:pt>
                 <c:pt idx="23" formatCode="0.0000">
-                  <c:v>0.0</c:v>
+                  <c:v>0</c:v>
                 </c:pt>
                 <c:pt idx="24" formatCode="0.0000">
-                  <c:v>2.452854031261274</c:v>
+                  <c:v>2.4528540312612739</c:v>
                 </c:pt>
                 <c:pt idx="25" formatCode="0.0000">
-                  <c:v>0.0</c:v>
+                  <c:v>0</c:v>
                 </c:pt>
               </c:numCache>
             </c:numRef>
@@ -4164,28 +4167,28 @@
                   <c:v>-0.924280950384747</c:v>
                 </c:pt>
                 <c:pt idx="4">
-                  <c:v>0.0969662832984787</c:v>
+                  <c:v>9.69662832984787E-2</c:v>
                 </c:pt>
                 <c:pt idx="5">
-                  <c:v>0.162439095400175</c:v>
+                  <c:v>0.16243909540017501</c:v>
                 </c:pt>
                 <c:pt idx="9">
                   <c:v>3.216669652003509</c:v>
                 </c:pt>
                 <c:pt idx="10">
-                  <c:v>0.0</c:v>
+                  <c:v>0</c:v>
                 </c:pt>
                 <c:pt idx="11">
-                  <c:v>-0.332567306407153</c:v>
+                  <c:v>-0.33256730640715298</c:v>
                 </c:pt>
                 <c:pt idx="12">
-                  <c:v>0.545341766099476</c:v>
+                  <c:v>0.54534176609947604</c:v>
                 </c:pt>
                 <c:pt idx="16">
                   <c:v>-0.121178232224834</c:v>
                 </c:pt>
                 <c:pt idx="19">
-                  <c:v>-1.79558877100606</c:v>
+                  <c:v>-1.7955887710060601</c:v>
                 </c:pt>
                 <c:pt idx="20">
                   <c:v>1.626744273316725</c:v>
@@ -4197,13 +4200,13 @@
                   <c:v>-1.773906097650614</c:v>
                 </c:pt>
                 <c:pt idx="24">
-                  <c:v>1.80630906060271</c:v>
+                  <c:v>1.8063090606027099</c:v>
                 </c:pt>
                 <c:pt idx="25">
-                  <c:v>0.0</c:v>
+                  <c:v>0</c:v>
                 </c:pt>
                 <c:pt idx="26">
-                  <c:v>0.927082937655148</c:v>
+                  <c:v>0.92708293765514804</c:v>
                 </c:pt>
               </c:numCache>
             </c:numRef>
@@ -4320,55 +4323,55 @@
                 <c:formatCode>0.0000</c:formatCode>
                 <c:ptCount val="27"/>
                 <c:pt idx="0">
-                  <c:v>-0.369664163049213</c:v>
+                  <c:v>-0.36966416304921301</c:v>
                 </c:pt>
                 <c:pt idx="1">
-                  <c:v>0.0</c:v>
+                  <c:v>0</c:v>
                 </c:pt>
                 <c:pt idx="5">
-                  <c:v>0.198131482135832</c:v>
+                  <c:v>0.19813148213583201</c:v>
                 </c:pt>
                 <c:pt idx="6">
-                  <c:v>0.0</c:v>
+                  <c:v>0</c:v>
                 </c:pt>
                 <c:pt idx="8">
-                  <c:v>-2.603860488490614</c:v>
+                  <c:v>-2.6038604884906138</c:v>
                 </c:pt>
                 <c:pt idx="9">
-                  <c:v>-2.057114189900634</c:v>
+                  <c:v>-2.0571141899006342</c:v>
                 </c:pt>
                 <c:pt idx="10">
-                  <c:v>0.779621680507613</c:v>
+                  <c:v>0.77962168050761305</c:v>
                 </c:pt>
                 <c:pt idx="11">
                   <c:v>0.241183866991977</c:v>
                 </c:pt>
                 <c:pt idx="12">
-                  <c:v>0.639608925799419</c:v>
+                  <c:v>0.63960892579941897</c:v>
                 </c:pt>
                 <c:pt idx="13">
-                  <c:v>0.0</c:v>
+                  <c:v>0</c:v>
                 </c:pt>
                 <c:pt idx="14">
-                  <c:v>-0.382626550723045</c:v>
+                  <c:v>-0.38262655072304502</c:v>
                 </c:pt>
                 <c:pt idx="15">
-                  <c:v>0.0</c:v>
+                  <c:v>0</c:v>
                 </c:pt>
                 <c:pt idx="16">
-                  <c:v>-0.738908138197069</c:v>
+                  <c:v>-0.73890813819706902</c:v>
                 </c:pt>
                 <c:pt idx="17">
-                  <c:v>0.0</c:v>
+                  <c:v>0</c:v>
                 </c:pt>
                 <c:pt idx="21">
                   <c:v>-3.514110188762583</c:v>
                 </c:pt>
                 <c:pt idx="22">
-                  <c:v>0.741227839533364</c:v>
+                  <c:v>0.74122783953336402</c:v>
                 </c:pt>
                 <c:pt idx="26">
-                  <c:v>0.741227839533364</c:v>
+                  <c:v>0.74122783953336402</c:v>
                 </c:pt>
               </c:numCache>
             </c:numRef>
@@ -4383,16 +4386,17 @@
           <c:showBubbleSize val="0"/>
         </c:dLbls>
         <c:gapWidth val="150"/>
-        <c:axId val="-2037428920"/>
-        <c:axId val="-2037450872"/>
+        <c:axId val="226549056"/>
+        <c:axId val="226549616"/>
       </c:barChart>
       <c:catAx>
-        <c:axId val="-2037428920"/>
+        <c:axId val="226549056"/>
         <c:scaling>
           <c:orientation val="minMax"/>
         </c:scaling>
         <c:delete val="0"/>
         <c:axPos val="b"/>
+        <c:numFmt formatCode="General" sourceLinked="0"/>
         <c:majorTickMark val="out"/>
         <c:minorTickMark val="none"/>
         <c:tickLblPos val="nextTo"/>
@@ -4406,7 +4410,7 @@
             <a:endParaRPr lang="en-US"/>
           </a:p>
         </c:txPr>
-        <c:crossAx val="-2037450872"/>
+        <c:crossAx val="226549616"/>
         <c:crosses val="autoZero"/>
         <c:auto val="1"/>
         <c:lblAlgn val="ctr"/>
@@ -4414,7 +4418,7 @@
         <c:noMultiLvlLbl val="0"/>
       </c:catAx>
       <c:valAx>
-        <c:axId val="-2037450872"/>
+        <c:axId val="226549616"/>
         <c:scaling>
           <c:orientation val="minMax"/>
         </c:scaling>
@@ -4424,7 +4428,7 @@
         <c:majorTickMark val="out"/>
         <c:minorTickMark val="none"/>
         <c:tickLblPos val="nextTo"/>
-        <c:crossAx val="-2037428920"/>
+        <c:crossAx val="226549056"/>
         <c:crosses val="autoZero"/>
         <c:crossBetween val="between"/>
       </c:valAx>
@@ -4435,10 +4439,10 @@
         <c:manualLayout>
           <c:xMode val="edge"/>
           <c:yMode val="edge"/>
-          <c:x val="0.917575286310688"/>
-          <c:y val="0.313125972375625"/>
-          <c:w val="0.0670843493556594"/>
-          <c:h val="0.36349164499234"/>
+          <c:x val="0.91757528631068797"/>
+          <c:y val="0.31312597237562501"/>
+          <c:w val="6.7084349355659406E-2"/>
+          <c:h val="0.36349164499233999"/>
         </c:manualLayout>
       </c:layout>
       <c:overlay val="0"/>
@@ -4609,52 +4613,52 @@
                 <c:formatCode>0.0000</c:formatCode>
                 <c:ptCount val="27"/>
                 <c:pt idx="0" formatCode="0">
-                  <c:v>0.0</c:v>
+                  <c:v>0</c:v>
                 </c:pt>
                 <c:pt idx="1">
-                  <c:v>1.222541152058766</c:v>
+                  <c:v>1.2225411520587659</c:v>
                 </c:pt>
                 <c:pt idx="2">
-                  <c:v>5.94235139032355</c:v>
+                  <c:v>5.9423513903235499</c:v>
                 </c:pt>
                 <c:pt idx="3">
-                  <c:v>0.386994681464964</c:v>
+                  <c:v>0.38699468146496402</c:v>
                 </c:pt>
                 <c:pt idx="4">
-                  <c:v>-0.240102050429135</c:v>
+                  <c:v>-0.24010205042913499</c:v>
                 </c:pt>
                 <c:pt idx="5">
-                  <c:v>0.630297677017309</c:v>
+                  <c:v>0.63029767701730899</c:v>
                 </c:pt>
                 <c:pt idx="8">
-                  <c:v>0.370011934691824</c:v>
+                  <c:v>0.37001193469182397</c:v>
                 </c:pt>
                 <c:pt idx="10">
-                  <c:v>0.370011934691824</c:v>
+                  <c:v>0.37001193469182397</c:v>
                 </c:pt>
                 <c:pt idx="11">
-                  <c:v>-1.14732081482845</c:v>
+                  <c:v>-1.1473208148284499</c:v>
                 </c:pt>
                 <c:pt idx="12">
-                  <c:v>0.240256512365231</c:v>
+                  <c:v>0.24025651236523099</c:v>
                 </c:pt>
                 <c:pt idx="16">
-                  <c:v>0.509761156887754</c:v>
+                  <c:v>0.50976115688775403</c:v>
                 </c:pt>
                 <c:pt idx="19">
-                  <c:v>0.669676865511974</c:v>
+                  <c:v>0.66967686551197403</c:v>
                 </c:pt>
                 <c:pt idx="21">
-                  <c:v>-2.163041128793597</c:v>
+                  <c:v>-2.1630411287935969</c:v>
                 </c:pt>
                 <c:pt idx="24">
                   <c:v>-0.116388514352134</c:v>
                 </c:pt>
                 <c:pt idx="25">
-                  <c:v>0.68467585542392</c:v>
+                  <c:v>0.68467585542391995</c:v>
                 </c:pt>
                 <c:pt idx="26" formatCode="0">
-                  <c:v>0.0</c:v>
+                  <c:v>0</c:v>
                 </c:pt>
               </c:numCache>
             </c:numRef>
@@ -4771,46 +4775,46 @@
                 <c:formatCode>General</c:formatCode>
                 <c:ptCount val="27"/>
                 <c:pt idx="5" formatCode="0.0000">
-                  <c:v>-0.738438336136354</c:v>
+                  <c:v>-0.73843833613635401</c:v>
                 </c:pt>
                 <c:pt idx="9">
-                  <c:v>0.0</c:v>
+                  <c:v>0</c:v>
                 </c:pt>
                 <c:pt idx="10" formatCode="0.0000">
                   <c:v>0.588715179125193</c:v>
                 </c:pt>
                 <c:pt idx="11" formatCode="0.0000">
-                  <c:v>-0.145034527492158</c:v>
+                  <c:v>-0.14503452749215801</c:v>
                 </c:pt>
                 <c:pt idx="12" formatCode="0.0000">
-                  <c:v>0.729701578580283</c:v>
+                  <c:v>0.72970157858028295</c:v>
                 </c:pt>
                 <c:pt idx="15" formatCode="0.0000">
-                  <c:v>0.0557952963095069</c:v>
+                  <c:v>5.57952963095069E-2</c:v>
                 </c:pt>
                 <c:pt idx="16" formatCode="0.0000">
-                  <c:v>-1.506023420414102</c:v>
+                  <c:v>-1.5060234204141021</c:v>
                 </c:pt>
                 <c:pt idx="18" formatCode="0.0000">
-                  <c:v>0.696345252864051</c:v>
+                  <c:v>0.69634525286405102</c:v>
                 </c:pt>
                 <c:pt idx="19" formatCode="0.0000">
                   <c:v>-1.026832865067751</c:v>
                 </c:pt>
                 <c:pt idx="20" formatCode="0.0000">
-                  <c:v>-0.213363737957273</c:v>
+                  <c:v>-0.21336373795727301</c:v>
                 </c:pt>
                 <c:pt idx="21" formatCode="0.0000">
-                  <c:v>-0.792690939590677</c:v>
+                  <c:v>-0.79269093959067705</c:v>
                 </c:pt>
                 <c:pt idx="22" formatCode="0.0000">
                   <c:v>-1.635382864957668</c:v>
                 </c:pt>
                 <c:pt idx="24" formatCode="0.0000">
-                  <c:v>-1.690524436796453</c:v>
+                  <c:v>-1.6905244367964529</c:v>
                 </c:pt>
                 <c:pt idx="25" formatCode="0.0000">
-                  <c:v>-0.451880568226729</c:v>
+                  <c:v>-0.45188056822672901</c:v>
                 </c:pt>
               </c:numCache>
             </c:numRef>
@@ -4927,28 +4931,28 @@
                 <c:formatCode>0.0000</c:formatCode>
                 <c:ptCount val="27"/>
                 <c:pt idx="1">
-                  <c:v>0.526906105</c:v>
+                  <c:v>0.52690610500000001</c:v>
                 </c:pt>
                 <c:pt idx="5">
                   <c:v>-0.1298423205</c:v>
                 </c:pt>
                 <c:pt idx="9" formatCode="General">
-                  <c:v>0.0</c:v>
+                  <c:v>0</c:v>
                 </c:pt>
                 <c:pt idx="10">
                   <c:v>1.557645301</c:v>
                 </c:pt>
                 <c:pt idx="11">
-                  <c:v>0.000107675000000018</c:v>
+                  <c:v>1.07675000000018E-4</c:v>
                 </c:pt>
                 <c:pt idx="12">
-                  <c:v>0.764678477</c:v>
+                  <c:v>0.76467847700000002</c:v>
                 </c:pt>
                 <c:pt idx="14">
-                  <c:v>3.156043936999999</c:v>
+                  <c:v>3.1560439369999989</c:v>
                 </c:pt>
                 <c:pt idx="15">
-                  <c:v>-0.013322622</c:v>
+                  <c:v>-1.3322621999999999E-2</c:v>
                 </c:pt>
                 <c:pt idx="16">
                   <c:v>-1.723584794</c:v>
@@ -4957,25 +4961,25 @@
                   <c:v>1.132726503</c:v>
                 </c:pt>
                 <c:pt idx="19">
-                  <c:v>0.741346425</c:v>
+                  <c:v>0.74134642500000003</c:v>
                 </c:pt>
                 <c:pt idx="20">
-                  <c:v>-0.236710819</c:v>
+                  <c:v>-0.23671081899999999</c:v>
                 </c:pt>
                 <c:pt idx="21">
-                  <c:v>-0.675272203</c:v>
+                  <c:v>-0.67527220300000002</c:v>
                 </c:pt>
                 <c:pt idx="22">
-                  <c:v>-0.46229401</c:v>
+                  <c:v>-0.46229400999999998</c:v>
                 </c:pt>
                 <c:pt idx="24">
-                  <c:v>-0.277744113</c:v>
+                  <c:v>-0.27774411300000001</c:v>
                 </c:pt>
                 <c:pt idx="25">
-                  <c:v>-0.24440984725</c:v>
+                  <c:v>-0.24440984725000001</c:v>
                 </c:pt>
                 <c:pt idx="26" formatCode="General">
-                  <c:v>0.0</c:v>
+                  <c:v>0</c:v>
                 </c:pt>
               </c:numCache>
             </c:numRef>
@@ -5095,43 +5099,43 @@
                   <c:v>-0.438639316</c:v>
                 </c:pt>
                 <c:pt idx="7" formatCode="0.0000">
-                  <c:v>0.503973620354932</c:v>
+                  <c:v>0.50397362035493198</c:v>
                 </c:pt>
                 <c:pt idx="9">
-                  <c:v>0.0</c:v>
+                  <c:v>0</c:v>
                 </c:pt>
                 <c:pt idx="10" formatCode="0.0000">
-                  <c:v>2.452854031261274</c:v>
+                  <c:v>2.4528540312612739</c:v>
                 </c:pt>
                 <c:pt idx="11" formatCode="0.0000">
                   <c:v>-0.327365146979257</c:v>
                 </c:pt>
                 <c:pt idx="12" formatCode="0.0000">
-                  <c:v>0.785990816249351</c:v>
+                  <c:v>0.78599081624935097</c:v>
                 </c:pt>
                 <c:pt idx="16" formatCode="0.0000">
-                  <c:v>0.433033447480378</c:v>
+                  <c:v>0.43303344748037798</c:v>
                 </c:pt>
                 <c:pt idx="17" formatCode="0.0000">
-                  <c:v>-0.538466150591807</c:v>
+                  <c:v>-0.53846615059180702</c:v>
                 </c:pt>
                 <c:pt idx="19" formatCode="0.0000">
-                  <c:v>-0.0477574751459419</c:v>
+                  <c:v>-4.7757475145941898E-2</c:v>
                 </c:pt>
                 <c:pt idx="21" formatCode="0.0000">
-                  <c:v>0.531627503162574</c:v>
+                  <c:v>0.53162750316257401</c:v>
                 </c:pt>
                 <c:pt idx="22" formatCode="0.0000">
                   <c:v>-3.445443252704194</c:v>
                 </c:pt>
                 <c:pt idx="23" formatCode="0.0000">
-                  <c:v>-0.299544643811528</c:v>
+                  <c:v>-0.29954464381152801</c:v>
                 </c:pt>
                 <c:pt idx="24" formatCode="0.0000">
-                  <c:v>-0.341803651479745</c:v>
+                  <c:v>-0.34180365147974501</c:v>
                 </c:pt>
                 <c:pt idx="25" formatCode="0.0000">
-                  <c:v>0.174424947981132</c:v>
+                  <c:v>0.17442494798113201</c:v>
                 </c:pt>
               </c:numCache>
             </c:numRef>
@@ -5248,49 +5252,49 @@
                 <c:formatCode>0.0000</c:formatCode>
                 <c:ptCount val="27"/>
                 <c:pt idx="1">
-                  <c:v>0.927082937655148</c:v>
+                  <c:v>0.92708293765514804</c:v>
                 </c:pt>
                 <c:pt idx="4">
                   <c:v>-1.411660561155881</c:v>
                 </c:pt>
                 <c:pt idx="5">
-                  <c:v>0.551404261175829</c:v>
+                  <c:v>0.55140426117582897</c:v>
                 </c:pt>
                 <c:pt idx="9" formatCode="General">
-                  <c:v>0.0</c:v>
+                  <c:v>0</c:v>
                 </c:pt>
                 <c:pt idx="10">
-                  <c:v>1.80630906060271</c:v>
+                  <c:v>1.8063090606027099</c:v>
                 </c:pt>
                 <c:pt idx="11">
-                  <c:v>-0.332567306407153</c:v>
+                  <c:v>-0.33256730640715298</c:v>
                 </c:pt>
                 <c:pt idx="12">
-                  <c:v>0.545341766099476</c:v>
+                  <c:v>0.54534176609947604</c:v>
                 </c:pt>
                 <c:pt idx="16">
                   <c:v>1.658339534067262</c:v>
                 </c:pt>
                 <c:pt idx="19">
-                  <c:v>0.19538332020316</c:v>
+                  <c:v>0.19538332020315999</c:v>
                 </c:pt>
                 <c:pt idx="20">
                   <c:v>-0.23963518052114</c:v>
                 </c:pt>
                 <c:pt idx="21">
-                  <c:v>0.435797961065605</c:v>
+                  <c:v>0.43579796106560498</c:v>
                 </c:pt>
                 <c:pt idx="22">
-                  <c:v>-1.79558877100606</c:v>
+                  <c:v>-1.7955887710060601</c:v>
                 </c:pt>
                 <c:pt idx="24">
-                  <c:v>0.0139969037792558</c:v>
+                  <c:v>1.39969037792558E-2</c:v>
                 </c:pt>
                 <c:pt idx="25">
-                  <c:v>0.151801626989099</c:v>
+                  <c:v>0.15180162698909899</c:v>
                 </c:pt>
                 <c:pt idx="26" formatCode="General">
-                  <c:v>0.0</c:v>
+                  <c:v>0</c:v>
                 </c:pt>
               </c:numCache>
             </c:numRef>
@@ -5407,13 +5411,13 @@
                 <c:formatCode>0.0000</c:formatCode>
                 <c:ptCount val="27"/>
                 <c:pt idx="0" formatCode="General">
-                  <c:v>0.0</c:v>
+                  <c:v>0</c:v>
                 </c:pt>
                 <c:pt idx="1">
-                  <c:v>0.516576924419904</c:v>
+                  <c:v>0.51657692441990399</c:v>
                 </c:pt>
                 <c:pt idx="5">
-                  <c:v>-0.956591997721488</c:v>
+                  <c:v>-0.95659199772148795</c:v>
                 </c:pt>
                 <c:pt idx="6">
                   <c:v>0.127567668216365</c:v>
@@ -5422,10 +5426,10 @@
                   <c:v>0.413539618437194</c:v>
                 </c:pt>
                 <c:pt idx="9" formatCode="General">
-                  <c:v>0.0</c:v>
+                  <c:v>0</c:v>
                 </c:pt>
                 <c:pt idx="10">
-                  <c:v>-2.603860488490614</c:v>
+                  <c:v>-2.6038604884906138</c:v>
                 </c:pt>
                 <c:pt idx="11">
                   <c:v>-0.709290526944097</c:v>
@@ -5434,28 +5438,28 @@
                   <c:v>-0.141173354321835</c:v>
                 </c:pt>
                 <c:pt idx="13">
-                  <c:v>0.0513867723195115</c:v>
+                  <c:v>5.1386772319511498E-2</c:v>
                 </c:pt>
                 <c:pt idx="14">
-                  <c:v>3.763099446712597</c:v>
+                  <c:v>3.7630994467125971</c:v>
                 </c:pt>
                 <c:pt idx="15">
-                  <c:v>-0.691705444322511</c:v>
+                  <c:v>-0.69170544432251102</c:v>
                 </c:pt>
                 <c:pt idx="16">
-                  <c:v>-0.926561404512069</c:v>
+                  <c:v>-0.92656140451206903</c:v>
                 </c:pt>
                 <c:pt idx="17">
-                  <c:v>0.701941803970946</c:v>
+                  <c:v>0.70194180397094597</c:v>
                 </c:pt>
                 <c:pt idx="21">
-                  <c:v>-1.112066128617467</c:v>
+                  <c:v>-1.1120661286174669</c:v>
                 </c:pt>
                 <c:pt idx="22" formatCode="General">
-                  <c:v>0.0</c:v>
+                  <c:v>0</c:v>
                 </c:pt>
                 <c:pt idx="26" formatCode="General">
-                  <c:v>0.0</c:v>
+                  <c:v>0</c:v>
                 </c:pt>
               </c:numCache>
             </c:numRef>
@@ -5470,20 +5474,21 @@
           <c:showBubbleSize val="0"/>
         </c:dLbls>
         <c:gapWidth val="150"/>
-        <c:axId val="-2038013784"/>
-        <c:axId val="-2038129928"/>
+        <c:axId val="226653152"/>
+        <c:axId val="226653712"/>
       </c:barChart>
       <c:catAx>
-        <c:axId val="-2038013784"/>
+        <c:axId val="226653152"/>
         <c:scaling>
           <c:orientation val="minMax"/>
         </c:scaling>
         <c:delete val="0"/>
         <c:axPos val="b"/>
+        <c:numFmt formatCode="General" sourceLinked="0"/>
         <c:majorTickMark val="out"/>
         <c:minorTickMark val="none"/>
         <c:tickLblPos val="nextTo"/>
-        <c:crossAx val="-2038129928"/>
+        <c:crossAx val="226653712"/>
         <c:crosses val="autoZero"/>
         <c:auto val="1"/>
         <c:lblAlgn val="ctr"/>
@@ -5491,7 +5496,7 @@
         <c:noMultiLvlLbl val="0"/>
       </c:catAx>
       <c:valAx>
-        <c:axId val="-2038129928"/>
+        <c:axId val="226653712"/>
         <c:scaling>
           <c:orientation val="minMax"/>
         </c:scaling>
@@ -5501,7 +5506,7 @@
         <c:majorTickMark val="out"/>
         <c:minorTickMark val="none"/>
         <c:tickLblPos val="nextTo"/>
-        <c:crossAx val="-2038013784"/>
+        <c:crossAx val="226653152"/>
         <c:crosses val="autoZero"/>
         <c:crossBetween val="between"/>
       </c:valAx>
@@ -5603,7 +5608,7 @@
           <a:p>
             <a:fld id="{524D955C-CF08-9B45-A7CD-E40881BBA60E}" type="datetimeFigureOut">
               <a:rPr lang="en-US" smtClean="0"/>
-              <a:t>3/21/17</a:t>
+              <a:t>3/22/2017</a:t>
             </a:fld>
             <a:endParaRPr lang="en-US"/>
           </a:p>
@@ -6136,7 +6141,7 @@
           <a:p>
             <a:fld id="{7CF15565-EC65-794A-8BBD-C71D0CCFD15D}" type="datetimeFigureOut">
               <a:rPr lang="en-US" smtClean="0"/>
-              <a:t>3/21/17</a:t>
+              <a:t>3/22/2017</a:t>
             </a:fld>
             <a:endParaRPr lang="en-US"/>
           </a:p>
@@ -6306,7 +6311,7 @@
           <a:p>
             <a:fld id="{7CF15565-EC65-794A-8BBD-C71D0CCFD15D}" type="datetimeFigureOut">
               <a:rPr lang="en-US" smtClean="0"/>
-              <a:t>3/21/17</a:t>
+              <a:t>3/22/2017</a:t>
             </a:fld>
             <a:endParaRPr lang="en-US"/>
           </a:p>
@@ -6486,7 +6491,7 @@
           <a:p>
             <a:fld id="{7CF15565-EC65-794A-8BBD-C71D0CCFD15D}" type="datetimeFigureOut">
               <a:rPr lang="en-US" smtClean="0"/>
-              <a:t>3/21/17</a:t>
+              <a:t>3/22/2017</a:t>
             </a:fld>
             <a:endParaRPr lang="en-US"/>
           </a:p>
@@ -6656,7 +6661,7 @@
           <a:p>
             <a:fld id="{7CF15565-EC65-794A-8BBD-C71D0CCFD15D}" type="datetimeFigureOut">
               <a:rPr lang="en-US" smtClean="0"/>
-              <a:t>3/21/17</a:t>
+              <a:t>3/22/2017</a:t>
             </a:fld>
             <a:endParaRPr lang="en-US"/>
           </a:p>
@@ -6902,7 +6907,7 @@
           <a:p>
             <a:fld id="{7CF15565-EC65-794A-8BBD-C71D0CCFD15D}" type="datetimeFigureOut">
               <a:rPr lang="en-US" smtClean="0"/>
-              <a:t>3/21/17</a:t>
+              <a:t>3/22/2017</a:t>
             </a:fld>
             <a:endParaRPr lang="en-US"/>
           </a:p>
@@ -7190,7 +7195,7 @@
           <a:p>
             <a:fld id="{7CF15565-EC65-794A-8BBD-C71D0CCFD15D}" type="datetimeFigureOut">
               <a:rPr lang="en-US" smtClean="0"/>
-              <a:t>3/21/17</a:t>
+              <a:t>3/22/2017</a:t>
             </a:fld>
             <a:endParaRPr lang="en-US"/>
           </a:p>
@@ -7617,7 +7622,7 @@
           <a:p>
             <a:fld id="{7CF15565-EC65-794A-8BBD-C71D0CCFD15D}" type="datetimeFigureOut">
               <a:rPr lang="en-US" smtClean="0"/>
-              <a:t>3/21/17</a:t>
+              <a:t>3/22/2017</a:t>
             </a:fld>
             <a:endParaRPr lang="en-US"/>
           </a:p>
@@ -7735,7 +7740,7 @@
           <a:p>
             <a:fld id="{7CF15565-EC65-794A-8BBD-C71D0CCFD15D}" type="datetimeFigureOut">
               <a:rPr lang="en-US" smtClean="0"/>
-              <a:t>3/21/17</a:t>
+              <a:t>3/22/2017</a:t>
             </a:fld>
             <a:endParaRPr lang="en-US"/>
           </a:p>
@@ -7830,7 +7835,7 @@
           <a:p>
             <a:fld id="{7CF15565-EC65-794A-8BBD-C71D0CCFD15D}" type="datetimeFigureOut">
               <a:rPr lang="en-US" smtClean="0"/>
-              <a:t>3/21/17</a:t>
+              <a:t>3/22/2017</a:t>
             </a:fld>
             <a:endParaRPr lang="en-US"/>
           </a:p>
@@ -8107,7 +8112,7 @@
           <a:p>
             <a:fld id="{7CF15565-EC65-794A-8BBD-C71D0CCFD15D}" type="datetimeFigureOut">
               <a:rPr lang="en-US" smtClean="0"/>
-              <a:t>3/21/17</a:t>
+              <a:t>3/22/2017</a:t>
             </a:fld>
             <a:endParaRPr lang="en-US"/>
           </a:p>
@@ -8360,7 +8365,7 @@
           <a:p>
             <a:fld id="{7CF15565-EC65-794A-8BBD-C71D0CCFD15D}" type="datetimeFigureOut">
               <a:rPr lang="en-US" smtClean="0"/>
-              <a:t>3/21/17</a:t>
+              <a:t>3/22/2017</a:t>
             </a:fld>
             <a:endParaRPr lang="en-US"/>
           </a:p>
@@ -8576,7 +8581,7 @@
           <a:p>
             <a:fld id="{7CF15565-EC65-794A-8BBD-C71D0CCFD15D}" type="datetimeFigureOut">
               <a:rPr lang="en-US" smtClean="0"/>
-              <a:t>3/21/17</a:t>
+              <a:t>3/22/2017</a:t>
             </a:fld>
             <a:endParaRPr lang="en-US"/>
           </a:p>
@@ -9054,7 +9059,34 @@
             <a:pPr algn="ctr"/>
             <a:r>
               <a:rPr lang="en-US" sz="6000" b="1" dirty="0"/>
-              <a:t>Using Graph Statistics to Investigate the Properties of Six Candidate Gene Regulatory Networks for Controlling the Cold Shock Response in </a:t>
+              <a:t>Using Graph Statistics to Investigate the Properties of Six Candidate Gene </a:t>
+            </a:r>
+            <a:r>
+              <a:rPr lang="en-US" sz="6000" b="1"/>
+              <a:t>Regulatory </a:t>
+            </a:r>
+            <a:r>
+              <a:rPr lang="en-US" sz="6000" b="1" smtClean="0"/>
+              <a:t>Networks</a:t>
+            </a:r>
+          </a:p>
+          <a:p>
+            <a:pPr algn="ctr"/>
+            <a:r>
+              <a:rPr lang="en-US" sz="6000" b="1" smtClean="0"/>
+              <a:t>for </a:t>
+            </a:r>
+            <a:r>
+              <a:rPr lang="en-US" sz="6000" b="1"/>
+              <a:t>Controlling </a:t>
+            </a:r>
+            <a:r>
+              <a:rPr lang="en-US" sz="6000" b="1" smtClean="0"/>
+              <a:t>the </a:t>
+            </a:r>
+            <a:r>
+              <a:rPr lang="en-US" sz="6000" b="1" dirty="0"/>
+              <a:t>Cold Shock Response in </a:t>
             </a:r>
             <a:r>
               <a:rPr lang="en-US" sz="6000" b="1" i="1" dirty="0"/>
@@ -9283,10 +9315,6 @@
               </a:rPr>
               <a:t>xpression by binding </a:t>
             </a:r>
-            <a:endParaRPr lang="en-US" sz="2600" b="1" dirty="0" smtClean="0">
-              <a:latin typeface="Arial" panose="020B0604020202020204" pitchFamily="34" charset="0"/>
-              <a:cs typeface="Arial" panose="020B0604020202020204" pitchFamily="34" charset="0"/>
-            </a:endParaRPr>
           </a:p>
           <a:p>
             <a:pPr algn="ctr"/>
@@ -9295,14 +9323,7 @@
                 <a:latin typeface="Arial" panose="020B0604020202020204" pitchFamily="34" charset="0"/>
                 <a:cs typeface="Arial" panose="020B0604020202020204" pitchFamily="34" charset="0"/>
               </a:rPr>
-              <a:t>to </a:t>
-            </a:r>
-            <a:r>
-              <a:rPr lang="en-US" sz="2600" b="1" dirty="0" smtClean="0">
-                <a:latin typeface="Arial" panose="020B0604020202020204" pitchFamily="34" charset="0"/>
-                <a:cs typeface="Arial" panose="020B0604020202020204" pitchFamily="34" charset="0"/>
-              </a:rPr>
-              <a:t>regulatory DNA sequences </a:t>
+              <a:t>to regulatory DNA sequences </a:t>
             </a:r>
             <a:r>
               <a:rPr lang="en-US" sz="2600" b="1" dirty="0">
@@ -9471,7 +9492,28 @@
                 <a:latin typeface="Arial"/>
                 <a:cs typeface="Arial"/>
               </a:rPr>
-              <a:t>Microarray data from the Dahlquist wet lab was </a:t>
+              <a:t>Microarray data from </a:t>
+            </a:r>
+            <a:r>
+              <a:rPr lang="en-US" sz="2600" b="1" smtClean="0">
+                <a:latin typeface="Arial"/>
+                <a:cs typeface="Arial"/>
+              </a:rPr>
+              <a:t>the </a:t>
+            </a:r>
+            <a:r>
+              <a:rPr lang="en-US" sz="2600" b="1" smtClean="0">
+                <a:latin typeface="Arial"/>
+                <a:cs typeface="Arial"/>
+              </a:rPr>
+              <a:t>Dahlquist </a:t>
+            </a:r>
+            <a:r>
+              <a:rPr lang="en-US" sz="2600" b="1" dirty="0" smtClean="0">
+                <a:latin typeface="Arial"/>
+                <a:cs typeface="Arial"/>
+              </a:rPr>
+              <a:t>lab was </a:t>
             </a:r>
             <a:r>
               <a:rPr lang="en-US" sz="2600" b="1" dirty="0">
@@ -9580,7 +9622,21 @@
                 <a:latin typeface="Arial" panose="020B0604020202020204" pitchFamily="34" charset="0"/>
                 <a:cs typeface="Arial" panose="020B0604020202020204" pitchFamily="34" charset="0"/>
               </a:rPr>
-              <a:t>Conclusions and Future Directions</a:t>
+              <a:t>Conclusions </a:t>
+            </a:r>
+            <a:r>
+              <a:rPr lang="en-US" sz="2600" b="1" smtClean="0">
+                <a:latin typeface="Arial" panose="020B0604020202020204" pitchFamily="34" charset="0"/>
+                <a:cs typeface="Arial" panose="020B0604020202020204" pitchFamily="34" charset="0"/>
+              </a:rPr>
+              <a:t>and </a:t>
+            </a:r>
+            <a:r>
+              <a:rPr lang="en-US" sz="2600" b="1" smtClean="0">
+                <a:latin typeface="Arial" panose="020B0604020202020204" pitchFamily="34" charset="0"/>
+                <a:cs typeface="Arial" panose="020B0604020202020204" pitchFamily="34" charset="0"/>
+              </a:rPr>
+              <a:t>Future Directions</a:t>
             </a:r>
             <a:endParaRPr lang="en-US" sz="2600" b="1" dirty="0">
               <a:latin typeface="Arial" panose="020B0604020202020204" pitchFamily="34" charset="0"/>
@@ -9693,11 +9749,18 @@
           <a:p>
             <a:pPr algn="ctr"/>
             <a:r>
+              <a:rPr lang="en-US" sz="2800" b="1" smtClean="0">
+                <a:latin typeface="Arial" panose="020B0604020202020204" pitchFamily="34" charset="0"/>
+                <a:cs typeface="Arial" panose="020B0604020202020204" pitchFamily="34" charset="0"/>
+              </a:rPr>
+              <a:t>Regulatory relationship data (weight parameters) </a:t>
+            </a:r>
+            <a:r>
               <a:rPr lang="en-US" sz="2800" b="1" dirty="0" smtClean="0">
                 <a:latin typeface="Arial" panose="020B0604020202020204" pitchFamily="34" charset="0"/>
                 <a:cs typeface="Arial" panose="020B0604020202020204" pitchFamily="34" charset="0"/>
               </a:rPr>
-              <a:t>Relationship data can be visualized </a:t>
+              <a:t>can be visualized </a:t>
             </a:r>
             <a:r>
               <a:rPr lang="en-US" sz="2800" b="1" dirty="0">
@@ -9813,7 +9876,28 @@
                 <a:latin typeface="Arial" panose="020B0604020202020204" pitchFamily="34" charset="0"/>
                 <a:cs typeface="Arial" panose="020B0604020202020204" pitchFamily="34" charset="0"/>
               </a:rPr>
-              <a:t>, and Justin K. Torres. I</a:t>
+              <a:t>, and </a:t>
+            </a:r>
+            <a:r>
+              <a:rPr lang="en-US" sz="1200" b="1">
+                <a:latin typeface="Arial" panose="020B0604020202020204" pitchFamily="34" charset="0"/>
+                <a:cs typeface="Arial" panose="020B0604020202020204" pitchFamily="34" charset="0"/>
+              </a:rPr>
+              <a:t>Justin </a:t>
+            </a:r>
+            <a:r>
+              <a:rPr lang="en-US" sz="1200" b="1" smtClean="0">
+                <a:latin typeface="Arial" panose="020B0604020202020204" pitchFamily="34" charset="0"/>
+                <a:cs typeface="Arial" panose="020B0604020202020204" pitchFamily="34" charset="0"/>
+              </a:rPr>
+              <a:t>Kyle T. </a:t>
+            </a:r>
+            <a:r>
+              <a:rPr lang="en-US" sz="1200" b="1" dirty="0">
+                <a:latin typeface="Arial" panose="020B0604020202020204" pitchFamily="34" charset="0"/>
+                <a:cs typeface="Arial" panose="020B0604020202020204" pitchFamily="34" charset="0"/>
+              </a:rPr>
+              <a:t>Torres. I</a:t>
             </a:r>
             <a:r>
               <a:rPr lang="en-US" sz="1200" b="1" dirty="0" smtClean="0">
@@ -10058,14 +10142,21 @@
                 <a:latin typeface="Arial" panose="020B0604020202020204" pitchFamily="34" charset="0"/>
                 <a:cs typeface="Arial" panose="020B0604020202020204" pitchFamily="34" charset="0"/>
               </a:rPr>
-              <a:t>thank Kristen </a:t>
-            </a:r>
-            <a:r>
-              <a:rPr lang="en-US" sz="1200" b="1" dirty="0" err="1" smtClean="0">
-                <a:latin typeface="Arial" panose="020B0604020202020204" pitchFamily="34" charset="0"/>
-                <a:cs typeface="Arial" panose="020B0604020202020204" pitchFamily="34" charset="0"/>
-              </a:rPr>
-              <a:t>Horstmann</a:t>
+              <a:t>thank </a:t>
+            </a:r>
+            <a:r>
+              <a:rPr lang="en-US" sz="1200" b="1" smtClean="0">
+                <a:latin typeface="Arial" panose="020B0604020202020204" pitchFamily="34" charset="0"/>
+                <a:cs typeface="Arial" panose="020B0604020202020204" pitchFamily="34" charset="0"/>
+              </a:rPr>
+              <a:t>Kristen </a:t>
+            </a:r>
+            <a:r>
+              <a:rPr lang="en-US" sz="1200" b="1" smtClean="0">
+                <a:latin typeface="Arial" panose="020B0604020202020204" pitchFamily="34" charset="0"/>
+                <a:cs typeface="Arial" panose="020B0604020202020204" pitchFamily="34" charset="0"/>
+              </a:rPr>
+              <a:t>M. Horstmann</a:t>
             </a:r>
             <a:r>
               <a:rPr lang="en-US" sz="1200" b="1" dirty="0" smtClean="0">
@@ -11712,10 +11803,6 @@
               </a:rPr>
               <a:t>hock </a:t>
             </a:r>
-            <a:endParaRPr lang="en-US" sz="2600" b="1" dirty="0" smtClean="0">
-              <a:latin typeface="Arial" panose="020B0604020202020204" pitchFamily="34" charset="0"/>
-              <a:cs typeface="Arial" panose="020B0604020202020204" pitchFamily="34" charset="0"/>
-            </a:endParaRPr>
           </a:p>
           <a:p>
             <a:pPr algn="ctr"/>
@@ -11724,14 +11811,7 @@
                 <a:latin typeface="Arial" panose="020B0604020202020204" pitchFamily="34" charset="0"/>
                 <a:cs typeface="Arial" panose="020B0604020202020204" pitchFamily="34" charset="0"/>
               </a:rPr>
-              <a:t>by </a:t>
-            </a:r>
-            <a:r>
-              <a:rPr lang="en-US" sz="2600" b="1" dirty="0" smtClean="0">
-                <a:latin typeface="Arial" panose="020B0604020202020204" pitchFamily="34" charset="0"/>
-                <a:cs typeface="Arial" panose="020B0604020202020204" pitchFamily="34" charset="0"/>
-              </a:rPr>
-              <a:t>changing </a:t>
+              <a:t>by changing </a:t>
             </a:r>
             <a:r>
               <a:rPr lang="en-US" sz="2600" b="1" dirty="0">
@@ -11879,14 +11959,21 @@
                 <a:latin typeface="Arial" panose="020B0604020202020204" pitchFamily="34" charset="0"/>
                 <a:cs typeface="Arial" panose="020B0604020202020204" pitchFamily="34" charset="0"/>
               </a:rPr>
-              <a:t> &amp; Hochberg  (B&amp;H</a:t>
-            </a:r>
-            <a:r>
-              <a:rPr lang="en-US" sz="1800" b="1" dirty="0" smtClean="0">
-                <a:latin typeface="Arial" panose="020B0604020202020204" pitchFamily="34" charset="0"/>
-                <a:cs typeface="Arial" panose="020B0604020202020204" pitchFamily="34" charset="0"/>
-              </a:rPr>
-              <a:t>) ANOVA </a:t>
+              <a:t> &amp; </a:t>
+            </a:r>
+            <a:r>
+              <a:rPr lang="en-US" sz="1800" b="1">
+                <a:latin typeface="Arial" panose="020B0604020202020204" pitchFamily="34" charset="0"/>
+                <a:cs typeface="Arial" panose="020B0604020202020204" pitchFamily="34" charset="0"/>
+              </a:rPr>
+              <a:t>Hochberg  </a:t>
+            </a:r>
+            <a:r>
+              <a:rPr lang="en-US" sz="1800" b="1" smtClean="0">
+                <a:latin typeface="Arial" panose="020B0604020202020204" pitchFamily="34" charset="0"/>
+                <a:cs typeface="Arial" panose="020B0604020202020204" pitchFamily="34" charset="0"/>
+              </a:rPr>
+              <a:t>ANOVA </a:t>
             </a:r>
             <a:r>
               <a:rPr lang="en-US" sz="1800" b="1" i="1" dirty="0" smtClean="0">
@@ -12062,7 +12149,7 @@
         <p:spPr>
           <a:xfrm>
             <a:off x="925846" y="28794549"/>
-            <a:ext cx="8359854" cy="2862323"/>
+            <a:ext cx="8359854" cy="2862322"/>
           </a:xfrm>
           <a:prstGeom prst="rect">
             <a:avLst/>
@@ -12091,7 +12178,21 @@
                 <a:latin typeface="Arial"/>
                 <a:cs typeface="Arial"/>
               </a:rPr>
-              <a:t>edges, similar to how a social network is visualized</a:t>
+              <a:t>edges, similar to how a social network </a:t>
+            </a:r>
+            <a:r>
+              <a:rPr lang="en-US" sz="1800" b="1" smtClean="0">
+                <a:latin typeface="Arial"/>
+                <a:cs typeface="Arial"/>
+              </a:rPr>
+              <a:t>is </a:t>
+            </a:r>
+            <a:r>
+              <a:rPr lang="en-US" sz="1800" b="1" smtClean="0">
+                <a:latin typeface="Arial"/>
+                <a:cs typeface="Arial"/>
+              </a:rPr>
+              <a:t>visualized.</a:t>
             </a:r>
             <a:endParaRPr lang="en-US" sz="1800" b="1" dirty="0">
               <a:latin typeface="Arial"/>
@@ -12115,7 +12216,49 @@
                 <a:latin typeface="Arial"/>
                 <a:cs typeface="Arial"/>
               </a:rPr>
-              <a:t>graphs are directed, and </a:t>
+              <a:t>graphs </a:t>
+            </a:r>
+            <a:r>
+              <a:rPr lang="en-US" sz="1800" b="1">
+                <a:latin typeface="Arial"/>
+                <a:cs typeface="Arial"/>
+              </a:rPr>
+              <a:t>are </a:t>
+            </a:r>
+            <a:r>
+              <a:rPr lang="en-US" sz="1800" b="1" smtClean="0">
+                <a:latin typeface="Arial"/>
+                <a:cs typeface="Arial"/>
+              </a:rPr>
+              <a:t>directed</a:t>
+            </a:r>
+            <a:r>
+              <a:rPr lang="en-US" sz="1800" b="1" smtClean="0">
+                <a:latin typeface="Arial"/>
+                <a:cs typeface="Arial"/>
+              </a:rPr>
+              <a:t>: </a:t>
+            </a:r>
+            <a:r>
+              <a:rPr lang="en-US" sz="1800" b="1" smtClean="0">
+                <a:latin typeface="Arial"/>
+                <a:cs typeface="Arial"/>
+              </a:rPr>
+              <a:t> </a:t>
+            </a:r>
+            <a:r>
+              <a:rPr lang="en-US" sz="1800" b="1" smtClean="0">
+                <a:latin typeface="Arial"/>
+                <a:cs typeface="Arial"/>
+              </a:rPr>
+              <a:t>edges</a:t>
+            </a:r>
+            <a:r>
+              <a:rPr lang="en-US" sz="1800" b="1" smtClean="0">
+                <a:latin typeface="Arial"/>
+                <a:cs typeface="Arial"/>
+              </a:rPr>
+              <a:t> </a:t>
             </a:r>
             <a:r>
               <a:rPr lang="en-US" sz="1800" b="1" dirty="0" smtClean="0">
@@ -12129,28 +12272,59 @@
                 <a:latin typeface="Arial"/>
                 <a:cs typeface="Arial"/>
               </a:rPr>
-              <a:t>go in one direction. The edges </a:t>
+              <a:t>go in one direction</a:t>
+            </a:r>
+            <a:r>
+              <a:rPr lang="en-US" sz="1800" b="1">
+                <a:latin typeface="Arial"/>
+                <a:cs typeface="Arial"/>
+              </a:rPr>
+              <a:t>. </a:t>
+            </a:r>
+            <a:endParaRPr lang="en-US" sz="1800" b="1" smtClean="0">
+              <a:latin typeface="Arial"/>
+              <a:cs typeface="Arial"/>
+            </a:endParaRPr>
+          </a:p>
+          <a:p>
+            <a:pPr marL="342900" indent="-342900">
+              <a:buFont typeface="Arial"/>
+              <a:buChar char="•"/>
+            </a:pPr>
+            <a:r>
+              <a:rPr lang="en-US" sz="1800" b="1" smtClean="0">
+                <a:latin typeface="Arial"/>
+                <a:cs typeface="Arial"/>
+              </a:rPr>
+              <a:t>The </a:t>
+            </a:r>
+            <a:r>
+              <a:rPr lang="en-US" sz="1800" b="1" dirty="0">
+                <a:latin typeface="Arial"/>
+                <a:cs typeface="Arial"/>
+              </a:rPr>
+              <a:t>edges </a:t>
             </a:r>
             <a:r>
               <a:rPr lang="en-US" sz="1800" b="1" dirty="0" smtClean="0">
                 <a:latin typeface="Arial"/>
                 <a:cs typeface="Arial"/>
               </a:rPr>
-              <a:t>represent activation or repression of </a:t>
-            </a:r>
-            <a:r>
-              <a:rPr lang="en-US" sz="1800" b="1" dirty="0" smtClean="0">
+              <a:t>represent activation or repression of other genes in </a:t>
+            </a:r>
+            <a:r>
+              <a:rPr lang="en-US" sz="1800" b="1" smtClean="0">
                 <a:latin typeface="Arial"/>
                 <a:cs typeface="Arial"/>
               </a:rPr>
-              <a:t>other genes in the network, which then go one to regulate other genes</a:t>
-            </a:r>
-            <a:r>
-              <a:rPr lang="en-US" sz="1800" b="1" dirty="0" smtClean="0">
+              <a:t>the </a:t>
+            </a:r>
+            <a:r>
+              <a:rPr lang="en-US" sz="1800" b="1" smtClean="0">
                 <a:latin typeface="Arial"/>
                 <a:cs typeface="Arial"/>
               </a:rPr>
-              <a:t>.</a:t>
+              <a:t>network.</a:t>
             </a:r>
             <a:endParaRPr lang="en-US" sz="1800" b="1" dirty="0" smtClean="0">
               <a:latin typeface="Arial"/>
@@ -12167,14 +12341,31 @@
                 <a:latin typeface="Arial"/>
                 <a:cs typeface="Arial"/>
               </a:rPr>
-              <a:t>Positive weights to the edges represent activation, negative weights to edges represent repression. The blue edges represents repression, magenta represents activation and the thickness of the line represents the strength of </a:t>
+              <a:t>Positive weights to the edges represent activation, negative weights to edges represent repression</a:t>
             </a:r>
             <a:r>
               <a:rPr lang="en-US" sz="1800" b="1" smtClean="0">
                 <a:latin typeface="Arial"/>
                 <a:cs typeface="Arial"/>
               </a:rPr>
-              <a:t>the weights</a:t>
+              <a:t>. </a:t>
+            </a:r>
+            <a:endParaRPr lang="en-US" sz="1800" b="1" smtClean="0">
+              <a:latin typeface="Arial"/>
+              <a:cs typeface="Arial"/>
+            </a:endParaRPr>
+          </a:p>
+          <a:p>
+            <a:pPr marL="342900" indent="-342900">
+              <a:buFont typeface="Arial"/>
+              <a:buChar char="•"/>
+            </a:pPr>
+            <a:r>
+              <a:rPr lang="en-US" sz="1800" b="1" smtClean="0">
+                <a:latin typeface="Arial"/>
+                <a:cs typeface="Arial"/>
+              </a:rPr>
+              <a:t>The magnitude of the weight parameter represents the strength of the regulatory relationship.</a:t>
             </a:r>
             <a:endParaRPr lang="en-US" sz="1800" b="1" dirty="0" smtClean="0">
               <a:latin typeface="Arial"/>
@@ -12231,7 +12422,7 @@
         <p:spPr>
           <a:xfrm>
             <a:off x="31580487" y="21647253"/>
-            <a:ext cx="11621948" cy="5747727"/>
+            <a:ext cx="11621948" cy="6017032"/>
           </a:xfrm>
           <a:prstGeom prst="rect">
             <a:avLst/>
@@ -12259,6 +12450,26 @@
               <a:t>DNA microarray data from all six </a:t>
             </a:r>
             <a:r>
+              <a:rPr lang="en-US" sz="1750" b="1" smtClean="0">
+                <a:solidFill>
+                  <a:srgbClr val="000000"/>
+                </a:solidFill>
+                <a:latin typeface="Arial"/>
+                <a:cs typeface="Arial"/>
+              </a:rPr>
+              <a:t>strains </a:t>
+            </a:r>
+            <a:r>
+              <a:rPr lang="en-US" sz="1750" b="1" smtClean="0">
+                <a:solidFill>
+                  <a:srgbClr val="000000"/>
+                </a:solidFill>
+                <a:latin typeface="Arial"/>
+                <a:cs typeface="Arial"/>
+              </a:rPr>
+              <a:t>subjected </a:t>
+            </a:r>
+            <a:r>
               <a:rPr lang="en-US" sz="1750" b="1" dirty="0" smtClean="0">
                 <a:solidFill>
                   <a:srgbClr val="000000"/>
@@ -12266,7 +12477,27 @@
                 <a:latin typeface="Arial"/>
                 <a:cs typeface="Arial"/>
               </a:rPr>
-              <a:t>strains </a:t>
+              <a:t>to cold shock was analyzed using an ANOVA test, the YEASTRACT database, and an ordinary differential equations model called GRNmap that modeled the dynamics of each gene in candidate gene regulatory networks. </a:t>
+            </a:r>
+            <a:r>
+              <a:rPr lang="en-US" sz="1750" b="1" smtClean="0">
+                <a:solidFill>
+                  <a:srgbClr val="000000"/>
+                </a:solidFill>
+                <a:latin typeface="Arial"/>
+                <a:cs typeface="Arial"/>
+              </a:rPr>
+              <a:t>The </a:t>
+            </a:r>
+            <a:r>
+              <a:rPr lang="en-US" sz="1750" b="1" smtClean="0">
+                <a:solidFill>
+                  <a:srgbClr val="000000"/>
+                </a:solidFill>
+                <a:latin typeface="Arial"/>
+                <a:cs typeface="Arial"/>
+              </a:rPr>
+              <a:t>output weight parameters were </a:t>
             </a:r>
             <a:r>
               <a:rPr lang="en-US" sz="1750" b="1" dirty="0" smtClean="0">
@@ -12276,8 +12507,14 @@
                 <a:latin typeface="Arial"/>
                 <a:cs typeface="Arial"/>
               </a:rPr>
-              <a:t>were </a:t>
-            </a:r>
+              <a:t>visualized using GRNsight.</a:t>
+            </a:r>
+          </a:p>
+          <a:p>
+            <a:pPr marL="342900" indent="-342900">
+              <a:buFont typeface="Arial"/>
+              <a:buChar char="•"/>
+            </a:pPr>
             <a:r>
               <a:rPr lang="en-US" sz="1750" b="1" dirty="0" smtClean="0">
                 <a:solidFill>
@@ -12286,7 +12523,57 @@
                 <a:latin typeface="Arial"/>
                 <a:cs typeface="Arial"/>
               </a:rPr>
-              <a:t>subjected to cold shock was analyzed using an ANOVA test, the YEASTRACT database, and an ordinary differential equations model called GRNmap that modeled the dynamics of each gene in candidate gene regulatory networks. The weighted output network was visualized using GRNsight.</a:t>
+              <a:t>The </a:t>
+            </a:r>
+            <a:r>
+              <a:rPr lang="en-US" sz="1750" b="1" dirty="0" err="1" smtClean="0">
+                <a:solidFill>
+                  <a:srgbClr val="000000"/>
+                </a:solidFill>
+                <a:latin typeface="Arial"/>
+                <a:cs typeface="Arial"/>
+              </a:rPr>
+              <a:t>Gephi</a:t>
+            </a:r>
+            <a:r>
+              <a:rPr lang="en-US" sz="1750" b="1" dirty="0" smtClean="0">
+                <a:solidFill>
+                  <a:srgbClr val="000000"/>
+                </a:solidFill>
+                <a:latin typeface="Arial"/>
+                <a:cs typeface="Arial"/>
+              </a:rPr>
+              <a:t> results showed that many </a:t>
+            </a:r>
+            <a:r>
+              <a:rPr lang="en-US" sz="1750" b="1" smtClean="0">
+                <a:solidFill>
+                  <a:srgbClr val="000000"/>
+                </a:solidFill>
+                <a:latin typeface="Arial"/>
+                <a:cs typeface="Arial"/>
+              </a:rPr>
+              <a:t>of </a:t>
+            </a:r>
+            <a:r>
+              <a:rPr lang="en-US" sz="1750" b="1" smtClean="0">
+                <a:solidFill>
+                  <a:srgbClr val="000000"/>
+                </a:solidFill>
+                <a:latin typeface="Arial"/>
+                <a:cs typeface="Arial"/>
+              </a:rPr>
+              <a:t>the centrality measures </a:t>
+            </a:r>
+            <a:r>
+              <a:rPr lang="en-US" sz="1750" b="1" dirty="0" smtClean="0">
+                <a:solidFill>
+                  <a:srgbClr val="000000"/>
+                </a:solidFill>
+                <a:latin typeface="Arial"/>
+                <a:cs typeface="Arial"/>
+              </a:rPr>
+              <a:t>are consistent with the in-degree, out-degree statistics, where the genes with the highest degree and overall degree measures are also found to have the highest betweenness centrality measures, and those nodes with the lowest degree measures also have the lowest betweenness centrality. The statistics from Gephi provided useful information through which to view the graphs. While MSN2 has the highest betweenness centrality and the highest degree measure, it is tied for the highest eccentricity with SWI4, which shows that high accessibility might not be directly related to high centrality in the networks. </a:t>
             </a:r>
           </a:p>
           <a:p>
@@ -12305,6 +12592,102 @@
               <a:t>The </a:t>
             </a:r>
             <a:r>
+              <a:rPr lang="en-US" sz="1750" b="1" smtClean="0">
+                <a:solidFill>
+                  <a:srgbClr val="000000"/>
+                </a:solidFill>
+                <a:latin typeface="Arial"/>
+                <a:cs typeface="Arial"/>
+              </a:rPr>
+              <a:t>average </a:t>
+            </a:r>
+            <a:r>
+              <a:rPr lang="en-US" sz="1750" b="1" smtClean="0">
+                <a:solidFill>
+                  <a:srgbClr val="000000"/>
+                </a:solidFill>
+                <a:latin typeface="Arial"/>
+                <a:cs typeface="Arial"/>
+              </a:rPr>
+              <a:t>in- </a:t>
+            </a:r>
+            <a:r>
+              <a:rPr lang="en-US" sz="1750" b="1" smtClean="0">
+                <a:solidFill>
+                  <a:srgbClr val="000000"/>
+                </a:solidFill>
+                <a:latin typeface="Arial"/>
+                <a:cs typeface="Arial"/>
+              </a:rPr>
+              <a:t>and </a:t>
+            </a:r>
+            <a:r>
+              <a:rPr lang="en-US" sz="1750" b="1" smtClean="0">
+                <a:solidFill>
+                  <a:srgbClr val="000000"/>
+                </a:solidFill>
+                <a:latin typeface="Arial"/>
+                <a:cs typeface="Arial"/>
+              </a:rPr>
+              <a:t>out-degrees </a:t>
+            </a:r>
+            <a:r>
+              <a:rPr lang="en-US" sz="1750" b="1" dirty="0" smtClean="0">
+                <a:solidFill>
+                  <a:srgbClr val="000000"/>
+                </a:solidFill>
+                <a:latin typeface="Arial"/>
+                <a:cs typeface="Arial"/>
+              </a:rPr>
+              <a:t>across all networks reveal trends across the board, such as YOX1 having very </a:t>
+            </a:r>
+            <a:r>
+              <a:rPr lang="en-US" sz="1750" b="1" smtClean="0">
+                <a:solidFill>
+                  <a:srgbClr val="000000"/>
+                </a:solidFill>
+                <a:latin typeface="Arial"/>
+                <a:cs typeface="Arial"/>
+              </a:rPr>
+              <a:t>little </a:t>
+            </a:r>
+            <a:r>
+              <a:rPr lang="en-US" sz="1750" b="1" smtClean="0">
+                <a:solidFill>
+                  <a:srgbClr val="000000"/>
+                </a:solidFill>
+                <a:latin typeface="Arial"/>
+                <a:cs typeface="Arial"/>
+              </a:rPr>
+              <a:t>activation. YOX1 was also found </a:t>
+            </a:r>
+            <a:r>
+              <a:rPr lang="en-US" sz="1750" b="1" dirty="0" smtClean="0">
+                <a:solidFill>
+                  <a:srgbClr val="000000"/>
+                </a:solidFill>
+                <a:latin typeface="Arial"/>
+                <a:cs typeface="Arial"/>
+              </a:rPr>
+              <a:t>to not be regulating any other gene across the board. This is similar to the graph statistics which show YOX1 as being least central on average to all networks. This might suggest that it should not be included in the networks moving forward, and might not play a significant role in regulation in response to cold shock. </a:t>
+            </a:r>
+          </a:p>
+          <a:p>
+            <a:pPr marL="342900" indent="-342900">
+              <a:buFont typeface="Arial"/>
+              <a:buChar char="•"/>
+            </a:pPr>
+            <a:r>
+              <a:rPr lang="en-US" sz="1750" b="1" dirty="0" smtClean="0">
+                <a:solidFill>
+                  <a:srgbClr val="000000"/>
+                </a:solidFill>
+                <a:latin typeface="Arial"/>
+                <a:cs typeface="Arial"/>
+              </a:rPr>
+              <a:t>In addition to the above, future directions include comparing the </a:t>
+            </a:r>
+            <a:r>
               <a:rPr lang="en-US" sz="1750" b="1" dirty="0" err="1" smtClean="0">
                 <a:solidFill>
                   <a:srgbClr val="000000"/>
@@ -12322,14 +12705,38 @@
                 <a:latin typeface="Arial"/>
                 <a:cs typeface="Arial"/>
               </a:rPr>
-              <a:t> results showed that many of the graph statistics are consistent with the in-degree, out-degree statistics, where the genes with the highest degree and overall degree measures are also found to have the highest betweenness centrality measures, and those nodes with the lowest degree measures also have the lowest betweenness centrality. The statistics from Gephi provided useful information through which to view the graphs. While MSN2 has the highest betweenness centrality and the highest degree measure, it is tied for the highest eccentricity with SWI4, which shows that high accessibility might not be directly related to high centrality in the networks. </a:t>
-            </a:r>
-          </a:p>
-          <a:p>
-            <a:pPr marL="342900" indent="-342900">
-              <a:buFont typeface="Arial"/>
-              <a:buChar char="•"/>
-            </a:pPr>
+              <a:t> statistics to the statistics from random networks. Then, comparisons of </a:t>
+            </a:r>
+            <a:r>
+              <a:rPr lang="en-US" sz="1750" b="1" smtClean="0">
+                <a:solidFill>
+                  <a:srgbClr val="000000"/>
+                </a:solidFill>
+                <a:latin typeface="Arial"/>
+                <a:cs typeface="Arial"/>
+              </a:rPr>
+              <a:t>the </a:t>
+            </a:r>
+            <a:r>
+              <a:rPr lang="en-US" sz="1750" b="1" smtClean="0">
+                <a:solidFill>
+                  <a:srgbClr val="000000"/>
+                </a:solidFill>
+                <a:latin typeface="Arial"/>
+                <a:cs typeface="Arial"/>
+              </a:rPr>
+              <a:t>database-derived</a:t>
+            </a:r>
+            <a:r>
+              <a:rPr lang="en-US" sz="1750" b="1" smtClean="0">
+                <a:solidFill>
+                  <a:srgbClr val="000000"/>
+                </a:solidFill>
+                <a:latin typeface="Arial"/>
+                <a:cs typeface="Arial"/>
+              </a:rPr>
+              <a:t> </a:t>
+            </a:r>
             <a:r>
               <a:rPr lang="en-US" sz="1750" b="1" dirty="0" smtClean="0">
                 <a:solidFill>
@@ -12338,14 +12745,38 @@
                 <a:latin typeface="Arial"/>
                 <a:cs typeface="Arial"/>
               </a:rPr>
-              <a:t>The average in and out degrees across all networks reveal trends across the board, such as YOX1 having very little activation, and was found to not be regulating any other gene across the board. This is similar to the graph statistics which show YOX1 as being least central on average to all networks. This might suggest that it should not be included in the networks moving forward, and might not play a significant role in regulation in response to cold shock. </a:t>
-            </a:r>
-          </a:p>
-          <a:p>
-            <a:pPr marL="342900" indent="-342900">
-              <a:buFont typeface="Arial"/>
-              <a:buChar char="•"/>
-            </a:pPr>
+              <a:t>network statistics to the random networks could </a:t>
+            </a:r>
+            <a:r>
+              <a:rPr lang="en-US" sz="1750" b="1" smtClean="0">
+                <a:solidFill>
+                  <a:srgbClr val="000000"/>
+                </a:solidFill>
+                <a:latin typeface="Arial"/>
+                <a:cs typeface="Arial"/>
+              </a:rPr>
+              <a:t>be </a:t>
+            </a:r>
+            <a:r>
+              <a:rPr lang="en-US" sz="1750" b="1" smtClean="0">
+                <a:solidFill>
+                  <a:srgbClr val="000000"/>
+                </a:solidFill>
+                <a:latin typeface="Arial"/>
+                <a:cs typeface="Arial"/>
+              </a:rPr>
+              <a:t>performed</a:t>
+            </a:r>
+            <a:r>
+              <a:rPr lang="en-US" sz="1750" b="1" smtClean="0">
+                <a:solidFill>
+                  <a:srgbClr val="000000"/>
+                </a:solidFill>
+                <a:latin typeface="Arial"/>
+                <a:cs typeface="Arial"/>
+              </a:rPr>
+              <a:t> </a:t>
+            </a:r>
             <a:r>
               <a:rPr lang="en-US" sz="1750" b="1" dirty="0" smtClean="0">
                 <a:solidFill>
@@ -12354,47 +12785,7 @@
                 <a:latin typeface="Arial"/>
                 <a:cs typeface="Arial"/>
               </a:rPr>
-              <a:t>In addition to the above, future directions include comparing the </a:t>
-            </a:r>
-            <a:r>
-              <a:rPr lang="en-US" sz="1750" b="1" dirty="0" err="1" smtClean="0">
-                <a:solidFill>
-                  <a:srgbClr val="000000"/>
-                </a:solidFill>
-                <a:latin typeface="Arial"/>
-                <a:cs typeface="Arial"/>
-              </a:rPr>
-              <a:t>Gephi</a:t>
-            </a:r>
-            <a:r>
-              <a:rPr lang="en-US" sz="1750" b="1" dirty="0" smtClean="0">
-                <a:solidFill>
-                  <a:srgbClr val="000000"/>
-                </a:solidFill>
-                <a:latin typeface="Arial"/>
-                <a:cs typeface="Arial"/>
-              </a:rPr>
-              <a:t> statistics to the statistics from </a:t>
-            </a:r>
-            <a:r>
-              <a:rPr lang="en-US" sz="1750" b="1" dirty="0" smtClean="0">
-                <a:solidFill>
-                  <a:srgbClr val="000000"/>
-                </a:solidFill>
-                <a:latin typeface="Arial"/>
-                <a:cs typeface="Arial"/>
-              </a:rPr>
-              <a:t>random </a:t>
-            </a:r>
-            <a:r>
-              <a:rPr lang="en-US" sz="1750" b="1" dirty="0" smtClean="0">
-                <a:solidFill>
-                  <a:srgbClr val="000000"/>
-                </a:solidFill>
-                <a:latin typeface="Arial"/>
-                <a:cs typeface="Arial"/>
-              </a:rPr>
-              <a:t>networks. Then, comparisons of the hypothesized network statistics to the random networks could be done to determine if genes such as MSN2 were deemed to be similarly central and important in those networks. It would also be interesting to run Gephi analysis on networks of larger size in order to see how the centrality of nodes and connections change with the deletion of important nodes and edges</a:t>
+              <a:t>to determine if genes such as MSN2 were deemed to be similarly central and important in those networks. It would also be interesting to run Gephi analysis on networks of larger size in order to see how the centrality of nodes and connections change with the deletion of important nodes and edges</a:t>
             </a:r>
             <a:r>
               <a:rPr lang="en-US" sz="1750" b="1" dirty="0" smtClean="0">
@@ -12488,7 +12879,7 @@
         </p:nvGraphicFramePr>
         <p:xfrm>
           <a:off x="3127747" y="16430188"/>
-          <a:ext cx="5942973" cy="888999"/>
+          <a:ext cx="5942973" cy="889000"/>
         </p:xfrm>
         <a:graphic>
           <a:graphicData uri="http://schemas.openxmlformats.org/drawingml/2006/table">
@@ -13401,7 +13792,7 @@
           <p:spPr>
             <a:xfrm>
               <a:off x="24291058" y="5955094"/>
-              <a:ext cx="3247565" cy="1138773"/>
+              <a:ext cx="3247565" cy="1285014"/>
             </a:xfrm>
             <a:prstGeom prst="rect">
               <a:avLst/>
@@ -13423,7 +13814,21 @@
                   <a:latin typeface="Arial"/>
                   <a:cs typeface="Arial"/>
                 </a:rPr>
-                <a:t>3. Network derived from ∆cin5 data</a:t>
+                <a:t>3. Network derived from </a:t>
+              </a:r>
+              <a:r>
+                <a:rPr lang="en-US" sz="2400" b="1" i="1" u="sng" dirty="0" smtClean="0">
+                  <a:latin typeface="Arial"/>
+                  <a:cs typeface="Arial"/>
+                </a:rPr>
+                <a:t>∆cin5</a:t>
+              </a:r>
+              <a:r>
+                <a:rPr lang="en-US" sz="2400" b="1" u="sng" dirty="0" smtClean="0">
+                  <a:latin typeface="Arial"/>
+                  <a:cs typeface="Arial"/>
+                </a:rPr>
+                <a:t> data</a:t>
               </a:r>
             </a:p>
             <a:p>
@@ -13469,7 +13874,21 @@
                   <a:latin typeface="Arial"/>
                   <a:cs typeface="Arial"/>
                 </a:rPr>
-                <a:t>2. Network derived from ∆cin5 data</a:t>
+                <a:t>2. Network derived from </a:t>
+              </a:r>
+              <a:r>
+                <a:rPr lang="en-US" sz="2400" b="1" i="1" u="sng" dirty="0" smtClean="0">
+                  <a:latin typeface="Arial"/>
+                  <a:cs typeface="Arial"/>
+                </a:rPr>
+                <a:t>∆cin5</a:t>
+              </a:r>
+              <a:r>
+                <a:rPr lang="en-US" sz="2400" b="1" u="sng" dirty="0" smtClean="0">
+                  <a:latin typeface="Arial"/>
+                  <a:cs typeface="Arial"/>
+                </a:rPr>
+                <a:t> data</a:t>
               </a:r>
             </a:p>
             <a:p>
@@ -13492,8 +13911,8 @@
           </p:nvSpPr>
           <p:spPr>
             <a:xfrm>
-              <a:off x="29263910" y="5955093"/>
-              <a:ext cx="3317341" cy="1138773"/>
+              <a:off x="29263910" y="5955094"/>
+              <a:ext cx="3317341" cy="1285014"/>
             </a:xfrm>
             <a:prstGeom prst="rect">
               <a:avLst/>
@@ -13515,7 +13934,21 @@
                   <a:latin typeface="Arial"/>
                   <a:cs typeface="Arial"/>
                 </a:rPr>
-                <a:t>4. Network derived from ∆gln3 data</a:t>
+                <a:t>4. Network derived from </a:t>
+              </a:r>
+              <a:r>
+                <a:rPr lang="en-US" sz="2400" b="1" i="1" u="sng" dirty="0" smtClean="0">
+                  <a:latin typeface="Arial"/>
+                  <a:cs typeface="Arial"/>
+                </a:rPr>
+                <a:t>∆gln3</a:t>
+              </a:r>
+              <a:r>
+                <a:rPr lang="en-US" sz="2400" b="1" u="sng" dirty="0" smtClean="0">
+                  <a:latin typeface="Arial"/>
+                  <a:cs typeface="Arial"/>
+                </a:rPr>
+                <a:t> data</a:t>
               </a:r>
               <a:endParaRPr lang="en-US" sz="2400" b="1" dirty="0" smtClean="0">
                 <a:latin typeface="Arial"/>
@@ -13543,7 +13976,7 @@
           <p:spPr>
             <a:xfrm>
               <a:off x="34248035" y="5949272"/>
-              <a:ext cx="3237626" cy="1138773"/>
+              <a:ext cx="3237626" cy="1285014"/>
             </a:xfrm>
             <a:prstGeom prst="rect">
               <a:avLst/>
@@ -13565,7 +13998,21 @@
                   <a:latin typeface="Arial"/>
                   <a:cs typeface="Arial"/>
                 </a:rPr>
-                <a:t>5. Network derived from ∆hap4 data</a:t>
+                <a:t>5. Network derived from </a:t>
+              </a:r>
+              <a:r>
+                <a:rPr lang="en-US" sz="2400" b="1" i="1" u="sng" dirty="0" smtClean="0">
+                  <a:latin typeface="Arial"/>
+                  <a:cs typeface="Arial"/>
+                </a:rPr>
+                <a:t>∆hap4</a:t>
+              </a:r>
+              <a:r>
+                <a:rPr lang="en-US" sz="2400" b="1" u="sng" dirty="0" smtClean="0">
+                  <a:latin typeface="Arial"/>
+                  <a:cs typeface="Arial"/>
+                </a:rPr>
+                <a:t> data</a:t>
               </a:r>
             </a:p>
             <a:p>
@@ -13589,7 +14036,7 @@
           <p:spPr>
             <a:xfrm>
               <a:off x="39107417" y="5949272"/>
-              <a:ext cx="3254513" cy="1138773"/>
+              <a:ext cx="3254513" cy="1285014"/>
             </a:xfrm>
             <a:prstGeom prst="rect">
               <a:avLst/>
@@ -13611,7 +14058,21 @@
                   <a:latin typeface="Arial"/>
                   <a:cs typeface="Arial"/>
                 </a:rPr>
-                <a:t>6. Network derived from ∆zap1 data</a:t>
+                <a:t>6. Network derived from </a:t>
+              </a:r>
+              <a:r>
+                <a:rPr lang="en-US" sz="2400" b="1" i="1" u="sng" dirty="0" smtClean="0">
+                  <a:latin typeface="Arial"/>
+                  <a:cs typeface="Arial"/>
+                </a:rPr>
+                <a:t>∆zap1</a:t>
+              </a:r>
+              <a:r>
+                <a:rPr lang="en-US" sz="2400" b="1" u="sng" dirty="0" smtClean="0">
+                  <a:latin typeface="Arial"/>
+                  <a:cs typeface="Arial"/>
+                </a:rPr>
+                <a:t> data</a:t>
               </a:r>
             </a:p>
             <a:p>
@@ -13845,7 +14306,7 @@
             <a:noFill/>
             <a:extLst>
               <a:ext uri="{909E8E84-426E-40dd-AFC4-6F175D3DCCD1}">
-                <a14:hiddenFill xmlns:a14="http://schemas.microsoft.com/office/drawing/2010/main">
+                <a14:hiddenFill xmlns:a14="http://schemas.microsoft.com/office/drawing/2010/main" xmlns="">
                   <a:solidFill>
                     <a:srgbClr val="FFFFFF"/>
                   </a:solidFill>
@@ -13886,7 +14347,7 @@
             <a:noFill/>
             <a:extLst>
               <a:ext uri="{909E8E84-426E-40dd-AFC4-6F175D3DCCD1}">
-                <a14:hiddenFill xmlns:a14="http://schemas.microsoft.com/office/drawing/2010/main">
+                <a14:hiddenFill xmlns:a14="http://schemas.microsoft.com/office/drawing/2010/main" xmlns="">
                   <a:solidFill>
                     <a:srgbClr val="FFFFFF"/>
                   </a:solidFill>
@@ -13960,11 +14421,53 @@
           <a:p>
             <a:pPr algn="ctr"/>
             <a:r>
+              <a:rPr lang="en-US" sz="2800" b="1" smtClean="0">
+                <a:latin typeface="Arial" panose="020B0604020202020204" pitchFamily="34" charset="0"/>
+                <a:cs typeface="Arial" panose="020B0604020202020204" pitchFamily="34" charset="0"/>
+              </a:rPr>
+              <a:t>Averages of the in- </a:t>
+            </a:r>
+            <a:r>
+              <a:rPr lang="en-US" sz="2800" b="1" smtClean="0">
+                <a:latin typeface="Arial" panose="020B0604020202020204" pitchFamily="34" charset="0"/>
+                <a:cs typeface="Arial" panose="020B0604020202020204" pitchFamily="34" charset="0"/>
+              </a:rPr>
+              <a:t>and </a:t>
+            </a:r>
+            <a:r>
+              <a:rPr lang="en-US" sz="2800" b="1" smtClean="0">
+                <a:latin typeface="Arial" panose="020B0604020202020204" pitchFamily="34" charset="0"/>
+                <a:cs typeface="Arial" panose="020B0604020202020204" pitchFamily="34" charset="0"/>
+              </a:rPr>
+              <a:t>out-degree of nodes </a:t>
+            </a:r>
+            <a:r>
               <a:rPr lang="en-US" sz="2800" b="1" dirty="0" smtClean="0">
                 <a:latin typeface="Arial" panose="020B0604020202020204" pitchFamily="34" charset="0"/>
                 <a:cs typeface="Arial" panose="020B0604020202020204" pitchFamily="34" charset="0"/>
               </a:rPr>
-              <a:t>Average in and out degrees show activation and suppression trends across networks </a:t>
+              <a:t>show activation </a:t>
+            </a:r>
+            <a:r>
+              <a:rPr lang="en-US" sz="2800" b="1" smtClean="0">
+                <a:latin typeface="Arial" panose="020B0604020202020204" pitchFamily="34" charset="0"/>
+                <a:cs typeface="Arial" panose="020B0604020202020204" pitchFamily="34" charset="0"/>
+              </a:rPr>
+              <a:t>and </a:t>
+            </a:r>
+            <a:r>
+              <a:rPr lang="en-US" sz="2800" b="1" smtClean="0">
+                <a:latin typeface="Arial" panose="020B0604020202020204" pitchFamily="34" charset="0"/>
+                <a:cs typeface="Arial" panose="020B0604020202020204" pitchFamily="34" charset="0"/>
+              </a:rPr>
+              <a:t>repression </a:t>
+            </a:r>
+            <a:r>
+              <a:rPr lang="en-US" sz="2800" b="1" dirty="0" smtClean="0">
+                <a:latin typeface="Arial" panose="020B0604020202020204" pitchFamily="34" charset="0"/>
+                <a:cs typeface="Arial" panose="020B0604020202020204" pitchFamily="34" charset="0"/>
+              </a:rPr>
+              <a:t>trends across networks </a:t>
             </a:r>
           </a:p>
         </p:txBody>
@@ -14000,19 +14503,8 @@
                 <a:latin typeface="Arial"/>
                 <a:cs typeface="Arial"/>
               </a:rPr>
-              <a:t>Average weight of </a:t>
-            </a:r>
-            <a:r>
-              <a:rPr lang="en-US" sz="1800" b="1" dirty="0" smtClean="0">
-                <a:latin typeface="Arial"/>
-                <a:cs typeface="Arial"/>
-              </a:rPr>
-              <a:t>incoming and outgoing edges for each gene were computed.</a:t>
-            </a:r>
-            <a:endParaRPr lang="en-US" sz="1800" b="1" dirty="0" smtClean="0">
-              <a:latin typeface="Arial"/>
-              <a:cs typeface="Arial"/>
-            </a:endParaRPr>
+              <a:t>Average weight of incoming and outgoing edges for each gene were computed.</a:t>
+            </a:r>
           </a:p>
           <a:p>
             <a:pPr marL="342900" indent="-342900">
@@ -14024,21 +14516,7 @@
                 <a:latin typeface="Arial"/>
                 <a:cs typeface="Arial"/>
               </a:rPr>
-              <a:t>Average weights of the </a:t>
-            </a:r>
-            <a:r>
-              <a:rPr lang="en-US" sz="1800" b="1" dirty="0" smtClean="0">
-                <a:latin typeface="Arial"/>
-                <a:cs typeface="Arial"/>
-              </a:rPr>
-              <a:t>incoming an outgoing edges across </a:t>
-            </a:r>
-            <a:r>
-              <a:rPr lang="en-US" sz="1800" b="1" dirty="0" smtClean="0">
-                <a:latin typeface="Arial"/>
-                <a:cs typeface="Arial"/>
-              </a:rPr>
-              <a:t>all six networks was also found for each gene, in order to identify trends across networks.</a:t>
+              <a:t>Average weights of the incoming an outgoing edges across all six networks was also found for each gene, in order to identify trends across networks.</a:t>
             </a:r>
           </a:p>
           <a:p>
@@ -14051,77 +14529,56 @@
                 <a:latin typeface="Arial"/>
                 <a:cs typeface="Arial"/>
               </a:rPr>
-              <a:t>If the </a:t>
+              <a:t>If the average incoming edge weight is positive, then across networks or for that specific network, </a:t>
+            </a:r>
+            <a:r>
+              <a:rPr lang="en-US" sz="1800" b="1" smtClean="0">
+                <a:latin typeface="Arial"/>
+                <a:cs typeface="Arial"/>
+              </a:rPr>
+              <a:t>our </a:t>
+            </a:r>
+            <a:r>
+              <a:rPr lang="en-US" sz="1800" b="1" smtClean="0">
+                <a:latin typeface="Arial"/>
+                <a:cs typeface="Arial"/>
+              </a:rPr>
+              <a:t>GRNmap </a:t>
             </a:r>
             <a:r>
               <a:rPr lang="en-US" sz="1800" b="1" dirty="0" smtClean="0">
                 <a:latin typeface="Arial"/>
                 <a:cs typeface="Arial"/>
               </a:rPr>
-              <a:t>average incoming edge weight is </a:t>
+              <a:t>model suggests that that gene is mostly being activated in our networks. If a gene has a negative average incoming edge weight, then that means the model is suggesting that gene is mostly </a:t>
+            </a:r>
+            <a:r>
+              <a:rPr lang="en-US" sz="1800" b="1" smtClean="0">
+                <a:latin typeface="Arial"/>
+                <a:cs typeface="Arial"/>
+              </a:rPr>
+              <a:t>being </a:t>
+            </a:r>
+            <a:r>
+              <a:rPr lang="en-US" sz="1800" b="1" smtClean="0">
+                <a:latin typeface="Arial"/>
+                <a:cs typeface="Arial"/>
+              </a:rPr>
+              <a:t>re</a:t>
+            </a:r>
+            <a:r>
+              <a:rPr lang="en-US" sz="1800" b="1" smtClean="0">
+                <a:latin typeface="Arial"/>
+                <a:cs typeface="Arial"/>
+              </a:rPr>
+              <a:t>ppressed </a:t>
             </a:r>
             <a:r>
               <a:rPr lang="en-US" sz="1800" b="1" dirty="0" smtClean="0">
                 <a:latin typeface="Arial"/>
                 <a:cs typeface="Arial"/>
               </a:rPr>
-              <a:t>positive, then across networks or for that specific network, our </a:t>
-            </a:r>
-            <a:r>
-              <a:rPr lang="en-US" sz="1800" b="1" dirty="0" err="1" smtClean="0">
-                <a:latin typeface="Arial"/>
-                <a:cs typeface="Arial"/>
-              </a:rPr>
-              <a:t>GNmap</a:t>
-            </a:r>
-            <a:r>
-              <a:rPr lang="en-US" sz="1800" b="1" dirty="0" smtClean="0">
-                <a:latin typeface="Arial"/>
-                <a:cs typeface="Arial"/>
-              </a:rPr>
-              <a:t> model suggests that that gene is mostly being activated in our networks. If a gene has a negative average </a:t>
-            </a:r>
-            <a:r>
-              <a:rPr lang="en-US" sz="1800" b="1" dirty="0" smtClean="0">
-                <a:latin typeface="Arial"/>
-                <a:cs typeface="Arial"/>
-              </a:rPr>
-              <a:t>incoming edge weight, </a:t>
-            </a:r>
-            <a:r>
-              <a:rPr lang="en-US" sz="1800" b="1" dirty="0" smtClean="0">
-                <a:latin typeface="Arial"/>
-                <a:cs typeface="Arial"/>
-              </a:rPr>
-              <a:t>then that means the model is suggesting that gene is mostly being suppressed in the network. An average </a:t>
-            </a:r>
-            <a:r>
-              <a:rPr lang="en-US" sz="1800" b="1" dirty="0" smtClean="0">
-                <a:latin typeface="Arial"/>
-                <a:cs typeface="Arial"/>
-              </a:rPr>
-              <a:t>incoming </a:t>
-            </a:r>
-            <a:r>
-              <a:rPr lang="en-US" sz="1800" b="1" dirty="0" smtClean="0">
-                <a:latin typeface="Arial"/>
-                <a:cs typeface="Arial"/>
-              </a:rPr>
-              <a:t>edge weight </a:t>
-            </a:r>
-            <a:r>
-              <a:rPr lang="en-US" sz="1800" b="1" dirty="0" smtClean="0">
-                <a:latin typeface="Arial"/>
-                <a:cs typeface="Arial"/>
-              </a:rPr>
-              <a:t>of </a:t>
-            </a:r>
-            <a:r>
-              <a:rPr lang="en-US" sz="1800" b="1" dirty="0" smtClean="0">
-                <a:latin typeface="Arial"/>
-                <a:cs typeface="Arial"/>
-              </a:rPr>
-              <a:t>zero means that no other genes in the network are regulating that gene.</a:t>
+              <a:t>in the network. An average incoming edge weight of zero means that no other genes in the network are regulating that gene.</a:t>
             </a:r>
           </a:p>
           <a:p>
@@ -14140,63 +14597,49 @@
                 <a:latin typeface="Arial"/>
                 <a:cs typeface="Arial"/>
               </a:rPr>
-              <a:t>If the average </a:t>
+              <a:t>If the average outgoing edge weight is positive, then across all networks or for that specific network, our </a:t>
+            </a:r>
+            <a:r>
+              <a:rPr lang="en-US" sz="1800" b="1" dirty="0" err="1" smtClean="0">
+                <a:latin typeface="Arial"/>
+                <a:cs typeface="Arial"/>
+              </a:rPr>
+              <a:t>GRNmap</a:t>
             </a:r>
             <a:r>
               <a:rPr lang="en-US" sz="1800" b="1" dirty="0" smtClean="0">
                 <a:latin typeface="Arial"/>
                 <a:cs typeface="Arial"/>
               </a:rPr>
-              <a:t>outgoing edge weight is </a:t>
+              <a:t> model suggests that the gene is mostly activating other genes in the network. If a gene has a negative average outgoing edge weight, then that gene is </a:t>
+            </a:r>
+            <a:r>
+              <a:rPr lang="en-US" sz="1800" b="1" smtClean="0">
+                <a:latin typeface="Arial"/>
+                <a:cs typeface="Arial"/>
+              </a:rPr>
+              <a:t>mostly </a:t>
+            </a:r>
+            <a:r>
+              <a:rPr lang="en-US" sz="1800" b="1" smtClean="0">
+                <a:latin typeface="Arial"/>
+                <a:cs typeface="Arial"/>
+              </a:rPr>
+              <a:t>re</a:t>
+            </a:r>
+            <a:r>
+              <a:rPr lang="en-US" sz="1800" b="1" smtClean="0">
+                <a:latin typeface="Arial"/>
+                <a:cs typeface="Arial"/>
+              </a:rPr>
+              <a:t>ppressing </a:t>
             </a:r>
             <a:r>
               <a:rPr lang="en-US" sz="1800" b="1" dirty="0" smtClean="0">
                 <a:latin typeface="Arial"/>
                 <a:cs typeface="Arial"/>
               </a:rPr>
-              <a:t>positive, then across all networks or for that specific network, our </a:t>
-            </a:r>
-            <a:r>
-              <a:rPr lang="en-US" sz="1800" b="1" dirty="0" err="1" smtClean="0">
-                <a:latin typeface="Arial"/>
-                <a:cs typeface="Arial"/>
-              </a:rPr>
-              <a:t>GRNmap</a:t>
-            </a:r>
-            <a:r>
-              <a:rPr lang="en-US" sz="1800" b="1" dirty="0" smtClean="0">
-                <a:latin typeface="Arial"/>
-                <a:cs typeface="Arial"/>
-              </a:rPr>
-              <a:t> model suggests that the gene is mostly activating other genes in the network. If a gene has a negative </a:t>
-            </a:r>
-            <a:r>
-              <a:rPr lang="en-US" sz="1800" b="1" dirty="0" smtClean="0">
-                <a:latin typeface="Arial"/>
-                <a:cs typeface="Arial"/>
-              </a:rPr>
-              <a:t>average outgoing edge weight, </a:t>
-            </a:r>
-            <a:r>
-              <a:rPr lang="en-US" sz="1800" b="1" dirty="0" smtClean="0">
-                <a:latin typeface="Arial"/>
-                <a:cs typeface="Arial"/>
-              </a:rPr>
-              <a:t>then that gene is mostly suppressing other genes in the network. If a gene has an </a:t>
-            </a:r>
-            <a:r>
-              <a:rPr lang="en-US" sz="1800" b="1" dirty="0" smtClean="0">
-                <a:latin typeface="Arial"/>
-                <a:cs typeface="Arial"/>
-              </a:rPr>
-              <a:t>average outgoing edge weight of </a:t>
-            </a:r>
-            <a:r>
-              <a:rPr lang="en-US" sz="1800" b="1" dirty="0" smtClean="0">
-                <a:latin typeface="Arial"/>
-                <a:cs typeface="Arial"/>
-              </a:rPr>
-              <a:t>zero, then that gene is not regulating the production of other genes in any of our networks.</a:t>
+              <a:t>other genes in the network. If a gene has an average outgoing edge weight of zero, then that gene is not regulating the production of other genes in any of our networks.</a:t>
             </a:r>
           </a:p>
           <a:p>
@@ -14209,35 +14652,42 @@
                 <a:latin typeface="Arial"/>
                 <a:cs typeface="Arial"/>
               </a:rPr>
-              <a:t>For the table below, the average </a:t>
+              <a:t>For the table below, the </a:t>
+            </a:r>
+            <a:r>
+              <a:rPr lang="en-US" sz="1800" b="1" smtClean="0">
+                <a:latin typeface="Arial"/>
+                <a:cs typeface="Arial"/>
+              </a:rPr>
+              <a:t>average </a:t>
+            </a:r>
+            <a:r>
+              <a:rPr lang="en-US" sz="1800" b="1" smtClean="0">
+                <a:latin typeface="Arial"/>
+                <a:cs typeface="Arial"/>
+              </a:rPr>
+              <a:t>incoming </a:t>
+            </a:r>
+            <a:r>
+              <a:rPr lang="en-US" sz="1800" b="1" smtClean="0">
+                <a:latin typeface="Arial"/>
+                <a:cs typeface="Arial"/>
+              </a:rPr>
+              <a:t>and </a:t>
+            </a:r>
+            <a:r>
+              <a:rPr lang="en-US" sz="1800" b="1" smtClean="0">
+                <a:latin typeface="Arial"/>
+                <a:cs typeface="Arial"/>
+              </a:rPr>
+              <a:t>outgoing </a:t>
             </a:r>
             <a:r>
               <a:rPr lang="en-US" sz="1800" b="1" dirty="0" smtClean="0">
                 <a:latin typeface="Arial"/>
                 <a:cs typeface="Arial"/>
               </a:rPr>
-              <a:t>in going and </a:t>
-            </a:r>
-            <a:r>
-              <a:rPr lang="en-US" sz="1800" b="1" dirty="0" smtClean="0">
-                <a:latin typeface="Arial"/>
-                <a:cs typeface="Arial"/>
-              </a:rPr>
-              <a:t>out </a:t>
-            </a:r>
-            <a:r>
-              <a:rPr lang="en-US" sz="1800" b="1" dirty="0" smtClean="0">
-                <a:latin typeface="Arial"/>
-                <a:cs typeface="Arial"/>
-              </a:rPr>
-              <a:t>going edge weights across </a:t>
-            </a:r>
-            <a:r>
-              <a:rPr lang="en-US" sz="1800" b="1" dirty="0" smtClean="0">
-                <a:latin typeface="Arial"/>
-                <a:cs typeface="Arial"/>
-              </a:rPr>
-              <a:t>all networks for genes found in four or more (the majority) of our networks. This table shows the overall trends in genes that are central to all networks.</a:t>
+              <a:t>edge weights across all networks for genes found in four or more (the majority) of our networks. This table shows the overall trends in genes that are central to all networks.</a:t>
             </a:r>
           </a:p>
           <a:p>
@@ -14299,21 +14749,7 @@
                 <a:latin typeface="Arial" panose="020B0604020202020204" pitchFamily="34" charset="0"/>
                 <a:cs typeface="Arial" panose="020B0604020202020204" pitchFamily="34" charset="0"/>
               </a:rPr>
-              <a:t> was used to compute the </a:t>
-            </a:r>
-            <a:r>
-              <a:rPr lang="en-US" sz="2800" b="1" dirty="0" smtClean="0">
-                <a:latin typeface="Arial" panose="020B0604020202020204" pitchFamily="34" charset="0"/>
-                <a:cs typeface="Arial" panose="020B0604020202020204" pitchFamily="34" charset="0"/>
-              </a:rPr>
-              <a:t>centrality measures of </a:t>
-            </a:r>
-            <a:r>
-              <a:rPr lang="en-US" sz="2800" b="1" dirty="0" smtClean="0">
-                <a:latin typeface="Arial" panose="020B0604020202020204" pitchFamily="34" charset="0"/>
-                <a:cs typeface="Arial" panose="020B0604020202020204" pitchFamily="34" charset="0"/>
-              </a:rPr>
-              <a:t>the six networks</a:t>
+              <a:t> was used to compute the centrality measures of the six networks</a:t>
             </a:r>
           </a:p>
         </p:txBody>
@@ -14379,7 +14815,7 @@
           <a:graphicData uri="http://schemas.openxmlformats.org/presentationml/2006/ole">
             <mc:AlternateContent xmlns:mc="http://schemas.openxmlformats.org/markup-compatibility/2006">
               <mc:Choice xmlns:v="urn:schemas-microsoft-com:vml" Requires="v">
-                <p:oleObj spid="_x0000_s6830" name="Equation" r:id="rId19" imgW="2108160" imgH="444240" progId="Equation.3">
+                <p:oleObj spid="_x0000_s6846" name="Equation" r:id="rId19" imgW="2108160" imgH="444240" progId="Equation.3">
                   <p:embed/>
                 </p:oleObj>
               </mc:Choice>
@@ -14447,7 +14883,7 @@
           <a:graphicData uri="http://schemas.openxmlformats.org/presentationml/2006/ole">
             <mc:AlternateContent xmlns:mc="http://schemas.openxmlformats.org/markup-compatibility/2006">
               <mc:Choice xmlns:v="urn:schemas-microsoft-com:vml" Requires="v">
-                <p:oleObj spid="_x0000_s6831" name="Equation" r:id="rId21" imgW="2743200" imgH="685800" progId="Equation.3">
+                <p:oleObj spid="_x0000_s6847" name="Equation" r:id="rId21" imgW="2743200" imgH="685800" progId="Equation.3">
                   <p:embed/>
                 </p:oleObj>
               </mc:Choice>
@@ -14577,14 +15013,14 @@
             </a:ln>
             <a:extLst>
               <a:ext uri="{909E8E84-426E-40dd-AFC4-6F175D3DCCD1}">
-                <a14:hiddenFill xmlns:a14="http://schemas.microsoft.com/office/drawing/2010/main">
+                <a14:hiddenFill xmlns:a14="http://schemas.microsoft.com/office/drawing/2010/main" xmlns="">
                   <a:solidFill>
                     <a:srgbClr val="FFFFFF"/>
                   </a:solidFill>
                 </a14:hiddenFill>
               </a:ext>
               <a:ext uri="{91240B29-F687-4f45-9708-019B960494DF}">
-                <a14:hiddenLine xmlns:a14="http://schemas.microsoft.com/office/drawing/2010/main" w="9525">
+                <a14:hiddenLine xmlns:a14="http://schemas.microsoft.com/office/drawing/2010/main" xmlns="" w="9525">
                   <a:solidFill>
                     <a:srgbClr val="000000"/>
                   </a:solidFill>
@@ -14620,7 +15056,7 @@
             </a:ln>
             <a:extLst>
               <a:ext uri="{91240B29-F687-4f45-9708-019B960494DF}">
-                <a14:hiddenLine xmlns:a14="http://schemas.microsoft.com/office/drawing/2010/main" w="9525">
+                <a14:hiddenLine xmlns:a14="http://schemas.microsoft.com/office/drawing/2010/main" xmlns="" w="9525">
                   <a:solidFill>
                     <a:srgbClr val="000000"/>
                   </a:solidFill>
@@ -14798,8 +15234,26 @@
                 <a:latin typeface="Arial"/>
                 <a:cs typeface="Arial"/>
               </a:rPr>
-              <a:t>production – degradation</a:t>
-            </a:r>
+              <a:t>production </a:t>
+            </a:r>
+            <a:r>
+              <a:rPr lang="en-US" sz="1700" b="1" smtClean="0">
+                <a:latin typeface="Arial"/>
+                <a:cs typeface="Arial"/>
+              </a:rPr>
+              <a:t>– </a:t>
+            </a:r>
+            <a:r>
+              <a:rPr lang="en-US" sz="1700" b="1" smtClean="0">
+                <a:latin typeface="Arial"/>
+                <a:cs typeface="Arial"/>
+              </a:rPr>
+              <a:t>degradation.</a:t>
+            </a:r>
+            <a:endParaRPr lang="en-US" sz="1700" b="1" dirty="0" smtClean="0">
+              <a:latin typeface="Arial"/>
+              <a:cs typeface="Arial"/>
+            </a:endParaRPr>
           </a:p>
           <a:p>
             <a:pPr marL="285750" indent="-285750">
@@ -14811,49 +15265,35 @@
                 <a:latin typeface="Arial"/>
                 <a:cs typeface="Arial"/>
               </a:rPr>
-              <a:t>Degradation rates for each gene were taken from </a:t>
+              <a:t>Degradation rates for each gene were taken from mRNA half life data from </a:t>
+            </a:r>
+            <a:r>
+              <a:rPr lang="en-US" sz="1700" b="1" dirty="0" err="1" smtClean="0">
+                <a:latin typeface="Arial"/>
+                <a:cs typeface="Arial"/>
+              </a:rPr>
+              <a:t>Neymotin</a:t>
             </a:r>
             <a:r>
               <a:rPr lang="en-US" sz="1700" b="1" dirty="0" smtClean="0">
                 <a:latin typeface="Arial"/>
                 <a:cs typeface="Arial"/>
               </a:rPr>
-              <a:t>mRNA </a:t>
-            </a:r>
-            <a:r>
-              <a:rPr lang="en-US" sz="1700" b="1" dirty="0" smtClean="0">
+              <a:t> et al. (</a:t>
+            </a:r>
+            <a:r>
+              <a:rPr lang="en-US" sz="1700" b="1" smtClean="0">
                 <a:latin typeface="Arial"/>
                 <a:cs typeface="Arial"/>
               </a:rPr>
-              <a:t>half life data from </a:t>
-            </a:r>
-            <a:r>
-              <a:rPr lang="en-US" sz="1700" b="1" dirty="0" err="1" smtClean="0">
+              <a:t>2014</a:t>
+            </a:r>
+            <a:r>
+              <a:rPr lang="en-US" sz="1700" b="1" smtClean="0">
                 <a:latin typeface="Arial"/>
                 <a:cs typeface="Arial"/>
               </a:rPr>
-              <a:t>Neymotin</a:t>
-            </a:r>
-            <a:r>
-              <a:rPr lang="en-US" sz="1700" b="1" dirty="0" smtClean="0">
-                <a:latin typeface="Arial"/>
-                <a:cs typeface="Arial"/>
-              </a:rPr>
-              <a:t> et </a:t>
-            </a:r>
-            <a:r>
-              <a:rPr lang="en-US" sz="1700" b="1" dirty="0" smtClean="0">
-                <a:latin typeface="Arial"/>
-                <a:cs typeface="Arial"/>
-              </a:rPr>
-              <a:t>al. (</a:t>
-            </a:r>
-            <a:r>
-              <a:rPr lang="en-US" sz="1700" b="1" dirty="0" smtClean="0">
-                <a:latin typeface="Arial"/>
-                <a:cs typeface="Arial"/>
-              </a:rPr>
-              <a:t>2014)</a:t>
+              <a:t>).</a:t>
             </a:r>
             <a:endParaRPr lang="en-US" sz="1700" b="1" dirty="0" smtClean="0">
               <a:latin typeface="Arial"/>
@@ -15759,8 +16199,26 @@
                 <a:latin typeface="Arial"/>
                 <a:cs typeface="Arial"/>
               </a:rPr>
-              <a:t> et al. 2011)</a:t>
-            </a:r>
+              <a:t> et al. </a:t>
+            </a:r>
+            <a:r>
+              <a:rPr lang="en-US" sz="1800" b="1" smtClean="0">
+                <a:latin typeface="Arial"/>
+                <a:cs typeface="Arial"/>
+              </a:rPr>
+              <a:t>2011</a:t>
+            </a:r>
+            <a:r>
+              <a:rPr lang="en-US" sz="1800" b="1" smtClean="0">
+                <a:latin typeface="Arial"/>
+                <a:cs typeface="Arial"/>
+              </a:rPr>
+              <a:t>).</a:t>
+            </a:r>
+            <a:endParaRPr lang="en-US" sz="1800" b="1" dirty="0" smtClean="0">
+              <a:latin typeface="Arial"/>
+              <a:cs typeface="Arial"/>
+            </a:endParaRPr>
           </a:p>
           <a:p>
             <a:pPr marL="342900" indent="-342900" algn="just" fontAlgn="base">
@@ -15862,8 +16320,26 @@
                 <a:latin typeface="Arial"/>
                 <a:cs typeface="Arial"/>
               </a:rPr>
-              <a:t>Eccentricity centrality is a directional statistic, which only takes a node’s out degree into account </a:t>
-            </a:r>
+              <a:t>Eccentricity centrality is a directional statistic, which only takes a node’s out degree </a:t>
+            </a:r>
+            <a:r>
+              <a:rPr lang="en-US" sz="1800" b="1">
+                <a:latin typeface="Arial"/>
+                <a:cs typeface="Arial"/>
+              </a:rPr>
+              <a:t>into </a:t>
+            </a:r>
+            <a:r>
+              <a:rPr lang="en-US" sz="1800" b="1" smtClean="0">
+                <a:latin typeface="Arial"/>
+                <a:cs typeface="Arial"/>
+              </a:rPr>
+              <a:t>account. </a:t>
+            </a:r>
+            <a:endParaRPr lang="en-US" sz="1800" b="1" dirty="0">
+              <a:latin typeface="Arial"/>
+              <a:cs typeface="Arial"/>
+            </a:endParaRPr>
           </a:p>
           <a:p>
             <a:pPr marL="285750" indent="-285750" algn="just" fontAlgn="base">
@@ -15942,7 +16418,28 @@
                 <a:latin typeface="Arial" panose="020B0604020202020204" pitchFamily="34" charset="0"/>
                 <a:cs typeface="Arial" panose="020B0604020202020204" pitchFamily="34" charset="0"/>
               </a:rPr>
-              <a:t> to reach other nodes in the network. (</a:t>
+              <a:t> to reach other nodes in </a:t>
+            </a:r>
+            <a:r>
+              <a:rPr lang="en-US" sz="1700" b="1" smtClean="0">
+                <a:latin typeface="Arial" panose="020B0604020202020204" pitchFamily="34" charset="0"/>
+                <a:cs typeface="Arial" panose="020B0604020202020204" pitchFamily="34" charset="0"/>
+              </a:rPr>
+              <a:t>the </a:t>
+            </a:r>
+            <a:r>
+              <a:rPr lang="en-US" sz="1700" b="1" smtClean="0">
+                <a:latin typeface="Arial" panose="020B0604020202020204" pitchFamily="34" charset="0"/>
+                <a:cs typeface="Arial" panose="020B0604020202020204" pitchFamily="34" charset="0"/>
+              </a:rPr>
+              <a:t>network </a:t>
+            </a:r>
+            <a:r>
+              <a:rPr lang="en-US" sz="1700" b="1" dirty="0" smtClean="0">
+                <a:latin typeface="Arial" panose="020B0604020202020204" pitchFamily="34" charset="0"/>
+                <a:cs typeface="Arial" panose="020B0604020202020204" pitchFamily="34" charset="0"/>
+              </a:rPr>
+              <a:t>(</a:t>
             </a:r>
             <a:r>
               <a:rPr lang="en-US" sz="1700" b="1" dirty="0" err="1" smtClean="0">
@@ -15956,8 +16453,26 @@
                 <a:latin typeface="Arial" panose="020B0604020202020204" pitchFamily="34" charset="0"/>
                 <a:cs typeface="Arial" panose="020B0604020202020204" pitchFamily="34" charset="0"/>
               </a:rPr>
-              <a:t>, 2009)</a:t>
-            </a:r>
+              <a:t>, </a:t>
+            </a:r>
+            <a:r>
+              <a:rPr lang="en-US" sz="1700" b="1" smtClean="0">
+                <a:latin typeface="Arial" panose="020B0604020202020204" pitchFamily="34" charset="0"/>
+                <a:cs typeface="Arial" panose="020B0604020202020204" pitchFamily="34" charset="0"/>
+              </a:rPr>
+              <a:t>2009</a:t>
+            </a:r>
+            <a:r>
+              <a:rPr lang="en-US" sz="1700" b="1" smtClean="0">
+                <a:latin typeface="Arial" panose="020B0604020202020204" pitchFamily="34" charset="0"/>
+                <a:cs typeface="Arial" panose="020B0604020202020204" pitchFamily="34" charset="0"/>
+              </a:rPr>
+              <a:t>).</a:t>
+            </a:r>
+            <a:endParaRPr lang="en-US" sz="1700" b="1" dirty="0" smtClean="0">
+              <a:latin typeface="Arial" panose="020B0604020202020204" pitchFamily="34" charset="0"/>
+              <a:cs typeface="Arial" panose="020B0604020202020204" pitchFamily="34" charset="0"/>
+            </a:endParaRPr>
           </a:p>
           <a:p>
             <a:pPr marL="285750" indent="-285750" fontAlgn="base">
@@ -16020,8 +16535,26 @@
                 <a:latin typeface="Arial" panose="020B0604020202020204" pitchFamily="34" charset="0"/>
                 <a:cs typeface="Arial" panose="020B0604020202020204" pitchFamily="34" charset="0"/>
               </a:rPr>
-              <a:t> to all         other nodes</a:t>
-            </a:r>
+              <a:t> to all         </a:t>
+            </a:r>
+            <a:r>
+              <a:rPr lang="en-US" sz="1700" b="1" smtClean="0">
+                <a:latin typeface="Arial" panose="020B0604020202020204" pitchFamily="34" charset="0"/>
+                <a:cs typeface="Arial" panose="020B0604020202020204" pitchFamily="34" charset="0"/>
+              </a:rPr>
+              <a:t>other </a:t>
+            </a:r>
+            <a:r>
+              <a:rPr lang="en-US" sz="1700" b="1" smtClean="0">
+                <a:latin typeface="Arial" panose="020B0604020202020204" pitchFamily="34" charset="0"/>
+                <a:cs typeface="Arial" panose="020B0604020202020204" pitchFamily="34" charset="0"/>
+              </a:rPr>
+              <a:t>nodes.</a:t>
+            </a:r>
+            <a:endParaRPr lang="en-US" sz="1700" b="1" dirty="0" smtClean="0">
+              <a:latin typeface="Arial" panose="020B0604020202020204" pitchFamily="34" charset="0"/>
+              <a:cs typeface="Arial" panose="020B0604020202020204" pitchFamily="34" charset="0"/>
+            </a:endParaRPr>
           </a:p>
           <a:p>
             <a:pPr marL="285750" indent="-285750" algn="just" fontAlgn="base">
@@ -16040,7 +16573,28 @@
                 <a:latin typeface="Arial"/>
                 <a:cs typeface="Arial"/>
               </a:rPr>
-              <a:t>centrality, like eccentricity centrality is a directional statistic, which only takes a node’s out degrees into account.</a:t>
+              <a:t>centrality, like eccentricity centrality is a directional statistic, which only takes a node’s </a:t>
+            </a:r>
+            <a:r>
+              <a:rPr lang="en-US" sz="1800" b="1">
+                <a:latin typeface="Arial"/>
+                <a:cs typeface="Arial"/>
+              </a:rPr>
+              <a:t>out </a:t>
+            </a:r>
+            <a:r>
+              <a:rPr lang="en-US" sz="1800" b="1" smtClean="0">
+                <a:latin typeface="Arial"/>
+                <a:cs typeface="Arial"/>
+              </a:rPr>
+              <a:t>degree </a:t>
+            </a:r>
+            <a:r>
+              <a:rPr lang="en-US" sz="1800" b="1" dirty="0">
+                <a:latin typeface="Arial"/>
+                <a:cs typeface="Arial"/>
+              </a:rPr>
+              <a:t>into account.</a:t>
             </a:r>
           </a:p>
           <a:p>
@@ -16123,7 +16677,28 @@
                 <a:latin typeface="Arial" panose="020B0604020202020204" pitchFamily="34" charset="0"/>
                 <a:cs typeface="Arial" panose="020B0604020202020204" pitchFamily="34" charset="0"/>
               </a:rPr>
-              <a:t> Centrality is a centrality measure that indicates how often a node is found on a shortest path between two nodes, s and t. (</a:t>
+              <a:t> Centrality is a centrality measure that indicates how often a node is found on a shortest path between two nodes, s </a:t>
+            </a:r>
+            <a:r>
+              <a:rPr lang="en-US" sz="1700" b="1" smtClean="0">
+                <a:latin typeface="Arial" panose="020B0604020202020204" pitchFamily="34" charset="0"/>
+                <a:cs typeface="Arial" panose="020B0604020202020204" pitchFamily="34" charset="0"/>
+              </a:rPr>
+              <a:t>and </a:t>
+            </a:r>
+            <a:r>
+              <a:rPr lang="en-US" sz="1700" b="1" smtClean="0">
+                <a:latin typeface="Arial" panose="020B0604020202020204" pitchFamily="34" charset="0"/>
+                <a:cs typeface="Arial" panose="020B0604020202020204" pitchFamily="34" charset="0"/>
+              </a:rPr>
+              <a:t>t </a:t>
+            </a:r>
+            <a:r>
+              <a:rPr lang="en-US" sz="1700" b="1" dirty="0" smtClean="0">
+                <a:latin typeface="Arial" panose="020B0604020202020204" pitchFamily="34" charset="0"/>
+                <a:cs typeface="Arial" panose="020B0604020202020204" pitchFamily="34" charset="0"/>
+              </a:rPr>
+              <a:t>(</a:t>
             </a:r>
             <a:r>
               <a:rPr lang="en-US" sz="1700" b="1" dirty="0" err="1" smtClean="0">
@@ -16137,8 +16712,26 @@
                 <a:latin typeface="Arial" panose="020B0604020202020204" pitchFamily="34" charset="0"/>
                 <a:cs typeface="Arial" panose="020B0604020202020204" pitchFamily="34" charset="0"/>
               </a:rPr>
-              <a:t>, 2009)</a:t>
-            </a:r>
+              <a:t>, </a:t>
+            </a:r>
+            <a:r>
+              <a:rPr lang="en-US" sz="1700" b="1" smtClean="0">
+                <a:latin typeface="Arial" panose="020B0604020202020204" pitchFamily="34" charset="0"/>
+                <a:cs typeface="Arial" panose="020B0604020202020204" pitchFamily="34" charset="0"/>
+              </a:rPr>
+              <a:t>2009</a:t>
+            </a:r>
+            <a:r>
+              <a:rPr lang="en-US" sz="1700" b="1" smtClean="0">
+                <a:latin typeface="Arial" panose="020B0604020202020204" pitchFamily="34" charset="0"/>
+                <a:cs typeface="Arial" panose="020B0604020202020204" pitchFamily="34" charset="0"/>
+              </a:rPr>
+              <a:t>).</a:t>
+            </a:r>
+            <a:endParaRPr lang="en-US" sz="1700" b="1" dirty="0" smtClean="0">
+              <a:latin typeface="Arial" panose="020B0604020202020204" pitchFamily="34" charset="0"/>
+              <a:cs typeface="Arial" panose="020B0604020202020204" pitchFamily="34" charset="0"/>
+            </a:endParaRPr>
           </a:p>
           <a:p>
             <a:pPr marL="285750" indent="-285750" algn="just" fontAlgn="base">
@@ -16384,15 +16977,47 @@
                 <a:latin typeface="Arial" panose="020B0604020202020204" pitchFamily="34" charset="0"/>
                 <a:cs typeface="Arial" panose="020B0604020202020204" pitchFamily="34" charset="0"/>
               </a:rPr>
-              <a:t> centrality was calculated for each gene appeared in 4 or more </a:t>
+              <a:t> centrality was calculated for each </a:t>
+            </a:r>
+            <a:r>
+              <a:rPr lang="en-US" sz="1700" b="1" smtClean="0">
+                <a:latin typeface="Arial" panose="020B0604020202020204" pitchFamily="34" charset="0"/>
+                <a:cs typeface="Arial" panose="020B0604020202020204" pitchFamily="34" charset="0"/>
+              </a:rPr>
+              <a:t>gene </a:t>
+            </a:r>
+            <a:r>
+              <a:rPr lang="en-US" sz="1700" b="1" smtClean="0">
+                <a:latin typeface="Arial" panose="020B0604020202020204" pitchFamily="34" charset="0"/>
+                <a:cs typeface="Arial" panose="020B0604020202020204" pitchFamily="34" charset="0"/>
+              </a:rPr>
+              <a:t>that appeared </a:t>
             </a:r>
             <a:r>
               <a:rPr lang="en-US" sz="1700" b="1" dirty="0" smtClean="0">
                 <a:latin typeface="Arial" panose="020B0604020202020204" pitchFamily="34" charset="0"/>
                 <a:cs typeface="Arial" panose="020B0604020202020204" pitchFamily="34" charset="0"/>
               </a:rPr>
-              <a:t>of the six networks </a:t>
-            </a:r>
+              <a:t>in 4 or more of the </a:t>
+            </a:r>
+            <a:r>
+              <a:rPr lang="en-US" sz="1700" b="1" smtClean="0">
+                <a:latin typeface="Arial" panose="020B0604020202020204" pitchFamily="34" charset="0"/>
+                <a:cs typeface="Arial" panose="020B0604020202020204" pitchFamily="34" charset="0"/>
+              </a:rPr>
+              <a:t>six </a:t>
+            </a:r>
+            <a:r>
+              <a:rPr lang="en-US" sz="1700" b="1" smtClean="0">
+                <a:latin typeface="Arial" panose="020B0604020202020204" pitchFamily="34" charset="0"/>
+                <a:cs typeface="Arial" panose="020B0604020202020204" pitchFamily="34" charset="0"/>
+              </a:rPr>
+              <a:t>networks.</a:t>
+            </a:r>
+            <a:endParaRPr lang="en-US" sz="1700" b="1" dirty="0" smtClean="0">
+              <a:latin typeface="Arial" panose="020B0604020202020204" pitchFamily="34" charset="0"/>
+              <a:cs typeface="Arial" panose="020B0604020202020204" pitchFamily="34" charset="0"/>
+            </a:endParaRPr>
           </a:p>
           <a:p>
             <a:pPr marL="285750" indent="-285750" fontAlgn="base">
@@ -16404,28 +17029,7 @@
                 <a:latin typeface="Arial" panose="020B0604020202020204" pitchFamily="34" charset="0"/>
                 <a:cs typeface="Arial" panose="020B0604020202020204" pitchFamily="34" charset="0"/>
               </a:rPr>
-              <a:t>Genes </a:t>
-            </a:r>
-            <a:r>
-              <a:rPr lang="en-US" sz="1700" b="1" dirty="0" smtClean="0">
-                <a:latin typeface="Arial" panose="020B0604020202020204" pitchFamily="34" charset="0"/>
-                <a:cs typeface="Arial" panose="020B0604020202020204" pitchFamily="34" charset="0"/>
-              </a:rPr>
-              <a:t>that have high </a:t>
-            </a:r>
-            <a:r>
-              <a:rPr lang="en-US" sz="1700" b="1" dirty="0" smtClean="0">
-                <a:latin typeface="Arial" panose="020B0604020202020204" pitchFamily="34" charset="0"/>
-                <a:cs typeface="Arial" panose="020B0604020202020204" pitchFamily="34" charset="0"/>
-              </a:rPr>
-              <a:t>average eccentricity</a:t>
-            </a:r>
-            <a:r>
-              <a:rPr lang="en-US" sz="1700" b="1" dirty="0" smtClean="0">
-                <a:latin typeface="Arial" panose="020B0604020202020204" pitchFamily="34" charset="0"/>
-                <a:cs typeface="Arial" panose="020B0604020202020204" pitchFamily="34" charset="0"/>
-              </a:rPr>
-              <a:t>, closeness centrality, and </a:t>
+              <a:t>Genes that have high average eccentricity, closeness centrality, and </a:t>
             </a:r>
             <a:r>
               <a:rPr lang="en-US" sz="1700" b="1" dirty="0" err="1" smtClean="0">
@@ -16452,14 +17056,7 @@
                 <a:latin typeface="Arial" panose="020B0604020202020204" pitchFamily="34" charset="0"/>
                 <a:cs typeface="Arial" panose="020B0604020202020204" pitchFamily="34" charset="0"/>
               </a:rPr>
-              <a:t>Genes that have low statistic values are likely more central in some networks than others, or are not central to the networks across all six networks</a:t>
-            </a:r>
-            <a:r>
-              <a:rPr lang="en-US" sz="1700" b="1" dirty="0" smtClean="0">
-                <a:latin typeface="Arial" panose="020B0604020202020204" pitchFamily="34" charset="0"/>
-                <a:cs typeface="Arial" panose="020B0604020202020204" pitchFamily="34" charset="0"/>
-              </a:rPr>
-              <a:t>.</a:t>
+              <a:t>Genes that have low statistic values are likely more central in some networks than others, or are not central to the networks across all six networks.</a:t>
             </a:r>
           </a:p>
           <a:p>
@@ -16474,10 +17071,6 @@
               </a:rPr>
               <a:t>Based on the graph statistics, MSN2 and HMO1 appear to be genes of particular importance due to their appearance in all six networks and their high averages for all centrality measures  </a:t>
             </a:r>
-            <a:endParaRPr lang="en-US" sz="1700" b="1" dirty="0" smtClean="0">
-              <a:latin typeface="Arial" panose="020B0604020202020204" pitchFamily="34" charset="0"/>
-              <a:cs typeface="Arial" panose="020B0604020202020204" pitchFamily="34" charset="0"/>
-            </a:endParaRPr>
           </a:p>
         </p:txBody>
       </p:sp>
@@ -16490,14 +17083,14 @@
           <p:nvPr>
             <p:extLst>
               <p:ext uri="{D42A27DB-BD31-4B8C-83A1-F6EECF244321}">
-                <p14:modId xmlns:p14="http://schemas.microsoft.com/office/powerpoint/2010/main" val="3160911338"/>
+                <p14:modId xmlns:p14="http://schemas.microsoft.com/office/powerpoint/2010/main" val="1090733187"/>
               </p:ext>
             </p:extLst>
           </p:nvPr>
         </p:nvGraphicFramePr>
         <p:xfrm>
           <a:off x="35871993" y="15672738"/>
-          <a:ext cx="7087430" cy="4557098"/>
+          <a:ext cx="7087430" cy="4557099"/>
         </p:xfrm>
         <a:graphic>
           <a:graphicData uri="http://schemas.openxmlformats.org/drawingml/2006/table">
@@ -17224,7 +17817,7 @@
                     <a:p>
                       <a:pPr algn="ctr" fontAlgn="b"/>
                       <a:r>
-                        <a:rPr lang="en-US" sz="1400" b="1" i="0" u="none" strike="noStrike" dirty="0">
+                        <a:rPr lang="en-US" sz="1400" b="1" i="0" u="none" strike="noStrike" smtClean="0">
                           <a:solidFill>
                             <a:srgbClr val="000000"/>
                           </a:solidFill>
@@ -17232,8 +17825,16 @@
                           <a:latin typeface="Arial"/>
                           <a:cs typeface="Arial"/>
                         </a:rPr>
-                        <a:t>0.4423</a:t>
+                        <a:t>0.44</a:t>
                       </a:r>
+                      <a:endParaRPr lang="en-US" sz="1400" b="1" i="0" u="none" strike="noStrike" dirty="0">
+                        <a:solidFill>
+                          <a:srgbClr val="000000"/>
+                        </a:solidFill>
+                        <a:effectLst/>
+                        <a:latin typeface="Arial"/>
+                        <a:cs typeface="Arial"/>
+                      </a:endParaRPr>
                     </a:p>
                   </a:txBody>
                   <a:tcPr marL="12700" marR="12700" marT="12700" marB="0" anchor="ctr">
@@ -17485,7 +18086,7 @@
                     <a:p>
                       <a:pPr algn="ctr" fontAlgn="b"/>
                       <a:r>
-                        <a:rPr lang="en-US" sz="1400" b="1" i="0" u="none" strike="noStrike" dirty="0">
+                        <a:rPr lang="en-US" sz="1400" b="1" i="0" u="none" strike="noStrike" smtClean="0">
                           <a:solidFill>
                             <a:srgbClr val="000000"/>
                           </a:solidFill>
@@ -17493,8 +18094,16 @@
                           <a:latin typeface="Arial"/>
                           <a:cs typeface="Arial"/>
                         </a:rPr>
-                        <a:t>0.594533333</a:t>
+                        <a:t>0.59</a:t>
                       </a:r>
+                      <a:endParaRPr lang="en-US" sz="1400" b="1" i="0" u="none" strike="noStrike" dirty="0">
+                        <a:solidFill>
+                          <a:srgbClr val="000000"/>
+                        </a:solidFill>
+                        <a:effectLst/>
+                        <a:latin typeface="Arial"/>
+                        <a:cs typeface="Arial"/>
+                      </a:endParaRPr>
                     </a:p>
                   </a:txBody>
                   <a:tcPr marL="12700" marR="12700" marT="12700" marB="0" anchor="ctr">
@@ -17531,7 +18140,7 @@
                     <a:p>
                       <a:pPr algn="ctr" fontAlgn="b"/>
                       <a:r>
-                        <a:rPr lang="en-US" sz="1400" b="1" i="0" u="none" strike="noStrike" dirty="0">
+                        <a:rPr lang="en-US" sz="1400" b="1" i="0" u="none" strike="noStrike" smtClean="0">
                           <a:solidFill>
                             <a:srgbClr val="000000"/>
                           </a:solidFill>
@@ -17539,8 +18148,16 @@
                           <a:latin typeface="Arial"/>
                           <a:cs typeface="Arial"/>
                         </a:rPr>
-                        <a:t>3.93332</a:t>
+                        <a:t>3.93</a:t>
                       </a:r>
+                      <a:endParaRPr lang="en-US" sz="1400" b="1" i="0" u="none" strike="noStrike" dirty="0">
+                        <a:solidFill>
+                          <a:srgbClr val="000000"/>
+                        </a:solidFill>
+                        <a:effectLst/>
+                        <a:latin typeface="Arial"/>
+                        <a:cs typeface="Arial"/>
+                      </a:endParaRPr>
                     </a:p>
                   </a:txBody>
                   <a:tcPr marL="12700" marR="12700" marT="12700" marB="0" anchor="ctr">
@@ -17734,7 +18351,7 @@
                     <a:p>
                       <a:pPr algn="ctr" fontAlgn="b"/>
                       <a:r>
-                        <a:rPr lang="en-US" sz="1400" b="1" i="0" u="none" strike="noStrike" dirty="0">
+                        <a:rPr lang="en-US" sz="1400" b="1" i="0" u="none" strike="noStrike" smtClean="0">
                           <a:solidFill>
                             <a:srgbClr val="000000"/>
                           </a:solidFill>
@@ -17742,8 +18359,16 @@
                           <a:latin typeface="Arial"/>
                           <a:cs typeface="Arial"/>
                         </a:rPr>
-                        <a:t>0.42936</a:t>
+                        <a:t>0.43</a:t>
                       </a:r>
+                      <a:endParaRPr lang="en-US" sz="1400" b="1" i="0" u="none" strike="noStrike" dirty="0">
+                        <a:solidFill>
+                          <a:srgbClr val="000000"/>
+                        </a:solidFill>
+                        <a:effectLst/>
+                        <a:latin typeface="Arial"/>
+                        <a:cs typeface="Arial"/>
+                      </a:endParaRPr>
                     </a:p>
                   </a:txBody>
                   <a:tcPr marL="12700" marR="12700" marT="12700" marB="0" anchor="ctr">
@@ -18232,7 +18857,7 @@
                     <a:p>
                       <a:pPr algn="ctr" fontAlgn="b"/>
                       <a:r>
-                        <a:rPr lang="en-US" sz="1400" b="1" i="0" u="none" strike="noStrike" dirty="0">
+                        <a:rPr lang="en-US" sz="1400" b="1" i="0" u="none" strike="noStrike" smtClean="0">
                           <a:solidFill>
                             <a:srgbClr val="000000"/>
                           </a:solidFill>
@@ -18240,8 +18865,16 @@
                           <a:latin typeface="Arial"/>
                           <a:cs typeface="Arial"/>
                         </a:rPr>
-                        <a:t>0.5835</a:t>
+                        <a:t>0.58</a:t>
                       </a:r>
+                      <a:endParaRPr lang="en-US" sz="1400" b="1" i="0" u="none" strike="noStrike" dirty="0">
+                        <a:solidFill>
+                          <a:srgbClr val="000000"/>
+                        </a:solidFill>
+                        <a:effectLst/>
+                        <a:latin typeface="Arial"/>
+                        <a:cs typeface="Arial"/>
+                      </a:endParaRPr>
                     </a:p>
                   </a:txBody>
                   <a:tcPr marL="12700" marR="12700" marT="12700" marB="0" anchor="ctr">
@@ -18435,7 +19068,7 @@
                     <a:p>
                       <a:pPr algn="ctr" fontAlgn="b"/>
                       <a:r>
-                        <a:rPr lang="en-US" sz="1400" b="1" i="0" u="none" strike="noStrike" dirty="0">
+                        <a:rPr lang="en-US" sz="1400" b="1" i="0" u="none" strike="noStrike" smtClean="0">
                           <a:solidFill>
                             <a:srgbClr val="000000"/>
                           </a:solidFill>
@@ -18443,8 +19076,16 @@
                           <a:latin typeface="Arial"/>
                           <a:cs typeface="Arial"/>
                         </a:rPr>
-                        <a:t>3.166666667</a:t>
+                        <a:t>3.17</a:t>
                       </a:r>
+                      <a:endParaRPr lang="en-US" sz="1400" b="1" i="0" u="none" strike="noStrike" dirty="0">
+                        <a:solidFill>
+                          <a:srgbClr val="000000"/>
+                        </a:solidFill>
+                        <a:effectLst/>
+                        <a:latin typeface="Arial"/>
+                        <a:cs typeface="Arial"/>
+                      </a:endParaRPr>
                     </a:p>
                   </a:txBody>
                   <a:tcPr marL="12700" marR="12700" marT="12700" marB="0" anchor="ctr">
@@ -18481,7 +19122,7 @@
                     <a:p>
                       <a:pPr algn="ctr" fontAlgn="b"/>
                       <a:r>
-                        <a:rPr lang="en-US" sz="1400" b="1" i="0" u="none" strike="noStrike" dirty="0">
+                        <a:rPr lang="en-US" sz="1400" b="1" i="0" u="none" strike="noStrike" smtClean="0">
                           <a:solidFill>
                             <a:srgbClr val="000000"/>
                           </a:solidFill>
@@ -18489,8 +19130,16 @@
                           <a:latin typeface="Arial"/>
                           <a:cs typeface="Arial"/>
                         </a:rPr>
-                        <a:t>0.5891</a:t>
+                        <a:t>0.60</a:t>
                       </a:r>
+                      <a:endParaRPr lang="en-US" sz="1400" b="1" i="0" u="none" strike="noStrike" dirty="0">
+                        <a:solidFill>
+                          <a:srgbClr val="000000"/>
+                        </a:solidFill>
+                        <a:effectLst/>
+                        <a:latin typeface="Arial"/>
+                        <a:cs typeface="Arial"/>
+                      </a:endParaRPr>
                     </a:p>
                   </a:txBody>
                   <a:tcPr marL="12700" marR="12700" marT="12700" marB="0" anchor="ctr">
@@ -18527,7 +19176,7 @@
                     <a:p>
                       <a:pPr algn="ctr" fontAlgn="b"/>
                       <a:r>
-                        <a:rPr lang="en-US" sz="1400" b="1" i="0" u="none" strike="noStrike" dirty="0">
+                        <a:rPr lang="en-US" sz="1400" b="1" i="0" u="none" strike="noStrike" smtClean="0">
                           <a:solidFill>
                             <a:srgbClr val="000000"/>
                           </a:solidFill>
@@ -18535,8 +19184,16 @@
                           <a:latin typeface="Arial"/>
                           <a:cs typeface="Arial"/>
                         </a:rPr>
-                        <a:t>6.41665</a:t>
+                        <a:t>6.42</a:t>
                       </a:r>
+                      <a:endParaRPr lang="en-US" sz="1400" b="1" i="0" u="none" strike="noStrike" dirty="0">
+                        <a:solidFill>
+                          <a:srgbClr val="000000"/>
+                        </a:solidFill>
+                        <a:effectLst/>
+                        <a:latin typeface="Arial"/>
+                        <a:cs typeface="Arial"/>
+                      </a:endParaRPr>
                     </a:p>
                   </a:txBody>
                   <a:tcPr marL="12700" marR="12700" marT="12700" marB="0" anchor="ctr">
@@ -18684,7 +19341,7 @@
                     <a:p>
                       <a:pPr algn="ctr" fontAlgn="b"/>
                       <a:r>
-                        <a:rPr lang="en-US" sz="1400" b="1" i="0" u="none" strike="noStrike" dirty="0">
+                        <a:rPr lang="en-US" sz="1400" b="1" i="0" u="none" strike="noStrike" smtClean="0">
                           <a:solidFill>
                             <a:srgbClr val="000000"/>
                           </a:solidFill>
@@ -18692,8 +19349,16 @@
                           <a:latin typeface="Arial"/>
                           <a:cs typeface="Arial"/>
                         </a:rPr>
-                        <a:t>2.666666667</a:t>
+                        <a:t>2.67</a:t>
                       </a:r>
+                      <a:endParaRPr lang="en-US" sz="1400" b="1" i="0" u="none" strike="noStrike" dirty="0">
+                        <a:solidFill>
+                          <a:srgbClr val="000000"/>
+                        </a:solidFill>
+                        <a:effectLst/>
+                        <a:latin typeface="Arial"/>
+                        <a:cs typeface="Arial"/>
+                      </a:endParaRPr>
                     </a:p>
                   </a:txBody>
                   <a:tcPr marL="12700" marR="12700" marT="12700" marB="0" anchor="ctr">
@@ -18730,7 +19395,7 @@
                     <a:p>
                       <a:pPr algn="ctr" fontAlgn="b"/>
                       <a:r>
-                        <a:rPr lang="en-US" sz="1400" b="1" i="0" u="none" strike="noStrike" dirty="0">
+                        <a:rPr lang="en-US" sz="1400" b="1" i="0" u="none" strike="noStrike" smtClean="0">
                           <a:solidFill>
                             <a:srgbClr val="000000"/>
                           </a:solidFill>
@@ -18738,8 +19403,16 @@
                           <a:latin typeface="Arial"/>
                           <a:cs typeface="Arial"/>
                         </a:rPr>
-                        <a:t>0.7157</a:t>
+                        <a:t>0.72</a:t>
                       </a:r>
+                      <a:endParaRPr lang="en-US" sz="1400" b="1" i="0" u="none" strike="noStrike" dirty="0">
+                        <a:solidFill>
+                          <a:srgbClr val="000000"/>
+                        </a:solidFill>
+                        <a:effectLst/>
+                        <a:latin typeface="Arial"/>
+                        <a:cs typeface="Arial"/>
+                      </a:endParaRPr>
                     </a:p>
                   </a:txBody>
                   <a:tcPr marL="12700" marR="12700" marT="12700" marB="0" anchor="ctr">
@@ -18776,7 +19449,7 @@
                     <a:p>
                       <a:pPr algn="ctr" fontAlgn="b"/>
                       <a:r>
-                        <a:rPr lang="en-US" sz="1400" b="1" i="0" u="none" strike="noStrike">
+                        <a:rPr lang="en-US" sz="1400" b="1" i="0" u="none" strike="noStrike" smtClean="0">
                           <a:solidFill>
                             <a:srgbClr val="000000"/>
                           </a:solidFill>
@@ -18784,8 +19457,16 @@
                           <a:latin typeface="Arial"/>
                           <a:cs typeface="Arial"/>
                         </a:rPr>
-                        <a:t>13.6111</a:t>
+                        <a:t>13.61</a:t>
                       </a:r>
+                      <a:endParaRPr lang="en-US" sz="1400" b="1" i="0" u="none" strike="noStrike">
+                        <a:solidFill>
+                          <a:srgbClr val="000000"/>
+                        </a:solidFill>
+                        <a:effectLst/>
+                        <a:latin typeface="Arial"/>
+                        <a:cs typeface="Arial"/>
+                      </a:endParaRPr>
                     </a:p>
                   </a:txBody>
                   <a:tcPr marL="12700" marR="12700" marT="12700" marB="0" anchor="ctr">
@@ -18979,7 +19660,7 @@
                     <a:p>
                       <a:pPr algn="ctr" fontAlgn="b"/>
                       <a:r>
-                        <a:rPr lang="en-US" sz="1400" b="1" i="0" u="none" strike="noStrike" dirty="0">
+                        <a:rPr lang="en-US" sz="1400" b="1" i="0" u="none" strike="noStrike" smtClean="0">
                           <a:solidFill>
                             <a:srgbClr val="000000"/>
                           </a:solidFill>
@@ -18987,8 +19668,16 @@
                           <a:latin typeface="Arial"/>
                           <a:cs typeface="Arial"/>
                         </a:rPr>
-                        <a:t>0.678575</a:t>
+                        <a:t>0.68</a:t>
                       </a:r>
+                      <a:endParaRPr lang="en-US" sz="1400" b="1" i="0" u="none" strike="noStrike" dirty="0">
+                        <a:solidFill>
+                          <a:srgbClr val="000000"/>
+                        </a:solidFill>
+                        <a:effectLst/>
+                        <a:latin typeface="Arial"/>
+                        <a:cs typeface="Arial"/>
+                      </a:endParaRPr>
                     </a:p>
                   </a:txBody>
                   <a:tcPr marL="12700" marR="12700" marT="12700" marB="0" anchor="ctr">
@@ -19182,7 +19871,7 @@
                     <a:p>
                       <a:pPr algn="ctr" fontAlgn="b"/>
                       <a:r>
-                        <a:rPr lang="en-US" sz="1400" b="1" i="0" u="none" strike="noStrike" dirty="0">
+                        <a:rPr lang="en-US" sz="1400" b="1" i="0" u="none" strike="noStrike" smtClean="0">
                           <a:solidFill>
                             <a:srgbClr val="000000"/>
                           </a:solidFill>
@@ -19190,8 +19879,16 @@
                           <a:latin typeface="Arial"/>
                           <a:cs typeface="Arial"/>
                         </a:rPr>
-                        <a:t>2.666666667</a:t>
+                        <a:t>2.67</a:t>
                       </a:r>
+                      <a:endParaRPr lang="en-US" sz="1400" b="1" i="0" u="none" strike="noStrike" dirty="0">
+                        <a:solidFill>
+                          <a:srgbClr val="000000"/>
+                        </a:solidFill>
+                        <a:effectLst/>
+                        <a:latin typeface="Arial"/>
+                        <a:cs typeface="Arial"/>
+                      </a:endParaRPr>
                     </a:p>
                   </a:txBody>
                   <a:tcPr marL="12700" marR="12700" marT="12700" marB="0" anchor="ctr">
@@ -19274,7 +19971,7 @@
                     <a:p>
                       <a:pPr algn="ctr" fontAlgn="b"/>
                       <a:r>
-                        <a:rPr lang="en-US" sz="1400" b="1" i="0" u="none" strike="noStrike" dirty="0">
+                        <a:rPr lang="en-US" sz="1400" b="1" i="0" u="none" strike="noStrike" smtClean="0">
                           <a:solidFill>
                             <a:srgbClr val="000000"/>
                           </a:solidFill>
@@ -19282,8 +19979,16 @@
                           <a:latin typeface="Arial"/>
                           <a:cs typeface="Arial"/>
                         </a:rPr>
-                        <a:t>2.444433333</a:t>
+                        <a:t>2.44</a:t>
                       </a:r>
+                      <a:endParaRPr lang="en-US" sz="1400" b="1" i="0" u="none" strike="noStrike" dirty="0">
+                        <a:solidFill>
+                          <a:srgbClr val="000000"/>
+                        </a:solidFill>
+                        <a:effectLst/>
+                        <a:latin typeface="Arial"/>
+                        <a:cs typeface="Arial"/>
+                      </a:endParaRPr>
                     </a:p>
                   </a:txBody>
                   <a:tcPr marL="12700" marR="12700" marT="12700" marB="0" anchor="ctr">
@@ -19523,7 +20228,7 @@
                     <a:p>
                       <a:pPr algn="ctr" fontAlgn="b"/>
                       <a:r>
-                        <a:rPr lang="en-US" sz="1400" b="1" i="0" u="none" strike="noStrike" dirty="0">
+                        <a:rPr lang="en-US" sz="1400" b="1" i="0" u="none" strike="noStrike" smtClean="0">
                           <a:solidFill>
                             <a:srgbClr val="000000"/>
                           </a:solidFill>
@@ -19531,8 +20236,16 @@
                           <a:latin typeface="Arial"/>
                           <a:cs typeface="Arial"/>
                         </a:rPr>
-                        <a:t>13.13334</a:t>
+                        <a:t>13.13</a:t>
                       </a:r>
+                      <a:endParaRPr lang="en-US" sz="1400" b="1" i="0" u="none" strike="noStrike" dirty="0">
+                        <a:solidFill>
+                          <a:srgbClr val="000000"/>
+                        </a:solidFill>
+                        <a:effectLst/>
+                        <a:latin typeface="Arial"/>
+                        <a:cs typeface="Arial"/>
+                      </a:endParaRPr>
                     </a:p>
                   </a:txBody>
                   <a:tcPr marL="12700" marR="12700" marT="12700" marB="0" anchor="ctr">
@@ -19993,7 +20706,7 @@
                     <a:p>
                       <a:pPr algn="ctr" fontAlgn="b"/>
                       <a:r>
-                        <a:rPr lang="en-US" sz="1400" b="1" i="0" u="none" strike="noStrike" dirty="0">
+                        <a:rPr lang="en-US" sz="1400" b="1" i="0" u="none" strike="noStrike" smtClean="0">
                           <a:solidFill>
                             <a:srgbClr val="000000"/>
                           </a:solidFill>
@@ -20001,8 +20714,16 @@
                           <a:latin typeface="Arial"/>
                           <a:cs typeface="Arial"/>
                         </a:rPr>
-                        <a:t>0.571933333</a:t>
+                        <a:t>0.57</a:t>
                       </a:r>
+                      <a:endParaRPr lang="en-US" sz="1400" b="1" i="0" u="none" strike="noStrike" dirty="0">
+                        <a:solidFill>
+                          <a:srgbClr val="000000"/>
+                        </a:solidFill>
+                        <a:effectLst/>
+                        <a:latin typeface="Arial"/>
+                        <a:cs typeface="Arial"/>
+                      </a:endParaRPr>
                     </a:p>
                   </a:txBody>
                   <a:tcPr marL="12700" marR="12700" marT="12700" marB="0" anchor="ctr">
@@ -22413,10 +23134,10 @@
         </p:nvGrpSpPr>
         <p:grpSpPr>
           <a:xfrm>
-            <a:off x="41286830" y="7854472"/>
-            <a:ext cx="1915605" cy="1660350"/>
+            <a:off x="41297463" y="7854472"/>
+            <a:ext cx="2023552" cy="1660350"/>
             <a:chOff x="41394777" y="7105168"/>
-            <a:chExt cx="1915605" cy="1660350"/>
+            <a:chExt cx="2023552" cy="1660350"/>
           </a:xfrm>
         </p:grpSpPr>
         <p:sp>
@@ -22548,7 +23269,7 @@
           <p:spPr>
             <a:xfrm>
               <a:off x="42025526" y="7766962"/>
-              <a:ext cx="1284855" cy="338554"/>
+              <a:ext cx="1392803" cy="338554"/>
             </a:xfrm>
             <a:prstGeom prst="rect">
               <a:avLst/>
@@ -22562,7 +23283,7 @@
             <a:lstStyle/>
             <a:p>
               <a:r>
-                <a:rPr lang="en-US" sz="1600" b="1" dirty="0" smtClean="0">
+                <a:rPr lang="en-US" sz="1600" b="1" smtClean="0">
                   <a:solidFill>
                     <a:srgbClr val="000000"/>
                   </a:solidFill>
@@ -22634,7 +23355,7 @@
             </a:prstGeom>
             <a:ln w="76200" cmpd="sng">
               <a:solidFill>
-                <a:schemeClr val="tx1"/>
+                <a:srgbClr val="27CACC"/>
               </a:solidFill>
               <a:headEnd type="none"/>
               <a:tailEnd type="none" w="lg" len="sm"/>
@@ -22663,7 +23384,7 @@
           </p:nvSpPr>
           <p:spPr>
             <a:xfrm>
-              <a:off x="42025527" y="8088639"/>
+              <a:off x="42012769" y="8094012"/>
               <a:ext cx="1284855" cy="338554"/>
             </a:xfrm>
             <a:prstGeom prst="rect">
@@ -22713,7 +23434,9 @@
             </a:prstGeom>
             <a:ln w="19050" cmpd="sng">
               <a:solidFill>
-                <a:schemeClr val="tx1"/>
+                <a:schemeClr val="bg1">
+                  <a:lumMod val="50000"/>
+                </a:schemeClr>
               </a:solidFill>
               <a:headEnd type="none"/>
               <a:tailEnd type="none" w="lg" len="sm"/>
@@ -22777,6 +23500,43 @@
           </p:txBody>
         </p:sp>
       </p:grpSp>
+      <p:cxnSp>
+        <p:nvCxnSpPr>
+          <p:cNvPr id="92" name="Straight Arrow Connector 91"/>
+          <p:cNvCxnSpPr/>
+          <p:nvPr/>
+        </p:nvCxnSpPr>
+        <p:spPr>
+          <a:xfrm>
+            <a:off x="41362658" y="8936696"/>
+            <a:ext cx="552861" cy="0"/>
+          </a:xfrm>
+          <a:prstGeom prst="straightConnector1">
+            <a:avLst/>
+          </a:prstGeom>
+          <a:ln w="76200" cmpd="sng">
+            <a:solidFill>
+              <a:srgbClr val="B70071"/>
+            </a:solidFill>
+            <a:headEnd type="none"/>
+            <a:tailEnd type="none" w="lg" len="sm"/>
+          </a:ln>
+        </p:spPr>
+        <p:style>
+          <a:lnRef idx="2">
+            <a:schemeClr val="accent1"/>
+          </a:lnRef>
+          <a:fillRef idx="0">
+            <a:schemeClr val="accent1"/>
+          </a:fillRef>
+          <a:effectRef idx="1">
+            <a:schemeClr val="accent1"/>
+          </a:effectRef>
+          <a:fontRef idx="minor">
+            <a:schemeClr val="tx1"/>
+          </a:fontRef>
+        </p:style>
+      </p:cxnSp>
     </p:spTree>
     <p:extLst>
       <p:ext uri="{BB962C8B-B14F-4D97-AF65-F5344CB8AC3E}">
@@ -22790,7 +23550,7 @@
   <p:timing>
     <p:tnLst>
       <p:par>
-        <p:cTn xmlns:p14="http://schemas.microsoft.com/office/powerpoint/2010/main" id="1" dur="indefinite" restart="never" nodeType="tmRoot"/>
+        <p:cTn id="1" dur="indefinite" restart="never" nodeType="tmRoot"/>
       </p:par>
     </p:tnLst>
   </p:timing>
